--- a/slides/T320_Classificação (Parte V).pptx
+++ b/slides/T320_Classificação (Parte V).pptx
@@ -291,7 +291,7 @@
           <a:p>
             <a:fld id="{144F1436-6906-4D93-B7A2-786C327BFA14}" type="datetimeFigureOut">
               <a:rPr lang="nl-BE" smtClean="0"/>
-              <a:t>3/08/2021</a:t>
+              <a:t>4/08/2021</a:t>
             </a:fld>
             <a:endParaRPr lang="nl-BE"/>
           </a:p>
@@ -456,7 +456,7 @@
           <a:p>
             <a:fld id="{AA8CD09E-2914-4F47-B6C1-51B2C31814C9}" type="datetimeFigureOut">
               <a:rPr lang="pt-BR" smtClean="0"/>
-              <a:t>03/08/2021</a:t>
+              <a:t>04/08/2021</a:t>
             </a:fld>
             <a:endParaRPr lang="pt-BR"/>
           </a:p>
@@ -1095,7 +1095,6 @@
               <a:rPr lang="pt-BR" dirty="0" smtClean="0"/>
               <a:t>. </a:t>
             </a:r>
-            <a:endParaRPr lang="pt-BR" dirty="0" smtClean="0"/>
           </a:p>
           <a:p>
             <a:pPr marL="0" marR="0" lvl="0" indent="0" algn="l" defTabSz="914400" rtl="0" eaLnBrk="1" fontAlgn="auto" latinLnBrk="0" hangingPunct="1">
@@ -1677,11 +1676,7 @@
           <a:p>
             <a:r>
               <a:rPr lang="pt-BR" dirty="0" smtClean="0"/>
-              <a:t>A </a:t>
-            </a:r>
-            <a:r>
-              <a:rPr lang="pt-BR" dirty="0" smtClean="0"/>
-              <a:t>área sob a curva ROC é uma medida da qualidade do classificador.</a:t>
+              <a:t>A área sob a curva ROC é uma medida da qualidade do classificador.</a:t>
             </a:r>
             <a:endParaRPr lang="pt-BR" dirty="0"/>
           </a:p>
@@ -1839,7 +1834,7 @@
           <p:cNvPr id="2" name="Título 1">
             <a:extLst>
               <a:ext uri="{FF2B5EF4-FFF2-40B4-BE49-F238E27FC236}">
-                <a16:creationId xmlns="" xmlns:a16="http://schemas.microsoft.com/office/drawing/2014/main" id="{1DB9B4FF-B06E-403C-A326-BDC64D8FF94E}"/>
+                <a16:creationId xmlns:a16="http://schemas.microsoft.com/office/drawing/2014/main" xmlns="" id="{1DB9B4FF-B06E-403C-A326-BDC64D8FF94E}"/>
               </a:ext>
             </a:extLst>
           </p:cNvPr>
@@ -1876,7 +1871,7 @@
           <p:cNvPr id="3" name="Subtítulo 2">
             <a:extLst>
               <a:ext uri="{FF2B5EF4-FFF2-40B4-BE49-F238E27FC236}">
-                <a16:creationId xmlns="" xmlns:a16="http://schemas.microsoft.com/office/drawing/2014/main" id="{247BDFCE-746E-45BF-A319-4733D58D1632}"/>
+                <a16:creationId xmlns:a16="http://schemas.microsoft.com/office/drawing/2014/main" xmlns="" id="{247BDFCE-746E-45BF-A319-4733D58D1632}"/>
               </a:ext>
             </a:extLst>
           </p:cNvPr>
@@ -1946,7 +1941,7 @@
           <p:cNvPr id="4" name="Espaço Reservado para Data 3">
             <a:extLst>
               <a:ext uri="{FF2B5EF4-FFF2-40B4-BE49-F238E27FC236}">
-                <a16:creationId xmlns="" xmlns:a16="http://schemas.microsoft.com/office/drawing/2014/main" id="{9EDE2778-5372-4104-B96D-968184DA8288}"/>
+                <a16:creationId xmlns:a16="http://schemas.microsoft.com/office/drawing/2014/main" xmlns="" id="{9EDE2778-5372-4104-B96D-968184DA8288}"/>
               </a:ext>
             </a:extLst>
           </p:cNvPr>
@@ -1964,7 +1959,7 @@
           <a:p>
             <a:fld id="{63289F7E-B80B-496E-81B4-D396C37C9454}" type="datetimeFigureOut">
               <a:rPr lang="pt-BR" smtClean="0"/>
-              <a:t>03/08/2021</a:t>
+              <a:t>04/08/2021</a:t>
             </a:fld>
             <a:endParaRPr lang="pt-BR"/>
           </a:p>
@@ -1975,7 +1970,7 @@
           <p:cNvPr id="5" name="Espaço Reservado para Rodapé 4">
             <a:extLst>
               <a:ext uri="{FF2B5EF4-FFF2-40B4-BE49-F238E27FC236}">
-                <a16:creationId xmlns="" xmlns:a16="http://schemas.microsoft.com/office/drawing/2014/main" id="{C1DD0F41-C861-4051-988D-3024A37A4B93}"/>
+                <a16:creationId xmlns:a16="http://schemas.microsoft.com/office/drawing/2014/main" xmlns="" id="{C1DD0F41-C861-4051-988D-3024A37A4B93}"/>
               </a:ext>
             </a:extLst>
           </p:cNvPr>
@@ -2000,7 +1995,7 @@
           <p:cNvPr id="6" name="Espaço Reservado para Número de Slide 5">
             <a:extLst>
               <a:ext uri="{FF2B5EF4-FFF2-40B4-BE49-F238E27FC236}">
-                <a16:creationId xmlns="" xmlns:a16="http://schemas.microsoft.com/office/drawing/2014/main" id="{07E5967E-D980-431A-A5DB-3F0C5030A81E}"/>
+                <a16:creationId xmlns:a16="http://schemas.microsoft.com/office/drawing/2014/main" xmlns="" id="{07E5967E-D980-431A-A5DB-3F0C5030A81E}"/>
               </a:ext>
             </a:extLst>
           </p:cNvPr>
@@ -2059,7 +2054,7 @@
           <p:cNvPr id="2" name="Título 1">
             <a:extLst>
               <a:ext uri="{FF2B5EF4-FFF2-40B4-BE49-F238E27FC236}">
-                <a16:creationId xmlns="" xmlns:a16="http://schemas.microsoft.com/office/drawing/2014/main" id="{9036C49F-3E68-4175-81BA-3C3FEE44308A}"/>
+                <a16:creationId xmlns:a16="http://schemas.microsoft.com/office/drawing/2014/main" xmlns="" id="{9036C49F-3E68-4175-81BA-3C3FEE44308A}"/>
               </a:ext>
             </a:extLst>
           </p:cNvPr>
@@ -2087,7 +2082,7 @@
           <p:cNvPr id="3" name="Espaço Reservado para Texto Vertical 2">
             <a:extLst>
               <a:ext uri="{FF2B5EF4-FFF2-40B4-BE49-F238E27FC236}">
-                <a16:creationId xmlns="" xmlns:a16="http://schemas.microsoft.com/office/drawing/2014/main" id="{426FA736-3DD3-4D4E-B57B-BBE1D8F7D424}"/>
+                <a16:creationId xmlns:a16="http://schemas.microsoft.com/office/drawing/2014/main" xmlns="" id="{426FA736-3DD3-4D4E-B57B-BBE1D8F7D424}"/>
               </a:ext>
             </a:extLst>
           </p:cNvPr>
@@ -2144,7 +2139,7 @@
           <p:cNvPr id="4" name="Espaço Reservado para Data 3">
             <a:extLst>
               <a:ext uri="{FF2B5EF4-FFF2-40B4-BE49-F238E27FC236}">
-                <a16:creationId xmlns="" xmlns:a16="http://schemas.microsoft.com/office/drawing/2014/main" id="{99E8855C-D8FD-48F6-B14E-861E0DE4D915}"/>
+                <a16:creationId xmlns:a16="http://schemas.microsoft.com/office/drawing/2014/main" xmlns="" id="{99E8855C-D8FD-48F6-B14E-861E0DE4D915}"/>
               </a:ext>
             </a:extLst>
           </p:cNvPr>
@@ -2162,7 +2157,7 @@
           <a:p>
             <a:fld id="{63289F7E-B80B-496E-81B4-D396C37C9454}" type="datetimeFigureOut">
               <a:rPr lang="pt-BR" smtClean="0"/>
-              <a:t>03/08/2021</a:t>
+              <a:t>04/08/2021</a:t>
             </a:fld>
             <a:endParaRPr lang="pt-BR"/>
           </a:p>
@@ -2173,7 +2168,7 @@
           <p:cNvPr id="5" name="Espaço Reservado para Rodapé 4">
             <a:extLst>
               <a:ext uri="{FF2B5EF4-FFF2-40B4-BE49-F238E27FC236}">
-                <a16:creationId xmlns="" xmlns:a16="http://schemas.microsoft.com/office/drawing/2014/main" id="{97C0BB88-2F21-42A5-ACFF-83DA47F2D340}"/>
+                <a16:creationId xmlns:a16="http://schemas.microsoft.com/office/drawing/2014/main" xmlns="" id="{97C0BB88-2F21-42A5-ACFF-83DA47F2D340}"/>
               </a:ext>
             </a:extLst>
           </p:cNvPr>
@@ -2198,7 +2193,7 @@
           <p:cNvPr id="6" name="Espaço Reservado para Número de Slide 5">
             <a:extLst>
               <a:ext uri="{FF2B5EF4-FFF2-40B4-BE49-F238E27FC236}">
-                <a16:creationId xmlns="" xmlns:a16="http://schemas.microsoft.com/office/drawing/2014/main" id="{6CB462B3-1F22-4C05-B4B8-7A279FB7D5E9}"/>
+                <a16:creationId xmlns:a16="http://schemas.microsoft.com/office/drawing/2014/main" xmlns="" id="{6CB462B3-1F22-4C05-B4B8-7A279FB7D5E9}"/>
               </a:ext>
             </a:extLst>
           </p:cNvPr>
@@ -2257,7 +2252,7 @@
           <p:cNvPr id="2" name="Título Vertical 1">
             <a:extLst>
               <a:ext uri="{FF2B5EF4-FFF2-40B4-BE49-F238E27FC236}">
-                <a16:creationId xmlns="" xmlns:a16="http://schemas.microsoft.com/office/drawing/2014/main" id="{EAEAB728-701C-4207-A9D5-23FF45C60502}"/>
+                <a16:creationId xmlns:a16="http://schemas.microsoft.com/office/drawing/2014/main" xmlns="" id="{EAEAB728-701C-4207-A9D5-23FF45C60502}"/>
               </a:ext>
             </a:extLst>
           </p:cNvPr>
@@ -2290,7 +2285,7 @@
           <p:cNvPr id="3" name="Espaço Reservado para Texto Vertical 2">
             <a:extLst>
               <a:ext uri="{FF2B5EF4-FFF2-40B4-BE49-F238E27FC236}">
-                <a16:creationId xmlns="" xmlns:a16="http://schemas.microsoft.com/office/drawing/2014/main" id="{BA8C8CCF-7823-480A-9A19-0F664DD17E3B}"/>
+                <a16:creationId xmlns:a16="http://schemas.microsoft.com/office/drawing/2014/main" xmlns="" id="{BA8C8CCF-7823-480A-9A19-0F664DD17E3B}"/>
               </a:ext>
             </a:extLst>
           </p:cNvPr>
@@ -2352,7 +2347,7 @@
           <p:cNvPr id="4" name="Espaço Reservado para Data 3">
             <a:extLst>
               <a:ext uri="{FF2B5EF4-FFF2-40B4-BE49-F238E27FC236}">
-                <a16:creationId xmlns="" xmlns:a16="http://schemas.microsoft.com/office/drawing/2014/main" id="{721D5734-7B1F-425D-942F-6EB73344027C}"/>
+                <a16:creationId xmlns:a16="http://schemas.microsoft.com/office/drawing/2014/main" xmlns="" id="{721D5734-7B1F-425D-942F-6EB73344027C}"/>
               </a:ext>
             </a:extLst>
           </p:cNvPr>
@@ -2370,7 +2365,7 @@
           <a:p>
             <a:fld id="{63289F7E-B80B-496E-81B4-D396C37C9454}" type="datetimeFigureOut">
               <a:rPr lang="pt-BR" smtClean="0"/>
-              <a:t>03/08/2021</a:t>
+              <a:t>04/08/2021</a:t>
             </a:fld>
             <a:endParaRPr lang="pt-BR"/>
           </a:p>
@@ -2381,7 +2376,7 @@
           <p:cNvPr id="5" name="Espaço Reservado para Rodapé 4">
             <a:extLst>
               <a:ext uri="{FF2B5EF4-FFF2-40B4-BE49-F238E27FC236}">
-                <a16:creationId xmlns="" xmlns:a16="http://schemas.microsoft.com/office/drawing/2014/main" id="{1E1AAEAC-F08D-45FE-89EC-B1B349A868C9}"/>
+                <a16:creationId xmlns:a16="http://schemas.microsoft.com/office/drawing/2014/main" xmlns="" id="{1E1AAEAC-F08D-45FE-89EC-B1B349A868C9}"/>
               </a:ext>
             </a:extLst>
           </p:cNvPr>
@@ -2406,7 +2401,7 @@
           <p:cNvPr id="6" name="Espaço Reservado para Número de Slide 5">
             <a:extLst>
               <a:ext uri="{FF2B5EF4-FFF2-40B4-BE49-F238E27FC236}">
-                <a16:creationId xmlns="" xmlns:a16="http://schemas.microsoft.com/office/drawing/2014/main" id="{BAA44493-9911-47B2-87A6-C2141A972BC8}"/>
+                <a16:creationId xmlns:a16="http://schemas.microsoft.com/office/drawing/2014/main" xmlns="" id="{BAA44493-9911-47B2-87A6-C2141A972BC8}"/>
               </a:ext>
             </a:extLst>
           </p:cNvPr>
@@ -2465,7 +2460,7 @@
           <p:cNvPr id="2" name="Título 1">
             <a:extLst>
               <a:ext uri="{FF2B5EF4-FFF2-40B4-BE49-F238E27FC236}">
-                <a16:creationId xmlns="" xmlns:a16="http://schemas.microsoft.com/office/drawing/2014/main" id="{71BD44A5-8F21-4626-A01D-48A1C874B1D5}"/>
+                <a16:creationId xmlns:a16="http://schemas.microsoft.com/office/drawing/2014/main" xmlns="" id="{71BD44A5-8F21-4626-A01D-48A1C874B1D5}"/>
               </a:ext>
             </a:extLst>
           </p:cNvPr>
@@ -2493,7 +2488,7 @@
           <p:cNvPr id="3" name="Espaço Reservado para Conteúdo 2">
             <a:extLst>
               <a:ext uri="{FF2B5EF4-FFF2-40B4-BE49-F238E27FC236}">
-                <a16:creationId xmlns="" xmlns:a16="http://schemas.microsoft.com/office/drawing/2014/main" id="{B79E8085-65A9-48AA-951D-71D978BFF4ED}"/>
+                <a16:creationId xmlns:a16="http://schemas.microsoft.com/office/drawing/2014/main" xmlns="" id="{B79E8085-65A9-48AA-951D-71D978BFF4ED}"/>
               </a:ext>
             </a:extLst>
           </p:cNvPr>
@@ -2550,7 +2545,7 @@
           <p:cNvPr id="4" name="Espaço Reservado para Data 3">
             <a:extLst>
               <a:ext uri="{FF2B5EF4-FFF2-40B4-BE49-F238E27FC236}">
-                <a16:creationId xmlns="" xmlns:a16="http://schemas.microsoft.com/office/drawing/2014/main" id="{F05BE1AF-51EA-425D-B188-DE7BD675009F}"/>
+                <a16:creationId xmlns:a16="http://schemas.microsoft.com/office/drawing/2014/main" xmlns="" id="{F05BE1AF-51EA-425D-B188-DE7BD675009F}"/>
               </a:ext>
             </a:extLst>
           </p:cNvPr>
@@ -2568,7 +2563,7 @@
           <a:p>
             <a:fld id="{63289F7E-B80B-496E-81B4-D396C37C9454}" type="datetimeFigureOut">
               <a:rPr lang="pt-BR" smtClean="0"/>
-              <a:t>03/08/2021</a:t>
+              <a:t>04/08/2021</a:t>
             </a:fld>
             <a:endParaRPr lang="pt-BR"/>
           </a:p>
@@ -2579,7 +2574,7 @@
           <p:cNvPr id="5" name="Espaço Reservado para Rodapé 4">
             <a:extLst>
               <a:ext uri="{FF2B5EF4-FFF2-40B4-BE49-F238E27FC236}">
-                <a16:creationId xmlns="" xmlns:a16="http://schemas.microsoft.com/office/drawing/2014/main" id="{121BE632-29CF-4CB9-B365-C9EF38F89BE6}"/>
+                <a16:creationId xmlns:a16="http://schemas.microsoft.com/office/drawing/2014/main" xmlns="" id="{121BE632-29CF-4CB9-B365-C9EF38F89BE6}"/>
               </a:ext>
             </a:extLst>
           </p:cNvPr>
@@ -2604,7 +2599,7 @@
           <p:cNvPr id="6" name="Espaço Reservado para Número de Slide 5">
             <a:extLst>
               <a:ext uri="{FF2B5EF4-FFF2-40B4-BE49-F238E27FC236}">
-                <a16:creationId xmlns="" xmlns:a16="http://schemas.microsoft.com/office/drawing/2014/main" id="{60CF3DD1-9AEC-4A57-B461-4E4DD86FAC18}"/>
+                <a16:creationId xmlns:a16="http://schemas.microsoft.com/office/drawing/2014/main" xmlns="" id="{60CF3DD1-9AEC-4A57-B461-4E4DD86FAC18}"/>
               </a:ext>
             </a:extLst>
           </p:cNvPr>
@@ -2663,7 +2658,7 @@
           <p:cNvPr id="2" name="Título 1">
             <a:extLst>
               <a:ext uri="{FF2B5EF4-FFF2-40B4-BE49-F238E27FC236}">
-                <a16:creationId xmlns="" xmlns:a16="http://schemas.microsoft.com/office/drawing/2014/main" id="{34AB2FF0-A4D7-4E28-991D-FF26140D5988}"/>
+                <a16:creationId xmlns:a16="http://schemas.microsoft.com/office/drawing/2014/main" xmlns="" id="{34AB2FF0-A4D7-4E28-991D-FF26140D5988}"/>
               </a:ext>
             </a:extLst>
           </p:cNvPr>
@@ -2700,7 +2695,7 @@
           <p:cNvPr id="3" name="Espaço Reservado para Texto 2">
             <a:extLst>
               <a:ext uri="{FF2B5EF4-FFF2-40B4-BE49-F238E27FC236}">
-                <a16:creationId xmlns="" xmlns:a16="http://schemas.microsoft.com/office/drawing/2014/main" id="{E2AC45B0-4145-40DB-8E61-105461170604}"/>
+                <a16:creationId xmlns:a16="http://schemas.microsoft.com/office/drawing/2014/main" xmlns="" id="{E2AC45B0-4145-40DB-8E61-105461170604}"/>
               </a:ext>
             </a:extLst>
           </p:cNvPr>
@@ -2825,7 +2820,7 @@
           <p:cNvPr id="4" name="Espaço Reservado para Data 3">
             <a:extLst>
               <a:ext uri="{FF2B5EF4-FFF2-40B4-BE49-F238E27FC236}">
-                <a16:creationId xmlns="" xmlns:a16="http://schemas.microsoft.com/office/drawing/2014/main" id="{50F1D3FB-740A-4EBA-A309-2CE71D12ECFB}"/>
+                <a16:creationId xmlns:a16="http://schemas.microsoft.com/office/drawing/2014/main" xmlns="" id="{50F1D3FB-740A-4EBA-A309-2CE71D12ECFB}"/>
               </a:ext>
             </a:extLst>
           </p:cNvPr>
@@ -2843,7 +2838,7 @@
           <a:p>
             <a:fld id="{63289F7E-B80B-496E-81B4-D396C37C9454}" type="datetimeFigureOut">
               <a:rPr lang="pt-BR" smtClean="0"/>
-              <a:t>03/08/2021</a:t>
+              <a:t>04/08/2021</a:t>
             </a:fld>
             <a:endParaRPr lang="pt-BR"/>
           </a:p>
@@ -2854,7 +2849,7 @@
           <p:cNvPr id="5" name="Espaço Reservado para Rodapé 4">
             <a:extLst>
               <a:ext uri="{FF2B5EF4-FFF2-40B4-BE49-F238E27FC236}">
-                <a16:creationId xmlns="" xmlns:a16="http://schemas.microsoft.com/office/drawing/2014/main" id="{BDCAB18F-8715-4465-A940-F9C193A2ACE9}"/>
+                <a16:creationId xmlns:a16="http://schemas.microsoft.com/office/drawing/2014/main" xmlns="" id="{BDCAB18F-8715-4465-A940-F9C193A2ACE9}"/>
               </a:ext>
             </a:extLst>
           </p:cNvPr>
@@ -2879,7 +2874,7 @@
           <p:cNvPr id="6" name="Espaço Reservado para Número de Slide 5">
             <a:extLst>
               <a:ext uri="{FF2B5EF4-FFF2-40B4-BE49-F238E27FC236}">
-                <a16:creationId xmlns="" xmlns:a16="http://schemas.microsoft.com/office/drawing/2014/main" id="{353466C6-8248-429F-8056-FF040BF509EB}"/>
+                <a16:creationId xmlns:a16="http://schemas.microsoft.com/office/drawing/2014/main" xmlns="" id="{353466C6-8248-429F-8056-FF040BF509EB}"/>
               </a:ext>
             </a:extLst>
           </p:cNvPr>
@@ -2938,7 +2933,7 @@
           <p:cNvPr id="2" name="Título 1">
             <a:extLst>
               <a:ext uri="{FF2B5EF4-FFF2-40B4-BE49-F238E27FC236}">
-                <a16:creationId xmlns="" xmlns:a16="http://schemas.microsoft.com/office/drawing/2014/main" id="{BC7BB9F0-F14B-4A91-B2B7-35BC47FE4DE7}"/>
+                <a16:creationId xmlns:a16="http://schemas.microsoft.com/office/drawing/2014/main" xmlns="" id="{BC7BB9F0-F14B-4A91-B2B7-35BC47FE4DE7}"/>
               </a:ext>
             </a:extLst>
           </p:cNvPr>
@@ -2966,7 +2961,7 @@
           <p:cNvPr id="3" name="Espaço Reservado para Conteúdo 2">
             <a:extLst>
               <a:ext uri="{FF2B5EF4-FFF2-40B4-BE49-F238E27FC236}">
-                <a16:creationId xmlns="" xmlns:a16="http://schemas.microsoft.com/office/drawing/2014/main" id="{EC1FC1C4-73DA-47A6-8496-B0B457F7D39A}"/>
+                <a16:creationId xmlns:a16="http://schemas.microsoft.com/office/drawing/2014/main" xmlns="" id="{EC1FC1C4-73DA-47A6-8496-B0B457F7D39A}"/>
               </a:ext>
             </a:extLst>
           </p:cNvPr>
@@ -3028,7 +3023,7 @@
           <p:cNvPr id="4" name="Espaço Reservado para Conteúdo 3">
             <a:extLst>
               <a:ext uri="{FF2B5EF4-FFF2-40B4-BE49-F238E27FC236}">
-                <a16:creationId xmlns="" xmlns:a16="http://schemas.microsoft.com/office/drawing/2014/main" id="{E92F06A8-A449-4D92-9912-76873E529B38}"/>
+                <a16:creationId xmlns:a16="http://schemas.microsoft.com/office/drawing/2014/main" xmlns="" id="{E92F06A8-A449-4D92-9912-76873E529B38}"/>
               </a:ext>
             </a:extLst>
           </p:cNvPr>
@@ -3090,7 +3085,7 @@
           <p:cNvPr id="5" name="Espaço Reservado para Data 4">
             <a:extLst>
               <a:ext uri="{FF2B5EF4-FFF2-40B4-BE49-F238E27FC236}">
-                <a16:creationId xmlns="" xmlns:a16="http://schemas.microsoft.com/office/drawing/2014/main" id="{938070A4-BC2F-4D55-BD8D-DEAF11BB9EE9}"/>
+                <a16:creationId xmlns:a16="http://schemas.microsoft.com/office/drawing/2014/main" xmlns="" id="{938070A4-BC2F-4D55-BD8D-DEAF11BB9EE9}"/>
               </a:ext>
             </a:extLst>
           </p:cNvPr>
@@ -3108,7 +3103,7 @@
           <a:p>
             <a:fld id="{63289F7E-B80B-496E-81B4-D396C37C9454}" type="datetimeFigureOut">
               <a:rPr lang="pt-BR" smtClean="0"/>
-              <a:t>03/08/2021</a:t>
+              <a:t>04/08/2021</a:t>
             </a:fld>
             <a:endParaRPr lang="pt-BR"/>
           </a:p>
@@ -3119,7 +3114,7 @@
           <p:cNvPr id="6" name="Espaço Reservado para Rodapé 5">
             <a:extLst>
               <a:ext uri="{FF2B5EF4-FFF2-40B4-BE49-F238E27FC236}">
-                <a16:creationId xmlns="" xmlns:a16="http://schemas.microsoft.com/office/drawing/2014/main" id="{45CC2DB8-844A-465F-BA9A-7734C80C7F43}"/>
+                <a16:creationId xmlns:a16="http://schemas.microsoft.com/office/drawing/2014/main" xmlns="" id="{45CC2DB8-844A-465F-BA9A-7734C80C7F43}"/>
               </a:ext>
             </a:extLst>
           </p:cNvPr>
@@ -3144,7 +3139,7 @@
           <p:cNvPr id="7" name="Espaço Reservado para Número de Slide 6">
             <a:extLst>
               <a:ext uri="{FF2B5EF4-FFF2-40B4-BE49-F238E27FC236}">
-                <a16:creationId xmlns="" xmlns:a16="http://schemas.microsoft.com/office/drawing/2014/main" id="{4CC606A8-097B-4040-94E0-CD8C88280D8F}"/>
+                <a16:creationId xmlns:a16="http://schemas.microsoft.com/office/drawing/2014/main" xmlns="" id="{4CC606A8-097B-4040-94E0-CD8C88280D8F}"/>
               </a:ext>
             </a:extLst>
           </p:cNvPr>
@@ -3203,7 +3198,7 @@
           <p:cNvPr id="2" name="Título 1">
             <a:extLst>
               <a:ext uri="{FF2B5EF4-FFF2-40B4-BE49-F238E27FC236}">
-                <a16:creationId xmlns="" xmlns:a16="http://schemas.microsoft.com/office/drawing/2014/main" id="{76D66686-0143-4CB6-8C09-BA326F1E7ACA}"/>
+                <a16:creationId xmlns:a16="http://schemas.microsoft.com/office/drawing/2014/main" xmlns="" id="{76D66686-0143-4CB6-8C09-BA326F1E7ACA}"/>
               </a:ext>
             </a:extLst>
           </p:cNvPr>
@@ -3236,7 +3231,7 @@
           <p:cNvPr id="3" name="Espaço Reservado para Texto 2">
             <a:extLst>
               <a:ext uri="{FF2B5EF4-FFF2-40B4-BE49-F238E27FC236}">
-                <a16:creationId xmlns="" xmlns:a16="http://schemas.microsoft.com/office/drawing/2014/main" id="{0227AB85-F59E-4BCE-B846-4FA0992C2F23}"/>
+                <a16:creationId xmlns:a16="http://schemas.microsoft.com/office/drawing/2014/main" xmlns="" id="{0227AB85-F59E-4BCE-B846-4FA0992C2F23}"/>
               </a:ext>
             </a:extLst>
           </p:cNvPr>
@@ -3307,7 +3302,7 @@
           <p:cNvPr id="4" name="Espaço Reservado para Conteúdo 3">
             <a:extLst>
               <a:ext uri="{FF2B5EF4-FFF2-40B4-BE49-F238E27FC236}">
-                <a16:creationId xmlns="" xmlns:a16="http://schemas.microsoft.com/office/drawing/2014/main" id="{3373456C-7319-4D0A-827D-D29F6B083F5D}"/>
+                <a16:creationId xmlns:a16="http://schemas.microsoft.com/office/drawing/2014/main" xmlns="" id="{3373456C-7319-4D0A-827D-D29F6B083F5D}"/>
               </a:ext>
             </a:extLst>
           </p:cNvPr>
@@ -3369,7 +3364,7 @@
           <p:cNvPr id="5" name="Espaço Reservado para Texto 4">
             <a:extLst>
               <a:ext uri="{FF2B5EF4-FFF2-40B4-BE49-F238E27FC236}">
-                <a16:creationId xmlns="" xmlns:a16="http://schemas.microsoft.com/office/drawing/2014/main" id="{4CD109D0-2E83-4262-8029-A871CEC47406}"/>
+                <a16:creationId xmlns:a16="http://schemas.microsoft.com/office/drawing/2014/main" xmlns="" id="{4CD109D0-2E83-4262-8029-A871CEC47406}"/>
               </a:ext>
             </a:extLst>
           </p:cNvPr>
@@ -3440,7 +3435,7 @@
           <p:cNvPr id="6" name="Espaço Reservado para Conteúdo 5">
             <a:extLst>
               <a:ext uri="{FF2B5EF4-FFF2-40B4-BE49-F238E27FC236}">
-                <a16:creationId xmlns="" xmlns:a16="http://schemas.microsoft.com/office/drawing/2014/main" id="{AD706E3A-CFBB-4A6C-A65F-D0360A9E74FE}"/>
+                <a16:creationId xmlns:a16="http://schemas.microsoft.com/office/drawing/2014/main" xmlns="" id="{AD706E3A-CFBB-4A6C-A65F-D0360A9E74FE}"/>
               </a:ext>
             </a:extLst>
           </p:cNvPr>
@@ -3502,7 +3497,7 @@
           <p:cNvPr id="7" name="Espaço Reservado para Data 6">
             <a:extLst>
               <a:ext uri="{FF2B5EF4-FFF2-40B4-BE49-F238E27FC236}">
-                <a16:creationId xmlns="" xmlns:a16="http://schemas.microsoft.com/office/drawing/2014/main" id="{4172C0E5-5AF0-4805-BB51-443733CD2BD5}"/>
+                <a16:creationId xmlns:a16="http://schemas.microsoft.com/office/drawing/2014/main" xmlns="" id="{4172C0E5-5AF0-4805-BB51-443733CD2BD5}"/>
               </a:ext>
             </a:extLst>
           </p:cNvPr>
@@ -3520,7 +3515,7 @@
           <a:p>
             <a:fld id="{63289F7E-B80B-496E-81B4-D396C37C9454}" type="datetimeFigureOut">
               <a:rPr lang="pt-BR" smtClean="0"/>
-              <a:t>03/08/2021</a:t>
+              <a:t>04/08/2021</a:t>
             </a:fld>
             <a:endParaRPr lang="pt-BR"/>
           </a:p>
@@ -3531,7 +3526,7 @@
           <p:cNvPr id="8" name="Espaço Reservado para Rodapé 7">
             <a:extLst>
               <a:ext uri="{FF2B5EF4-FFF2-40B4-BE49-F238E27FC236}">
-                <a16:creationId xmlns="" xmlns:a16="http://schemas.microsoft.com/office/drawing/2014/main" id="{0E801648-156F-497E-99CF-797DF48051E1}"/>
+                <a16:creationId xmlns:a16="http://schemas.microsoft.com/office/drawing/2014/main" xmlns="" id="{0E801648-156F-497E-99CF-797DF48051E1}"/>
               </a:ext>
             </a:extLst>
           </p:cNvPr>
@@ -3556,7 +3551,7 @@
           <p:cNvPr id="9" name="Espaço Reservado para Número de Slide 8">
             <a:extLst>
               <a:ext uri="{FF2B5EF4-FFF2-40B4-BE49-F238E27FC236}">
-                <a16:creationId xmlns="" xmlns:a16="http://schemas.microsoft.com/office/drawing/2014/main" id="{EEE23D32-80E7-4796-A137-66BF842E4B53}"/>
+                <a16:creationId xmlns:a16="http://schemas.microsoft.com/office/drawing/2014/main" xmlns="" id="{EEE23D32-80E7-4796-A137-66BF842E4B53}"/>
               </a:ext>
             </a:extLst>
           </p:cNvPr>
@@ -3615,7 +3610,7 @@
           <p:cNvPr id="2" name="Título 1">
             <a:extLst>
               <a:ext uri="{FF2B5EF4-FFF2-40B4-BE49-F238E27FC236}">
-                <a16:creationId xmlns="" xmlns:a16="http://schemas.microsoft.com/office/drawing/2014/main" id="{2BCE2379-C78F-47E1-8CFC-B846E7AF148D}"/>
+                <a16:creationId xmlns:a16="http://schemas.microsoft.com/office/drawing/2014/main" xmlns="" id="{2BCE2379-C78F-47E1-8CFC-B846E7AF148D}"/>
               </a:ext>
             </a:extLst>
           </p:cNvPr>
@@ -3643,7 +3638,7 @@
           <p:cNvPr id="3" name="Espaço Reservado para Data 2">
             <a:extLst>
               <a:ext uri="{FF2B5EF4-FFF2-40B4-BE49-F238E27FC236}">
-                <a16:creationId xmlns="" xmlns:a16="http://schemas.microsoft.com/office/drawing/2014/main" id="{342600A9-7F92-4E22-9D94-E4717252A817}"/>
+                <a16:creationId xmlns:a16="http://schemas.microsoft.com/office/drawing/2014/main" xmlns="" id="{342600A9-7F92-4E22-9D94-E4717252A817}"/>
               </a:ext>
             </a:extLst>
           </p:cNvPr>
@@ -3661,7 +3656,7 @@
           <a:p>
             <a:fld id="{63289F7E-B80B-496E-81B4-D396C37C9454}" type="datetimeFigureOut">
               <a:rPr lang="pt-BR" smtClean="0"/>
-              <a:t>03/08/2021</a:t>
+              <a:t>04/08/2021</a:t>
             </a:fld>
             <a:endParaRPr lang="pt-BR"/>
           </a:p>
@@ -3672,7 +3667,7 @@
           <p:cNvPr id="4" name="Espaço Reservado para Rodapé 3">
             <a:extLst>
               <a:ext uri="{FF2B5EF4-FFF2-40B4-BE49-F238E27FC236}">
-                <a16:creationId xmlns="" xmlns:a16="http://schemas.microsoft.com/office/drawing/2014/main" id="{192E6BED-F546-40CC-A2DF-99CBA853654E}"/>
+                <a16:creationId xmlns:a16="http://schemas.microsoft.com/office/drawing/2014/main" xmlns="" id="{192E6BED-F546-40CC-A2DF-99CBA853654E}"/>
               </a:ext>
             </a:extLst>
           </p:cNvPr>
@@ -3697,7 +3692,7 @@
           <p:cNvPr id="5" name="Espaço Reservado para Número de Slide 4">
             <a:extLst>
               <a:ext uri="{FF2B5EF4-FFF2-40B4-BE49-F238E27FC236}">
-                <a16:creationId xmlns="" xmlns:a16="http://schemas.microsoft.com/office/drawing/2014/main" id="{6091CC40-A8C4-4063-80EB-CC5099621678}"/>
+                <a16:creationId xmlns:a16="http://schemas.microsoft.com/office/drawing/2014/main" xmlns="" id="{6091CC40-A8C4-4063-80EB-CC5099621678}"/>
               </a:ext>
             </a:extLst>
           </p:cNvPr>
@@ -3756,7 +3751,7 @@
           <p:cNvPr id="2" name="Espaço Reservado para Data 1">
             <a:extLst>
               <a:ext uri="{FF2B5EF4-FFF2-40B4-BE49-F238E27FC236}">
-                <a16:creationId xmlns="" xmlns:a16="http://schemas.microsoft.com/office/drawing/2014/main" id="{DD19515C-212C-4EAE-84A3-8FF4BC844F1B}"/>
+                <a16:creationId xmlns:a16="http://schemas.microsoft.com/office/drawing/2014/main" xmlns="" id="{DD19515C-212C-4EAE-84A3-8FF4BC844F1B}"/>
               </a:ext>
             </a:extLst>
           </p:cNvPr>
@@ -3774,7 +3769,7 @@
           <a:p>
             <a:fld id="{63289F7E-B80B-496E-81B4-D396C37C9454}" type="datetimeFigureOut">
               <a:rPr lang="pt-BR" smtClean="0"/>
-              <a:t>03/08/2021</a:t>
+              <a:t>04/08/2021</a:t>
             </a:fld>
             <a:endParaRPr lang="pt-BR"/>
           </a:p>
@@ -3785,7 +3780,7 @@
           <p:cNvPr id="3" name="Espaço Reservado para Rodapé 2">
             <a:extLst>
               <a:ext uri="{FF2B5EF4-FFF2-40B4-BE49-F238E27FC236}">
-                <a16:creationId xmlns="" xmlns:a16="http://schemas.microsoft.com/office/drawing/2014/main" id="{94D3D120-B3E8-4C96-861D-7A4F12F49B3A}"/>
+                <a16:creationId xmlns:a16="http://schemas.microsoft.com/office/drawing/2014/main" xmlns="" id="{94D3D120-B3E8-4C96-861D-7A4F12F49B3A}"/>
               </a:ext>
             </a:extLst>
           </p:cNvPr>
@@ -3810,7 +3805,7 @@
           <p:cNvPr id="4" name="Espaço Reservado para Número de Slide 3">
             <a:extLst>
               <a:ext uri="{FF2B5EF4-FFF2-40B4-BE49-F238E27FC236}">
-                <a16:creationId xmlns="" xmlns:a16="http://schemas.microsoft.com/office/drawing/2014/main" id="{42E49B68-FA1B-468B-9F17-D5C09243D454}"/>
+                <a16:creationId xmlns:a16="http://schemas.microsoft.com/office/drawing/2014/main" xmlns="" id="{42E49B68-FA1B-468B-9F17-D5C09243D454}"/>
               </a:ext>
             </a:extLst>
           </p:cNvPr>
@@ -3869,7 +3864,7 @@
           <p:cNvPr id="2" name="Título 1">
             <a:extLst>
               <a:ext uri="{FF2B5EF4-FFF2-40B4-BE49-F238E27FC236}">
-                <a16:creationId xmlns="" xmlns:a16="http://schemas.microsoft.com/office/drawing/2014/main" id="{1C17BCBE-A897-4319-85EC-D87909C24980}"/>
+                <a16:creationId xmlns:a16="http://schemas.microsoft.com/office/drawing/2014/main" xmlns="" id="{1C17BCBE-A897-4319-85EC-D87909C24980}"/>
               </a:ext>
             </a:extLst>
           </p:cNvPr>
@@ -3906,7 +3901,7 @@
           <p:cNvPr id="3" name="Espaço Reservado para Conteúdo 2">
             <a:extLst>
               <a:ext uri="{FF2B5EF4-FFF2-40B4-BE49-F238E27FC236}">
-                <a16:creationId xmlns="" xmlns:a16="http://schemas.microsoft.com/office/drawing/2014/main" id="{4226F885-0204-4913-868B-4B8B82576F17}"/>
+                <a16:creationId xmlns:a16="http://schemas.microsoft.com/office/drawing/2014/main" xmlns="" id="{4226F885-0204-4913-868B-4B8B82576F17}"/>
               </a:ext>
             </a:extLst>
           </p:cNvPr>
@@ -3996,7 +3991,7 @@
           <p:cNvPr id="4" name="Espaço Reservado para Texto 3">
             <a:extLst>
               <a:ext uri="{FF2B5EF4-FFF2-40B4-BE49-F238E27FC236}">
-                <a16:creationId xmlns="" xmlns:a16="http://schemas.microsoft.com/office/drawing/2014/main" id="{00F9F784-A858-441B-8AB5-697098141751}"/>
+                <a16:creationId xmlns:a16="http://schemas.microsoft.com/office/drawing/2014/main" xmlns="" id="{00F9F784-A858-441B-8AB5-697098141751}"/>
               </a:ext>
             </a:extLst>
           </p:cNvPr>
@@ -4067,7 +4062,7 @@
           <p:cNvPr id="5" name="Espaço Reservado para Data 4">
             <a:extLst>
               <a:ext uri="{FF2B5EF4-FFF2-40B4-BE49-F238E27FC236}">
-                <a16:creationId xmlns="" xmlns:a16="http://schemas.microsoft.com/office/drawing/2014/main" id="{A4DC363A-5000-472E-8B17-02E7DCB8840A}"/>
+                <a16:creationId xmlns:a16="http://schemas.microsoft.com/office/drawing/2014/main" xmlns="" id="{A4DC363A-5000-472E-8B17-02E7DCB8840A}"/>
               </a:ext>
             </a:extLst>
           </p:cNvPr>
@@ -4085,7 +4080,7 @@
           <a:p>
             <a:fld id="{63289F7E-B80B-496E-81B4-D396C37C9454}" type="datetimeFigureOut">
               <a:rPr lang="pt-BR" smtClean="0"/>
-              <a:t>03/08/2021</a:t>
+              <a:t>04/08/2021</a:t>
             </a:fld>
             <a:endParaRPr lang="pt-BR"/>
           </a:p>
@@ -4096,7 +4091,7 @@
           <p:cNvPr id="6" name="Espaço Reservado para Rodapé 5">
             <a:extLst>
               <a:ext uri="{FF2B5EF4-FFF2-40B4-BE49-F238E27FC236}">
-                <a16:creationId xmlns="" xmlns:a16="http://schemas.microsoft.com/office/drawing/2014/main" id="{5548425D-2C21-4C56-BAD4-662978775C28}"/>
+                <a16:creationId xmlns:a16="http://schemas.microsoft.com/office/drawing/2014/main" xmlns="" id="{5548425D-2C21-4C56-BAD4-662978775C28}"/>
               </a:ext>
             </a:extLst>
           </p:cNvPr>
@@ -4121,7 +4116,7 @@
           <p:cNvPr id="7" name="Espaço Reservado para Número de Slide 6">
             <a:extLst>
               <a:ext uri="{FF2B5EF4-FFF2-40B4-BE49-F238E27FC236}">
-                <a16:creationId xmlns="" xmlns:a16="http://schemas.microsoft.com/office/drawing/2014/main" id="{C63E9726-E64C-42B2-AE8A-8C235A956B48}"/>
+                <a16:creationId xmlns:a16="http://schemas.microsoft.com/office/drawing/2014/main" xmlns="" id="{C63E9726-E64C-42B2-AE8A-8C235A956B48}"/>
               </a:ext>
             </a:extLst>
           </p:cNvPr>
@@ -4180,7 +4175,7 @@
           <p:cNvPr id="2" name="Título 1">
             <a:extLst>
               <a:ext uri="{FF2B5EF4-FFF2-40B4-BE49-F238E27FC236}">
-                <a16:creationId xmlns="" xmlns:a16="http://schemas.microsoft.com/office/drawing/2014/main" id="{11086A78-3E74-450C-96A6-CA8AC37AF772}"/>
+                <a16:creationId xmlns:a16="http://schemas.microsoft.com/office/drawing/2014/main" xmlns="" id="{11086A78-3E74-450C-96A6-CA8AC37AF772}"/>
               </a:ext>
             </a:extLst>
           </p:cNvPr>
@@ -4217,7 +4212,7 @@
           <p:cNvPr id="3" name="Espaço Reservado para Imagem 2">
             <a:extLst>
               <a:ext uri="{FF2B5EF4-FFF2-40B4-BE49-F238E27FC236}">
-                <a16:creationId xmlns="" xmlns:a16="http://schemas.microsoft.com/office/drawing/2014/main" id="{5F5B7312-975A-4DBC-9B2F-3652ADA006FD}"/>
+                <a16:creationId xmlns:a16="http://schemas.microsoft.com/office/drawing/2014/main" xmlns="" id="{5F5B7312-975A-4DBC-9B2F-3652ADA006FD}"/>
               </a:ext>
             </a:extLst>
           </p:cNvPr>
@@ -4284,7 +4279,7 @@
           <p:cNvPr id="4" name="Espaço Reservado para Texto 3">
             <a:extLst>
               <a:ext uri="{FF2B5EF4-FFF2-40B4-BE49-F238E27FC236}">
-                <a16:creationId xmlns="" xmlns:a16="http://schemas.microsoft.com/office/drawing/2014/main" id="{AAF805F5-1DFF-41C6-944C-7D79FE0D0963}"/>
+                <a16:creationId xmlns:a16="http://schemas.microsoft.com/office/drawing/2014/main" xmlns="" id="{AAF805F5-1DFF-41C6-944C-7D79FE0D0963}"/>
               </a:ext>
             </a:extLst>
           </p:cNvPr>
@@ -4355,7 +4350,7 @@
           <p:cNvPr id="5" name="Espaço Reservado para Data 4">
             <a:extLst>
               <a:ext uri="{FF2B5EF4-FFF2-40B4-BE49-F238E27FC236}">
-                <a16:creationId xmlns="" xmlns:a16="http://schemas.microsoft.com/office/drawing/2014/main" id="{02113D81-8665-4516-BD81-C6A1F254EECD}"/>
+                <a16:creationId xmlns:a16="http://schemas.microsoft.com/office/drawing/2014/main" xmlns="" id="{02113D81-8665-4516-BD81-C6A1F254EECD}"/>
               </a:ext>
             </a:extLst>
           </p:cNvPr>
@@ -4373,7 +4368,7 @@
           <a:p>
             <a:fld id="{63289F7E-B80B-496E-81B4-D396C37C9454}" type="datetimeFigureOut">
               <a:rPr lang="pt-BR" smtClean="0"/>
-              <a:t>03/08/2021</a:t>
+              <a:t>04/08/2021</a:t>
             </a:fld>
             <a:endParaRPr lang="pt-BR"/>
           </a:p>
@@ -4384,7 +4379,7 @@
           <p:cNvPr id="6" name="Espaço Reservado para Rodapé 5">
             <a:extLst>
               <a:ext uri="{FF2B5EF4-FFF2-40B4-BE49-F238E27FC236}">
-                <a16:creationId xmlns="" xmlns:a16="http://schemas.microsoft.com/office/drawing/2014/main" id="{2B00C88B-FF32-40AA-A187-727D96FD7862}"/>
+                <a16:creationId xmlns:a16="http://schemas.microsoft.com/office/drawing/2014/main" xmlns="" id="{2B00C88B-FF32-40AA-A187-727D96FD7862}"/>
               </a:ext>
             </a:extLst>
           </p:cNvPr>
@@ -4409,7 +4404,7 @@
           <p:cNvPr id="7" name="Espaço Reservado para Número de Slide 6">
             <a:extLst>
               <a:ext uri="{FF2B5EF4-FFF2-40B4-BE49-F238E27FC236}">
-                <a16:creationId xmlns="" xmlns:a16="http://schemas.microsoft.com/office/drawing/2014/main" id="{A04D1A2D-69F7-4B8F-A730-BC26DC340BA6}"/>
+                <a16:creationId xmlns:a16="http://schemas.microsoft.com/office/drawing/2014/main" xmlns="" id="{A04D1A2D-69F7-4B8F-A730-BC26DC340BA6}"/>
               </a:ext>
             </a:extLst>
           </p:cNvPr>
@@ -4473,7 +4468,7 @@
           <p:cNvPr id="2" name="Espaço Reservado para Título 1">
             <a:extLst>
               <a:ext uri="{FF2B5EF4-FFF2-40B4-BE49-F238E27FC236}">
-                <a16:creationId xmlns="" xmlns:a16="http://schemas.microsoft.com/office/drawing/2014/main" id="{E69A0273-1966-4A1B-9370-4C1CE5036371}"/>
+                <a16:creationId xmlns:a16="http://schemas.microsoft.com/office/drawing/2014/main" xmlns="" id="{E69A0273-1966-4A1B-9370-4C1CE5036371}"/>
               </a:ext>
             </a:extLst>
           </p:cNvPr>
@@ -4511,7 +4506,7 @@
           <p:cNvPr id="3" name="Espaço Reservado para Texto 2">
             <a:extLst>
               <a:ext uri="{FF2B5EF4-FFF2-40B4-BE49-F238E27FC236}">
-                <a16:creationId xmlns="" xmlns:a16="http://schemas.microsoft.com/office/drawing/2014/main" id="{3B9CF87A-0448-49A7-AB25-EBC1D56A40EF}"/>
+                <a16:creationId xmlns:a16="http://schemas.microsoft.com/office/drawing/2014/main" xmlns="" id="{3B9CF87A-0448-49A7-AB25-EBC1D56A40EF}"/>
               </a:ext>
             </a:extLst>
           </p:cNvPr>
@@ -4578,7 +4573,7 @@
           <p:cNvPr id="4" name="Espaço Reservado para Data 3">
             <a:extLst>
               <a:ext uri="{FF2B5EF4-FFF2-40B4-BE49-F238E27FC236}">
-                <a16:creationId xmlns="" xmlns:a16="http://schemas.microsoft.com/office/drawing/2014/main" id="{2EF7B1F2-BB5A-44D0-816D-16AD2C71430E}"/>
+                <a16:creationId xmlns:a16="http://schemas.microsoft.com/office/drawing/2014/main" xmlns="" id="{2EF7B1F2-BB5A-44D0-816D-16AD2C71430E}"/>
               </a:ext>
             </a:extLst>
           </p:cNvPr>
@@ -4614,7 +4609,7 @@
           <a:p>
             <a:fld id="{63289F7E-B80B-496E-81B4-D396C37C9454}" type="datetimeFigureOut">
               <a:rPr lang="pt-BR" smtClean="0"/>
-              <a:t>03/08/2021</a:t>
+              <a:t>04/08/2021</a:t>
             </a:fld>
             <a:endParaRPr lang="pt-BR"/>
           </a:p>
@@ -4625,7 +4620,7 @@
           <p:cNvPr id="5" name="Espaço Reservado para Rodapé 4">
             <a:extLst>
               <a:ext uri="{FF2B5EF4-FFF2-40B4-BE49-F238E27FC236}">
-                <a16:creationId xmlns="" xmlns:a16="http://schemas.microsoft.com/office/drawing/2014/main" id="{C703F94C-2CC8-4DAA-BC35-14FC3E841DCD}"/>
+                <a16:creationId xmlns:a16="http://schemas.microsoft.com/office/drawing/2014/main" xmlns="" id="{C703F94C-2CC8-4DAA-BC35-14FC3E841DCD}"/>
               </a:ext>
             </a:extLst>
           </p:cNvPr>
@@ -4668,7 +4663,7 @@
           <p:cNvPr id="6" name="Espaço Reservado para Número de Slide 5">
             <a:extLst>
               <a:ext uri="{FF2B5EF4-FFF2-40B4-BE49-F238E27FC236}">
-                <a16:creationId xmlns="" xmlns:a16="http://schemas.microsoft.com/office/drawing/2014/main" id="{64051336-7048-457A-8B61-D94291D71648}"/>
+                <a16:creationId xmlns:a16="http://schemas.microsoft.com/office/drawing/2014/main" xmlns="" id="{64051336-7048-457A-8B61-D94291D71648}"/>
               </a:ext>
             </a:extLst>
           </p:cNvPr>
@@ -5036,7 +5031,7 @@
           <p:cNvPr id="2" name="Título 1">
             <a:extLst>
               <a:ext uri="{FF2B5EF4-FFF2-40B4-BE49-F238E27FC236}">
-                <a16:creationId xmlns="" xmlns:a16="http://schemas.microsoft.com/office/drawing/2014/main" id="{32666AC8-2E17-4DB4-B0F5-60C640CCFD2E}"/>
+                <a16:creationId xmlns:a16="http://schemas.microsoft.com/office/drawing/2014/main" xmlns="" id="{32666AC8-2E17-4DB4-B0F5-60C640CCFD2E}"/>
               </a:ext>
             </a:extLst>
           </p:cNvPr>
@@ -5083,7 +5078,7 @@
           <p:cNvPr id="4" name="CaixaDeTexto 3">
             <a:extLst>
               <a:ext uri="{FF2B5EF4-FFF2-40B4-BE49-F238E27FC236}">
-                <a16:creationId xmlns="" xmlns:a16="http://schemas.microsoft.com/office/drawing/2014/main" id="{430EB894-B7D4-434C-9D1A-A14094D9BEEC}"/>
+                <a16:creationId xmlns:a16="http://schemas.microsoft.com/office/drawing/2014/main" xmlns="" id="{430EB894-B7D4-434C-9D1A-A14094D9BEEC}"/>
               </a:ext>
             </a:extLst>
           </p:cNvPr>
@@ -5124,7 +5119,7 @@
           <p:cNvPr id="1026" name="Picture 2" descr="Logo">
             <a:extLst>
               <a:ext uri="{FF2B5EF4-FFF2-40B4-BE49-F238E27FC236}">
-                <a16:creationId xmlns="" xmlns:a16="http://schemas.microsoft.com/office/drawing/2014/main" id="{3F2642E0-4F6A-4196-8F58-E77D36E9A33F}"/>
+                <a16:creationId xmlns:a16="http://schemas.microsoft.com/office/drawing/2014/main" xmlns="" id="{3F2642E0-4F6A-4196-8F58-E77D36E9A33F}"/>
               </a:ext>
             </a:extLst>
           </p:cNvPr>
@@ -5169,7 +5164,7 @@
           <p:cNvPr id="5122" name="Picture 2" descr="Image result for machine learning">
             <a:extLst>
               <a:ext uri="{FF2B5EF4-FFF2-40B4-BE49-F238E27FC236}">
-                <a16:creationId xmlns="" xmlns:a16="http://schemas.microsoft.com/office/drawing/2014/main" id="{810CE0A2-4102-44A6-A370-175E7896CDCB}"/>
+                <a16:creationId xmlns:a16="http://schemas.microsoft.com/office/drawing/2014/main" xmlns="" id="{810CE0A2-4102-44A6-A370-175E7896CDCB}"/>
               </a:ext>
             </a:extLst>
           </p:cNvPr>
@@ -5266,8 +5261,8 @@
           </a:p>
         </p:txBody>
       </p:sp>
-      <mc:AlternateContent xmlns:mc="http://schemas.openxmlformats.org/markup-compatibility/2006">
-        <mc:Choice xmlns:a14="http://schemas.microsoft.com/office/drawing/2010/main" Requires="a14">
+      <mc:AlternateContent xmlns:mc="http://schemas.openxmlformats.org/markup-compatibility/2006" xmlns:a14="http://schemas.microsoft.com/office/drawing/2010/main">
+        <mc:Choice Requires="a14">
           <p:sp>
             <p:nvSpPr>
               <p:cNvPr id="3" name="Content Placeholder 2"/>
@@ -5296,23 +5291,7 @@
                 </a:r>
                 <a:r>
                   <a:rPr lang="pt-BR" dirty="0"/>
-                  <a:t> diz o quão preciso é o modelo </a:t>
-                </a:r>
-                <a:r>
-                  <a:rPr lang="pt-BR" dirty="0"/>
-                  <a:t>em relação </a:t>
-                </a:r>
-                <a:r>
-                  <a:rPr lang="pt-BR" dirty="0"/>
-                  <a:t>à todos os exemplos classificados como positivos, </a:t>
-                </a:r>
-                <a:r>
-                  <a:rPr lang="pt-BR" dirty="0"/>
-                  <a:t>quantos deles são realmente positivos</a:t>
-                </a:r>
-                <a:r>
-                  <a:rPr lang="pt-BR" dirty="0"/>
-                  <a:t>.</a:t>
+                  <a:t> diz o quão preciso é o modelo em relação à todos os exemplos classificados como positivos, quantos deles são realmente positivos.</a:t>
                 </a:r>
               </a:p>
               <a:p>
@@ -5456,19 +5435,7 @@
                 </a:r>
                 <a:r>
                   <a:rPr lang="pt-BR" dirty="0"/>
-                  <a:t> é uma boa medida para determinar </a:t>
-                </a:r>
-                <a:r>
-                  <a:rPr lang="pt-BR" dirty="0"/>
-                  <a:t>a qualidade do classificador quando </a:t>
-                </a:r>
-                <a:r>
-                  <a:rPr lang="pt-BR" dirty="0"/>
-                  <a:t>os custos </a:t>
-                </a:r>
-                <a:r>
-                  <a:rPr lang="pt-BR" dirty="0"/>
-                  <a:t>de </a:t>
+                  <a:t> é uma boa medida para determinar a qualidade do classificador quando os custos de </a:t>
                 </a:r>
                 <a:r>
                   <a:rPr lang="pt-BR" b="1" i="1" dirty="0"/>
@@ -5476,11 +5443,7 @@
                 </a:r>
                 <a:r>
                   <a:rPr lang="pt-BR" dirty="0"/>
-                  <a:t> </a:t>
-                </a:r>
-                <a:r>
-                  <a:rPr lang="pt-BR" dirty="0"/>
-                  <a:t>são altos. </a:t>
+                  <a:t> são altos. </a:t>
                 </a:r>
               </a:p>
               <a:p>
@@ -5490,15 +5453,7 @@
                 </a:pPr>
                 <a:r>
                   <a:rPr lang="pt-BR" dirty="0"/>
-                  <a:t>Por </a:t>
-                </a:r>
-                <a:r>
-                  <a:rPr lang="pt-BR" dirty="0"/>
-                  <a:t>exemplo, </a:t>
-                </a:r>
-                <a:r>
-                  <a:rPr lang="pt-BR" dirty="0"/>
-                  <a:t>na classificação de </a:t>
+                  <a:t>Por exemplo, na classificação de </a:t>
                 </a:r>
                 <a:r>
                   <a:rPr lang="pt-BR" b="1" i="1" dirty="0"/>
@@ -5506,11 +5461,7 @@
                 </a:r>
                 <a:r>
                   <a:rPr lang="pt-BR" dirty="0"/>
-                  <a:t>, </a:t>
-                </a:r>
-                <a:r>
-                  <a:rPr lang="pt-BR" dirty="0"/>
-                  <a:t>um </a:t>
+                  <a:t>, um </a:t>
                 </a:r>
                 <a:r>
                   <a:rPr lang="pt-BR" b="1" i="1" dirty="0"/>
@@ -5526,15 +5477,7 @@
                 </a:r>
                 <a:r>
                   <a:rPr lang="pt-BR" dirty="0"/>
-                  <a:t> (verdadeiro negativo) </a:t>
-                </a:r>
-                <a:r>
-                  <a:rPr lang="pt-BR" dirty="0"/>
-                  <a:t>foi </a:t>
-                </a:r>
-                <a:r>
-                  <a:rPr lang="pt-BR" dirty="0"/>
-                  <a:t>classificado como </a:t>
+                  <a:t> (verdadeiro negativo) foi classificado como </a:t>
                 </a:r>
                 <a:r>
                   <a:rPr lang="pt-BR" b="1" i="1" dirty="0"/>
@@ -5542,11 +5485,7 @@
                 </a:r>
                 <a:r>
                   <a:rPr lang="pt-BR" dirty="0"/>
-                  <a:t>. O </a:t>
-                </a:r>
-                <a:r>
-                  <a:rPr lang="pt-BR" dirty="0"/>
-                  <a:t>usuário de email pode perder emails importantes se a </a:t>
+                  <a:t>. O usuário de email pode perder emails importantes se a </a:t>
                 </a:r>
                 <a:r>
                   <a:rPr lang="pt-BR" b="1" i="1" dirty="0"/>
@@ -5554,11 +5493,7 @@
                 </a:r>
                 <a:r>
                   <a:rPr lang="pt-BR" dirty="0"/>
-                  <a:t> não for </a:t>
-                </a:r>
-                <a:r>
-                  <a:rPr lang="pt-BR" dirty="0"/>
-                  <a:t>alta.</a:t>
+                  <a:t> não for alta.</a:t>
                 </a:r>
               </a:p>
               <a:p>
@@ -5568,23 +5503,7 @@
                 </a:r>
                 <a:r>
                   <a:rPr lang="pt-BR" dirty="0"/>
-                  <a:t> calcula </a:t>
-                </a:r>
-                <a:r>
-                  <a:rPr lang="pt-BR" dirty="0"/>
-                  <a:t>quantos </a:t>
-                </a:r>
-                <a:r>
-                  <a:rPr lang="pt-BR" dirty="0"/>
-                  <a:t>exemplos realmente positivos o classificador captura</a:t>
-                </a:r>
-                <a:r>
-                  <a:rPr lang="pt-BR" dirty="0"/>
-                  <a:t>, </a:t>
-                </a:r>
-                <a:r>
-                  <a:rPr lang="pt-BR" dirty="0"/>
-                  <a:t>rotulando-os como positivos verdadeiros. </a:t>
+                  <a:t> calcula quantos exemplos realmente positivos o classificador captura, rotulando-os como positivos verdadeiros. </a:t>
                 </a:r>
                 <a:endParaRPr lang="pt-BR" b="1" dirty="0">
                   <a:latin typeface="Cambria Math" panose="02040503050406030204" pitchFamily="18" charset="0"/>
@@ -5628,16 +5547,7 @@
                             <a:rPr lang="pt-BR" sz="2100">
                               <a:latin typeface="Cambria Math" panose="02040503050406030204" pitchFamily="18" charset="0"/>
                             </a:rPr>
-                            <m:t>T</m:t>
-                          </m:r>
-                          <m:r>
-                            <m:rPr>
-                              <m:sty m:val="p"/>
-                            </m:rPr>
-                            <a:rPr lang="pt-BR" sz="2100">
-                              <a:latin typeface="Cambria Math" panose="02040503050406030204" pitchFamily="18" charset="0"/>
-                            </a:rPr>
-                            <m:t>rue</m:t>
+                            <m:t>True</m:t>
                           </m:r>
                           <m:r>
                             <a:rPr lang="pt-BR" sz="2100">
@@ -5652,16 +5562,7 @@
                             <a:rPr lang="pt-BR" sz="2100">
                               <a:latin typeface="Cambria Math" panose="02040503050406030204" pitchFamily="18" charset="0"/>
                             </a:rPr>
-                            <m:t>P</m:t>
-                          </m:r>
-                          <m:r>
-                            <m:rPr>
-                              <m:sty m:val="p"/>
-                            </m:rPr>
-                            <a:rPr lang="pt-BR" sz="2100">
-                              <a:latin typeface="Cambria Math" panose="02040503050406030204" pitchFamily="18" charset="0"/>
-                            </a:rPr>
-                            <m:t>ositive</m:t>
+                            <m:t>Positive</m:t>
                           </m:r>
                         </m:num>
                         <m:den>
@@ -5672,16 +5573,7 @@
                             <a:rPr lang="pt-BR" sz="2100">
                               <a:latin typeface="Cambria Math" panose="02040503050406030204" pitchFamily="18" charset="0"/>
                             </a:rPr>
-                            <m:t>T</m:t>
-                          </m:r>
-                          <m:r>
-                            <m:rPr>
-                              <m:sty m:val="p"/>
-                            </m:rPr>
-                            <a:rPr lang="pt-BR" sz="2100">
-                              <a:latin typeface="Cambria Math" panose="02040503050406030204" pitchFamily="18" charset="0"/>
-                            </a:rPr>
-                            <m:t>rue</m:t>
+                            <m:t>True</m:t>
                           </m:r>
                           <m:r>
                             <a:rPr lang="pt-BR" sz="2100">
@@ -5696,16 +5588,7 @@
                             <a:rPr lang="pt-BR" sz="2100">
                               <a:latin typeface="Cambria Math" panose="02040503050406030204" pitchFamily="18" charset="0"/>
                             </a:rPr>
-                            <m:t>P</m:t>
-                          </m:r>
-                          <m:r>
-                            <m:rPr>
-                              <m:sty m:val="p"/>
-                            </m:rPr>
-                            <a:rPr lang="pt-BR" sz="2100">
-                              <a:latin typeface="Cambria Math" panose="02040503050406030204" pitchFamily="18" charset="0"/>
-                            </a:rPr>
-                            <m:t>ositive</m:t>
+                            <m:t>Positive</m:t>
                           </m:r>
                           <m:r>
                             <a:rPr lang="pt-BR" sz="2100">
@@ -5735,16 +5618,7 @@
                             <a:rPr lang="pt-BR" sz="2100">
                               <a:latin typeface="Cambria Math" panose="02040503050406030204" pitchFamily="18" charset="0"/>
                             </a:rPr>
-                            <m:t>N</m:t>
-                          </m:r>
-                          <m:r>
-                            <m:rPr>
-                              <m:sty m:val="p"/>
-                            </m:rPr>
-                            <a:rPr lang="pt-BR" sz="2100">
-                              <a:latin typeface="Cambria Math" panose="02040503050406030204" pitchFamily="18" charset="0"/>
-                            </a:rPr>
-                            <m:t>egative</m:t>
+                            <m:t>Negative</m:t>
                           </m:r>
                         </m:den>
                       </m:f>
@@ -5760,11 +5634,7 @@
                 </a:r>
                 <a:r>
                   <a:rPr lang="pt-BR" b="1" i="1" dirty="0"/>
-                  <a:t>r</a:t>
-                </a:r>
-                <a:r>
-                  <a:rPr lang="pt-BR" b="1" i="1" dirty="0"/>
-                  <a:t>ecall</a:t>
+                  <a:t>recall</a:t>
                 </a:r>
                 <a:r>
                   <a:rPr lang="pt-BR" dirty="0"/>
@@ -5783,23 +5653,7 @@
                 <a:pPr lvl="1"/>
                 <a:r>
                   <a:rPr lang="pt-BR" dirty="0"/>
-                  <a:t>Por </a:t>
-                </a:r>
-                <a:r>
-                  <a:rPr lang="pt-BR" dirty="0"/>
-                  <a:t>exemplo, na </a:t>
-                </a:r>
-                <a:r>
-                  <a:rPr lang="pt-BR" dirty="0"/>
-                  <a:t>classificação de doenças, se </a:t>
-                </a:r>
-                <a:r>
-                  <a:rPr lang="pt-BR" dirty="0"/>
-                  <a:t>um paciente doente </a:t>
-                </a:r>
-                <a:r>
-                  <a:rPr lang="pt-BR" dirty="0"/>
-                  <a:t>(</a:t>
+                  <a:t>Por exemplo, na classificação de doenças, se um paciente doente (</a:t>
                 </a:r>
                 <a:r>
                   <a:rPr lang="pt-BR" b="1" i="1" dirty="0"/>
@@ -5807,15 +5661,7 @@
                 </a:r>
                 <a:r>
                   <a:rPr lang="pt-BR" dirty="0"/>
-                  <a:t>) for classificado </a:t>
-                </a:r>
-                <a:r>
-                  <a:rPr lang="pt-BR" dirty="0"/>
-                  <a:t>como não doente </a:t>
-                </a:r>
-                <a:r>
-                  <a:rPr lang="pt-BR" dirty="0"/>
-                  <a:t>(</a:t>
+                  <a:t>) for classificado como não doente (</a:t>
                 </a:r>
                 <a:r>
                   <a:rPr lang="pt-BR" b="1" i="1" dirty="0"/>
@@ -5823,11 +5669,7 @@
                 </a:r>
                 <a:r>
                   <a:rPr lang="pt-BR" dirty="0"/>
-                  <a:t>). </a:t>
-                </a:r>
-                <a:r>
-                  <a:rPr lang="pt-BR" dirty="0"/>
-                  <a:t>O custo associado ao </a:t>
+                  <a:t>). O custo associado ao </a:t>
                 </a:r>
                 <a:r>
                   <a:rPr lang="pt-BR" b="1" i="1" dirty="0"/>
@@ -5835,11 +5677,7 @@
                 </a:r>
                 <a:r>
                   <a:rPr lang="pt-BR" dirty="0"/>
-                  <a:t>será </a:t>
-                </a:r>
-                <a:r>
-                  <a:rPr lang="pt-BR" dirty="0"/>
-                  <a:t>extremamente alto se a doença for contagiosa</a:t>
+                  <a:t>será extremamente alto se a doença for contagiosa</a:t>
                 </a:r>
                 <a:r>
                   <a:rPr lang="pt-BR" dirty="0" smtClean="0"/>
@@ -5850,7 +5688,7 @@
             </p:txBody>
           </p:sp>
         </mc:Choice>
-        <mc:Fallback>
+        <mc:Fallback xmlns="">
           <p:sp>
             <p:nvSpPr>
               <p:cNvPr id="3" name="Content Placeholder 2"/>
@@ -5944,7 +5782,6 @@
               <a:rPr lang="pt-BR" dirty="0"/>
               <a:t>Observações importantes quanto à matriz de confusão</a:t>
             </a:r>
-            <a:endParaRPr lang="pt-BR" dirty="0"/>
           </a:p>
         </p:txBody>
       </p:sp>
@@ -5980,23 +5817,7 @@
             </a:r>
             <a:r>
               <a:rPr lang="pt-BR" dirty="0" smtClean="0"/>
-              <a:t> </a:t>
-            </a:r>
-            <a:r>
-              <a:rPr lang="pt-BR" dirty="0" smtClean="0"/>
-              <a:t>= 1 significa </a:t>
-            </a:r>
-            <a:r>
-              <a:rPr lang="pt-BR" dirty="0" smtClean="0"/>
-              <a:t>que todo exemplo </a:t>
-            </a:r>
-            <a:r>
-              <a:rPr lang="pt-BR" dirty="0" smtClean="0"/>
-              <a:t>classificado </a:t>
-            </a:r>
-            <a:r>
-              <a:rPr lang="pt-BR" dirty="0" smtClean="0"/>
-              <a:t>como pertencente à classe </a:t>
+              <a:t> = 1 significa que todo exemplo classificado como pertencente à classe </a:t>
             </a:r>
             <a:r>
               <a:rPr lang="pt-BR" b="1" i="1" dirty="0" smtClean="0"/>
@@ -6008,19 +5829,11 @@
             </a:r>
             <a:r>
               <a:rPr lang="pt-BR" dirty="0"/>
-              <a:t>pertence </a:t>
-            </a:r>
-            <a:r>
-              <a:rPr lang="pt-BR" dirty="0"/>
-              <a:t>à</a:t>
+              <a:t>pertence à</a:t>
             </a:r>
             <a:r>
               <a:rPr lang="pt-BR" dirty="0" smtClean="0"/>
-              <a:t> </a:t>
-            </a:r>
-            <a:r>
-              <a:rPr lang="pt-BR" dirty="0" smtClean="0"/>
-              <a:t>ela, ou seja, o número de </a:t>
+              <a:t> ela, ou seja, o número de </a:t>
             </a:r>
             <a:r>
               <a:rPr lang="pt-BR" b="1" i="1" dirty="0" smtClean="0"/>
@@ -6028,11 +5841,7 @@
             </a:r>
             <a:r>
               <a:rPr lang="pt-BR" dirty="0" smtClean="0"/>
-              <a:t>é igual a </a:t>
-            </a:r>
-            <a:r>
-              <a:rPr lang="pt-BR" dirty="0" smtClean="0"/>
-              <a:t>0.</a:t>
+              <a:t>é igual a 0.</a:t>
             </a:r>
           </a:p>
           <a:p>
@@ -6074,11 +5883,7 @@
             </a:r>
             <a:r>
               <a:rPr lang="pt-BR" dirty="0" smtClean="0"/>
-              <a:t>incorreta, ou </a:t>
-            </a:r>
-            <a:r>
-              <a:rPr lang="pt-BR" dirty="0" smtClean="0"/>
-              <a:t>seja</a:t>
+              <a:t>incorreta, ou seja</a:t>
             </a:r>
             <a:r>
               <a:rPr lang="pt-BR" dirty="0"/>
@@ -6086,17 +5891,12 @@
             </a:r>
             <a:r>
               <a:rPr lang="pt-BR" b="1" i="1" dirty="0" smtClean="0"/>
-              <a:t>falsos </a:t>
-            </a:r>
-            <a:r>
-              <a:rPr lang="pt-BR" b="1" i="1" dirty="0" smtClean="0"/>
-              <a:t>negativos</a:t>
+              <a:t>falsos negativos</a:t>
             </a:r>
             <a:r>
               <a:rPr lang="pt-BR" dirty="0" smtClean="0"/>
               <a:t>. </a:t>
             </a:r>
-            <a:endParaRPr lang="pt-BR" dirty="0" smtClean="0"/>
           </a:p>
           <a:p>
             <a:r>
@@ -6121,11 +5921,7 @@
             </a:r>
             <a:r>
               <a:rPr lang="pt-BR" dirty="0"/>
-              <a:t>classificados como sendo pertencentes </a:t>
-            </a:r>
-            <a:r>
-              <a:rPr lang="pt-BR" dirty="0"/>
-              <a:t>a</a:t>
+              <a:t>classificados como sendo pertencentes a</a:t>
             </a:r>
             <a:r>
               <a:rPr lang="pt-BR" dirty="0" smtClean="0"/>
@@ -6176,11 +5972,7 @@
             </a:r>
             <a:r>
               <a:rPr lang="pt-BR" dirty="0" smtClean="0"/>
-              <a:t>exemplos </a:t>
-            </a:r>
-            <a:r>
-              <a:rPr lang="pt-BR" dirty="0" smtClean="0"/>
-              <a:t>da classe negativa foram </a:t>
+              <a:t>exemplos da classe negativa foram </a:t>
             </a:r>
             <a:r>
               <a:rPr lang="pt-BR" dirty="0"/>
@@ -6188,11 +5980,7 @@
             </a:r>
             <a:r>
               <a:rPr lang="pt-BR" dirty="0" smtClean="0"/>
-              <a:t>à classe positiva, </a:t>
-            </a:r>
-            <a:r>
-              <a:rPr lang="pt-BR" dirty="0" smtClean="0"/>
-              <a:t>ou </a:t>
+              <a:t>à classe positiva, ou </a:t>
             </a:r>
             <a:r>
               <a:rPr lang="pt-BR" dirty="0"/>
@@ -6200,19 +5988,11 @@
             </a:r>
             <a:r>
               <a:rPr lang="pt-BR" dirty="0" smtClean="0"/>
-              <a:t>a quantidade </a:t>
-            </a:r>
-            <a:r>
-              <a:rPr lang="pt-BR" dirty="0" smtClean="0"/>
-              <a:t>de </a:t>
+              <a:t>a quantidade de </a:t>
             </a:r>
             <a:r>
               <a:rPr lang="pt-BR" b="1" i="1" dirty="0" smtClean="0"/>
-              <a:t>falsos </a:t>
-            </a:r>
-            <a:r>
-              <a:rPr lang="pt-BR" b="1" i="1" dirty="0" smtClean="0"/>
-              <a:t>positivos</a:t>
+              <a:t>falsos positivos</a:t>
             </a:r>
             <a:r>
               <a:rPr lang="pt-BR" dirty="0" smtClean="0"/>
@@ -6224,7 +6004,6 @@
               <a:rPr lang="pt-BR" dirty="0" smtClean="0"/>
               <a:t>Portanto, para analisarmos melhor o desempenho de um classificador, precisamos usar uma métrica que combine essas duas métricas.</a:t>
             </a:r>
-            <a:endParaRPr lang="pt-BR" dirty="0" smtClean="0"/>
           </a:p>
         </p:txBody>
       </p:sp>
@@ -6289,12 +6068,11 @@
               <a:rPr lang="pt-BR" dirty="0"/>
               <a:t>Métricas de avaliação de classificadores</a:t>
             </a:r>
-            <a:endParaRPr lang="pt-BR" dirty="0"/>
           </a:p>
         </p:txBody>
       </p:sp>
-      <mc:AlternateContent xmlns:mc="http://schemas.openxmlformats.org/markup-compatibility/2006">
-        <mc:Choice xmlns:a14="http://schemas.microsoft.com/office/drawing/2010/main" Requires="a14">
+      <mc:AlternateContent xmlns:mc="http://schemas.openxmlformats.org/markup-compatibility/2006" xmlns:a14="http://schemas.microsoft.com/office/drawing/2010/main">
+        <mc:Choice Requires="a14">
           <p:sp>
             <p:nvSpPr>
               <p:cNvPr id="3" name="Content Placeholder 2"/>
@@ -6357,15 +6135,7 @@
                 </a:r>
                 <a:r>
                   <a:rPr lang="pt-BR" dirty="0" smtClean="0"/>
-                  <a:t>analisadas conjuntamente através de uma métrica que combina ambas </a:t>
-                </a:r>
-                <a:r>
-                  <a:rPr lang="pt-BR" dirty="0" smtClean="0"/>
-                  <a:t>métricas, </a:t>
-                </a:r>
-                <a:r>
-                  <a:rPr lang="pt-BR" dirty="0" smtClean="0"/>
-                  <a:t>chamada </a:t>
+                  <a:t>analisadas conjuntamente através de uma métrica que combina ambas métricas, chamada </a:t>
                 </a:r>
                 <a:r>
                   <a:rPr lang="pt-BR" dirty="0"/>
@@ -6434,15 +6204,7 @@
                 </a:r>
                 <a:r>
                   <a:rPr lang="pt-BR" dirty="0"/>
-                  <a:t>que combina as duas </a:t>
-                </a:r>
-                <a:r>
-                  <a:rPr lang="pt-BR" dirty="0"/>
-                  <a:t>métricas através </a:t>
-                </a:r>
-                <a:r>
-                  <a:rPr lang="pt-BR" dirty="0"/>
-                  <a:t>de uma </a:t>
+                  <a:t>que combina as duas métricas através de uma </a:t>
                 </a:r>
                 <a:r>
                   <a:rPr lang="pt-BR" b="1" i="1" dirty="0"/>
@@ -7406,7 +7168,7 @@
             </p:txBody>
           </p:sp>
         </mc:Choice>
-        <mc:Fallback>
+        <mc:Fallback xmlns="">
           <p:sp>
             <p:nvSpPr>
               <p:cNvPr id="3" name="Content Placeholder 2"/>
@@ -7505,7 +7267,6 @@
               <a:rPr lang="pt-BR" dirty="0"/>
               <a:t>Métricas de avaliação de classificadores</a:t>
             </a:r>
-            <a:endParaRPr lang="pt-BR" dirty="0"/>
           </a:p>
         </p:txBody>
       </p:sp>
@@ -7593,15 +7354,7 @@
           <a:p>
             <a:r>
               <a:rPr lang="pt-BR" dirty="0" smtClean="0"/>
-              <a:t>A curva é criada </a:t>
-            </a:r>
-            <a:r>
-              <a:rPr lang="pt-BR" dirty="0" smtClean="0"/>
-              <a:t>plotando-se </a:t>
-            </a:r>
-            <a:r>
-              <a:rPr lang="pt-BR" dirty="0" smtClean="0"/>
-              <a:t>o </a:t>
+              <a:t>A curva é criada plotando-se o </a:t>
             </a:r>
             <a:r>
               <a:rPr lang="pt-BR" b="1" i="1" dirty="0" smtClean="0"/>
@@ -7609,11 +7362,7 @@
             </a:r>
             <a:r>
               <a:rPr lang="pt-BR" dirty="0" smtClean="0"/>
-              <a:t> </a:t>
-            </a:r>
-            <a:r>
-              <a:rPr lang="pt-BR" dirty="0" smtClean="0"/>
-              <a:t>em </a:t>
+              <a:t> em </a:t>
             </a:r>
             <a:r>
               <a:rPr lang="pt-BR" dirty="0"/>
@@ -7686,11 +7435,7 @@
             </a:r>
             <a:r>
               <a:rPr lang="pt-BR" dirty="0" smtClean="0"/>
-              <a:t>diagonal </a:t>
-            </a:r>
-            <a:r>
-              <a:rPr lang="pt-BR" dirty="0" smtClean="0"/>
-              <a:t>em vermelho, </a:t>
+              <a:t>diagonal em vermelho, </a:t>
             </a:r>
             <a:r>
               <a:rPr lang="pt-BR" dirty="0"/>
@@ -7698,15 +7443,15 @@
             </a:r>
             <a:r>
               <a:rPr lang="pt-BR" b="1" i="1" dirty="0" smtClean="0"/>
-              <a:t>classificador puramente </a:t>
-            </a:r>
-            <a:r>
-              <a:rPr lang="pt-BR" b="1" i="1" dirty="0" smtClean="0"/>
-              <a:t>aleatório</a:t>
+              <a:t>classificador puramente aleatório</a:t>
             </a:r>
             <a:r>
               <a:rPr lang="pt-BR" dirty="0" smtClean="0"/>
-              <a:t>. Um </a:t>
+              <a:t>. </a:t>
+            </a:r>
+            <a:r>
+              <a:rPr lang="pt-BR" dirty="0" smtClean="0"/>
+              <a:t>Um </a:t>
             </a:r>
             <a:r>
               <a:rPr lang="pt-BR" dirty="0"/>
@@ -7756,11 +7501,7 @@
             </a:r>
             <a:r>
               <a:rPr lang="pt-BR" dirty="0" smtClean="0"/>
-              <a:t> (ou </a:t>
-            </a:r>
-            <a:r>
-              <a:rPr lang="pt-BR" dirty="0" smtClean="0"/>
-              <a:t>seja, sem </a:t>
+              <a:t> (ou seja, sem </a:t>
             </a:r>
             <a:r>
               <a:rPr lang="pt-BR" dirty="0"/>
@@ -7875,12 +7616,11 @@
               <a:rPr lang="pt-BR" dirty="0"/>
               <a:t>Métricas de avaliação de classificadores</a:t>
             </a:r>
-            <a:endParaRPr lang="pt-BR" dirty="0"/>
           </a:p>
         </p:txBody>
       </p:sp>
-      <mc:AlternateContent xmlns:mc="http://schemas.openxmlformats.org/markup-compatibility/2006">
-        <mc:Choice xmlns:a14="http://schemas.microsoft.com/office/drawing/2010/main" Requires="a14">
+      <mc:AlternateContent xmlns:mc="http://schemas.openxmlformats.org/markup-compatibility/2006" xmlns:a14="http://schemas.microsoft.com/office/drawing/2010/main">
+        <mc:Choice Requires="a14">
           <p:sp>
             <p:nvSpPr>
               <p:cNvPr id="3" name="Content Placeholder 2"/>
@@ -8240,7 +7980,7 @@
             </p:txBody>
           </p:sp>
         </mc:Choice>
-        <mc:Fallback>
+        <mc:Fallback xmlns="">
           <p:sp>
             <p:nvSpPr>
               <p:cNvPr id="3" name="Content Placeholder 2"/>
@@ -8334,7 +8074,6 @@
               <a:rPr lang="pt-BR" dirty="0"/>
               <a:t>Métricas de avaliação de classificadores</a:t>
             </a:r>
-            <a:endParaRPr lang="pt-BR" dirty="0"/>
           </a:p>
         </p:txBody>
       </p:sp>
@@ -8434,11 +8173,7 @@
             </a:r>
             <a:r>
               <a:rPr lang="pt-BR" dirty="0" smtClean="0"/>
-              <a:t> é outra métrica da qualidade de um </a:t>
-            </a:r>
-            <a:r>
-              <a:rPr lang="pt-BR" dirty="0" smtClean="0"/>
-              <a:t>classificador, um </a:t>
+              <a:t> é outra métrica da qualidade de um classificador, um </a:t>
             </a:r>
             <a:r>
               <a:rPr lang="pt-BR" dirty="0"/>
@@ -8464,7 +8199,6 @@
               <a:rPr lang="pt-BR" dirty="0" smtClean="0"/>
               <a:t>classificador.</a:t>
             </a:r>
-            <a:endParaRPr lang="pt-BR" dirty="0" smtClean="0"/>
           </a:p>
           <a:p>
             <a:r>
@@ -8477,37 +8211,20 @@
             </a:r>
             <a:r>
               <a:rPr lang="pt-BR" dirty="0" smtClean="0"/>
-              <a:t>tem melhor </a:t>
-            </a:r>
-            <a:r>
-              <a:rPr lang="pt-BR" dirty="0" smtClean="0"/>
-              <a:t>desempenho, pois tem </a:t>
+              <a:t>tem melhor desempenho, pois tem </a:t>
             </a:r>
             <a:r>
               <a:rPr lang="pt-BR" b="1" i="1" dirty="0" smtClean="0"/>
-              <a:t>área </a:t>
-            </a:r>
-            <a:r>
-              <a:rPr lang="pt-BR" b="1" i="1" dirty="0" smtClean="0"/>
-              <a:t>sob a curva </a:t>
-            </a:r>
-            <a:r>
-              <a:rPr lang="pt-BR" b="1" i="1" dirty="0" smtClean="0"/>
-              <a:t>ROC</a:t>
+              <a:t>área sob a curva ROC</a:t>
             </a:r>
             <a:r>
               <a:rPr lang="pt-BR" dirty="0"/>
-              <a:t> </a:t>
-            </a:r>
-            <a:r>
-              <a:rPr lang="pt-BR" dirty="0"/>
-              <a:t>maior </a:t>
+              <a:t> maior </a:t>
             </a:r>
             <a:r>
               <a:rPr lang="pt-BR" dirty="0" smtClean="0"/>
               <a:t>do que a do classificador B.</a:t>
             </a:r>
-            <a:endParaRPr lang="pt-BR" dirty="0" smtClean="0"/>
           </a:p>
           <a:p>
             <a:r>
@@ -8915,7 +8632,7 @@
           <p:cNvPr id="4" name="Título 1">
             <a:extLst>
               <a:ext uri="{FF2B5EF4-FFF2-40B4-BE49-F238E27FC236}">
-                <a16:creationId xmlns="" xmlns:a16="http://schemas.microsoft.com/office/drawing/2014/main" id="{32666AC8-2E17-4DB4-B0F5-60C640CCFD2E}"/>
+                <a16:creationId xmlns:a16="http://schemas.microsoft.com/office/drawing/2014/main" xmlns="" id="{32666AC8-2E17-4DB4-B0F5-60C640CCFD2E}"/>
               </a:ext>
             </a:extLst>
           </p:cNvPr>
@@ -9182,7 +8899,6 @@
               <a:rPr lang="pt-BR" sz="3200" dirty="0" smtClean="0"/>
               <a:t>As métricas para avalição do desempenho de classificadores que estudaremos são:</a:t>
             </a:r>
-            <a:endParaRPr lang="pt-BR" sz="3200" dirty="0" smtClean="0"/>
           </a:p>
           <a:p>
             <a:pPr lvl="1">
@@ -9245,11 +8961,7 @@
             </a:r>
             <a:r>
               <a:rPr lang="pt-BR" i="1" dirty="0"/>
-              <a:t>Receiver Operating </a:t>
-            </a:r>
-            <a:r>
-              <a:rPr lang="pt-BR" i="1" dirty="0"/>
-              <a:t>Characteristic</a:t>
+              <a:t>Receiver Operating Characteristic</a:t>
             </a:r>
             <a:r>
               <a:rPr lang="pt-BR" dirty="0"/>
@@ -9321,12 +9033,11 @@
               <a:rPr lang="pt-BR" dirty="0"/>
               <a:t>Métricas de avaliação de classificadores</a:t>
             </a:r>
-            <a:endParaRPr lang="pt-BR" dirty="0"/>
           </a:p>
         </p:txBody>
       </p:sp>
-      <mc:AlternateContent xmlns:mc="http://schemas.openxmlformats.org/markup-compatibility/2006">
-        <mc:Choice xmlns:a14="http://schemas.microsoft.com/office/drawing/2010/main" Requires="a14">
+      <mc:AlternateContent xmlns:mc="http://schemas.openxmlformats.org/markup-compatibility/2006" xmlns:a14="http://schemas.microsoft.com/office/drawing/2010/main">
+        <mc:Choice Requires="a14">
           <p:sp>
             <p:nvSpPr>
               <p:cNvPr id="3" name="Content Placeholder 2"/>
@@ -10194,7 +9905,7 @@
             </p:txBody>
           </p:sp>
         </mc:Choice>
-        <mc:Fallback>
+        <mc:Fallback xmlns="">
           <p:sp>
             <p:nvSpPr>
               <p:cNvPr id="3" name="Content Placeholder 2"/>
@@ -10293,12 +10004,11 @@
               <a:rPr lang="pt-BR" dirty="0"/>
               <a:t>Métricas de avaliação de classificadores</a:t>
             </a:r>
-            <a:endParaRPr lang="pt-BR" dirty="0"/>
           </a:p>
         </p:txBody>
       </p:sp>
-      <mc:AlternateContent xmlns:mc="http://schemas.openxmlformats.org/markup-compatibility/2006">
-        <mc:Choice xmlns:a14="http://schemas.microsoft.com/office/drawing/2010/main" Requires="a14">
+      <mc:AlternateContent xmlns:mc="http://schemas.openxmlformats.org/markup-compatibility/2006" xmlns:a14="http://schemas.microsoft.com/office/drawing/2010/main">
+        <mc:Choice Requires="a14">
           <p:sp>
             <p:nvSpPr>
               <p:cNvPr id="3" name="Content Placeholder 2"/>
@@ -10990,11 +10700,7 @@
               <a:p>
                 <a:r>
                   <a:rPr lang="pt-BR" sz="3200" dirty="0" smtClean="0"/>
-                  <a:t>A </a:t>
-                </a:r>
-                <a:r>
-                  <a:rPr lang="pt-BR" sz="3200" dirty="0" smtClean="0"/>
-                  <a:t>diagonal de </a:t>
+                  <a:t>A diagonal de </a:t>
                 </a:r>
                 <a14:m>
                   <m:oMath xmlns:m="http://schemas.openxmlformats.org/officeDocument/2006/math">
@@ -11008,11 +10714,7 @@
                 </a14:m>
                 <a:r>
                   <a:rPr lang="pt-BR" sz="3200" dirty="0" smtClean="0"/>
-                  <a:t> fornece </a:t>
-                </a:r>
-                <a:r>
-                  <a:rPr lang="pt-BR" sz="3200" dirty="0" smtClean="0"/>
-                  <a:t>o </a:t>
+                  <a:t> fornece o </a:t>
                 </a:r>
                 <a:r>
                   <a:rPr lang="pt-BR" sz="3200" dirty="0"/>
@@ -11114,7 +10816,7 @@
             </p:txBody>
           </p:sp>
         </mc:Choice>
-        <mc:Fallback>
+        <mc:Fallback xmlns="">
           <p:sp>
             <p:nvSpPr>
               <p:cNvPr id="3" name="Content Placeholder 2"/>
@@ -11464,8 +11166,8 @@
           </a:p>
         </p:txBody>
       </p:sp>
-      <mc:AlternateContent xmlns:mc="http://schemas.openxmlformats.org/markup-compatibility/2006">
-        <mc:Choice xmlns:a14="http://schemas.microsoft.com/office/drawing/2010/main" Requires="a14">
+      <mc:AlternateContent xmlns:mc="http://schemas.openxmlformats.org/markup-compatibility/2006" xmlns:a14="http://schemas.microsoft.com/office/drawing/2010/main">
+        <mc:Choice Requires="a14">
           <p:sp>
             <p:nvSpPr>
               <p:cNvPr id="10" name="Rectangle 9"/>
@@ -11528,11 +11230,7 @@
                 </a14:m>
                 <a:r>
                   <a:rPr lang="pt-BR" sz="1400" dirty="0"/>
-                  <a:t> </a:t>
-                </a:r>
-                <a:r>
-                  <a:rPr lang="pt-BR" sz="1400" dirty="0"/>
-                  <a:t>indica quantos padrões da classe </a:t>
+                  <a:t> indica quantos padrões da classe </a:t>
                 </a:r>
                 <a:r>
                   <a:rPr lang="pt-BR" sz="1400" dirty="0" smtClean="0"/>
@@ -11548,11 +11246,7 @@
                 </a:r>
                 <a:r>
                   <a:rPr lang="pt-BR" sz="1400" dirty="0"/>
-                  <a:t>à classe </a:t>
-                </a:r>
-                <a:r>
-                  <a:rPr lang="pt-BR" sz="1400" dirty="0"/>
-                  <a:t>1</a:t>
+                  <a:t>à classe 1</a:t>
                 </a:r>
                 <a:r>
                   <a:rPr lang="pt-BR" sz="1400" dirty="0" smtClean="0"/>
@@ -11600,11 +11294,7 @@
                 </a:r>
                 <a:r>
                   <a:rPr lang="pt-BR" sz="1400" dirty="0"/>
-                  <a:t>indica quantos padrões da </a:t>
-                </a:r>
-                <a:r>
-                  <a:rPr lang="pt-BR" sz="1400" dirty="0"/>
-                  <a:t>classe </a:t>
+                  <a:t>indica quantos padrões da classe </a:t>
                 </a:r>
                 <a:r>
                   <a:rPr lang="pt-BR" sz="1400" dirty="0" smtClean="0"/>
@@ -11612,11 +11302,7 @@
                 </a:r>
                 <a:r>
                   <a:rPr lang="pt-BR" sz="1400" dirty="0"/>
-                  <a:t>foram </a:t>
-                </a:r>
-                <a:r>
-                  <a:rPr lang="pt-BR" sz="1400" dirty="0"/>
-                  <a:t>atribuídos à classe </a:t>
+                  <a:t>foram atribuídos à classe </a:t>
                 </a:r>
                 <a:r>
                   <a:rPr lang="pt-BR" sz="1400" dirty="0" smtClean="0"/>
@@ -11627,7 +11313,7 @@
             </p:txBody>
           </p:sp>
         </mc:Choice>
-        <mc:Fallback>
+        <mc:Fallback xmlns="">
           <p:sp>
             <p:nvSpPr>
               <p:cNvPr id="10" name="Rectangle 9"/>
@@ -11727,12 +11413,11 @@
               <a:rPr lang="pt-BR" dirty="0"/>
               <a:t>Métricas de avaliação de classificadores</a:t>
             </a:r>
-            <a:endParaRPr lang="pt-BR" dirty="0"/>
           </a:p>
         </p:txBody>
       </p:sp>
-      <mc:AlternateContent xmlns:mc="http://schemas.openxmlformats.org/markup-compatibility/2006">
-        <mc:Choice xmlns:a14="http://schemas.microsoft.com/office/drawing/2010/main" Requires="a14">
+      <mc:AlternateContent xmlns:mc="http://schemas.openxmlformats.org/markup-compatibility/2006" xmlns:a14="http://schemas.microsoft.com/office/drawing/2010/main">
+        <mc:Choice Requires="a14">
           <p:sp>
             <p:nvSpPr>
               <p:cNvPr id="3" name="Content Placeholder 2"/>
@@ -12130,7 +11815,7 @@
             </p:txBody>
           </p:sp>
         </mc:Choice>
-        <mc:Fallback>
+        <mc:Fallback xmlns="">
           <p:sp>
             <p:nvSpPr>
               <p:cNvPr id="3" name="Content Placeholder 2"/>
@@ -13971,8 +13656,8 @@
           </a:p>
         </p:txBody>
       </p:sp>
-      <mc:AlternateContent xmlns:mc="http://schemas.openxmlformats.org/markup-compatibility/2006">
-        <mc:Choice xmlns:a14="http://schemas.microsoft.com/office/drawing/2010/main" Requires="a14">
+      <mc:AlternateContent xmlns:mc="http://schemas.openxmlformats.org/markup-compatibility/2006" xmlns:a14="http://schemas.microsoft.com/office/drawing/2010/main">
+        <mc:Choice Requires="a14">
           <p:sp>
             <p:nvSpPr>
               <p:cNvPr id="6" name="TextBox 5"/>
@@ -14024,7 +13709,7 @@
             </p:txBody>
           </p:sp>
         </mc:Choice>
-        <mc:Fallback>
+        <mc:Fallback xmlns="">
           <p:sp>
             <p:nvSpPr>
               <p:cNvPr id="6" name="TextBox 5"/>
@@ -14124,12 +13809,11 @@
               <a:rPr lang="pt-BR" dirty="0"/>
               <a:t>Métricas de avaliação de classificadores</a:t>
             </a:r>
-            <a:endParaRPr lang="pt-BR" dirty="0"/>
           </a:p>
         </p:txBody>
       </p:sp>
-      <mc:AlternateContent xmlns:mc="http://schemas.openxmlformats.org/markup-compatibility/2006">
-        <mc:Choice xmlns:a14="http://schemas.microsoft.com/office/drawing/2010/main" Requires="a14">
+      <mc:AlternateContent xmlns:mc="http://schemas.openxmlformats.org/markup-compatibility/2006" xmlns:a14="http://schemas.microsoft.com/office/drawing/2010/main">
+        <mc:Choice Requires="a14">
           <p:sp>
             <p:nvSpPr>
               <p:cNvPr id="3" name="Content Placeholder 2"/>
@@ -14221,7 +13905,6 @@
                   <a:rPr lang="pt-BR" dirty="0" smtClean="0"/>
                   <a:t>:</a:t>
                 </a:r>
-                <a:endParaRPr lang="pt-BR" dirty="0" smtClean="0"/>
               </a:p>
               <a:p>
                 <a:r>
@@ -15123,7 +14806,7 @@
             </p:txBody>
           </p:sp>
         </mc:Choice>
-        <mc:Fallback>
+        <mc:Fallback xmlns="">
           <p:sp>
             <p:nvSpPr>
               <p:cNvPr id="3" name="Content Placeholder 2"/>
@@ -15215,12 +14898,11 @@
               <a:rPr lang="pt-BR" dirty="0"/>
               <a:t>Métricas de avaliação de classificadores</a:t>
             </a:r>
-            <a:endParaRPr lang="pt-BR" dirty="0"/>
           </a:p>
         </p:txBody>
       </p:sp>
-      <mc:AlternateContent xmlns:mc="http://schemas.openxmlformats.org/markup-compatibility/2006">
-        <mc:Choice xmlns:a14="http://schemas.microsoft.com/office/drawing/2010/main" Requires="a14">
+      <mc:AlternateContent xmlns:mc="http://schemas.openxmlformats.org/markup-compatibility/2006" xmlns:a14="http://schemas.microsoft.com/office/drawing/2010/main">
+        <mc:Choice Requires="a14">
           <p:sp>
             <p:nvSpPr>
               <p:cNvPr id="3" name="Content Placeholder 2"/>
@@ -15254,7 +14936,6 @@
                   <a:rPr lang="pt-BR" sz="3000" b="1" dirty="0" smtClean="0"/>
                   <a:t>Confusão</a:t>
                 </a:r>
-                <a:endParaRPr lang="pt-BR" sz="3000" b="1" dirty="0" smtClean="0"/>
               </a:p>
               <a:p>
                 <a:r>
@@ -15977,7 +15658,7 @@
             </p:txBody>
           </p:sp>
         </mc:Choice>
-        <mc:Fallback>
+        <mc:Fallback xmlns="">
           <p:sp>
             <p:nvSpPr>
               <p:cNvPr id="3" name="Content Placeholder 2"/>
@@ -16084,8 +15765,8 @@
           </a:p>
         </p:txBody>
       </p:sp>
-      <mc:AlternateContent xmlns:mc="http://schemas.openxmlformats.org/markup-compatibility/2006">
-        <mc:Choice xmlns:a14="http://schemas.microsoft.com/office/drawing/2010/main" Requires="a14">
+      <mc:AlternateContent xmlns:mc="http://schemas.openxmlformats.org/markup-compatibility/2006" xmlns:a14="http://schemas.microsoft.com/office/drawing/2010/main">
+        <mc:Choice Requires="a14">
           <p:sp>
             <p:nvSpPr>
               <p:cNvPr id="3" name="Content Placeholder 2"/>
@@ -16160,11 +15841,7 @@
                 </a:pPr>
                 <a:r>
                   <a:rPr lang="pt-BR" dirty="0" smtClean="0"/>
-                  <a:t>Para isto, basta </a:t>
-                </a:r>
-                <a:r>
-                  <a:rPr lang="pt-BR" dirty="0" smtClean="0"/>
-                  <a:t>selecionar, </a:t>
+                  <a:t>Para isto, basta selecionar, </a:t>
                 </a:r>
                 <a:r>
                   <a:rPr lang="pt-BR" dirty="0"/>
@@ -16285,7 +15962,7 @@
             </p:txBody>
           </p:sp>
         </mc:Choice>
-        <mc:Fallback>
+        <mc:Fallback xmlns="">
           <p:sp>
             <p:nvSpPr>
               <p:cNvPr id="3" name="Content Placeholder 2"/>

--- a/slides/T320_Classificação (Parte V).pptx
+++ b/slides/T320_Classificação (Parte V).pptx
@@ -5,10 +5,10 @@
     <p:sldMasterId id="2147483648" r:id="rId1"/>
   </p:sldMasterIdLst>
   <p:notesMasterIdLst>
-    <p:notesMasterId r:id="rId19"/>
+    <p:notesMasterId r:id="rId20"/>
   </p:notesMasterIdLst>
   <p:handoutMasterIdLst>
-    <p:handoutMasterId r:id="rId20"/>
+    <p:handoutMasterId r:id="rId21"/>
   </p:handoutMasterIdLst>
   <p:sldIdLst>
     <p:sldId id="256" r:id="rId2"/>
@@ -28,6 +28,7 @@
     <p:sldId id="348" r:id="rId16"/>
     <p:sldId id="324" r:id="rId17"/>
     <p:sldId id="306" r:id="rId18"/>
+    <p:sldId id="352" r:id="rId19"/>
   </p:sldIdLst>
   <p:sldSz cx="12192000" cy="6858000"/>
   <p:notesSz cx="7315200" cy="9601200"/>
@@ -291,7 +292,7 @@
           <a:p>
             <a:fld id="{144F1436-6906-4D93-B7A2-786C327BFA14}" type="datetimeFigureOut">
               <a:rPr lang="nl-BE" smtClean="0"/>
-              <a:t>4/08/2021</a:t>
+              <a:t>13/09/2021</a:t>
             </a:fld>
             <a:endParaRPr lang="nl-BE"/>
           </a:p>
@@ -456,7 +457,7 @@
           <a:p>
             <a:fld id="{AA8CD09E-2914-4F47-B6C1-51B2C31814C9}" type="datetimeFigureOut">
               <a:rPr lang="pt-BR" smtClean="0"/>
-              <a:t>04/08/2021</a:t>
+              <a:t>13/09/2021</a:t>
             </a:fld>
             <a:endParaRPr lang="pt-BR"/>
           </a:p>
@@ -1834,7 +1835,7 @@
           <p:cNvPr id="2" name="Título 1">
             <a:extLst>
               <a:ext uri="{FF2B5EF4-FFF2-40B4-BE49-F238E27FC236}">
-                <a16:creationId xmlns:a16="http://schemas.microsoft.com/office/drawing/2014/main" xmlns="" id="{1DB9B4FF-B06E-403C-A326-BDC64D8FF94E}"/>
+                <a16:creationId xmlns="" xmlns:a16="http://schemas.microsoft.com/office/drawing/2014/main" id="{1DB9B4FF-B06E-403C-A326-BDC64D8FF94E}"/>
               </a:ext>
             </a:extLst>
           </p:cNvPr>
@@ -1871,7 +1872,7 @@
           <p:cNvPr id="3" name="Subtítulo 2">
             <a:extLst>
               <a:ext uri="{FF2B5EF4-FFF2-40B4-BE49-F238E27FC236}">
-                <a16:creationId xmlns:a16="http://schemas.microsoft.com/office/drawing/2014/main" xmlns="" id="{247BDFCE-746E-45BF-A319-4733D58D1632}"/>
+                <a16:creationId xmlns="" xmlns:a16="http://schemas.microsoft.com/office/drawing/2014/main" id="{247BDFCE-746E-45BF-A319-4733D58D1632}"/>
               </a:ext>
             </a:extLst>
           </p:cNvPr>
@@ -1941,7 +1942,7 @@
           <p:cNvPr id="4" name="Espaço Reservado para Data 3">
             <a:extLst>
               <a:ext uri="{FF2B5EF4-FFF2-40B4-BE49-F238E27FC236}">
-                <a16:creationId xmlns:a16="http://schemas.microsoft.com/office/drawing/2014/main" xmlns="" id="{9EDE2778-5372-4104-B96D-968184DA8288}"/>
+                <a16:creationId xmlns="" xmlns:a16="http://schemas.microsoft.com/office/drawing/2014/main" id="{9EDE2778-5372-4104-B96D-968184DA8288}"/>
               </a:ext>
             </a:extLst>
           </p:cNvPr>
@@ -1959,7 +1960,7 @@
           <a:p>
             <a:fld id="{63289F7E-B80B-496E-81B4-D396C37C9454}" type="datetimeFigureOut">
               <a:rPr lang="pt-BR" smtClean="0"/>
-              <a:t>04/08/2021</a:t>
+              <a:t>13/09/2021</a:t>
             </a:fld>
             <a:endParaRPr lang="pt-BR"/>
           </a:p>
@@ -1970,7 +1971,7 @@
           <p:cNvPr id="5" name="Espaço Reservado para Rodapé 4">
             <a:extLst>
               <a:ext uri="{FF2B5EF4-FFF2-40B4-BE49-F238E27FC236}">
-                <a16:creationId xmlns:a16="http://schemas.microsoft.com/office/drawing/2014/main" xmlns="" id="{C1DD0F41-C861-4051-988D-3024A37A4B93}"/>
+                <a16:creationId xmlns="" xmlns:a16="http://schemas.microsoft.com/office/drawing/2014/main" id="{C1DD0F41-C861-4051-988D-3024A37A4B93}"/>
               </a:ext>
             </a:extLst>
           </p:cNvPr>
@@ -1995,7 +1996,7 @@
           <p:cNvPr id="6" name="Espaço Reservado para Número de Slide 5">
             <a:extLst>
               <a:ext uri="{FF2B5EF4-FFF2-40B4-BE49-F238E27FC236}">
-                <a16:creationId xmlns:a16="http://schemas.microsoft.com/office/drawing/2014/main" xmlns="" id="{07E5967E-D980-431A-A5DB-3F0C5030A81E}"/>
+                <a16:creationId xmlns="" xmlns:a16="http://schemas.microsoft.com/office/drawing/2014/main" id="{07E5967E-D980-431A-A5DB-3F0C5030A81E}"/>
               </a:ext>
             </a:extLst>
           </p:cNvPr>
@@ -2054,7 +2055,7 @@
           <p:cNvPr id="2" name="Título 1">
             <a:extLst>
               <a:ext uri="{FF2B5EF4-FFF2-40B4-BE49-F238E27FC236}">
-                <a16:creationId xmlns:a16="http://schemas.microsoft.com/office/drawing/2014/main" xmlns="" id="{9036C49F-3E68-4175-81BA-3C3FEE44308A}"/>
+                <a16:creationId xmlns="" xmlns:a16="http://schemas.microsoft.com/office/drawing/2014/main" id="{9036C49F-3E68-4175-81BA-3C3FEE44308A}"/>
               </a:ext>
             </a:extLst>
           </p:cNvPr>
@@ -2082,7 +2083,7 @@
           <p:cNvPr id="3" name="Espaço Reservado para Texto Vertical 2">
             <a:extLst>
               <a:ext uri="{FF2B5EF4-FFF2-40B4-BE49-F238E27FC236}">
-                <a16:creationId xmlns:a16="http://schemas.microsoft.com/office/drawing/2014/main" xmlns="" id="{426FA736-3DD3-4D4E-B57B-BBE1D8F7D424}"/>
+                <a16:creationId xmlns="" xmlns:a16="http://schemas.microsoft.com/office/drawing/2014/main" id="{426FA736-3DD3-4D4E-B57B-BBE1D8F7D424}"/>
               </a:ext>
             </a:extLst>
           </p:cNvPr>
@@ -2139,7 +2140,7 @@
           <p:cNvPr id="4" name="Espaço Reservado para Data 3">
             <a:extLst>
               <a:ext uri="{FF2B5EF4-FFF2-40B4-BE49-F238E27FC236}">
-                <a16:creationId xmlns:a16="http://schemas.microsoft.com/office/drawing/2014/main" xmlns="" id="{99E8855C-D8FD-48F6-B14E-861E0DE4D915}"/>
+                <a16:creationId xmlns="" xmlns:a16="http://schemas.microsoft.com/office/drawing/2014/main" id="{99E8855C-D8FD-48F6-B14E-861E0DE4D915}"/>
               </a:ext>
             </a:extLst>
           </p:cNvPr>
@@ -2157,7 +2158,7 @@
           <a:p>
             <a:fld id="{63289F7E-B80B-496E-81B4-D396C37C9454}" type="datetimeFigureOut">
               <a:rPr lang="pt-BR" smtClean="0"/>
-              <a:t>04/08/2021</a:t>
+              <a:t>13/09/2021</a:t>
             </a:fld>
             <a:endParaRPr lang="pt-BR"/>
           </a:p>
@@ -2168,7 +2169,7 @@
           <p:cNvPr id="5" name="Espaço Reservado para Rodapé 4">
             <a:extLst>
               <a:ext uri="{FF2B5EF4-FFF2-40B4-BE49-F238E27FC236}">
-                <a16:creationId xmlns:a16="http://schemas.microsoft.com/office/drawing/2014/main" xmlns="" id="{97C0BB88-2F21-42A5-ACFF-83DA47F2D340}"/>
+                <a16:creationId xmlns="" xmlns:a16="http://schemas.microsoft.com/office/drawing/2014/main" id="{97C0BB88-2F21-42A5-ACFF-83DA47F2D340}"/>
               </a:ext>
             </a:extLst>
           </p:cNvPr>
@@ -2193,7 +2194,7 @@
           <p:cNvPr id="6" name="Espaço Reservado para Número de Slide 5">
             <a:extLst>
               <a:ext uri="{FF2B5EF4-FFF2-40B4-BE49-F238E27FC236}">
-                <a16:creationId xmlns:a16="http://schemas.microsoft.com/office/drawing/2014/main" xmlns="" id="{6CB462B3-1F22-4C05-B4B8-7A279FB7D5E9}"/>
+                <a16:creationId xmlns="" xmlns:a16="http://schemas.microsoft.com/office/drawing/2014/main" id="{6CB462B3-1F22-4C05-B4B8-7A279FB7D5E9}"/>
               </a:ext>
             </a:extLst>
           </p:cNvPr>
@@ -2252,7 +2253,7 @@
           <p:cNvPr id="2" name="Título Vertical 1">
             <a:extLst>
               <a:ext uri="{FF2B5EF4-FFF2-40B4-BE49-F238E27FC236}">
-                <a16:creationId xmlns:a16="http://schemas.microsoft.com/office/drawing/2014/main" xmlns="" id="{EAEAB728-701C-4207-A9D5-23FF45C60502}"/>
+                <a16:creationId xmlns="" xmlns:a16="http://schemas.microsoft.com/office/drawing/2014/main" id="{EAEAB728-701C-4207-A9D5-23FF45C60502}"/>
               </a:ext>
             </a:extLst>
           </p:cNvPr>
@@ -2285,7 +2286,7 @@
           <p:cNvPr id="3" name="Espaço Reservado para Texto Vertical 2">
             <a:extLst>
               <a:ext uri="{FF2B5EF4-FFF2-40B4-BE49-F238E27FC236}">
-                <a16:creationId xmlns:a16="http://schemas.microsoft.com/office/drawing/2014/main" xmlns="" id="{BA8C8CCF-7823-480A-9A19-0F664DD17E3B}"/>
+                <a16:creationId xmlns="" xmlns:a16="http://schemas.microsoft.com/office/drawing/2014/main" id="{BA8C8CCF-7823-480A-9A19-0F664DD17E3B}"/>
               </a:ext>
             </a:extLst>
           </p:cNvPr>
@@ -2347,7 +2348,7 @@
           <p:cNvPr id="4" name="Espaço Reservado para Data 3">
             <a:extLst>
               <a:ext uri="{FF2B5EF4-FFF2-40B4-BE49-F238E27FC236}">
-                <a16:creationId xmlns:a16="http://schemas.microsoft.com/office/drawing/2014/main" xmlns="" id="{721D5734-7B1F-425D-942F-6EB73344027C}"/>
+                <a16:creationId xmlns="" xmlns:a16="http://schemas.microsoft.com/office/drawing/2014/main" id="{721D5734-7B1F-425D-942F-6EB73344027C}"/>
               </a:ext>
             </a:extLst>
           </p:cNvPr>
@@ -2365,7 +2366,7 @@
           <a:p>
             <a:fld id="{63289F7E-B80B-496E-81B4-D396C37C9454}" type="datetimeFigureOut">
               <a:rPr lang="pt-BR" smtClean="0"/>
-              <a:t>04/08/2021</a:t>
+              <a:t>13/09/2021</a:t>
             </a:fld>
             <a:endParaRPr lang="pt-BR"/>
           </a:p>
@@ -2376,7 +2377,7 @@
           <p:cNvPr id="5" name="Espaço Reservado para Rodapé 4">
             <a:extLst>
               <a:ext uri="{FF2B5EF4-FFF2-40B4-BE49-F238E27FC236}">
-                <a16:creationId xmlns:a16="http://schemas.microsoft.com/office/drawing/2014/main" xmlns="" id="{1E1AAEAC-F08D-45FE-89EC-B1B349A868C9}"/>
+                <a16:creationId xmlns="" xmlns:a16="http://schemas.microsoft.com/office/drawing/2014/main" id="{1E1AAEAC-F08D-45FE-89EC-B1B349A868C9}"/>
               </a:ext>
             </a:extLst>
           </p:cNvPr>
@@ -2401,7 +2402,7 @@
           <p:cNvPr id="6" name="Espaço Reservado para Número de Slide 5">
             <a:extLst>
               <a:ext uri="{FF2B5EF4-FFF2-40B4-BE49-F238E27FC236}">
-                <a16:creationId xmlns:a16="http://schemas.microsoft.com/office/drawing/2014/main" xmlns="" id="{BAA44493-9911-47B2-87A6-C2141A972BC8}"/>
+                <a16:creationId xmlns="" xmlns:a16="http://schemas.microsoft.com/office/drawing/2014/main" id="{BAA44493-9911-47B2-87A6-C2141A972BC8}"/>
               </a:ext>
             </a:extLst>
           </p:cNvPr>
@@ -2460,7 +2461,7 @@
           <p:cNvPr id="2" name="Título 1">
             <a:extLst>
               <a:ext uri="{FF2B5EF4-FFF2-40B4-BE49-F238E27FC236}">
-                <a16:creationId xmlns:a16="http://schemas.microsoft.com/office/drawing/2014/main" xmlns="" id="{71BD44A5-8F21-4626-A01D-48A1C874B1D5}"/>
+                <a16:creationId xmlns="" xmlns:a16="http://schemas.microsoft.com/office/drawing/2014/main" id="{71BD44A5-8F21-4626-A01D-48A1C874B1D5}"/>
               </a:ext>
             </a:extLst>
           </p:cNvPr>
@@ -2488,7 +2489,7 @@
           <p:cNvPr id="3" name="Espaço Reservado para Conteúdo 2">
             <a:extLst>
               <a:ext uri="{FF2B5EF4-FFF2-40B4-BE49-F238E27FC236}">
-                <a16:creationId xmlns:a16="http://schemas.microsoft.com/office/drawing/2014/main" xmlns="" id="{B79E8085-65A9-48AA-951D-71D978BFF4ED}"/>
+                <a16:creationId xmlns="" xmlns:a16="http://schemas.microsoft.com/office/drawing/2014/main" id="{B79E8085-65A9-48AA-951D-71D978BFF4ED}"/>
               </a:ext>
             </a:extLst>
           </p:cNvPr>
@@ -2545,7 +2546,7 @@
           <p:cNvPr id="4" name="Espaço Reservado para Data 3">
             <a:extLst>
               <a:ext uri="{FF2B5EF4-FFF2-40B4-BE49-F238E27FC236}">
-                <a16:creationId xmlns:a16="http://schemas.microsoft.com/office/drawing/2014/main" xmlns="" id="{F05BE1AF-51EA-425D-B188-DE7BD675009F}"/>
+                <a16:creationId xmlns="" xmlns:a16="http://schemas.microsoft.com/office/drawing/2014/main" id="{F05BE1AF-51EA-425D-B188-DE7BD675009F}"/>
               </a:ext>
             </a:extLst>
           </p:cNvPr>
@@ -2563,7 +2564,7 @@
           <a:p>
             <a:fld id="{63289F7E-B80B-496E-81B4-D396C37C9454}" type="datetimeFigureOut">
               <a:rPr lang="pt-BR" smtClean="0"/>
-              <a:t>04/08/2021</a:t>
+              <a:t>13/09/2021</a:t>
             </a:fld>
             <a:endParaRPr lang="pt-BR"/>
           </a:p>
@@ -2574,7 +2575,7 @@
           <p:cNvPr id="5" name="Espaço Reservado para Rodapé 4">
             <a:extLst>
               <a:ext uri="{FF2B5EF4-FFF2-40B4-BE49-F238E27FC236}">
-                <a16:creationId xmlns:a16="http://schemas.microsoft.com/office/drawing/2014/main" xmlns="" id="{121BE632-29CF-4CB9-B365-C9EF38F89BE6}"/>
+                <a16:creationId xmlns="" xmlns:a16="http://schemas.microsoft.com/office/drawing/2014/main" id="{121BE632-29CF-4CB9-B365-C9EF38F89BE6}"/>
               </a:ext>
             </a:extLst>
           </p:cNvPr>
@@ -2599,7 +2600,7 @@
           <p:cNvPr id="6" name="Espaço Reservado para Número de Slide 5">
             <a:extLst>
               <a:ext uri="{FF2B5EF4-FFF2-40B4-BE49-F238E27FC236}">
-                <a16:creationId xmlns:a16="http://schemas.microsoft.com/office/drawing/2014/main" xmlns="" id="{60CF3DD1-9AEC-4A57-B461-4E4DD86FAC18}"/>
+                <a16:creationId xmlns="" xmlns:a16="http://schemas.microsoft.com/office/drawing/2014/main" id="{60CF3DD1-9AEC-4A57-B461-4E4DD86FAC18}"/>
               </a:ext>
             </a:extLst>
           </p:cNvPr>
@@ -2658,7 +2659,7 @@
           <p:cNvPr id="2" name="Título 1">
             <a:extLst>
               <a:ext uri="{FF2B5EF4-FFF2-40B4-BE49-F238E27FC236}">
-                <a16:creationId xmlns:a16="http://schemas.microsoft.com/office/drawing/2014/main" xmlns="" id="{34AB2FF0-A4D7-4E28-991D-FF26140D5988}"/>
+                <a16:creationId xmlns="" xmlns:a16="http://schemas.microsoft.com/office/drawing/2014/main" id="{34AB2FF0-A4D7-4E28-991D-FF26140D5988}"/>
               </a:ext>
             </a:extLst>
           </p:cNvPr>
@@ -2695,7 +2696,7 @@
           <p:cNvPr id="3" name="Espaço Reservado para Texto 2">
             <a:extLst>
               <a:ext uri="{FF2B5EF4-FFF2-40B4-BE49-F238E27FC236}">
-                <a16:creationId xmlns:a16="http://schemas.microsoft.com/office/drawing/2014/main" xmlns="" id="{E2AC45B0-4145-40DB-8E61-105461170604}"/>
+                <a16:creationId xmlns="" xmlns:a16="http://schemas.microsoft.com/office/drawing/2014/main" id="{E2AC45B0-4145-40DB-8E61-105461170604}"/>
               </a:ext>
             </a:extLst>
           </p:cNvPr>
@@ -2820,7 +2821,7 @@
           <p:cNvPr id="4" name="Espaço Reservado para Data 3">
             <a:extLst>
               <a:ext uri="{FF2B5EF4-FFF2-40B4-BE49-F238E27FC236}">
-                <a16:creationId xmlns:a16="http://schemas.microsoft.com/office/drawing/2014/main" xmlns="" id="{50F1D3FB-740A-4EBA-A309-2CE71D12ECFB}"/>
+                <a16:creationId xmlns="" xmlns:a16="http://schemas.microsoft.com/office/drawing/2014/main" id="{50F1D3FB-740A-4EBA-A309-2CE71D12ECFB}"/>
               </a:ext>
             </a:extLst>
           </p:cNvPr>
@@ -2838,7 +2839,7 @@
           <a:p>
             <a:fld id="{63289F7E-B80B-496E-81B4-D396C37C9454}" type="datetimeFigureOut">
               <a:rPr lang="pt-BR" smtClean="0"/>
-              <a:t>04/08/2021</a:t>
+              <a:t>13/09/2021</a:t>
             </a:fld>
             <a:endParaRPr lang="pt-BR"/>
           </a:p>
@@ -2849,7 +2850,7 @@
           <p:cNvPr id="5" name="Espaço Reservado para Rodapé 4">
             <a:extLst>
               <a:ext uri="{FF2B5EF4-FFF2-40B4-BE49-F238E27FC236}">
-                <a16:creationId xmlns:a16="http://schemas.microsoft.com/office/drawing/2014/main" xmlns="" id="{BDCAB18F-8715-4465-A940-F9C193A2ACE9}"/>
+                <a16:creationId xmlns="" xmlns:a16="http://schemas.microsoft.com/office/drawing/2014/main" id="{BDCAB18F-8715-4465-A940-F9C193A2ACE9}"/>
               </a:ext>
             </a:extLst>
           </p:cNvPr>
@@ -2874,7 +2875,7 @@
           <p:cNvPr id="6" name="Espaço Reservado para Número de Slide 5">
             <a:extLst>
               <a:ext uri="{FF2B5EF4-FFF2-40B4-BE49-F238E27FC236}">
-                <a16:creationId xmlns:a16="http://schemas.microsoft.com/office/drawing/2014/main" xmlns="" id="{353466C6-8248-429F-8056-FF040BF509EB}"/>
+                <a16:creationId xmlns="" xmlns:a16="http://schemas.microsoft.com/office/drawing/2014/main" id="{353466C6-8248-429F-8056-FF040BF509EB}"/>
               </a:ext>
             </a:extLst>
           </p:cNvPr>
@@ -2933,7 +2934,7 @@
           <p:cNvPr id="2" name="Título 1">
             <a:extLst>
               <a:ext uri="{FF2B5EF4-FFF2-40B4-BE49-F238E27FC236}">
-                <a16:creationId xmlns:a16="http://schemas.microsoft.com/office/drawing/2014/main" xmlns="" id="{BC7BB9F0-F14B-4A91-B2B7-35BC47FE4DE7}"/>
+                <a16:creationId xmlns="" xmlns:a16="http://schemas.microsoft.com/office/drawing/2014/main" id="{BC7BB9F0-F14B-4A91-B2B7-35BC47FE4DE7}"/>
               </a:ext>
             </a:extLst>
           </p:cNvPr>
@@ -2961,7 +2962,7 @@
           <p:cNvPr id="3" name="Espaço Reservado para Conteúdo 2">
             <a:extLst>
               <a:ext uri="{FF2B5EF4-FFF2-40B4-BE49-F238E27FC236}">
-                <a16:creationId xmlns:a16="http://schemas.microsoft.com/office/drawing/2014/main" xmlns="" id="{EC1FC1C4-73DA-47A6-8496-B0B457F7D39A}"/>
+                <a16:creationId xmlns="" xmlns:a16="http://schemas.microsoft.com/office/drawing/2014/main" id="{EC1FC1C4-73DA-47A6-8496-B0B457F7D39A}"/>
               </a:ext>
             </a:extLst>
           </p:cNvPr>
@@ -3023,7 +3024,7 @@
           <p:cNvPr id="4" name="Espaço Reservado para Conteúdo 3">
             <a:extLst>
               <a:ext uri="{FF2B5EF4-FFF2-40B4-BE49-F238E27FC236}">
-                <a16:creationId xmlns:a16="http://schemas.microsoft.com/office/drawing/2014/main" xmlns="" id="{E92F06A8-A449-4D92-9912-76873E529B38}"/>
+                <a16:creationId xmlns="" xmlns:a16="http://schemas.microsoft.com/office/drawing/2014/main" id="{E92F06A8-A449-4D92-9912-76873E529B38}"/>
               </a:ext>
             </a:extLst>
           </p:cNvPr>
@@ -3085,7 +3086,7 @@
           <p:cNvPr id="5" name="Espaço Reservado para Data 4">
             <a:extLst>
               <a:ext uri="{FF2B5EF4-FFF2-40B4-BE49-F238E27FC236}">
-                <a16:creationId xmlns:a16="http://schemas.microsoft.com/office/drawing/2014/main" xmlns="" id="{938070A4-BC2F-4D55-BD8D-DEAF11BB9EE9}"/>
+                <a16:creationId xmlns="" xmlns:a16="http://schemas.microsoft.com/office/drawing/2014/main" id="{938070A4-BC2F-4D55-BD8D-DEAF11BB9EE9}"/>
               </a:ext>
             </a:extLst>
           </p:cNvPr>
@@ -3103,7 +3104,7 @@
           <a:p>
             <a:fld id="{63289F7E-B80B-496E-81B4-D396C37C9454}" type="datetimeFigureOut">
               <a:rPr lang="pt-BR" smtClean="0"/>
-              <a:t>04/08/2021</a:t>
+              <a:t>13/09/2021</a:t>
             </a:fld>
             <a:endParaRPr lang="pt-BR"/>
           </a:p>
@@ -3114,7 +3115,7 @@
           <p:cNvPr id="6" name="Espaço Reservado para Rodapé 5">
             <a:extLst>
               <a:ext uri="{FF2B5EF4-FFF2-40B4-BE49-F238E27FC236}">
-                <a16:creationId xmlns:a16="http://schemas.microsoft.com/office/drawing/2014/main" xmlns="" id="{45CC2DB8-844A-465F-BA9A-7734C80C7F43}"/>
+                <a16:creationId xmlns="" xmlns:a16="http://schemas.microsoft.com/office/drawing/2014/main" id="{45CC2DB8-844A-465F-BA9A-7734C80C7F43}"/>
               </a:ext>
             </a:extLst>
           </p:cNvPr>
@@ -3139,7 +3140,7 @@
           <p:cNvPr id="7" name="Espaço Reservado para Número de Slide 6">
             <a:extLst>
               <a:ext uri="{FF2B5EF4-FFF2-40B4-BE49-F238E27FC236}">
-                <a16:creationId xmlns:a16="http://schemas.microsoft.com/office/drawing/2014/main" xmlns="" id="{4CC606A8-097B-4040-94E0-CD8C88280D8F}"/>
+                <a16:creationId xmlns="" xmlns:a16="http://schemas.microsoft.com/office/drawing/2014/main" id="{4CC606A8-097B-4040-94E0-CD8C88280D8F}"/>
               </a:ext>
             </a:extLst>
           </p:cNvPr>
@@ -3198,7 +3199,7 @@
           <p:cNvPr id="2" name="Título 1">
             <a:extLst>
               <a:ext uri="{FF2B5EF4-FFF2-40B4-BE49-F238E27FC236}">
-                <a16:creationId xmlns:a16="http://schemas.microsoft.com/office/drawing/2014/main" xmlns="" id="{76D66686-0143-4CB6-8C09-BA326F1E7ACA}"/>
+                <a16:creationId xmlns="" xmlns:a16="http://schemas.microsoft.com/office/drawing/2014/main" id="{76D66686-0143-4CB6-8C09-BA326F1E7ACA}"/>
               </a:ext>
             </a:extLst>
           </p:cNvPr>
@@ -3231,7 +3232,7 @@
           <p:cNvPr id="3" name="Espaço Reservado para Texto 2">
             <a:extLst>
               <a:ext uri="{FF2B5EF4-FFF2-40B4-BE49-F238E27FC236}">
-                <a16:creationId xmlns:a16="http://schemas.microsoft.com/office/drawing/2014/main" xmlns="" id="{0227AB85-F59E-4BCE-B846-4FA0992C2F23}"/>
+                <a16:creationId xmlns="" xmlns:a16="http://schemas.microsoft.com/office/drawing/2014/main" id="{0227AB85-F59E-4BCE-B846-4FA0992C2F23}"/>
               </a:ext>
             </a:extLst>
           </p:cNvPr>
@@ -3302,7 +3303,7 @@
           <p:cNvPr id="4" name="Espaço Reservado para Conteúdo 3">
             <a:extLst>
               <a:ext uri="{FF2B5EF4-FFF2-40B4-BE49-F238E27FC236}">
-                <a16:creationId xmlns:a16="http://schemas.microsoft.com/office/drawing/2014/main" xmlns="" id="{3373456C-7319-4D0A-827D-D29F6B083F5D}"/>
+                <a16:creationId xmlns="" xmlns:a16="http://schemas.microsoft.com/office/drawing/2014/main" id="{3373456C-7319-4D0A-827D-D29F6B083F5D}"/>
               </a:ext>
             </a:extLst>
           </p:cNvPr>
@@ -3364,7 +3365,7 @@
           <p:cNvPr id="5" name="Espaço Reservado para Texto 4">
             <a:extLst>
               <a:ext uri="{FF2B5EF4-FFF2-40B4-BE49-F238E27FC236}">
-                <a16:creationId xmlns:a16="http://schemas.microsoft.com/office/drawing/2014/main" xmlns="" id="{4CD109D0-2E83-4262-8029-A871CEC47406}"/>
+                <a16:creationId xmlns="" xmlns:a16="http://schemas.microsoft.com/office/drawing/2014/main" id="{4CD109D0-2E83-4262-8029-A871CEC47406}"/>
               </a:ext>
             </a:extLst>
           </p:cNvPr>
@@ -3435,7 +3436,7 @@
           <p:cNvPr id="6" name="Espaço Reservado para Conteúdo 5">
             <a:extLst>
               <a:ext uri="{FF2B5EF4-FFF2-40B4-BE49-F238E27FC236}">
-                <a16:creationId xmlns:a16="http://schemas.microsoft.com/office/drawing/2014/main" xmlns="" id="{AD706E3A-CFBB-4A6C-A65F-D0360A9E74FE}"/>
+                <a16:creationId xmlns="" xmlns:a16="http://schemas.microsoft.com/office/drawing/2014/main" id="{AD706E3A-CFBB-4A6C-A65F-D0360A9E74FE}"/>
               </a:ext>
             </a:extLst>
           </p:cNvPr>
@@ -3497,7 +3498,7 @@
           <p:cNvPr id="7" name="Espaço Reservado para Data 6">
             <a:extLst>
               <a:ext uri="{FF2B5EF4-FFF2-40B4-BE49-F238E27FC236}">
-                <a16:creationId xmlns:a16="http://schemas.microsoft.com/office/drawing/2014/main" xmlns="" id="{4172C0E5-5AF0-4805-BB51-443733CD2BD5}"/>
+                <a16:creationId xmlns="" xmlns:a16="http://schemas.microsoft.com/office/drawing/2014/main" id="{4172C0E5-5AF0-4805-BB51-443733CD2BD5}"/>
               </a:ext>
             </a:extLst>
           </p:cNvPr>
@@ -3515,7 +3516,7 @@
           <a:p>
             <a:fld id="{63289F7E-B80B-496E-81B4-D396C37C9454}" type="datetimeFigureOut">
               <a:rPr lang="pt-BR" smtClean="0"/>
-              <a:t>04/08/2021</a:t>
+              <a:t>13/09/2021</a:t>
             </a:fld>
             <a:endParaRPr lang="pt-BR"/>
           </a:p>
@@ -3526,7 +3527,7 @@
           <p:cNvPr id="8" name="Espaço Reservado para Rodapé 7">
             <a:extLst>
               <a:ext uri="{FF2B5EF4-FFF2-40B4-BE49-F238E27FC236}">
-                <a16:creationId xmlns:a16="http://schemas.microsoft.com/office/drawing/2014/main" xmlns="" id="{0E801648-156F-497E-99CF-797DF48051E1}"/>
+                <a16:creationId xmlns="" xmlns:a16="http://schemas.microsoft.com/office/drawing/2014/main" id="{0E801648-156F-497E-99CF-797DF48051E1}"/>
               </a:ext>
             </a:extLst>
           </p:cNvPr>
@@ -3551,7 +3552,7 @@
           <p:cNvPr id="9" name="Espaço Reservado para Número de Slide 8">
             <a:extLst>
               <a:ext uri="{FF2B5EF4-FFF2-40B4-BE49-F238E27FC236}">
-                <a16:creationId xmlns:a16="http://schemas.microsoft.com/office/drawing/2014/main" xmlns="" id="{EEE23D32-80E7-4796-A137-66BF842E4B53}"/>
+                <a16:creationId xmlns="" xmlns:a16="http://schemas.microsoft.com/office/drawing/2014/main" id="{EEE23D32-80E7-4796-A137-66BF842E4B53}"/>
               </a:ext>
             </a:extLst>
           </p:cNvPr>
@@ -3610,7 +3611,7 @@
           <p:cNvPr id="2" name="Título 1">
             <a:extLst>
               <a:ext uri="{FF2B5EF4-FFF2-40B4-BE49-F238E27FC236}">
-                <a16:creationId xmlns:a16="http://schemas.microsoft.com/office/drawing/2014/main" xmlns="" id="{2BCE2379-C78F-47E1-8CFC-B846E7AF148D}"/>
+                <a16:creationId xmlns="" xmlns:a16="http://schemas.microsoft.com/office/drawing/2014/main" id="{2BCE2379-C78F-47E1-8CFC-B846E7AF148D}"/>
               </a:ext>
             </a:extLst>
           </p:cNvPr>
@@ -3638,7 +3639,7 @@
           <p:cNvPr id="3" name="Espaço Reservado para Data 2">
             <a:extLst>
               <a:ext uri="{FF2B5EF4-FFF2-40B4-BE49-F238E27FC236}">
-                <a16:creationId xmlns:a16="http://schemas.microsoft.com/office/drawing/2014/main" xmlns="" id="{342600A9-7F92-4E22-9D94-E4717252A817}"/>
+                <a16:creationId xmlns="" xmlns:a16="http://schemas.microsoft.com/office/drawing/2014/main" id="{342600A9-7F92-4E22-9D94-E4717252A817}"/>
               </a:ext>
             </a:extLst>
           </p:cNvPr>
@@ -3656,7 +3657,7 @@
           <a:p>
             <a:fld id="{63289F7E-B80B-496E-81B4-D396C37C9454}" type="datetimeFigureOut">
               <a:rPr lang="pt-BR" smtClean="0"/>
-              <a:t>04/08/2021</a:t>
+              <a:t>13/09/2021</a:t>
             </a:fld>
             <a:endParaRPr lang="pt-BR"/>
           </a:p>
@@ -3667,7 +3668,7 @@
           <p:cNvPr id="4" name="Espaço Reservado para Rodapé 3">
             <a:extLst>
               <a:ext uri="{FF2B5EF4-FFF2-40B4-BE49-F238E27FC236}">
-                <a16:creationId xmlns:a16="http://schemas.microsoft.com/office/drawing/2014/main" xmlns="" id="{192E6BED-F546-40CC-A2DF-99CBA853654E}"/>
+                <a16:creationId xmlns="" xmlns:a16="http://schemas.microsoft.com/office/drawing/2014/main" id="{192E6BED-F546-40CC-A2DF-99CBA853654E}"/>
               </a:ext>
             </a:extLst>
           </p:cNvPr>
@@ -3692,7 +3693,7 @@
           <p:cNvPr id="5" name="Espaço Reservado para Número de Slide 4">
             <a:extLst>
               <a:ext uri="{FF2B5EF4-FFF2-40B4-BE49-F238E27FC236}">
-                <a16:creationId xmlns:a16="http://schemas.microsoft.com/office/drawing/2014/main" xmlns="" id="{6091CC40-A8C4-4063-80EB-CC5099621678}"/>
+                <a16:creationId xmlns="" xmlns:a16="http://schemas.microsoft.com/office/drawing/2014/main" id="{6091CC40-A8C4-4063-80EB-CC5099621678}"/>
               </a:ext>
             </a:extLst>
           </p:cNvPr>
@@ -3751,7 +3752,7 @@
           <p:cNvPr id="2" name="Espaço Reservado para Data 1">
             <a:extLst>
               <a:ext uri="{FF2B5EF4-FFF2-40B4-BE49-F238E27FC236}">
-                <a16:creationId xmlns:a16="http://schemas.microsoft.com/office/drawing/2014/main" xmlns="" id="{DD19515C-212C-4EAE-84A3-8FF4BC844F1B}"/>
+                <a16:creationId xmlns="" xmlns:a16="http://schemas.microsoft.com/office/drawing/2014/main" id="{DD19515C-212C-4EAE-84A3-8FF4BC844F1B}"/>
               </a:ext>
             </a:extLst>
           </p:cNvPr>
@@ -3769,7 +3770,7 @@
           <a:p>
             <a:fld id="{63289F7E-B80B-496E-81B4-D396C37C9454}" type="datetimeFigureOut">
               <a:rPr lang="pt-BR" smtClean="0"/>
-              <a:t>04/08/2021</a:t>
+              <a:t>13/09/2021</a:t>
             </a:fld>
             <a:endParaRPr lang="pt-BR"/>
           </a:p>
@@ -3780,7 +3781,7 @@
           <p:cNvPr id="3" name="Espaço Reservado para Rodapé 2">
             <a:extLst>
               <a:ext uri="{FF2B5EF4-FFF2-40B4-BE49-F238E27FC236}">
-                <a16:creationId xmlns:a16="http://schemas.microsoft.com/office/drawing/2014/main" xmlns="" id="{94D3D120-B3E8-4C96-861D-7A4F12F49B3A}"/>
+                <a16:creationId xmlns="" xmlns:a16="http://schemas.microsoft.com/office/drawing/2014/main" id="{94D3D120-B3E8-4C96-861D-7A4F12F49B3A}"/>
               </a:ext>
             </a:extLst>
           </p:cNvPr>
@@ -3805,7 +3806,7 @@
           <p:cNvPr id="4" name="Espaço Reservado para Número de Slide 3">
             <a:extLst>
               <a:ext uri="{FF2B5EF4-FFF2-40B4-BE49-F238E27FC236}">
-                <a16:creationId xmlns:a16="http://schemas.microsoft.com/office/drawing/2014/main" xmlns="" id="{42E49B68-FA1B-468B-9F17-D5C09243D454}"/>
+                <a16:creationId xmlns="" xmlns:a16="http://schemas.microsoft.com/office/drawing/2014/main" id="{42E49B68-FA1B-468B-9F17-D5C09243D454}"/>
               </a:ext>
             </a:extLst>
           </p:cNvPr>
@@ -3864,7 +3865,7 @@
           <p:cNvPr id="2" name="Título 1">
             <a:extLst>
               <a:ext uri="{FF2B5EF4-FFF2-40B4-BE49-F238E27FC236}">
-                <a16:creationId xmlns:a16="http://schemas.microsoft.com/office/drawing/2014/main" xmlns="" id="{1C17BCBE-A897-4319-85EC-D87909C24980}"/>
+                <a16:creationId xmlns="" xmlns:a16="http://schemas.microsoft.com/office/drawing/2014/main" id="{1C17BCBE-A897-4319-85EC-D87909C24980}"/>
               </a:ext>
             </a:extLst>
           </p:cNvPr>
@@ -3901,7 +3902,7 @@
           <p:cNvPr id="3" name="Espaço Reservado para Conteúdo 2">
             <a:extLst>
               <a:ext uri="{FF2B5EF4-FFF2-40B4-BE49-F238E27FC236}">
-                <a16:creationId xmlns:a16="http://schemas.microsoft.com/office/drawing/2014/main" xmlns="" id="{4226F885-0204-4913-868B-4B8B82576F17}"/>
+                <a16:creationId xmlns="" xmlns:a16="http://schemas.microsoft.com/office/drawing/2014/main" id="{4226F885-0204-4913-868B-4B8B82576F17}"/>
               </a:ext>
             </a:extLst>
           </p:cNvPr>
@@ -3991,7 +3992,7 @@
           <p:cNvPr id="4" name="Espaço Reservado para Texto 3">
             <a:extLst>
               <a:ext uri="{FF2B5EF4-FFF2-40B4-BE49-F238E27FC236}">
-                <a16:creationId xmlns:a16="http://schemas.microsoft.com/office/drawing/2014/main" xmlns="" id="{00F9F784-A858-441B-8AB5-697098141751}"/>
+                <a16:creationId xmlns="" xmlns:a16="http://schemas.microsoft.com/office/drawing/2014/main" id="{00F9F784-A858-441B-8AB5-697098141751}"/>
               </a:ext>
             </a:extLst>
           </p:cNvPr>
@@ -4062,7 +4063,7 @@
           <p:cNvPr id="5" name="Espaço Reservado para Data 4">
             <a:extLst>
               <a:ext uri="{FF2B5EF4-FFF2-40B4-BE49-F238E27FC236}">
-                <a16:creationId xmlns:a16="http://schemas.microsoft.com/office/drawing/2014/main" xmlns="" id="{A4DC363A-5000-472E-8B17-02E7DCB8840A}"/>
+                <a16:creationId xmlns="" xmlns:a16="http://schemas.microsoft.com/office/drawing/2014/main" id="{A4DC363A-5000-472E-8B17-02E7DCB8840A}"/>
               </a:ext>
             </a:extLst>
           </p:cNvPr>
@@ -4080,7 +4081,7 @@
           <a:p>
             <a:fld id="{63289F7E-B80B-496E-81B4-D396C37C9454}" type="datetimeFigureOut">
               <a:rPr lang="pt-BR" smtClean="0"/>
-              <a:t>04/08/2021</a:t>
+              <a:t>13/09/2021</a:t>
             </a:fld>
             <a:endParaRPr lang="pt-BR"/>
           </a:p>
@@ -4091,7 +4092,7 @@
           <p:cNvPr id="6" name="Espaço Reservado para Rodapé 5">
             <a:extLst>
               <a:ext uri="{FF2B5EF4-FFF2-40B4-BE49-F238E27FC236}">
-                <a16:creationId xmlns:a16="http://schemas.microsoft.com/office/drawing/2014/main" xmlns="" id="{5548425D-2C21-4C56-BAD4-662978775C28}"/>
+                <a16:creationId xmlns="" xmlns:a16="http://schemas.microsoft.com/office/drawing/2014/main" id="{5548425D-2C21-4C56-BAD4-662978775C28}"/>
               </a:ext>
             </a:extLst>
           </p:cNvPr>
@@ -4116,7 +4117,7 @@
           <p:cNvPr id="7" name="Espaço Reservado para Número de Slide 6">
             <a:extLst>
               <a:ext uri="{FF2B5EF4-FFF2-40B4-BE49-F238E27FC236}">
-                <a16:creationId xmlns:a16="http://schemas.microsoft.com/office/drawing/2014/main" xmlns="" id="{C63E9726-E64C-42B2-AE8A-8C235A956B48}"/>
+                <a16:creationId xmlns="" xmlns:a16="http://schemas.microsoft.com/office/drawing/2014/main" id="{C63E9726-E64C-42B2-AE8A-8C235A956B48}"/>
               </a:ext>
             </a:extLst>
           </p:cNvPr>
@@ -4175,7 +4176,7 @@
           <p:cNvPr id="2" name="Título 1">
             <a:extLst>
               <a:ext uri="{FF2B5EF4-FFF2-40B4-BE49-F238E27FC236}">
-                <a16:creationId xmlns:a16="http://schemas.microsoft.com/office/drawing/2014/main" xmlns="" id="{11086A78-3E74-450C-96A6-CA8AC37AF772}"/>
+                <a16:creationId xmlns="" xmlns:a16="http://schemas.microsoft.com/office/drawing/2014/main" id="{11086A78-3E74-450C-96A6-CA8AC37AF772}"/>
               </a:ext>
             </a:extLst>
           </p:cNvPr>
@@ -4212,7 +4213,7 @@
           <p:cNvPr id="3" name="Espaço Reservado para Imagem 2">
             <a:extLst>
               <a:ext uri="{FF2B5EF4-FFF2-40B4-BE49-F238E27FC236}">
-                <a16:creationId xmlns:a16="http://schemas.microsoft.com/office/drawing/2014/main" xmlns="" id="{5F5B7312-975A-4DBC-9B2F-3652ADA006FD}"/>
+                <a16:creationId xmlns="" xmlns:a16="http://schemas.microsoft.com/office/drawing/2014/main" id="{5F5B7312-975A-4DBC-9B2F-3652ADA006FD}"/>
               </a:ext>
             </a:extLst>
           </p:cNvPr>
@@ -4279,7 +4280,7 @@
           <p:cNvPr id="4" name="Espaço Reservado para Texto 3">
             <a:extLst>
               <a:ext uri="{FF2B5EF4-FFF2-40B4-BE49-F238E27FC236}">
-                <a16:creationId xmlns:a16="http://schemas.microsoft.com/office/drawing/2014/main" xmlns="" id="{AAF805F5-1DFF-41C6-944C-7D79FE0D0963}"/>
+                <a16:creationId xmlns="" xmlns:a16="http://schemas.microsoft.com/office/drawing/2014/main" id="{AAF805F5-1DFF-41C6-944C-7D79FE0D0963}"/>
               </a:ext>
             </a:extLst>
           </p:cNvPr>
@@ -4350,7 +4351,7 @@
           <p:cNvPr id="5" name="Espaço Reservado para Data 4">
             <a:extLst>
               <a:ext uri="{FF2B5EF4-FFF2-40B4-BE49-F238E27FC236}">
-                <a16:creationId xmlns:a16="http://schemas.microsoft.com/office/drawing/2014/main" xmlns="" id="{02113D81-8665-4516-BD81-C6A1F254EECD}"/>
+                <a16:creationId xmlns="" xmlns:a16="http://schemas.microsoft.com/office/drawing/2014/main" id="{02113D81-8665-4516-BD81-C6A1F254EECD}"/>
               </a:ext>
             </a:extLst>
           </p:cNvPr>
@@ -4368,7 +4369,7 @@
           <a:p>
             <a:fld id="{63289F7E-B80B-496E-81B4-D396C37C9454}" type="datetimeFigureOut">
               <a:rPr lang="pt-BR" smtClean="0"/>
-              <a:t>04/08/2021</a:t>
+              <a:t>13/09/2021</a:t>
             </a:fld>
             <a:endParaRPr lang="pt-BR"/>
           </a:p>
@@ -4379,7 +4380,7 @@
           <p:cNvPr id="6" name="Espaço Reservado para Rodapé 5">
             <a:extLst>
               <a:ext uri="{FF2B5EF4-FFF2-40B4-BE49-F238E27FC236}">
-                <a16:creationId xmlns:a16="http://schemas.microsoft.com/office/drawing/2014/main" xmlns="" id="{2B00C88B-FF32-40AA-A187-727D96FD7862}"/>
+                <a16:creationId xmlns="" xmlns:a16="http://schemas.microsoft.com/office/drawing/2014/main" id="{2B00C88B-FF32-40AA-A187-727D96FD7862}"/>
               </a:ext>
             </a:extLst>
           </p:cNvPr>
@@ -4404,7 +4405,7 @@
           <p:cNvPr id="7" name="Espaço Reservado para Número de Slide 6">
             <a:extLst>
               <a:ext uri="{FF2B5EF4-FFF2-40B4-BE49-F238E27FC236}">
-                <a16:creationId xmlns:a16="http://schemas.microsoft.com/office/drawing/2014/main" xmlns="" id="{A04D1A2D-69F7-4B8F-A730-BC26DC340BA6}"/>
+                <a16:creationId xmlns="" xmlns:a16="http://schemas.microsoft.com/office/drawing/2014/main" id="{A04D1A2D-69F7-4B8F-A730-BC26DC340BA6}"/>
               </a:ext>
             </a:extLst>
           </p:cNvPr>
@@ -4468,7 +4469,7 @@
           <p:cNvPr id="2" name="Espaço Reservado para Título 1">
             <a:extLst>
               <a:ext uri="{FF2B5EF4-FFF2-40B4-BE49-F238E27FC236}">
-                <a16:creationId xmlns:a16="http://schemas.microsoft.com/office/drawing/2014/main" xmlns="" id="{E69A0273-1966-4A1B-9370-4C1CE5036371}"/>
+                <a16:creationId xmlns="" xmlns:a16="http://schemas.microsoft.com/office/drawing/2014/main" id="{E69A0273-1966-4A1B-9370-4C1CE5036371}"/>
               </a:ext>
             </a:extLst>
           </p:cNvPr>
@@ -4506,7 +4507,7 @@
           <p:cNvPr id="3" name="Espaço Reservado para Texto 2">
             <a:extLst>
               <a:ext uri="{FF2B5EF4-FFF2-40B4-BE49-F238E27FC236}">
-                <a16:creationId xmlns:a16="http://schemas.microsoft.com/office/drawing/2014/main" xmlns="" id="{3B9CF87A-0448-49A7-AB25-EBC1D56A40EF}"/>
+                <a16:creationId xmlns="" xmlns:a16="http://schemas.microsoft.com/office/drawing/2014/main" id="{3B9CF87A-0448-49A7-AB25-EBC1D56A40EF}"/>
               </a:ext>
             </a:extLst>
           </p:cNvPr>
@@ -4573,7 +4574,7 @@
           <p:cNvPr id="4" name="Espaço Reservado para Data 3">
             <a:extLst>
               <a:ext uri="{FF2B5EF4-FFF2-40B4-BE49-F238E27FC236}">
-                <a16:creationId xmlns:a16="http://schemas.microsoft.com/office/drawing/2014/main" xmlns="" id="{2EF7B1F2-BB5A-44D0-816D-16AD2C71430E}"/>
+                <a16:creationId xmlns="" xmlns:a16="http://schemas.microsoft.com/office/drawing/2014/main" id="{2EF7B1F2-BB5A-44D0-816D-16AD2C71430E}"/>
               </a:ext>
             </a:extLst>
           </p:cNvPr>
@@ -4609,7 +4610,7 @@
           <a:p>
             <a:fld id="{63289F7E-B80B-496E-81B4-D396C37C9454}" type="datetimeFigureOut">
               <a:rPr lang="pt-BR" smtClean="0"/>
-              <a:t>04/08/2021</a:t>
+              <a:t>13/09/2021</a:t>
             </a:fld>
             <a:endParaRPr lang="pt-BR"/>
           </a:p>
@@ -4620,7 +4621,7 @@
           <p:cNvPr id="5" name="Espaço Reservado para Rodapé 4">
             <a:extLst>
               <a:ext uri="{FF2B5EF4-FFF2-40B4-BE49-F238E27FC236}">
-                <a16:creationId xmlns:a16="http://schemas.microsoft.com/office/drawing/2014/main" xmlns="" id="{C703F94C-2CC8-4DAA-BC35-14FC3E841DCD}"/>
+                <a16:creationId xmlns="" xmlns:a16="http://schemas.microsoft.com/office/drawing/2014/main" id="{C703F94C-2CC8-4DAA-BC35-14FC3E841DCD}"/>
               </a:ext>
             </a:extLst>
           </p:cNvPr>
@@ -4663,7 +4664,7 @@
           <p:cNvPr id="6" name="Espaço Reservado para Número de Slide 5">
             <a:extLst>
               <a:ext uri="{FF2B5EF4-FFF2-40B4-BE49-F238E27FC236}">
-                <a16:creationId xmlns:a16="http://schemas.microsoft.com/office/drawing/2014/main" xmlns="" id="{64051336-7048-457A-8B61-D94291D71648}"/>
+                <a16:creationId xmlns="" xmlns:a16="http://schemas.microsoft.com/office/drawing/2014/main" id="{64051336-7048-457A-8B61-D94291D71648}"/>
               </a:ext>
             </a:extLst>
           </p:cNvPr>
@@ -5031,7 +5032,7 @@
           <p:cNvPr id="2" name="Título 1">
             <a:extLst>
               <a:ext uri="{FF2B5EF4-FFF2-40B4-BE49-F238E27FC236}">
-                <a16:creationId xmlns:a16="http://schemas.microsoft.com/office/drawing/2014/main" xmlns="" id="{32666AC8-2E17-4DB4-B0F5-60C640CCFD2E}"/>
+                <a16:creationId xmlns="" xmlns:a16="http://schemas.microsoft.com/office/drawing/2014/main" id="{32666AC8-2E17-4DB4-B0F5-60C640CCFD2E}"/>
               </a:ext>
             </a:extLst>
           </p:cNvPr>
@@ -5078,7 +5079,7 @@
           <p:cNvPr id="4" name="CaixaDeTexto 3">
             <a:extLst>
               <a:ext uri="{FF2B5EF4-FFF2-40B4-BE49-F238E27FC236}">
-                <a16:creationId xmlns:a16="http://schemas.microsoft.com/office/drawing/2014/main" xmlns="" id="{430EB894-B7D4-434C-9D1A-A14094D9BEEC}"/>
+                <a16:creationId xmlns="" xmlns:a16="http://schemas.microsoft.com/office/drawing/2014/main" id="{430EB894-B7D4-434C-9D1A-A14094D9BEEC}"/>
               </a:ext>
             </a:extLst>
           </p:cNvPr>
@@ -5119,7 +5120,7 @@
           <p:cNvPr id="1026" name="Picture 2" descr="Logo">
             <a:extLst>
               <a:ext uri="{FF2B5EF4-FFF2-40B4-BE49-F238E27FC236}">
-                <a16:creationId xmlns:a16="http://schemas.microsoft.com/office/drawing/2014/main" xmlns="" id="{3F2642E0-4F6A-4196-8F58-E77D36E9A33F}"/>
+                <a16:creationId xmlns="" xmlns:a16="http://schemas.microsoft.com/office/drawing/2014/main" id="{3F2642E0-4F6A-4196-8F58-E77D36E9A33F}"/>
               </a:ext>
             </a:extLst>
           </p:cNvPr>
@@ -5164,7 +5165,7 @@
           <p:cNvPr id="5122" name="Picture 2" descr="Image result for machine learning">
             <a:extLst>
               <a:ext uri="{FF2B5EF4-FFF2-40B4-BE49-F238E27FC236}">
-                <a16:creationId xmlns:a16="http://schemas.microsoft.com/office/drawing/2014/main" xmlns="" id="{810CE0A2-4102-44A6-A370-175E7896CDCB}"/>
+                <a16:creationId xmlns="" xmlns:a16="http://schemas.microsoft.com/office/drawing/2014/main" id="{810CE0A2-4102-44A6-A370-175E7896CDCB}"/>
               </a:ext>
             </a:extLst>
           </p:cNvPr>
@@ -7447,11 +7448,7 @@
             </a:r>
             <a:r>
               <a:rPr lang="pt-BR" dirty="0" smtClean="0"/>
-              <a:t>. </a:t>
-            </a:r>
-            <a:r>
-              <a:rPr lang="pt-BR" dirty="0" smtClean="0"/>
-              <a:t>Um </a:t>
+              <a:t>. Um </a:t>
             </a:r>
             <a:r>
               <a:rPr lang="pt-BR" dirty="0"/>
@@ -8632,7 +8629,7 @@
           <p:cNvPr id="4" name="Título 1">
             <a:extLst>
               <a:ext uri="{FF2B5EF4-FFF2-40B4-BE49-F238E27FC236}">
-                <a16:creationId xmlns:a16="http://schemas.microsoft.com/office/drawing/2014/main" xmlns="" id="{32666AC8-2E17-4DB4-B0F5-60C640CCFD2E}"/>
+                <a16:creationId xmlns="" xmlns:a16="http://schemas.microsoft.com/office/drawing/2014/main" id="{32666AC8-2E17-4DB4-B0F5-60C640CCFD2E}"/>
               </a:ext>
             </a:extLst>
           </p:cNvPr>
@@ -8700,6 +8697,65 @@
       </p:par>
     </p:tnLst>
   </p:timing>
+</p:sld>
+</file>
+
+<file path=ppt/slides/slide18.xml><?xml version="1.0" encoding="utf-8"?>
+<p:sld xmlns:a="http://schemas.openxmlformats.org/drawingml/2006/main" xmlns:r="http://schemas.openxmlformats.org/officeDocument/2006/relationships" xmlns:p="http://schemas.openxmlformats.org/presentationml/2006/main">
+  <p:cSld>
+    <p:spTree>
+      <p:nvGrpSpPr>
+        <p:cNvPr id="1" name=""/>
+        <p:cNvGrpSpPr/>
+        <p:nvPr/>
+      </p:nvGrpSpPr>
+      <p:grpSpPr>
+        <a:xfrm>
+          <a:off x="0" y="0"/>
+          <a:ext cx="0" cy="0"/>
+          <a:chOff x="0" y="0"/>
+          <a:chExt cx="0" cy="0"/>
+        </a:xfrm>
+      </p:grpSpPr>
+      <p:pic>
+        <p:nvPicPr>
+          <p:cNvPr id="4" name="Picture 3"/>
+          <p:cNvPicPr>
+            <a:picLocks noChangeAspect="1"/>
+          </p:cNvPicPr>
+          <p:nvPr/>
+        </p:nvPicPr>
+        <p:blipFill rotWithShape="1">
+          <a:blip r:embed="rId2">
+            <a:extLst>
+              <a:ext uri="{28A0092B-C50C-407E-A947-70E740481C1C}">
+                <a14:useLocalDpi xmlns:a14="http://schemas.microsoft.com/office/drawing/2010/main" val="0"/>
+              </a:ext>
+            </a:extLst>
+          </a:blip>
+          <a:srcRect l="15346" t="5334" r="12538"/>
+          <a:stretch/>
+        </p:blipFill>
+        <p:spPr>
+          <a:xfrm>
+            <a:off x="3248418" y="1223889"/>
+            <a:ext cx="5839310" cy="4311746"/>
+          </a:xfrm>
+          <a:prstGeom prst="rect">
+            <a:avLst/>
+          </a:prstGeom>
+        </p:spPr>
+      </p:pic>
+    </p:spTree>
+    <p:extLst>
+      <p:ext uri="{BB962C8B-B14F-4D97-AF65-F5344CB8AC3E}">
+        <p14:creationId xmlns:p14="http://schemas.microsoft.com/office/powerpoint/2010/main" val="1358773325"/>
+      </p:ext>
+    </p:extLst>
+  </p:cSld>
+  <p:clrMapOvr>
+    <a:masterClrMapping/>
+  </p:clrMapOvr>
 </p:sld>
 </file>
 

--- a/slides/T320_Classificação (Parte V).pptx
+++ b/slides/T320_Classificação (Parte V).pptx
@@ -292,7 +292,7 @@
           <a:p>
             <a:fld id="{144F1436-6906-4D93-B7A2-786C327BFA14}" type="datetimeFigureOut">
               <a:rPr lang="nl-BE" smtClean="0"/>
-              <a:t>13/09/2021</a:t>
+              <a:t>17/09/2021</a:t>
             </a:fld>
             <a:endParaRPr lang="nl-BE"/>
           </a:p>
@@ -457,7 +457,7 @@
           <a:p>
             <a:fld id="{AA8CD09E-2914-4F47-B6C1-51B2C31814C9}" type="datetimeFigureOut">
               <a:rPr lang="pt-BR" smtClean="0"/>
-              <a:t>13/09/2021</a:t>
+              <a:t>17/09/2021</a:t>
             </a:fld>
             <a:endParaRPr lang="pt-BR"/>
           </a:p>
@@ -1059,114 +1059,7 @@
           <a:bodyPr/>
           <a:lstStyle/>
           <a:p>
-            <a:pPr marL="0" marR="0" lvl="0" indent="0" algn="l" defTabSz="914400" rtl="0" eaLnBrk="1" fontAlgn="auto" latinLnBrk="0" hangingPunct="1">
-              <a:lnSpc>
-                <a:spcPct val="100000"/>
-              </a:lnSpc>
-              <a:spcBef>
-                <a:spcPts val="0"/>
-              </a:spcBef>
-              <a:spcAft>
-                <a:spcPts val="0"/>
-              </a:spcAft>
-              <a:buClrTx/>
-              <a:buSzTx/>
-              <a:buFontTx/>
-              <a:buNone/>
-              <a:tabLst/>
-              <a:defRPr/>
-            </a:pPr>
-            <a:r>
-              <a:rPr lang="pt-BR" dirty="0" smtClean="0"/>
-              <a:t>Para o caso multi-classes, a </a:t>
-            </a:r>
-            <a:r>
-              <a:rPr lang="pt-BR" b="1" i="1" dirty="0" smtClean="0"/>
-              <a:t>acurácia global </a:t>
-            </a:r>
-            <a:r>
-              <a:rPr lang="pt-BR" dirty="0" smtClean="0"/>
-              <a:t>é obtida a partir das informações presentes na diagonal principal da </a:t>
-            </a:r>
-            <a:r>
-              <a:rPr lang="pt-BR" b="1" i="1" dirty="0" smtClean="0"/>
-              <a:t>matriz de confusão</a:t>
-            </a:r>
-            <a:r>
-              <a:rPr lang="pt-BR" dirty="0" smtClean="0"/>
-              <a:t>. </a:t>
-            </a:r>
-          </a:p>
-          <a:p>
-            <a:pPr marL="0" marR="0" lvl="0" indent="0" algn="l" defTabSz="914400" rtl="0" eaLnBrk="1" fontAlgn="auto" latinLnBrk="0" hangingPunct="1">
-              <a:lnSpc>
-                <a:spcPct val="100000"/>
-              </a:lnSpc>
-              <a:spcBef>
-                <a:spcPts val="0"/>
-              </a:spcBef>
-              <a:spcAft>
-                <a:spcPts val="0"/>
-              </a:spcAft>
-              <a:buClrTx/>
-              <a:buSzTx/>
-              <a:buFontTx/>
-              <a:buNone/>
-              <a:tabLst/>
-              <a:defRPr/>
-            </a:pPr>
-            <a:endParaRPr lang="pt-BR" dirty="0" smtClean="0"/>
-          </a:p>
-          <a:p>
-            <a:pPr marL="0" marR="0" lvl="0" indent="0" algn="l" defTabSz="914400" rtl="0" eaLnBrk="1" fontAlgn="auto" latinLnBrk="0" hangingPunct="1">
-              <a:lnSpc>
-                <a:spcPct val="100000"/>
-              </a:lnSpc>
-              <a:spcBef>
-                <a:spcPts val="0"/>
-              </a:spcBef>
-              <a:spcAft>
-                <a:spcPts val="0"/>
-              </a:spcAft>
-              <a:buClrTx/>
-              <a:buSzTx/>
-              <a:buFontTx/>
-              <a:buNone/>
-              <a:tabLst/>
-              <a:defRPr/>
-            </a:pPr>
-            <a:r>
-              <a:rPr lang="en-US" sz="1200" b="0" i="0" kern="1200" dirty="0" smtClean="0">
-                <a:solidFill>
-                  <a:schemeClr val="tx1"/>
-                </a:solidFill>
-                <a:effectLst/>
-                <a:latin typeface="+mn-lt"/>
-                <a:ea typeface="+mn-ea"/>
-                <a:cs typeface="+mn-cs"/>
-              </a:rPr>
-              <a:t>Precision-Recall is a useful measure of success of prediction when the classes are very imbalanced.</a:t>
-            </a:r>
-          </a:p>
-          <a:p>
-            <a:pPr marL="0" marR="0" lvl="0" indent="0" algn="l" defTabSz="914400" rtl="0" eaLnBrk="1" fontAlgn="auto" latinLnBrk="0" hangingPunct="1">
-              <a:lnSpc>
-                <a:spcPct val="100000"/>
-              </a:lnSpc>
-              <a:spcBef>
-                <a:spcPts val="0"/>
-              </a:spcBef>
-              <a:spcAft>
-                <a:spcPts val="0"/>
-              </a:spcAft>
-              <a:buClrTx/>
-              <a:buSzTx/>
-              <a:buFontTx/>
-              <a:buNone/>
-              <a:tabLst/>
-              <a:defRPr/>
-            </a:pPr>
-            <a:endParaRPr lang="pt-BR" dirty="0" smtClean="0"/>
+            <a:endParaRPr lang="pt-BR" dirty="0"/>
           </a:p>
         </p:txBody>
       </p:sp>
@@ -1185,9 +1078,9 @@
           <a:bodyPr/>
           <a:lstStyle/>
           <a:p>
-            <a:fld id="{F430A2A4-8C14-4B1A-AD48-7B6401078BF7}" type="slidenum">
+            <a:fld id="{6FC8D850-966F-45A6-8DE7-15B891E7D40D}" type="slidenum">
               <a:rPr lang="pt-BR" smtClean="0"/>
-              <a:t>11</a:t>
+              <a:t>8</a:t>
             </a:fld>
             <a:endParaRPr lang="pt-BR"/>
           </a:p>
@@ -1196,7 +1089,7 @@
     </p:spTree>
     <p:extLst>
       <p:ext uri="{BB962C8B-B14F-4D97-AF65-F5344CB8AC3E}">
-        <p14:creationId xmlns:p14="http://schemas.microsoft.com/office/powerpoint/2010/main" val="3190451366"/>
+        <p14:creationId xmlns:p14="http://schemas.microsoft.com/office/powerpoint/2010/main" val="3521921734"/>
       </p:ext>
     </p:extLst>
   </p:cSld>
@@ -1250,137 +1143,114 @@
           <a:bodyPr/>
           <a:lstStyle/>
           <a:p>
+            <a:pPr marL="0" marR="0" lvl="0" indent="0" algn="l" defTabSz="914400" rtl="0" eaLnBrk="1" fontAlgn="auto" latinLnBrk="0" hangingPunct="1">
+              <a:lnSpc>
+                <a:spcPct val="100000"/>
+              </a:lnSpc>
+              <a:spcBef>
+                <a:spcPts val="0"/>
+              </a:spcBef>
+              <a:spcAft>
+                <a:spcPts val="0"/>
+              </a:spcAft>
+              <a:buClrTx/>
+              <a:buSzTx/>
+              <a:buFontTx/>
+              <a:buNone/>
+              <a:tabLst/>
+              <a:defRPr/>
+            </a:pPr>
             <a:r>
               <a:rPr lang="pt-BR" dirty="0" smtClean="0"/>
-              <a:t>A</a:t>
-            </a:r>
-            <a:r>
-              <a:rPr lang="pt-BR" baseline="0" dirty="0" smtClean="0"/>
-              <a:t> pontuação-F1 </a:t>
+              <a:t>Para o caso multi-classes, a </a:t>
+            </a:r>
+            <a:r>
+              <a:rPr lang="pt-BR" b="1" i="1" dirty="0" smtClean="0"/>
+              <a:t>acurácia global </a:t>
             </a:r>
             <a:r>
               <a:rPr lang="pt-BR" dirty="0" smtClean="0"/>
-              <a:t>é a </a:t>
+              <a:t>é obtida a partir das informações presentes na diagonal principal da </a:t>
             </a:r>
             <a:r>
               <a:rPr lang="pt-BR" b="1" i="1" dirty="0" smtClean="0"/>
-              <a:t>média harmônica </a:t>
+              <a:t>matriz de confusão</a:t>
             </a:r>
             <a:r>
               <a:rPr lang="pt-BR" dirty="0" smtClean="0"/>
-              <a:t>entre </a:t>
-            </a:r>
-            <a:r>
-              <a:rPr lang="pt-BR" b="1" i="1" dirty="0" smtClean="0"/>
-              <a:t>precisão</a:t>
-            </a:r>
-            <a:r>
-              <a:rPr lang="pt-BR" dirty="0" smtClean="0"/>
-              <a:t> e </a:t>
-            </a:r>
-            <a:r>
-              <a:rPr lang="pt-BR" b="1" i="1" dirty="0" smtClean="0"/>
-              <a:t>recall</a:t>
-            </a:r>
-            <a:r>
-              <a:rPr lang="pt-BR" dirty="0" smtClean="0"/>
-              <a:t>. Enquanto a </a:t>
-            </a:r>
-            <a:r>
-              <a:rPr lang="pt-BR" b="1" i="1" dirty="0" smtClean="0"/>
-              <a:t>média aritmética </a:t>
-            </a:r>
-            <a:r>
-              <a:rPr lang="pt-BR" dirty="0" smtClean="0"/>
-              <a:t>trata todos os valores igualmente, a </a:t>
-            </a:r>
-            <a:r>
-              <a:rPr lang="pt-BR" b="1" i="1" dirty="0" smtClean="0"/>
-              <a:t>média harmônica </a:t>
-            </a:r>
-            <a:r>
-              <a:rPr lang="pt-BR" dirty="0" smtClean="0"/>
-              <a:t>atribui muito mais peso aos valores pequenos. Como resultado, o classificador só obterá uma pontuação-F1 alta se as medidas </a:t>
-            </a:r>
-            <a:r>
-              <a:rPr lang="pt-BR" b="1" i="1" dirty="0" smtClean="0"/>
-              <a:t>recall</a:t>
-            </a:r>
-            <a:r>
-              <a:rPr lang="pt-BR" baseline="0" dirty="0" smtClean="0"/>
-              <a:t> </a:t>
-            </a:r>
-            <a:r>
-              <a:rPr lang="pt-BR" dirty="0" smtClean="0"/>
-              <a:t>e </a:t>
-            </a:r>
-            <a:r>
-              <a:rPr lang="pt-BR" b="1" i="1" dirty="0" smtClean="0"/>
-              <a:t>precisão</a:t>
-            </a:r>
-            <a:r>
-              <a:rPr lang="pt-BR" dirty="0" smtClean="0"/>
-              <a:t> forem altas.</a:t>
-            </a:r>
-          </a:p>
-          <a:p>
+              <a:t>. </a:t>
+            </a:r>
+          </a:p>
+          <a:p>
+            <a:pPr marL="0" marR="0" lvl="0" indent="0" algn="l" defTabSz="914400" rtl="0" eaLnBrk="1" fontAlgn="auto" latinLnBrk="0" hangingPunct="1">
+              <a:lnSpc>
+                <a:spcPct val="100000"/>
+              </a:lnSpc>
+              <a:spcBef>
+                <a:spcPts val="0"/>
+              </a:spcBef>
+              <a:spcAft>
+                <a:spcPts val="0"/>
+              </a:spcAft>
+              <a:buClrTx/>
+              <a:buSzTx/>
+              <a:buFontTx/>
+              <a:buNone/>
+              <a:tabLst/>
+              <a:defRPr/>
+            </a:pPr>
             <a:endParaRPr lang="pt-BR" dirty="0" smtClean="0"/>
           </a:p>
           <a:p>
-            <a:r>
-              <a:rPr lang="pt-BR" dirty="0" smtClean="0"/>
-              <a:t>A pontuação-F1 favorece classificadores que têm </a:t>
-            </a:r>
-            <a:r>
-              <a:rPr lang="pt-BR" b="1" i="1" dirty="0" smtClean="0"/>
-              <a:t>precisão</a:t>
-            </a:r>
-            <a:r>
-              <a:rPr lang="pt-BR" dirty="0" smtClean="0"/>
-              <a:t> e </a:t>
-            </a:r>
-            <a:r>
-              <a:rPr lang="pt-BR" b="1" i="1" dirty="0" smtClean="0"/>
-              <a:t>recall</a:t>
-            </a:r>
-            <a:r>
-              <a:rPr lang="pt-BR" dirty="0" smtClean="0"/>
-              <a:t> semelhantes.</a:t>
-            </a:r>
-          </a:p>
-          <a:p>
+            <a:pPr marL="0" marR="0" lvl="0" indent="0" algn="l" defTabSz="914400" rtl="0" eaLnBrk="1" fontAlgn="auto" latinLnBrk="0" hangingPunct="1">
+              <a:lnSpc>
+                <a:spcPct val="100000"/>
+              </a:lnSpc>
+              <a:spcBef>
+                <a:spcPts val="0"/>
+              </a:spcBef>
+              <a:spcAft>
+                <a:spcPts val="0"/>
+              </a:spcAft>
+              <a:buClrTx/>
+              <a:buSzTx/>
+              <a:buFontTx/>
+              <a:buNone/>
+              <a:tabLst/>
+              <a:defRPr/>
+            </a:pPr>
+            <a:r>
+              <a:rPr lang="en-US" sz="1200" b="0" i="0" kern="1200" dirty="0" smtClean="0">
+                <a:solidFill>
+                  <a:schemeClr val="tx1"/>
+                </a:solidFill>
+                <a:effectLst/>
+                <a:latin typeface="+mn-lt"/>
+                <a:ea typeface="+mn-ea"/>
+                <a:cs typeface="+mn-cs"/>
+              </a:rPr>
+              <a:t>Precision-Recall is a useful measure of success of prediction when the classes are very imbalanced.</a:t>
+            </a:r>
+          </a:p>
+          <a:p>
+            <a:pPr marL="0" marR="0" lvl="0" indent="0" algn="l" defTabSz="914400" rtl="0" eaLnBrk="1" fontAlgn="auto" latinLnBrk="0" hangingPunct="1">
+              <a:lnSpc>
+                <a:spcPct val="100000"/>
+              </a:lnSpc>
+              <a:spcBef>
+                <a:spcPts val="0"/>
+              </a:spcBef>
+              <a:spcAft>
+                <a:spcPts val="0"/>
+              </a:spcAft>
+              <a:buClrTx/>
+              <a:buSzTx/>
+              <a:buFontTx/>
+              <a:buNone/>
+              <a:tabLst/>
+              <a:defRPr/>
+            </a:pPr>
             <a:endParaRPr lang="pt-BR" dirty="0" smtClean="0"/>
-          </a:p>
-          <a:p>
-            <a:r>
-              <a:rPr lang="pt-BR" dirty="0" smtClean="0"/>
-              <a:t>Aumentar a </a:t>
-            </a:r>
-            <a:r>
-              <a:rPr lang="pt-BR" b="1" i="1" dirty="0" smtClean="0"/>
-              <a:t>precisão</a:t>
-            </a:r>
-            <a:r>
-              <a:rPr lang="pt-BR" dirty="0" smtClean="0"/>
-              <a:t> reduz o</a:t>
-            </a:r>
-            <a:r>
-              <a:rPr lang="pt-BR" baseline="0" dirty="0" smtClean="0"/>
-              <a:t> </a:t>
-            </a:r>
-            <a:r>
-              <a:rPr lang="pt-BR" b="1" i="1" baseline="0" dirty="0" smtClean="0"/>
-              <a:t>recall</a:t>
-            </a:r>
-            <a:r>
-              <a:rPr lang="pt-BR" baseline="0" dirty="0" smtClean="0"/>
-              <a:t> </a:t>
-            </a:r>
-            <a:r>
-              <a:rPr lang="pt-BR" dirty="0" smtClean="0"/>
-              <a:t>e vice-versa. Isso é chamado de balanço (tradeoff) de precisão/recall.</a:t>
-            </a:r>
-            <a:endParaRPr lang="pt-BR" dirty="0"/>
           </a:p>
         </p:txBody>
       </p:sp>
@@ -1401,7 +1271,7 @@
           <a:p>
             <a:fld id="{F430A2A4-8C14-4B1A-AD48-7B6401078BF7}" type="slidenum">
               <a:rPr lang="pt-BR" smtClean="0"/>
-              <a:t>12</a:t>
+              <a:t>11</a:t>
             </a:fld>
             <a:endParaRPr lang="pt-BR"/>
           </a:p>
@@ -1410,7 +1280,7 @@
     </p:spTree>
     <p:extLst>
       <p:ext uri="{BB962C8B-B14F-4D97-AF65-F5344CB8AC3E}">
-        <p14:creationId xmlns:p14="http://schemas.microsoft.com/office/powerpoint/2010/main" val="294408698"/>
+        <p14:creationId xmlns:p14="http://schemas.microsoft.com/office/powerpoint/2010/main" val="3190451366"/>
       </p:ext>
     </p:extLst>
   </p:cSld>
@@ -1464,26 +1334,61 @@
           <a:bodyPr/>
           <a:lstStyle/>
           <a:p>
-            <a:pPr marL="0" marR="0" lvl="0" indent="0" algn="l" defTabSz="914400" rtl="0" eaLnBrk="1" fontAlgn="auto" latinLnBrk="0" hangingPunct="1">
-              <a:lnSpc>
-                <a:spcPct val="100000"/>
-              </a:lnSpc>
-              <a:spcBef>
-                <a:spcPts val="0"/>
-              </a:spcBef>
-              <a:spcAft>
-                <a:spcPts val="0"/>
-              </a:spcAft>
-              <a:buClrTx/>
-              <a:buSzTx/>
-              <a:buFontTx/>
-              <a:buNone/>
-              <a:tabLst/>
-              <a:defRPr/>
-            </a:pPr>
             <a:r>
               <a:rPr lang="pt-BR" dirty="0" smtClean="0"/>
-              <a:t>Em estatística, uma característica operacional do receptor (ROC), ou curva ROC, é um gráfico que ilustra o desempenho de um classificador binário. A curva é criada plotando a taxa de verdadeiro</a:t>
+              <a:t>A</a:t>
+            </a:r>
+            <a:r>
+              <a:rPr lang="pt-BR" baseline="0" dirty="0" smtClean="0"/>
+              <a:t> pontuação-F1 </a:t>
+            </a:r>
+            <a:r>
+              <a:rPr lang="pt-BR" dirty="0" smtClean="0"/>
+              <a:t>é a </a:t>
+            </a:r>
+            <a:r>
+              <a:rPr lang="pt-BR" b="1" i="1" dirty="0" smtClean="0"/>
+              <a:t>média harmônica </a:t>
+            </a:r>
+            <a:r>
+              <a:rPr lang="pt-BR" dirty="0" smtClean="0"/>
+              <a:t>entre </a:t>
+            </a:r>
+            <a:r>
+              <a:rPr lang="pt-BR" b="1" i="1" dirty="0" smtClean="0"/>
+              <a:t>precisão</a:t>
+            </a:r>
+            <a:r>
+              <a:rPr lang="pt-BR" dirty="0" smtClean="0"/>
+              <a:t> e </a:t>
+            </a:r>
+            <a:r>
+              <a:rPr lang="pt-BR" b="1" i="1" dirty="0" smtClean="0"/>
+              <a:t>recall</a:t>
+            </a:r>
+            <a:r>
+              <a:rPr lang="pt-BR" dirty="0" smtClean="0"/>
+              <a:t>. Enquanto a </a:t>
+            </a:r>
+            <a:r>
+              <a:rPr lang="pt-BR" b="1" i="1" dirty="0" smtClean="0"/>
+              <a:t>média aritmética </a:t>
+            </a:r>
+            <a:r>
+              <a:rPr lang="pt-BR" dirty="0" smtClean="0"/>
+              <a:t>trata todos os valores igualmente, a </a:t>
+            </a:r>
+            <a:r>
+              <a:rPr lang="pt-BR" b="1" i="1" dirty="0" smtClean="0"/>
+              <a:t>média harmônica </a:t>
+            </a:r>
+            <a:r>
+              <a:rPr lang="pt-BR" dirty="0" smtClean="0"/>
+              <a:t>atribui muito mais peso aos valores pequenos. Como resultado, o classificador só obterá uma pontuação-F1 alta se as medidas </a:t>
+            </a:r>
+            <a:r>
+              <a:rPr lang="pt-BR" b="1" i="1" dirty="0" smtClean="0"/>
+              <a:t>recall</a:t>
             </a:r>
             <a:r>
               <a:rPr lang="pt-BR" baseline="0" dirty="0" smtClean="0"/>
@@ -1491,15 +1396,65 @@
             </a:r>
             <a:r>
               <a:rPr lang="pt-BR" dirty="0" smtClean="0"/>
-              <a:t>positivo</a:t>
+              <a:t>e </a:t>
+            </a:r>
+            <a:r>
+              <a:rPr lang="pt-BR" b="1" i="1" dirty="0" smtClean="0"/>
+              <a:t>precisão</a:t>
+            </a:r>
+            <a:r>
+              <a:rPr lang="pt-BR" dirty="0" smtClean="0"/>
+              <a:t> forem altas.</a:t>
+            </a:r>
+          </a:p>
+          <a:p>
+            <a:endParaRPr lang="pt-BR" dirty="0" smtClean="0"/>
+          </a:p>
+          <a:p>
+            <a:r>
+              <a:rPr lang="pt-BR" dirty="0" smtClean="0"/>
+              <a:t>A pontuação-F1 favorece classificadores que têm </a:t>
+            </a:r>
+            <a:r>
+              <a:rPr lang="pt-BR" b="1" i="1" dirty="0" smtClean="0"/>
+              <a:t>precisão</a:t>
+            </a:r>
+            <a:r>
+              <a:rPr lang="pt-BR" dirty="0" smtClean="0"/>
+              <a:t> e </a:t>
+            </a:r>
+            <a:r>
+              <a:rPr lang="pt-BR" b="1" i="1" dirty="0" smtClean="0"/>
+              <a:t>recall</a:t>
+            </a:r>
+            <a:r>
+              <a:rPr lang="pt-BR" dirty="0" smtClean="0"/>
+              <a:t> semelhantes.</a:t>
+            </a:r>
+          </a:p>
+          <a:p>
+            <a:endParaRPr lang="pt-BR" dirty="0" smtClean="0"/>
+          </a:p>
+          <a:p>
+            <a:r>
+              <a:rPr lang="pt-BR" dirty="0" smtClean="0"/>
+              <a:t>Aumentar a </a:t>
+            </a:r>
+            <a:r>
+              <a:rPr lang="pt-BR" b="1" i="1" dirty="0" smtClean="0"/>
+              <a:t>precisão</a:t>
+            </a:r>
+            <a:r>
+              <a:rPr lang="pt-BR" dirty="0" smtClean="0"/>
+              <a:t> reduz o</a:t>
             </a:r>
             <a:r>
               <a:rPr lang="pt-BR" baseline="0" dirty="0" smtClean="0"/>
               <a:t> </a:t>
             </a:r>
             <a:r>
-              <a:rPr lang="pt-BR" dirty="0" smtClean="0"/>
-              <a:t>(recall) contra a taxa de falsos</a:t>
+              <a:rPr lang="pt-BR" b="1" i="1" baseline="0" dirty="0" smtClean="0"/>
+              <a:t>recall</a:t>
             </a:r>
             <a:r>
               <a:rPr lang="pt-BR" baseline="0" dirty="0" smtClean="0"/>
@@ -1507,51 +1462,8 @@
             </a:r>
             <a:r>
               <a:rPr lang="pt-BR" dirty="0" smtClean="0"/>
-              <a:t>positivos (especificidade) em várias configurações de limite.</a:t>
-            </a:r>
-          </a:p>
-          <a:p>
-            <a:endParaRPr lang="pt-BR" dirty="0" smtClean="0"/>
-          </a:p>
-          <a:p>
-            <a:r>
-              <a:rPr lang="pt-BR" dirty="0" smtClean="0"/>
-              <a:t>A linha pontilhada representa a curva ROC de um classificador puramente aleatório; um bom classificador fica o mais longe possível dessa linha (em direção ao canto superior esquerdo). Um exemplo intuitivo de classificação aleatória é uma decisão através do lançamento</a:t>
-            </a:r>
-            <a:r>
-              <a:rPr lang="pt-BR" baseline="0" dirty="0" smtClean="0"/>
-              <a:t> de </a:t>
-            </a:r>
-            <a:r>
-              <a:rPr lang="pt-BR" dirty="0" smtClean="0"/>
-              <a:t>moedas.</a:t>
-            </a:r>
-          </a:p>
-          <a:p>
-            <a:endParaRPr lang="pt-BR" dirty="0" smtClean="0"/>
-          </a:p>
-          <a:p>
-            <a:r>
-              <a:rPr lang="pt-BR" dirty="0" smtClean="0"/>
-              <a:t>Referência:</a:t>
-            </a:r>
-          </a:p>
-          <a:p>
-            <a:r>
-              <a:rPr lang="pt-BR" i="0" u="none" dirty="0" smtClean="0">
-                <a:hlinkClick r:id="rId3"/>
-              </a:rPr>
-              <a:t>[1] </a:t>
-            </a:r>
-            <a:r>
-              <a:rPr lang="pt-BR" dirty="0" smtClean="0">
-                <a:hlinkClick r:id="rId3"/>
-              </a:rPr>
-              <a:t>https://joparga3.github.io/standford_logistic_regression/#what-is-logistic-regression</a:t>
-            </a:r>
-            <a:endParaRPr lang="pt-BR" dirty="0" smtClean="0"/>
-          </a:p>
-          <a:p>
+              <a:t>e vice-versa. Isso é chamado de balanço (tradeoff) de precisão/recall.</a:t>
+            </a:r>
             <a:endParaRPr lang="pt-BR" dirty="0"/>
           </a:p>
         </p:txBody>
@@ -1573,7 +1485,7 @@
           <a:p>
             <a:fld id="{F430A2A4-8C14-4B1A-AD48-7B6401078BF7}" type="slidenum">
               <a:rPr lang="pt-BR" smtClean="0"/>
-              <a:t>13</a:t>
+              <a:t>12</a:t>
             </a:fld>
             <a:endParaRPr lang="pt-BR"/>
           </a:p>
@@ -1582,7 +1494,7 @@
     </p:spTree>
     <p:extLst>
       <p:ext uri="{BB962C8B-B14F-4D97-AF65-F5344CB8AC3E}">
-        <p14:creationId xmlns:p14="http://schemas.microsoft.com/office/powerpoint/2010/main" val="715555455"/>
+        <p14:creationId xmlns:p14="http://schemas.microsoft.com/office/powerpoint/2010/main" val="294408698"/>
       </p:ext>
     </p:extLst>
   </p:cSld>
@@ -1654,12 +1566,8 @@
               <a:defRPr/>
             </a:pPr>
             <a:r>
-              <a:rPr lang="pt-BR" b="1" dirty="0" smtClean="0"/>
-              <a:t>Exemplo</a:t>
-            </a:r>
-            <a:r>
               <a:rPr lang="pt-BR" dirty="0" smtClean="0"/>
-              <a:t>:</a:t>
+              <a:t>Em estatística, uma característica operacional do receptor (ROC), ou curva ROC, é um gráfico que ilustra o desempenho de um classificador binário. A curva é criada plotando a taxa de verdadeiro</a:t>
             </a:r>
             <a:r>
               <a:rPr lang="pt-BR" baseline="0" dirty="0" smtClean="0"/>
@@ -1667,9 +1575,24 @@
             </a:r>
             <a:r>
               <a:rPr lang="pt-BR" dirty="0" smtClean="0"/>
-              <a:t>https://colab.research.google.com/github/zz4fap/t320_aprendizado_de_maquina/blob/main/notebooks/classificação/classification_metrics.ipynb</a:t>
-            </a:r>
-            <a:endParaRPr lang="pt-BR" b="1" dirty="0" smtClean="0"/>
+              <a:t>positivo</a:t>
+            </a:r>
+            <a:r>
+              <a:rPr lang="pt-BR" baseline="0" dirty="0" smtClean="0"/>
+              <a:t> </a:t>
+            </a:r>
+            <a:r>
+              <a:rPr lang="pt-BR" dirty="0" smtClean="0"/>
+              <a:t>(recall) contra a taxa de falsos</a:t>
+            </a:r>
+            <a:r>
+              <a:rPr lang="pt-BR" baseline="0" dirty="0" smtClean="0"/>
+              <a:t> </a:t>
+            </a:r>
+            <a:r>
+              <a:rPr lang="pt-BR" dirty="0" smtClean="0"/>
+              <a:t>positivos (especificidade) em várias configurações de limite.</a:t>
+            </a:r>
           </a:p>
           <a:p>
             <a:endParaRPr lang="pt-BR" dirty="0" smtClean="0"/>
@@ -1677,8 +1600,66 @@
           <a:p>
             <a:r>
               <a:rPr lang="pt-BR" dirty="0" smtClean="0"/>
-              <a:t>A área sob a curva ROC é uma medida da qualidade do classificador.</a:t>
-            </a:r>
+              <a:t>A linha pontilhada representa a curva ROC de um classificador puramente aleatório; um bom classificador fica o mais longe possível dessa linha (em direção ao canto superior esquerdo). Um exemplo intuitivo de classificação aleatória é uma decisão através do lançamento</a:t>
+            </a:r>
+            <a:r>
+              <a:rPr lang="pt-BR" baseline="0" dirty="0" smtClean="0"/>
+              <a:t> de </a:t>
+            </a:r>
+            <a:r>
+              <a:rPr lang="pt-BR" dirty="0" smtClean="0"/>
+              <a:t>moedas.</a:t>
+            </a:r>
+          </a:p>
+          <a:p>
+            <a:endParaRPr lang="pt-BR" dirty="0" smtClean="0"/>
+          </a:p>
+          <a:p>
+            <a:r>
+              <a:rPr lang="pt-BR" dirty="0" smtClean="0"/>
+              <a:t>Referência:</a:t>
+            </a:r>
+          </a:p>
+          <a:p>
+            <a:r>
+              <a:rPr lang="pt-BR" i="0" u="none" dirty="0" smtClean="0">
+                <a:hlinkClick r:id="rId3"/>
+              </a:rPr>
+              <a:t>[1] </a:t>
+            </a:r>
+            <a:r>
+              <a:rPr lang="pt-BR" dirty="0" smtClean="0">
+                <a:hlinkClick r:id="rId3"/>
+              </a:rPr>
+              <a:t>https://joparga3.github.io/standford_logistic_regression/#</a:t>
+            </a:r>
+            <a:r>
+              <a:rPr lang="pt-BR" dirty="0" smtClean="0">
+                <a:hlinkClick r:id="rId3"/>
+              </a:rPr>
+              <a:t>what-is-logistic-regression</a:t>
+            </a:r>
+            <a:endParaRPr lang="pt-BR" dirty="0" smtClean="0"/>
+          </a:p>
+          <a:p>
+            <a:r>
+              <a:rPr lang="pt-BR" dirty="0" smtClean="0"/>
+              <a:t>[2] https://www.datasciencecentral.com/profiles/blogs/roc-curve-explained-in-one-picture</a:t>
+            </a:r>
+          </a:p>
+          <a:p>
+            <a:r>
+              <a:rPr lang="pt-BR" dirty="0" smtClean="0"/>
+              <a:t>[3] https://en.wikipedia.org/wiki/Receiver_operating_characteristic</a:t>
+            </a:r>
+          </a:p>
+          <a:p>
+            <a:endParaRPr lang="pt-BR" dirty="0" smtClean="0"/>
+          </a:p>
+          <a:p>
+            <a:endParaRPr lang="pt-BR" dirty="0" smtClean="0"/>
+          </a:p>
+          <a:p>
             <a:endParaRPr lang="pt-BR" dirty="0"/>
           </a:p>
         </p:txBody>
@@ -1700,6 +1681,154 @@
           <a:p>
             <a:fld id="{F430A2A4-8C14-4B1A-AD48-7B6401078BF7}" type="slidenum">
               <a:rPr lang="pt-BR" smtClean="0"/>
+              <a:t>13</a:t>
+            </a:fld>
+            <a:endParaRPr lang="pt-BR"/>
+          </a:p>
+        </p:txBody>
+      </p:sp>
+    </p:spTree>
+    <p:extLst>
+      <p:ext uri="{BB962C8B-B14F-4D97-AF65-F5344CB8AC3E}">
+        <p14:creationId xmlns:p14="http://schemas.microsoft.com/office/powerpoint/2010/main" val="715555455"/>
+      </p:ext>
+    </p:extLst>
+  </p:cSld>
+  <p:clrMapOvr>
+    <a:masterClrMapping/>
+  </p:clrMapOvr>
+</p:notes>
+</file>
+
+<file path=ppt/notesSlides/notesSlide7.xml><?xml version="1.0" encoding="utf-8"?>
+<p:notes xmlns:a="http://schemas.openxmlformats.org/drawingml/2006/main" xmlns:r="http://schemas.openxmlformats.org/officeDocument/2006/relationships" xmlns:p="http://schemas.openxmlformats.org/presentationml/2006/main">
+  <p:cSld>
+    <p:spTree>
+      <p:nvGrpSpPr>
+        <p:cNvPr id="1" name=""/>
+        <p:cNvGrpSpPr/>
+        <p:nvPr/>
+      </p:nvGrpSpPr>
+      <p:grpSpPr>
+        <a:xfrm>
+          <a:off x="0" y="0"/>
+          <a:ext cx="0" cy="0"/>
+          <a:chOff x="0" y="0"/>
+          <a:chExt cx="0" cy="0"/>
+        </a:xfrm>
+      </p:grpSpPr>
+      <p:sp>
+        <p:nvSpPr>
+          <p:cNvPr id="2" name="Slide Image Placeholder 1"/>
+          <p:cNvSpPr>
+            <a:spLocks noGrp="1" noRot="1" noChangeAspect="1"/>
+          </p:cNvSpPr>
+          <p:nvPr>
+            <p:ph type="sldImg"/>
+          </p:nvPr>
+        </p:nvSpPr>
+        <p:spPr/>
+      </p:sp>
+      <p:sp>
+        <p:nvSpPr>
+          <p:cNvPr id="3" name="Notes Placeholder 2"/>
+          <p:cNvSpPr>
+            <a:spLocks noGrp="1"/>
+          </p:cNvSpPr>
+          <p:nvPr>
+            <p:ph type="body" idx="1"/>
+          </p:nvPr>
+        </p:nvSpPr>
+        <p:spPr/>
+        <p:txBody>
+          <a:bodyPr/>
+          <a:lstStyle/>
+          <a:p>
+            <a:pPr marL="0" marR="0" lvl="0" indent="0" algn="l" defTabSz="914400" rtl="0" eaLnBrk="1" fontAlgn="auto" latinLnBrk="0" hangingPunct="1">
+              <a:lnSpc>
+                <a:spcPct val="100000"/>
+              </a:lnSpc>
+              <a:spcBef>
+                <a:spcPts val="0"/>
+              </a:spcBef>
+              <a:spcAft>
+                <a:spcPts val="0"/>
+              </a:spcAft>
+              <a:buClrTx/>
+              <a:buSzTx/>
+              <a:buFontTx/>
+              <a:buNone/>
+              <a:tabLst/>
+              <a:defRPr/>
+            </a:pPr>
+            <a:r>
+              <a:rPr lang="pt-BR" b="1" dirty="0" smtClean="0"/>
+              <a:t>Exemplo</a:t>
+            </a:r>
+            <a:r>
+              <a:rPr lang="pt-BR" dirty="0" smtClean="0"/>
+              <a:t>:</a:t>
+            </a:r>
+            <a:r>
+              <a:rPr lang="pt-BR" baseline="0" dirty="0" smtClean="0"/>
+              <a:t> </a:t>
+            </a:r>
+            <a:r>
+              <a:rPr lang="pt-BR" dirty="0" smtClean="0"/>
+              <a:t>https://colab.research.google.com/github/zz4fap/t320_aprendizado_de_maquina/blob/main/notebooks/classificação/classification_metrics.ipynb</a:t>
+            </a:r>
+            <a:endParaRPr lang="pt-BR" b="1" dirty="0" smtClean="0"/>
+          </a:p>
+          <a:p>
+            <a:endParaRPr lang="pt-BR" dirty="0" smtClean="0"/>
+          </a:p>
+          <a:p>
+            <a:r>
+              <a:rPr lang="pt-BR" dirty="0" smtClean="0"/>
+              <a:t>A área sob a curva ROC é uma medida da qualidade do classificador</a:t>
+            </a:r>
+            <a:r>
+              <a:rPr lang="pt-BR" dirty="0" smtClean="0"/>
+              <a:t>.</a:t>
+            </a:r>
+          </a:p>
+          <a:p>
+            <a:endParaRPr lang="pt-BR" dirty="0" smtClean="0"/>
+          </a:p>
+          <a:p>
+            <a:r>
+              <a:rPr lang="pt-BR" dirty="0" smtClean="0"/>
+              <a:t>Referência:</a:t>
+            </a:r>
+          </a:p>
+          <a:p>
+            <a:r>
+              <a:rPr lang="pt-BR" smtClean="0"/>
+              <a:t>[1] https://datascience.stackexchange.com/questions/65839/macro-average-and-weighted-average-meaning-in-classification-report</a:t>
+            </a:r>
+          </a:p>
+          <a:p>
+            <a:endParaRPr lang="pt-BR" dirty="0"/>
+          </a:p>
+        </p:txBody>
+      </p:sp>
+      <p:sp>
+        <p:nvSpPr>
+          <p:cNvPr id="4" name="Slide Number Placeholder 3"/>
+          <p:cNvSpPr>
+            <a:spLocks noGrp="1"/>
+          </p:cNvSpPr>
+          <p:nvPr>
+            <p:ph type="sldNum" sz="quarter" idx="10"/>
+          </p:nvPr>
+        </p:nvSpPr>
+        <p:spPr/>
+        <p:txBody>
+          <a:bodyPr/>
+          <a:lstStyle/>
+          <a:p>
+            <a:fld id="{F430A2A4-8C14-4B1A-AD48-7B6401078BF7}" type="slidenum">
+              <a:rPr lang="pt-BR" smtClean="0"/>
               <a:t>15</a:t>
             </a:fld>
             <a:endParaRPr lang="pt-BR"/>
@@ -1719,7 +1848,7 @@
 </p:notes>
 </file>
 
-<file path=ppt/notesSlides/notesSlide7.xml><?xml version="1.0" encoding="utf-8"?>
+<file path=ppt/notesSlides/notesSlide8.xml><?xml version="1.0" encoding="utf-8"?>
 <p:notes xmlns:a="http://schemas.openxmlformats.org/drawingml/2006/main" xmlns:r="http://schemas.openxmlformats.org/officeDocument/2006/relationships" xmlns:p="http://schemas.openxmlformats.org/presentationml/2006/main">
   <p:cSld>
     <p:spTree>
@@ -1960,7 +2089,7 @@
           <a:p>
             <a:fld id="{63289F7E-B80B-496E-81B4-D396C37C9454}" type="datetimeFigureOut">
               <a:rPr lang="pt-BR" smtClean="0"/>
-              <a:t>13/09/2021</a:t>
+              <a:t>17/09/2021</a:t>
             </a:fld>
             <a:endParaRPr lang="pt-BR"/>
           </a:p>
@@ -2158,7 +2287,7 @@
           <a:p>
             <a:fld id="{63289F7E-B80B-496E-81B4-D396C37C9454}" type="datetimeFigureOut">
               <a:rPr lang="pt-BR" smtClean="0"/>
-              <a:t>13/09/2021</a:t>
+              <a:t>17/09/2021</a:t>
             </a:fld>
             <a:endParaRPr lang="pt-BR"/>
           </a:p>
@@ -2366,7 +2495,7 @@
           <a:p>
             <a:fld id="{63289F7E-B80B-496E-81B4-D396C37C9454}" type="datetimeFigureOut">
               <a:rPr lang="pt-BR" smtClean="0"/>
-              <a:t>13/09/2021</a:t>
+              <a:t>17/09/2021</a:t>
             </a:fld>
             <a:endParaRPr lang="pt-BR"/>
           </a:p>
@@ -2564,7 +2693,7 @@
           <a:p>
             <a:fld id="{63289F7E-B80B-496E-81B4-D396C37C9454}" type="datetimeFigureOut">
               <a:rPr lang="pt-BR" smtClean="0"/>
-              <a:t>13/09/2021</a:t>
+              <a:t>17/09/2021</a:t>
             </a:fld>
             <a:endParaRPr lang="pt-BR"/>
           </a:p>
@@ -2839,7 +2968,7 @@
           <a:p>
             <a:fld id="{63289F7E-B80B-496E-81B4-D396C37C9454}" type="datetimeFigureOut">
               <a:rPr lang="pt-BR" smtClean="0"/>
-              <a:t>13/09/2021</a:t>
+              <a:t>17/09/2021</a:t>
             </a:fld>
             <a:endParaRPr lang="pt-BR"/>
           </a:p>
@@ -3104,7 +3233,7 @@
           <a:p>
             <a:fld id="{63289F7E-B80B-496E-81B4-D396C37C9454}" type="datetimeFigureOut">
               <a:rPr lang="pt-BR" smtClean="0"/>
-              <a:t>13/09/2021</a:t>
+              <a:t>17/09/2021</a:t>
             </a:fld>
             <a:endParaRPr lang="pt-BR"/>
           </a:p>
@@ -3516,7 +3645,7 @@
           <a:p>
             <a:fld id="{63289F7E-B80B-496E-81B4-D396C37C9454}" type="datetimeFigureOut">
               <a:rPr lang="pt-BR" smtClean="0"/>
-              <a:t>13/09/2021</a:t>
+              <a:t>17/09/2021</a:t>
             </a:fld>
             <a:endParaRPr lang="pt-BR"/>
           </a:p>
@@ -3657,7 +3786,7 @@
           <a:p>
             <a:fld id="{63289F7E-B80B-496E-81B4-D396C37C9454}" type="datetimeFigureOut">
               <a:rPr lang="pt-BR" smtClean="0"/>
-              <a:t>13/09/2021</a:t>
+              <a:t>17/09/2021</a:t>
             </a:fld>
             <a:endParaRPr lang="pt-BR"/>
           </a:p>
@@ -3770,7 +3899,7 @@
           <a:p>
             <a:fld id="{63289F7E-B80B-496E-81B4-D396C37C9454}" type="datetimeFigureOut">
               <a:rPr lang="pt-BR" smtClean="0"/>
-              <a:t>13/09/2021</a:t>
+              <a:t>17/09/2021</a:t>
             </a:fld>
             <a:endParaRPr lang="pt-BR"/>
           </a:p>
@@ -4081,7 +4210,7 @@
           <a:p>
             <a:fld id="{63289F7E-B80B-496E-81B4-D396C37C9454}" type="datetimeFigureOut">
               <a:rPr lang="pt-BR" smtClean="0"/>
-              <a:t>13/09/2021</a:t>
+              <a:t>17/09/2021</a:t>
             </a:fld>
             <a:endParaRPr lang="pt-BR"/>
           </a:p>
@@ -4369,7 +4498,7 @@
           <a:p>
             <a:fld id="{63289F7E-B80B-496E-81B4-D396C37C9454}" type="datetimeFigureOut">
               <a:rPr lang="pt-BR" smtClean="0"/>
-              <a:t>13/09/2021</a:t>
+              <a:t>17/09/2021</a:t>
             </a:fld>
             <a:endParaRPr lang="pt-BR"/>
           </a:p>
@@ -4610,7 +4739,7 @@
           <a:p>
             <a:fld id="{63289F7E-B80B-496E-81B4-D396C37C9454}" type="datetimeFigureOut">
               <a:rPr lang="pt-BR" smtClean="0"/>
-              <a:t>13/09/2021</a:t>
+              <a:t>17/09/2021</a:t>
             </a:fld>
             <a:endParaRPr lang="pt-BR"/>
           </a:p>
@@ -5262,8 +5391,8 @@
           </a:p>
         </p:txBody>
       </p:sp>
-      <mc:AlternateContent xmlns:mc="http://schemas.openxmlformats.org/markup-compatibility/2006" xmlns:a14="http://schemas.microsoft.com/office/drawing/2010/main">
-        <mc:Choice Requires="a14">
+      <mc:AlternateContent xmlns:mc="http://schemas.openxmlformats.org/markup-compatibility/2006">
+        <mc:Choice xmlns:a14="http://schemas.microsoft.com/office/drawing/2010/main" Requires="a14">
           <p:sp>
             <p:nvSpPr>
               <p:cNvPr id="3" name="Content Placeholder 2"/>
@@ -5292,7 +5421,19 @@
                 </a:r>
                 <a:r>
                   <a:rPr lang="pt-BR" dirty="0"/>
-                  <a:t> diz o quão preciso é o modelo em relação à todos os exemplos classificados como positivos, quantos deles são realmente positivos.</a:t>
+                  <a:t> diz o quão preciso é o modelo em relação </a:t>
+                </a:r>
+                <a:r>
+                  <a:rPr lang="pt-BR" dirty="0" smtClean="0"/>
+                  <a:t>a </a:t>
+                </a:r>
+                <a:r>
+                  <a:rPr lang="pt-BR" b="1" i="1" dirty="0"/>
+                  <a:t>todos os exemplos classificados como positivos</a:t>
+                </a:r>
+                <a:r>
+                  <a:rPr lang="pt-BR" dirty="0"/>
+                  <a:t>, quantos deles são realmente positivos.</a:t>
                 </a:r>
               </a:p>
               <a:p>
@@ -5504,7 +5645,11 @@
                 </a:r>
                 <a:r>
                   <a:rPr lang="pt-BR" dirty="0"/>
-                  <a:t> calcula quantos exemplos realmente positivos o classificador captura, rotulando-os como positivos verdadeiros. </a:t>
+                  <a:t> calcula quantos exemplos realmente positivos o classificador </a:t>
+                </a:r>
+                <a:r>
+                  <a:rPr lang="pt-BR" dirty="0" smtClean="0"/>
+                  <a:t>captura em relação a todos exemplos positivos. </a:t>
                 </a:r>
                 <a:endParaRPr lang="pt-BR" b="1" dirty="0">
                   <a:latin typeface="Cambria Math" panose="02040503050406030204" pitchFamily="18" charset="0"/>
@@ -5639,7 +5784,11 @@
                 </a:r>
                 <a:r>
                   <a:rPr lang="pt-BR" dirty="0"/>
-                  <a:t> é uma boa medida para determinar a qualidade de um classificador quando houver um alto custo associado à </a:t>
+                  <a:t> é uma boa medida para determinar a qualidade de um classificador quando houver um alto custo associado </a:t>
+                </a:r>
+                <a:r>
+                  <a:rPr lang="pt-BR" dirty="0" smtClean="0"/>
+                  <a:t>a </a:t>
                 </a:r>
                 <a:r>
                   <a:rPr lang="pt-BR" b="1" i="1" dirty="0"/>
@@ -5651,7 +5800,10 @@
                 </a:r>
               </a:p>
               <a:p>
-                <a:pPr lvl="1"/>
+                <a:pPr lvl="1">
+                  <a:buFont typeface="Wingdings" panose="05000000000000000000" pitchFamily="2" charset="2"/>
+                  <a:buChar char="§"/>
+                </a:pPr>
                 <a:r>
                   <a:rPr lang="pt-BR" dirty="0"/>
                   <a:t>Por exemplo, na classificação de doenças, se um paciente doente (</a:t>
@@ -5689,7 +5841,7 @@
             </p:txBody>
           </p:sp>
         </mc:Choice>
-        <mc:Fallback xmlns="">
+        <mc:Fallback>
           <p:sp>
             <p:nvSpPr>
               <p:cNvPr id="3" name="Content Placeholder 2"/>
@@ -5708,7 +5860,7 @@
               <a:blipFill rotWithShape="0">
                 <a:blip r:embed="rId2"/>
                 <a:stretch>
-                  <a:fillRect l="-708" t="-2785" r="-599"/>
+                  <a:fillRect l="-708" t="-2785" r="-1144"/>
                 </a:stretch>
               </a:blipFill>
             </p:spPr>
@@ -5727,6 +5879,98 @@
           </p:sp>
         </mc:Fallback>
       </mc:AlternateContent>
+      <p:sp>
+        <p:nvSpPr>
+          <p:cNvPr id="4" name="Rectangle 3"/>
+          <p:cNvSpPr/>
+          <p:nvPr/>
+        </p:nvSpPr>
+        <p:spPr>
+          <a:xfrm>
+            <a:off x="7167563" y="2672640"/>
+            <a:ext cx="1400175" cy="225083"/>
+          </a:xfrm>
+          <a:prstGeom prst="rect">
+            <a:avLst/>
+          </a:prstGeom>
+          <a:noFill/>
+          <a:ln>
+            <a:solidFill>
+              <a:srgbClr val="FF0000"/>
+            </a:solidFill>
+          </a:ln>
+        </p:spPr>
+        <p:style>
+          <a:lnRef idx="2">
+            <a:schemeClr val="accent1">
+              <a:shade val="50000"/>
+            </a:schemeClr>
+          </a:lnRef>
+          <a:fillRef idx="1">
+            <a:schemeClr val="accent1"/>
+          </a:fillRef>
+          <a:effectRef idx="0">
+            <a:schemeClr val="accent1"/>
+          </a:effectRef>
+          <a:fontRef idx="minor">
+            <a:schemeClr val="lt1"/>
+          </a:fontRef>
+        </p:style>
+        <p:txBody>
+          <a:bodyPr rtlCol="0" anchor="ctr"/>
+          <a:lstStyle/>
+          <a:p>
+            <a:pPr algn="ctr"/>
+            <a:endParaRPr lang="pt-BR"/>
+          </a:p>
+        </p:txBody>
+      </p:sp>
+      <p:sp>
+        <p:nvSpPr>
+          <p:cNvPr id="5" name="Rectangle 4"/>
+          <p:cNvSpPr/>
+          <p:nvPr/>
+        </p:nvSpPr>
+        <p:spPr>
+          <a:xfrm>
+            <a:off x="6996111" y="5108572"/>
+            <a:ext cx="1466852" cy="258766"/>
+          </a:xfrm>
+          <a:prstGeom prst="rect">
+            <a:avLst/>
+          </a:prstGeom>
+          <a:noFill/>
+          <a:ln>
+            <a:solidFill>
+              <a:srgbClr val="FF0000"/>
+            </a:solidFill>
+          </a:ln>
+        </p:spPr>
+        <p:style>
+          <a:lnRef idx="2">
+            <a:schemeClr val="accent1">
+              <a:shade val="50000"/>
+            </a:schemeClr>
+          </a:lnRef>
+          <a:fillRef idx="1">
+            <a:schemeClr val="accent1"/>
+          </a:fillRef>
+          <a:effectRef idx="0">
+            <a:schemeClr val="accent1"/>
+          </a:effectRef>
+          <a:fontRef idx="minor">
+            <a:schemeClr val="lt1"/>
+          </a:fontRef>
+        </p:style>
+        <p:txBody>
+          <a:bodyPr rtlCol="0" anchor="ctr"/>
+          <a:lstStyle/>
+          <a:p>
+            <a:pPr algn="ctr"/>
+            <a:endParaRPr lang="pt-BR"/>
+          </a:p>
+        </p:txBody>
+      </p:sp>
     </p:spTree>
     <p:extLst>
       <p:ext uri="{BB962C8B-B14F-4D97-AF65-F5344CB8AC3E}">
@@ -5799,7 +6043,7 @@
         <p:spPr>
           <a:xfrm>
             <a:off x="838200" y="1603716"/>
-            <a:ext cx="11091203" cy="5254283"/>
+            <a:ext cx="11203745" cy="5254283"/>
           </a:xfrm>
         </p:spPr>
         <p:txBody>
@@ -5875,16 +6119,20 @@
               <a:t>classe foram </a:t>
             </a:r>
             <a:r>
+              <a:rPr lang="pt-BR" b="1" i="1" dirty="0" smtClean="0"/>
+              <a:t>classificados </a:t>
+            </a:r>
+            <a:r>
+              <a:rPr lang="pt-BR" b="1" i="1" dirty="0"/>
+              <a:t>de forma </a:t>
+            </a:r>
+            <a:r>
+              <a:rPr lang="pt-BR" b="1" i="1" dirty="0" smtClean="0"/>
+              <a:t>incorreta</a:t>
+            </a:r>
+            <a:r>
               <a:rPr lang="pt-BR" dirty="0" smtClean="0"/>
-              <a:t>classificados </a:t>
-            </a:r>
-            <a:r>
-              <a:rPr lang="pt-BR" dirty="0"/>
-              <a:t>de forma </a:t>
-            </a:r>
-            <a:r>
-              <a:rPr lang="pt-BR" dirty="0" smtClean="0"/>
-              <a:t>incorreta, ou seja</a:t>
+              <a:t>, ou seja</a:t>
             </a:r>
             <a:r>
               <a:rPr lang="pt-BR" dirty="0"/>
@@ -5969,19 +6217,27 @@
             </a:r>
             <a:r>
               <a:rPr lang="pt-BR" dirty="0"/>
-              <a:t>traz informações a respeito de quantos </a:t>
+              <a:t>traz informações a respeito de </a:t>
+            </a:r>
+            <a:r>
+              <a:rPr lang="pt-BR" b="1" i="1" dirty="0"/>
+              <a:t>quantos </a:t>
+            </a:r>
+            <a:r>
+              <a:rPr lang="pt-BR" b="1" i="1" dirty="0" smtClean="0"/>
+              <a:t>exemplos da classe negativa foram </a:t>
+            </a:r>
+            <a:r>
+              <a:rPr lang="pt-BR" b="1" i="1" dirty="0"/>
+              <a:t>classificados como sendo pertencentes </a:t>
+            </a:r>
+            <a:r>
+              <a:rPr lang="pt-BR" b="1" i="1" dirty="0" smtClean="0"/>
+              <a:t>à classe positiva</a:t>
             </a:r>
             <a:r>
               <a:rPr lang="pt-BR" dirty="0" smtClean="0"/>
-              <a:t>exemplos da classe negativa foram </a:t>
-            </a:r>
-            <a:r>
-              <a:rPr lang="pt-BR" dirty="0"/>
-              <a:t>classificados como sendo pertencentes </a:t>
-            </a:r>
-            <a:r>
-              <a:rPr lang="pt-BR" dirty="0" smtClean="0"/>
-              <a:t>à classe positiva, ou </a:t>
+              <a:t>, ou </a:t>
             </a:r>
             <a:r>
               <a:rPr lang="pt-BR" dirty="0"/>
@@ -6003,8 +6259,707 @@
           <a:p>
             <a:r>
               <a:rPr lang="pt-BR" dirty="0" smtClean="0"/>
-              <a:t>Portanto, para analisarmos melhor o desempenho de um classificador, precisamos usar uma métrica que combine essas duas métricas.</a:t>
-            </a:r>
+              <a:t>Portanto, para analisarmos melhor o desempenho de um classificador, precisamos usar uma métrica que combine </a:t>
+            </a:r>
+            <a:r>
+              <a:rPr lang="pt-BR" dirty="0" smtClean="0"/>
+              <a:t>as duas.</a:t>
+            </a:r>
+            <a:endParaRPr lang="pt-BR" dirty="0" smtClean="0"/>
+          </a:p>
+        </p:txBody>
+      </p:sp>
+      <mc:AlternateContent xmlns:mc="http://schemas.openxmlformats.org/markup-compatibility/2006">
+        <mc:Choice xmlns:a14="http://schemas.microsoft.com/office/drawing/2010/main" Requires="a14">
+          <p:sp>
+            <p:nvSpPr>
+              <p:cNvPr id="4" name="Rectangle 3"/>
+              <p:cNvSpPr/>
+              <p:nvPr/>
+            </p:nvSpPr>
+            <p:spPr>
+              <a:xfrm>
+                <a:off x="4095211" y="841459"/>
+                <a:ext cx="2313454" cy="615490"/>
+              </a:xfrm>
+              <a:prstGeom prst="rect">
+                <a:avLst/>
+              </a:prstGeom>
+            </p:spPr>
+            <p:txBody>
+              <a:bodyPr wrap="none">
+                <a:spAutoFit/>
+              </a:bodyPr>
+              <a:lstStyle/>
+              <a:p>
+                <a14:m>
+                  <m:oMathPara xmlns:m="http://schemas.openxmlformats.org/officeDocument/2006/math">
+                    <m:oMathParaPr>
+                      <m:jc m:val="centerGroup"/>
+                    </m:oMathParaPr>
+                    <m:oMath xmlns:m="http://schemas.openxmlformats.org/officeDocument/2006/math">
+                      <m:r>
+                        <a:rPr lang="pt-BR" b="1" smtClean="0">
+                          <a:latin typeface="Cambria Math" panose="02040503050406030204" pitchFamily="18" charset="0"/>
+                        </a:rPr>
+                        <m:t>𝐏𝐫𝐞𝐜𝐢𝐬</m:t>
+                      </m:r>
+                      <m:r>
+                        <a:rPr lang="pt-BR" b="1" smtClean="0">
+                          <a:latin typeface="Cambria Math" panose="02040503050406030204" pitchFamily="18" charset="0"/>
+                        </a:rPr>
+                        <m:t>ã</m:t>
+                      </m:r>
+                      <m:r>
+                        <a:rPr lang="pt-BR" b="1" smtClean="0">
+                          <a:latin typeface="Cambria Math" panose="02040503050406030204" pitchFamily="18" charset="0"/>
+                        </a:rPr>
+                        <m:t>𝐨</m:t>
+                      </m:r>
+                      <m:r>
+                        <a:rPr lang="pt-BR">
+                          <a:latin typeface="Cambria Math" panose="02040503050406030204" pitchFamily="18" charset="0"/>
+                        </a:rPr>
+                        <m:t>= </m:t>
+                      </m:r>
+                      <m:f>
+                        <m:fPr>
+                          <m:ctrlPr>
+                            <a:rPr lang="pt-BR" i="1">
+                              <a:latin typeface="Cambria Math" panose="02040503050406030204" pitchFamily="18" charset="0"/>
+                            </a:rPr>
+                          </m:ctrlPr>
+                        </m:fPr>
+                        <m:num>
+                          <m:r>
+                            <m:rPr>
+                              <m:sty m:val="p"/>
+                            </m:rPr>
+                            <a:rPr lang="pt-BR" b="0" i="0" smtClean="0">
+                              <a:latin typeface="Cambria Math" panose="02040503050406030204" pitchFamily="18" charset="0"/>
+                            </a:rPr>
+                            <m:t>TP</m:t>
+                          </m:r>
+                        </m:num>
+                        <m:den>
+                          <m:r>
+                            <m:rPr>
+                              <m:sty m:val="p"/>
+                            </m:rPr>
+                            <a:rPr lang="pt-BR">
+                              <a:latin typeface="Cambria Math" panose="02040503050406030204" pitchFamily="18" charset="0"/>
+                            </a:rPr>
+                            <m:t>T</m:t>
+                          </m:r>
+                          <m:r>
+                            <m:rPr>
+                              <m:sty m:val="p"/>
+                            </m:rPr>
+                            <a:rPr lang="pt-BR" b="0" i="0" smtClean="0">
+                              <a:latin typeface="Cambria Math" panose="02040503050406030204" pitchFamily="18" charset="0"/>
+                            </a:rPr>
+                            <m:t>P</m:t>
+                          </m:r>
+                          <m:r>
+                            <a:rPr lang="pt-BR">
+                              <a:latin typeface="Cambria Math" panose="02040503050406030204" pitchFamily="18" charset="0"/>
+                            </a:rPr>
+                            <m:t>+</m:t>
+                          </m:r>
+                          <m:r>
+                            <m:rPr>
+                              <m:sty m:val="p"/>
+                            </m:rPr>
+                            <a:rPr lang="pt-BR">
+                              <a:latin typeface="Cambria Math" panose="02040503050406030204" pitchFamily="18" charset="0"/>
+                            </a:rPr>
+                            <m:t>FP</m:t>
+                          </m:r>
+                        </m:den>
+                      </m:f>
+                    </m:oMath>
+                  </m:oMathPara>
+                </a14:m>
+                <a:endParaRPr lang="pt-BR" dirty="0"/>
+              </a:p>
+            </p:txBody>
+          </p:sp>
+        </mc:Choice>
+        <mc:Fallback>
+          <p:sp>
+            <p:nvSpPr>
+              <p:cNvPr id="4" name="Rectangle 3"/>
+              <p:cNvSpPr>
+                <a:spLocks noRot="1" noChangeAspect="1" noMove="1" noResize="1" noEditPoints="1" noAdjustHandles="1" noChangeArrowheads="1" noChangeShapeType="1" noTextEdit="1"/>
+              </p:cNvSpPr>
+              <p:nvPr/>
+            </p:nvSpPr>
+            <p:spPr>
+              <a:xfrm>
+                <a:off x="4095211" y="841459"/>
+                <a:ext cx="2313454" cy="615490"/>
+              </a:xfrm>
+              <a:prstGeom prst="rect">
+                <a:avLst/>
+              </a:prstGeom>
+              <a:blipFill rotWithShape="0">
+                <a:blip r:embed="rId3"/>
+                <a:stretch>
+                  <a:fillRect/>
+                </a:stretch>
+              </a:blipFill>
+            </p:spPr>
+            <p:txBody>
+              <a:bodyPr/>
+              <a:lstStyle/>
+              <a:p>
+                <a:r>
+                  <a:rPr lang="pt-BR">
+                    <a:noFill/>
+                  </a:rPr>
+                  <a:t> </a:t>
+                </a:r>
+              </a:p>
+            </p:txBody>
+          </p:sp>
+        </mc:Fallback>
+      </mc:AlternateContent>
+      <mc:AlternateContent xmlns:mc="http://schemas.openxmlformats.org/markup-compatibility/2006">
+        <mc:Choice xmlns:a14="http://schemas.microsoft.com/office/drawing/2010/main" Requires="a14">
+          <p:sp>
+            <p:nvSpPr>
+              <p:cNvPr id="5" name="Rectangle 4"/>
+              <p:cNvSpPr/>
+              <p:nvPr/>
+            </p:nvSpPr>
+            <p:spPr>
+              <a:xfrm>
+                <a:off x="9113074" y="841459"/>
+                <a:ext cx="2084224" cy="615490"/>
+              </a:xfrm>
+              <a:prstGeom prst="rect">
+                <a:avLst/>
+              </a:prstGeom>
+            </p:spPr>
+            <p:txBody>
+              <a:bodyPr wrap="none">
+                <a:spAutoFit/>
+              </a:bodyPr>
+              <a:lstStyle/>
+              <a:p>
+                <a14:m>
+                  <m:oMathPara xmlns:m="http://schemas.openxmlformats.org/officeDocument/2006/math">
+                    <m:oMathParaPr>
+                      <m:jc m:val="centerGroup"/>
+                    </m:oMathParaPr>
+                    <m:oMath xmlns:m="http://schemas.openxmlformats.org/officeDocument/2006/math">
+                      <m:r>
+                        <a:rPr lang="pt-BR" b="1">
+                          <a:latin typeface="Cambria Math" panose="02040503050406030204" pitchFamily="18" charset="0"/>
+                        </a:rPr>
+                        <m:t>𝐑𝐞𝐜𝐚𝐥𝐥</m:t>
+                      </m:r>
+                      <m:r>
+                        <a:rPr lang="pt-BR" i="1">
+                          <a:latin typeface="Cambria Math" panose="02040503050406030204" pitchFamily="18" charset="0"/>
+                        </a:rPr>
+                        <m:t>= </m:t>
+                      </m:r>
+                      <m:f>
+                        <m:fPr>
+                          <m:ctrlPr>
+                            <a:rPr lang="pt-BR" i="1">
+                              <a:latin typeface="Cambria Math" panose="02040503050406030204" pitchFamily="18" charset="0"/>
+                            </a:rPr>
+                          </m:ctrlPr>
+                        </m:fPr>
+                        <m:num>
+                          <m:r>
+                            <m:rPr>
+                              <m:sty m:val="p"/>
+                            </m:rPr>
+                            <a:rPr lang="pt-BR">
+                              <a:latin typeface="Cambria Math" panose="02040503050406030204" pitchFamily="18" charset="0"/>
+                            </a:rPr>
+                            <m:t>TP</m:t>
+                          </m:r>
+                        </m:num>
+                        <m:den>
+                          <m:r>
+                            <m:rPr>
+                              <m:sty m:val="p"/>
+                            </m:rPr>
+                            <a:rPr lang="pt-BR">
+                              <a:latin typeface="Cambria Math" panose="02040503050406030204" pitchFamily="18" charset="0"/>
+                            </a:rPr>
+                            <m:t>TP</m:t>
+                          </m:r>
+                          <m:r>
+                            <a:rPr lang="pt-BR">
+                              <a:latin typeface="Cambria Math" panose="02040503050406030204" pitchFamily="18" charset="0"/>
+                            </a:rPr>
+                            <m:t>+</m:t>
+                          </m:r>
+                          <m:r>
+                            <m:rPr>
+                              <m:sty m:val="p"/>
+                            </m:rPr>
+                            <a:rPr lang="pt-BR">
+                              <a:latin typeface="Cambria Math" panose="02040503050406030204" pitchFamily="18" charset="0"/>
+                            </a:rPr>
+                            <m:t>FN</m:t>
+                          </m:r>
+                        </m:den>
+                      </m:f>
+                    </m:oMath>
+                  </m:oMathPara>
+                </a14:m>
+                <a:endParaRPr lang="pt-BR" dirty="0"/>
+              </a:p>
+            </p:txBody>
+          </p:sp>
+        </mc:Choice>
+        <mc:Fallback>
+          <p:sp>
+            <p:nvSpPr>
+              <p:cNvPr id="5" name="Rectangle 4"/>
+              <p:cNvSpPr>
+                <a:spLocks noRot="1" noChangeAspect="1" noMove="1" noResize="1" noEditPoints="1" noAdjustHandles="1" noChangeArrowheads="1" noChangeShapeType="1" noTextEdit="1"/>
+              </p:cNvSpPr>
+              <p:nvPr/>
+            </p:nvSpPr>
+            <p:spPr>
+              <a:xfrm>
+                <a:off x="9113074" y="841459"/>
+                <a:ext cx="2084224" cy="615490"/>
+              </a:xfrm>
+              <a:prstGeom prst="rect">
+                <a:avLst/>
+              </a:prstGeom>
+              <a:blipFill rotWithShape="0">
+                <a:blip r:embed="rId4"/>
+                <a:stretch>
+                  <a:fillRect/>
+                </a:stretch>
+              </a:blipFill>
+            </p:spPr>
+            <p:txBody>
+              <a:bodyPr/>
+              <a:lstStyle/>
+              <a:p>
+                <a:r>
+                  <a:rPr lang="pt-BR">
+                    <a:noFill/>
+                  </a:rPr>
+                  <a:t> </a:t>
+                </a:r>
+              </a:p>
+            </p:txBody>
+          </p:sp>
+        </mc:Fallback>
+      </mc:AlternateContent>
+      <mc:AlternateContent xmlns:mc="http://schemas.openxmlformats.org/markup-compatibility/2006">
+        <mc:Choice xmlns:a14="http://schemas.microsoft.com/office/drawing/2010/main" Requires="a14">
+          <p:sp>
+            <p:nvSpPr>
+              <p:cNvPr id="6" name="Rectangle 5"/>
+              <p:cNvSpPr/>
+              <p:nvPr/>
+            </p:nvSpPr>
+            <p:spPr>
+              <a:xfrm>
+                <a:off x="7129319" y="832966"/>
+                <a:ext cx="1423181" cy="550600"/>
+              </a:xfrm>
+              <a:prstGeom prst="rect">
+                <a:avLst/>
+              </a:prstGeom>
+            </p:spPr>
+            <p:txBody>
+              <a:bodyPr wrap="square">
+                <a:spAutoFit/>
+              </a:bodyPr>
+              <a:lstStyle/>
+              <a:p>
+                <a14:m>
+                  <m:oMathPara xmlns:m="http://schemas.openxmlformats.org/officeDocument/2006/math">
+                    <m:oMathParaPr>
+                      <m:jc m:val="centerGroup"/>
+                    </m:oMathParaPr>
+                    <m:oMath xmlns:m="http://schemas.openxmlformats.org/officeDocument/2006/math">
+                      <m:d>
+                        <m:dPr>
+                          <m:begChr m:val="["/>
+                          <m:endChr m:val="]"/>
+                          <m:ctrlPr>
+                            <a:rPr lang="pt-BR" i="1" smtClean="0">
+                              <a:latin typeface="Cambria Math" panose="02040503050406030204" pitchFamily="18" charset="0"/>
+                            </a:rPr>
+                          </m:ctrlPr>
+                        </m:dPr>
+                        <m:e>
+                          <m:m>
+                            <m:mPr>
+                              <m:mcs>
+                                <m:mc>
+                                  <m:mcPr>
+                                    <m:count m:val="2"/>
+                                    <m:mcJc m:val="center"/>
+                                  </m:mcPr>
+                                </m:mc>
+                              </m:mcs>
+                              <m:ctrlPr>
+                                <a:rPr lang="pt-BR" i="1" smtClean="0">
+                                  <a:latin typeface="Cambria Math" panose="02040503050406030204" pitchFamily="18" charset="0"/>
+                                </a:rPr>
+                              </m:ctrlPr>
+                            </m:mPr>
+                            <m:mr>
+                              <m:e>
+                                <m:r>
+                                  <m:rPr>
+                                    <m:brk m:alnAt="7"/>
+                                  </m:rPr>
+                                  <a:rPr lang="pt-BR" b="0" i="1" smtClean="0">
+                                    <a:latin typeface="Cambria Math" panose="02040503050406030204" pitchFamily="18" charset="0"/>
+                                  </a:rPr>
+                                  <m:t>𝑇𝑃</m:t>
+                                </m:r>
+                              </m:e>
+                              <m:e>
+                                <m:r>
+                                  <a:rPr lang="pt-BR" b="0" i="1" smtClean="0">
+                                    <a:latin typeface="Cambria Math" panose="02040503050406030204" pitchFamily="18" charset="0"/>
+                                  </a:rPr>
+                                  <m:t>𝐹𝑃</m:t>
+                                </m:r>
+                              </m:e>
+                            </m:mr>
+                            <m:mr>
+                              <m:e>
+                                <m:r>
+                                  <a:rPr lang="pt-BR" b="0" i="1" smtClean="0">
+                                    <a:latin typeface="Cambria Math" panose="02040503050406030204" pitchFamily="18" charset="0"/>
+                                  </a:rPr>
+                                  <m:t>𝐹𝑁</m:t>
+                                </m:r>
+                              </m:e>
+                              <m:e>
+                                <m:r>
+                                  <a:rPr lang="pt-BR" b="0" i="1" smtClean="0">
+                                    <a:latin typeface="Cambria Math" panose="02040503050406030204" pitchFamily="18" charset="0"/>
+                                  </a:rPr>
+                                  <m:t>𝑇𝑁</m:t>
+                                </m:r>
+                              </m:e>
+                            </m:mr>
+                          </m:m>
+                        </m:e>
+                      </m:d>
+                    </m:oMath>
+                  </m:oMathPara>
+                </a14:m>
+                <a:endParaRPr lang="pt-BR" dirty="0"/>
+              </a:p>
+            </p:txBody>
+          </p:sp>
+        </mc:Choice>
+        <mc:Fallback>
+          <p:sp>
+            <p:nvSpPr>
+              <p:cNvPr id="6" name="Rectangle 5"/>
+              <p:cNvSpPr>
+                <a:spLocks noRot="1" noChangeAspect="1" noMove="1" noResize="1" noEditPoints="1" noAdjustHandles="1" noChangeArrowheads="1" noChangeShapeType="1" noTextEdit="1"/>
+              </p:cNvSpPr>
+              <p:nvPr/>
+            </p:nvSpPr>
+            <p:spPr>
+              <a:xfrm>
+                <a:off x="7129319" y="832966"/>
+                <a:ext cx="1423181" cy="550600"/>
+              </a:xfrm>
+              <a:prstGeom prst="rect">
+                <a:avLst/>
+              </a:prstGeom>
+              <a:blipFill rotWithShape="0">
+                <a:blip r:embed="rId5"/>
+                <a:stretch>
+                  <a:fillRect/>
+                </a:stretch>
+              </a:blipFill>
+            </p:spPr>
+            <p:txBody>
+              <a:bodyPr/>
+              <a:lstStyle/>
+              <a:p>
+                <a:r>
+                  <a:rPr lang="pt-BR">
+                    <a:noFill/>
+                  </a:rPr>
+                  <a:t> </a:t>
+                </a:r>
+              </a:p>
+            </p:txBody>
+          </p:sp>
+        </mc:Fallback>
+      </mc:AlternateContent>
+      <p:sp>
+        <p:nvSpPr>
+          <p:cNvPr id="7" name="Rectangle 6"/>
+          <p:cNvSpPr/>
+          <p:nvPr/>
+        </p:nvSpPr>
+        <p:spPr>
+          <a:xfrm>
+            <a:off x="7299960" y="883183"/>
+            <a:ext cx="1066800" cy="225083"/>
+          </a:xfrm>
+          <a:prstGeom prst="rect">
+            <a:avLst/>
+          </a:prstGeom>
+          <a:noFill/>
+          <a:ln>
+            <a:solidFill>
+              <a:srgbClr val="FF0000"/>
+            </a:solidFill>
+          </a:ln>
+        </p:spPr>
+        <p:style>
+          <a:lnRef idx="2">
+            <a:schemeClr val="accent1">
+              <a:shade val="50000"/>
+            </a:schemeClr>
+          </a:lnRef>
+          <a:fillRef idx="1">
+            <a:schemeClr val="accent1"/>
+          </a:fillRef>
+          <a:effectRef idx="0">
+            <a:schemeClr val="accent1"/>
+          </a:effectRef>
+          <a:fontRef idx="minor">
+            <a:schemeClr val="lt1"/>
+          </a:fontRef>
+        </p:style>
+        <p:txBody>
+          <a:bodyPr rtlCol="0" anchor="ctr"/>
+          <a:lstStyle/>
+          <a:p>
+            <a:pPr algn="ctr"/>
+            <a:endParaRPr lang="pt-BR"/>
+          </a:p>
+        </p:txBody>
+      </p:sp>
+      <p:sp>
+        <p:nvSpPr>
+          <p:cNvPr id="9" name="Freeform 8"/>
+          <p:cNvSpPr/>
+          <p:nvPr/>
+        </p:nvSpPr>
+        <p:spPr>
+          <a:xfrm>
+            <a:off x="6355080" y="960120"/>
+            <a:ext cx="899160" cy="388620"/>
+          </a:xfrm>
+          <a:custGeom>
+            <a:avLst/>
+            <a:gdLst>
+              <a:gd name="connsiteX0" fmla="*/ 0 w 899160"/>
+              <a:gd name="connsiteY0" fmla="*/ 388620 h 388620"/>
+              <a:gd name="connsiteX1" fmla="*/ 350520 w 899160"/>
+              <a:gd name="connsiteY1" fmla="*/ 106680 h 388620"/>
+              <a:gd name="connsiteX2" fmla="*/ 899160 w 899160"/>
+              <a:gd name="connsiteY2" fmla="*/ 0 h 388620"/>
+            </a:gdLst>
+            <a:ahLst/>
+            <a:cxnLst>
+              <a:cxn ang="0">
+                <a:pos x="connsiteX0" y="connsiteY0"/>
+              </a:cxn>
+              <a:cxn ang="0">
+                <a:pos x="connsiteX1" y="connsiteY1"/>
+              </a:cxn>
+              <a:cxn ang="0">
+                <a:pos x="connsiteX2" y="connsiteY2"/>
+              </a:cxn>
+            </a:cxnLst>
+            <a:rect l="l" t="t" r="r" b="b"/>
+            <a:pathLst>
+              <a:path w="899160" h="388620">
+                <a:moveTo>
+                  <a:pt x="0" y="388620"/>
+                </a:moveTo>
+                <a:cubicBezTo>
+                  <a:pt x="100330" y="280035"/>
+                  <a:pt x="200660" y="171450"/>
+                  <a:pt x="350520" y="106680"/>
+                </a:cubicBezTo>
+                <a:cubicBezTo>
+                  <a:pt x="500380" y="41910"/>
+                  <a:pt x="699770" y="20955"/>
+                  <a:pt x="899160" y="0"/>
+                </a:cubicBezTo>
+              </a:path>
+            </a:pathLst>
+          </a:custGeom>
+          <a:noFill/>
+          <a:ln>
+            <a:solidFill>
+              <a:schemeClr val="tx1"/>
+            </a:solidFill>
+          </a:ln>
+        </p:spPr>
+        <p:style>
+          <a:lnRef idx="2">
+            <a:schemeClr val="accent1">
+              <a:shade val="50000"/>
+            </a:schemeClr>
+          </a:lnRef>
+          <a:fillRef idx="1">
+            <a:schemeClr val="accent1"/>
+          </a:fillRef>
+          <a:effectRef idx="0">
+            <a:schemeClr val="accent1"/>
+          </a:effectRef>
+          <a:fontRef idx="minor">
+            <a:schemeClr val="lt1"/>
+          </a:fontRef>
+        </p:style>
+        <p:txBody>
+          <a:bodyPr rtlCol="0" anchor="ctr"/>
+          <a:lstStyle/>
+          <a:p>
+            <a:pPr algn="ctr"/>
+            <a:endParaRPr lang="pt-BR"/>
+          </a:p>
+        </p:txBody>
+      </p:sp>
+      <p:sp>
+        <p:nvSpPr>
+          <p:cNvPr id="10" name="Rectangle 9"/>
+          <p:cNvSpPr/>
+          <p:nvPr/>
+        </p:nvSpPr>
+        <p:spPr>
+          <a:xfrm rot="5400000">
+            <a:off x="7295169" y="944438"/>
+            <a:ext cx="550599" cy="327658"/>
+          </a:xfrm>
+          <a:prstGeom prst="rect">
+            <a:avLst/>
+          </a:prstGeom>
+          <a:noFill/>
+          <a:ln>
+            <a:solidFill>
+              <a:srgbClr val="00B0F0"/>
+            </a:solidFill>
+          </a:ln>
+        </p:spPr>
+        <p:style>
+          <a:lnRef idx="2">
+            <a:schemeClr val="accent1">
+              <a:shade val="50000"/>
+            </a:schemeClr>
+          </a:lnRef>
+          <a:fillRef idx="1">
+            <a:schemeClr val="accent1"/>
+          </a:fillRef>
+          <a:effectRef idx="0">
+            <a:schemeClr val="accent1"/>
+          </a:effectRef>
+          <a:fontRef idx="minor">
+            <a:schemeClr val="lt1"/>
+          </a:fontRef>
+        </p:style>
+        <p:txBody>
+          <a:bodyPr rtlCol="0" anchor="ctr"/>
+          <a:lstStyle/>
+          <a:p>
+            <a:pPr algn="ctr"/>
+            <a:endParaRPr lang="pt-BR"/>
+          </a:p>
+        </p:txBody>
+      </p:sp>
+      <p:sp>
+        <p:nvSpPr>
+          <p:cNvPr id="11" name="Freeform 10"/>
+          <p:cNvSpPr/>
+          <p:nvPr/>
+        </p:nvSpPr>
+        <p:spPr>
+          <a:xfrm>
+            <a:off x="7574280" y="1203960"/>
+            <a:ext cx="1645920" cy="379605"/>
+          </a:xfrm>
+          <a:custGeom>
+            <a:avLst/>
+            <a:gdLst>
+              <a:gd name="connsiteX0" fmla="*/ 0 w 1645920"/>
+              <a:gd name="connsiteY0" fmla="*/ 198120 h 379605"/>
+              <a:gd name="connsiteX1" fmla="*/ 647700 w 1645920"/>
+              <a:gd name="connsiteY1" fmla="*/ 373380 h 379605"/>
+              <a:gd name="connsiteX2" fmla="*/ 1645920 w 1645920"/>
+              <a:gd name="connsiteY2" fmla="*/ 0 h 379605"/>
+            </a:gdLst>
+            <a:ahLst/>
+            <a:cxnLst>
+              <a:cxn ang="0">
+                <a:pos x="connsiteX0" y="connsiteY0"/>
+              </a:cxn>
+              <a:cxn ang="0">
+                <a:pos x="connsiteX1" y="connsiteY1"/>
+              </a:cxn>
+              <a:cxn ang="0">
+                <a:pos x="connsiteX2" y="connsiteY2"/>
+              </a:cxn>
+            </a:cxnLst>
+            <a:rect l="l" t="t" r="r" b="b"/>
+            <a:pathLst>
+              <a:path w="1645920" h="379605">
+                <a:moveTo>
+                  <a:pt x="0" y="198120"/>
+                </a:moveTo>
+                <a:cubicBezTo>
+                  <a:pt x="186690" y="302260"/>
+                  <a:pt x="373380" y="406400"/>
+                  <a:pt x="647700" y="373380"/>
+                </a:cubicBezTo>
+                <a:cubicBezTo>
+                  <a:pt x="922020" y="340360"/>
+                  <a:pt x="1283970" y="170180"/>
+                  <a:pt x="1645920" y="0"/>
+                </a:cubicBezTo>
+              </a:path>
+            </a:pathLst>
+          </a:custGeom>
+          <a:noFill/>
+          <a:ln>
+            <a:solidFill>
+              <a:schemeClr val="tx1"/>
+            </a:solidFill>
+          </a:ln>
+        </p:spPr>
+        <p:style>
+          <a:lnRef idx="2">
+            <a:schemeClr val="accent1">
+              <a:shade val="50000"/>
+            </a:schemeClr>
+          </a:lnRef>
+          <a:fillRef idx="1">
+            <a:schemeClr val="accent1"/>
+          </a:fillRef>
+          <a:effectRef idx="0">
+            <a:schemeClr val="accent1"/>
+          </a:effectRef>
+          <a:fontRef idx="minor">
+            <a:schemeClr val="lt1"/>
+          </a:fontRef>
+        </p:style>
+        <p:txBody>
+          <a:bodyPr rtlCol="0" anchor="ctr"/>
+          <a:lstStyle/>
+          <a:p>
+            <a:pPr algn="ctr"/>
+            <a:endParaRPr lang="pt-BR"/>
           </a:p>
         </p:txBody>
       </p:sp>
@@ -6132,11 +7087,11 @@
                 </a:r>
                 <a:r>
                   <a:rPr lang="pt-BR" dirty="0"/>
-                  <a:t> costumam ser </a:t>
+                  <a:t> </a:t>
                 </a:r>
                 <a:r>
                   <a:rPr lang="pt-BR" dirty="0" smtClean="0"/>
-                  <a:t>analisadas conjuntamente através de uma métrica que combina ambas métricas, chamada </a:t>
+                  <a:t>são analisadas conjuntamente através de uma métrica que combina ambas métricas, chamada </a:t>
                 </a:r>
                 <a:r>
                   <a:rPr lang="pt-BR" dirty="0"/>
@@ -6159,30 +7114,40 @@
                   <a:t>F-score</a:t>
                 </a:r>
                 <a:r>
-                  <a:rPr lang="pt-BR" dirty="0"/>
-                  <a:t>), </a:t>
-                </a:r>
-                <a:r>
                   <a:rPr lang="pt-BR" dirty="0" smtClean="0"/>
-                  <a:t>denotada </a:t>
-                </a:r>
-                <a:r>
-                  <a:rPr lang="pt-BR" dirty="0"/>
-                  <a:t>por </a:t>
+                  <a:t>). </a:t>
+                </a:r>
+              </a:p>
+              <a:p>
+                <a:r>
+                  <a:rPr lang="pt-BR" dirty="0" smtClean="0"/>
+                  <a:t>Ela realiza uma </a:t>
+                </a:r>
+                <a:r>
+                  <a:rPr lang="pt-BR" b="1" i="1" dirty="0"/>
+                  <a:t>média harmônica </a:t>
+                </a:r>
+                <a:r>
+                  <a:rPr lang="pt-BR" b="1" i="1" dirty="0" smtClean="0"/>
+                  <a:t>ponderada</a:t>
+                </a:r>
+                <a:r>
+                  <a:rPr lang="pt-BR" dirty="0" smtClean="0"/>
+                  <a:t> dada pela equaçao </a:t>
                 </a:r>
                 <a14:m>
                   <m:oMath xmlns:m="http://schemas.openxmlformats.org/officeDocument/2006/math">
                     <m:sSub>
                       <m:sSubPr>
                         <m:ctrlPr>
-                          <a:rPr lang="pt-BR" i="1" smtClean="0">
+                          <a:rPr lang="pt-BR" i="1">
                             <a:latin typeface="Cambria Math" panose="02040503050406030204" pitchFamily="18" charset="0"/>
                           </a:rPr>
                         </m:ctrlPr>
                       </m:sSubPr>
                       <m:e>
                         <m:r>
-                          <a:rPr lang="pt-BR" b="0" i="1" smtClean="0">
+                          <a:rPr lang="pt-BR" i="1">
                             <a:latin typeface="Cambria Math" panose="02040503050406030204" pitchFamily="18" charset="0"/>
                           </a:rPr>
                           <m:t>𝐹</m:t>
@@ -6190,7 +7155,7 @@
                       </m:e>
                       <m:sub>
                         <m:r>
-                          <a:rPr lang="pt-BR" b="0" i="1" smtClean="0">
+                          <a:rPr lang="pt-BR" i="1">
                             <a:latin typeface="Cambria Math" panose="02040503050406030204" pitchFamily="18" charset="0"/>
                           </a:rPr>
                           <m:t>𝑚</m:t>
@@ -6201,23 +7166,7 @@
                 </a14:m>
                 <a:r>
                   <a:rPr lang="pt-BR" dirty="0" smtClean="0"/>
-                  <a:t>, </a:t>
-                </a:r>
-                <a:r>
-                  <a:rPr lang="pt-BR" dirty="0"/>
-                  <a:t>que combina as duas métricas através de uma </a:t>
-                </a:r>
-                <a:r>
-                  <a:rPr lang="pt-BR" b="1" i="1" dirty="0"/>
-                  <a:t>média harmônica </a:t>
-                </a:r>
-                <a:r>
-                  <a:rPr lang="pt-BR" b="1" i="1" dirty="0" smtClean="0"/>
-                  <a:t>ponderada</a:t>
-                </a:r>
-                <a:r>
-                  <a:rPr lang="pt-BR" dirty="0" smtClean="0"/>
-                  <a:t> dada pela equaçao abaixo:</a:t>
+                  <a:t> abaixo:</a:t>
                 </a:r>
               </a:p>
               <a:p>
@@ -7256,7 +8205,7 @@
         </p:nvSpPr>
         <p:spPr>
           <a:xfrm>
-            <a:off x="838200" y="181017"/>
+            <a:off x="838200" y="110677"/>
             <a:ext cx="10515600" cy="836885"/>
           </a:xfrm>
         </p:spPr>
@@ -7283,44 +8232,35 @@
         </p:nvSpPr>
         <p:spPr>
           <a:xfrm>
-            <a:off x="838199" y="1420837"/>
-            <a:ext cx="6653463" cy="5437163"/>
+            <a:off x="838199" y="1547446"/>
+            <a:ext cx="6695667" cy="5310554"/>
           </a:xfrm>
         </p:spPr>
         <p:txBody>
           <a:bodyPr>
-            <a:normAutofit fontScale="77500" lnSpcReduction="20000"/>
+            <a:normAutofit fontScale="85000" lnSpcReduction="20000"/>
           </a:bodyPr>
           <a:lstStyle/>
           <a:p>
-            <a:pPr marL="0" indent="0">
-              <a:buNone/>
-            </a:pPr>
-            <a:r>
-              <a:rPr lang="pt-BR" sz="3600" b="1" dirty="0" smtClean="0"/>
-              <a:t>Curva Característica Operacional do Receptor (ROC)</a:t>
-            </a:r>
-          </a:p>
-          <a:p>
             <a:r>
               <a:rPr lang="pt-BR" dirty="0" smtClean="0"/>
-              <a:t>É um gráfico, conforme </a:t>
-            </a:r>
-            <a:r>
-              <a:rPr lang="pt-BR" dirty="0"/>
-              <a:t>mostrado </a:t>
+              <a:t>G</a:t>
             </a:r>
             <a:r>
               <a:rPr lang="pt-BR" dirty="0" smtClean="0"/>
-              <a:t>ao </a:t>
-            </a:r>
-            <a:r>
-              <a:rPr lang="pt-BR" dirty="0"/>
-              <a:t>lado, </a:t>
+              <a:t>ráfico </a:t>
             </a:r>
             <a:r>
               <a:rPr lang="pt-BR" dirty="0" smtClean="0"/>
-              <a:t>que ilustra a performance de um </a:t>
+              <a:t>que </a:t>
+            </a:r>
+            <a:r>
+              <a:rPr lang="pt-BR" dirty="0" smtClean="0"/>
+              <a:t>mostra a </a:t>
+            </a:r>
+            <a:r>
+              <a:rPr lang="pt-BR" dirty="0" smtClean="0"/>
+              <a:t>performance de um </a:t>
             </a:r>
             <a:r>
               <a:rPr lang="pt-BR" b="1" i="1" dirty="0"/>
@@ -7436,7 +8376,11 @@
             </a:r>
             <a:r>
               <a:rPr lang="pt-BR" dirty="0" smtClean="0"/>
-              <a:t>diagonal em vermelho, </a:t>
+              <a:t>em </a:t>
+            </a:r>
+            <a:r>
+              <a:rPr lang="pt-BR" dirty="0" smtClean="0"/>
+              <a:t>vermelho, </a:t>
             </a:r>
             <a:r>
               <a:rPr lang="pt-BR" dirty="0"/>
@@ -7549,7 +8493,7 @@
         </p:blipFill>
         <p:spPr>
           <a:xfrm>
-            <a:off x="7533866" y="2302336"/>
+            <a:off x="7533866" y="2249053"/>
             <a:ext cx="4611280" cy="3429000"/>
           </a:xfrm>
           <a:prstGeom prst="rect">
@@ -7557,6 +8501,34 @@
           </a:prstGeom>
         </p:spPr>
       </p:pic>
+      <p:sp>
+        <p:nvSpPr>
+          <p:cNvPr id="4" name="Rectangle 3"/>
+          <p:cNvSpPr/>
+          <p:nvPr/>
+        </p:nvSpPr>
+        <p:spPr>
+          <a:xfrm>
+            <a:off x="838199" y="1023705"/>
+            <a:ext cx="11063068" cy="523220"/>
+          </a:xfrm>
+          <a:prstGeom prst="rect">
+            <a:avLst/>
+          </a:prstGeom>
+        </p:spPr>
+        <p:txBody>
+          <a:bodyPr wrap="square">
+            <a:spAutoFit/>
+          </a:bodyPr>
+          <a:lstStyle/>
+          <a:p>
+            <a:r>
+              <a:rPr lang="pt-BR" sz="2800" b="1" dirty="0"/>
+              <a:t>Curva Característica Operacional do Receptor (ROC)</a:t>
+            </a:r>
+          </a:p>
+        </p:txBody>
+      </p:sp>
     </p:spTree>
     <p:extLst>
       <p:ext uri="{BB962C8B-B14F-4D97-AF65-F5344CB8AC3E}">
@@ -7616,8 +8588,8 @@
           </a:p>
         </p:txBody>
       </p:sp>
-      <mc:AlternateContent xmlns:mc="http://schemas.openxmlformats.org/markup-compatibility/2006" xmlns:a14="http://schemas.microsoft.com/office/drawing/2010/main">
-        <mc:Choice Requires="a14">
+      <mc:AlternateContent xmlns:mc="http://schemas.openxmlformats.org/markup-compatibility/2006">
+        <mc:Choice xmlns:a14="http://schemas.microsoft.com/office/drawing/2010/main" Requires="a14">
           <p:sp>
             <p:nvSpPr>
               <p:cNvPr id="3" name="Content Placeholder 2"/>
@@ -7631,12 +8603,12 @@
             <p:spPr>
               <a:xfrm>
                 <a:off x="838200" y="1825624"/>
-                <a:ext cx="11029950" cy="5032375"/>
+                <a:ext cx="7842882" cy="5032375"/>
               </a:xfrm>
             </p:spPr>
             <p:txBody>
               <a:bodyPr>
-                <a:normAutofit lnSpcReduction="10000"/>
+                <a:normAutofit fontScale="92500" lnSpcReduction="20000"/>
               </a:bodyPr>
               <a:lstStyle/>
               <a:p>
@@ -7977,7 +8949,7 @@
             </p:txBody>
           </p:sp>
         </mc:Choice>
-        <mc:Fallback xmlns="">
+        <mc:Fallback>
           <p:sp>
             <p:nvSpPr>
               <p:cNvPr id="3" name="Content Placeholder 2"/>
@@ -7991,12 +8963,12 @@
             <p:spPr>
               <a:xfrm>
                 <a:off x="838200" y="1825624"/>
-                <a:ext cx="11029950" cy="5032375"/>
+                <a:ext cx="7842882" cy="5032375"/>
               </a:xfrm>
               <a:blipFill rotWithShape="0">
                 <a:blip r:embed="rId2"/>
                 <a:stretch>
-                  <a:fillRect l="-1161" t="-2663" r="-221"/>
+                  <a:fillRect l="-1400" t="-3027" r="-1166"/>
                 </a:stretch>
               </a:blipFill>
             </p:spPr>
@@ -8015,6 +8987,47 @@
           </p:sp>
         </mc:Fallback>
       </mc:AlternateContent>
+      <p:pic>
+        <p:nvPicPr>
+          <p:cNvPr id="4" name="Picture 2" descr="ROC curves.svg"/>
+          <p:cNvPicPr>
+            <a:picLocks noChangeAspect="1" noChangeArrowheads="1"/>
+          </p:cNvPicPr>
+          <p:nvPr/>
+        </p:nvPicPr>
+        <p:blipFill>
+          <a:blip r:embed="rId3">
+            <a:extLst>
+              <a:ext uri="{28A0092B-C50C-407E-A947-70E740481C1C}">
+                <a14:useLocalDpi xmlns:a14="http://schemas.microsoft.com/office/drawing/2010/main" val="0"/>
+              </a:ext>
+            </a:extLst>
+          </a:blip>
+          <a:srcRect/>
+          <a:stretch>
+            <a:fillRect/>
+          </a:stretch>
+        </p:blipFill>
+        <p:spPr bwMode="auto">
+          <a:xfrm>
+            <a:off x="8017329" y="2851621"/>
+            <a:ext cx="4171073" cy="3128304"/>
+          </a:xfrm>
+          <a:prstGeom prst="rect">
+            <a:avLst/>
+          </a:prstGeom>
+          <a:noFill/>
+          <a:extLst>
+            <a:ext uri="{909E8E84-426E-40DD-AFC4-6F175D3DCCD1}">
+              <a14:hiddenFill xmlns:a14="http://schemas.microsoft.com/office/drawing/2010/main">
+                <a:solidFill>
+                  <a:srgbClr val="FFFFFF"/>
+                </a:solidFill>
+              </a14:hiddenFill>
+            </a:ext>
+          </a:extLst>
+        </p:spPr>
+      </p:pic>
     </p:spTree>
     <p:extLst>
       <p:ext uri="{BB962C8B-B14F-4D97-AF65-F5344CB8AC3E}">
@@ -8161,16 +9174,24 @@
           </a:p>
           <a:p>
             <a:r>
-              <a:rPr lang="pt-BR" dirty="0"/>
-              <a:t>A </a:t>
-            </a:r>
-            <a:r>
               <a:rPr lang="pt-BR" b="1" i="1" dirty="0" smtClean="0"/>
               <a:t>ASC</a:t>
             </a:r>
             <a:r>
               <a:rPr lang="pt-BR" dirty="0" smtClean="0"/>
-              <a:t> é outra métrica da qualidade de um classificador, um </a:t>
+              <a:t> </a:t>
+            </a:r>
+            <a:r>
+              <a:rPr lang="pt-BR" dirty="0" smtClean="0"/>
+              <a:t>é outra métrica da qualidade de um </a:t>
+            </a:r>
+            <a:r>
+              <a:rPr lang="pt-BR" dirty="0" smtClean="0"/>
+              <a:t>classificador. É </a:t>
+            </a:r>
+            <a:r>
+              <a:rPr lang="pt-BR" dirty="0" smtClean="0"/>
+              <a:t>um </a:t>
             </a:r>
             <a:r>
               <a:rPr lang="pt-BR" dirty="0"/>
@@ -8204,7 +9225,15 @@
             </a:r>
             <a:r>
               <a:rPr lang="pt-BR" dirty="0"/>
-              <a:t>o classificador A </a:t>
+              <a:t>o </a:t>
+            </a:r>
+            <a:r>
+              <a:rPr lang="pt-BR" b="1" i="1" dirty="0"/>
+              <a:t>classificador A</a:t>
+            </a:r>
+            <a:r>
+              <a:rPr lang="pt-BR" dirty="0"/>
+              <a:t> </a:t>
             </a:r>
             <a:r>
               <a:rPr lang="pt-BR" dirty="0" smtClean="0"/>
@@ -8220,7 +9249,15 @@
             </a:r>
             <a:r>
               <a:rPr lang="pt-BR" dirty="0" smtClean="0"/>
-              <a:t>do que a do classificador B.</a:t>
+              <a:t>do que a do </a:t>
+            </a:r>
+            <a:r>
+              <a:rPr lang="pt-BR" b="1" i="1" dirty="0" smtClean="0"/>
+              <a:t>classificador B</a:t>
+            </a:r>
+            <a:r>
+              <a:rPr lang="pt-BR" dirty="0" smtClean="0"/>
+              <a:t>.</a:t>
             </a:r>
           </a:p>
           <a:p>
@@ -8265,7 +9302,15 @@
             </a:r>
             <a:r>
               <a:rPr lang="pt-BR" dirty="0"/>
-              <a:t>lidar com problemas de desbalanceamento nos dados (i.e., nos quais as classes possuem tamanhos discrepantes). </a:t>
+              <a:t>lidar com problemas de </a:t>
+            </a:r>
+            <a:r>
+              <a:rPr lang="pt-BR" b="1" i="1" dirty="0"/>
+              <a:t>desbalanceamento</a:t>
+            </a:r>
+            <a:r>
+              <a:rPr lang="pt-BR" dirty="0"/>
+              <a:t> nos dados (i.e., nos quais as classes possuem tamanhos discrepantes). </a:t>
             </a:r>
             <a:endParaRPr lang="pt-BR" dirty="0" smtClean="0"/>
           </a:p>
@@ -8298,7 +9343,15 @@
             <a:pPr lvl="1"/>
             <a:r>
               <a:rPr lang="pt-BR" dirty="0" smtClean="0"/>
-              <a:t>No caso multi-classes, devemos utilizar as estratégias </a:t>
+              <a:t>No caso </a:t>
+            </a:r>
+            <a:r>
+              <a:rPr lang="pt-BR" b="1" i="1" dirty="0" smtClean="0"/>
+              <a:t>multi-classes</a:t>
+            </a:r>
+            <a:r>
+              <a:rPr lang="pt-BR" dirty="0" smtClean="0"/>
+              <a:t>, devemos utilizar as estratégias </a:t>
             </a:r>
             <a:r>
               <a:rPr lang="pt-BR" b="1" i="1" dirty="0" smtClean="0"/>
@@ -8843,21 +9896,37 @@
             </a:r>
             <a:r>
               <a:rPr lang="pt-BR" dirty="0" smtClean="0"/>
-              <a:t>de </a:t>
-            </a:r>
-            <a:r>
-              <a:rPr lang="pt-BR" dirty="0"/>
-              <a:t>classificação </a:t>
+              <a:t>de problemas de </a:t>
+            </a:r>
+            <a:r>
+              <a:rPr lang="pt-BR" b="1" dirty="0" smtClean="0"/>
+              <a:t>classificação multi-classes</a:t>
             </a:r>
             <a:r>
               <a:rPr lang="pt-BR" dirty="0" smtClean="0"/>
-              <a:t>multi-classes.</a:t>
+              <a:t>.</a:t>
             </a:r>
           </a:p>
           <a:p>
             <a:r>
               <a:rPr lang="pt-BR" dirty="0" smtClean="0"/>
-              <a:t>Nesta aula, veremos várias métricas utilizadas para medir o desempenho de classificadores.</a:t>
+              <a:t>Nesta aula, veremos várias </a:t>
+            </a:r>
+            <a:r>
+              <a:rPr lang="pt-BR" b="1" dirty="0" smtClean="0"/>
+              <a:t>métricas</a:t>
+            </a:r>
+            <a:r>
+              <a:rPr lang="pt-BR" dirty="0" smtClean="0"/>
+              <a:t> utilizadas para medir o </a:t>
+            </a:r>
+            <a:r>
+              <a:rPr lang="pt-BR" b="1" dirty="0" smtClean="0"/>
+              <a:t>desempenho de classificadores</a:t>
+            </a:r>
+            <a:r>
+              <a:rPr lang="pt-BR" dirty="0" smtClean="0"/>
+              <a:t>.</a:t>
             </a:r>
             <a:r>
               <a:rPr lang="pt-BR" dirty="0"/>
@@ -9112,7 +10181,7 @@
             </p:spPr>
             <p:txBody>
               <a:bodyPr>
-                <a:normAutofit fontScale="92500" lnSpcReduction="10000"/>
+                <a:normAutofit fontScale="92500" lnSpcReduction="20000"/>
               </a:bodyPr>
               <a:lstStyle/>
               <a:p>
@@ -9140,11 +10209,11 @@
                 </a:r>
                 <a:r>
                   <a:rPr lang="pt-BR" dirty="0" smtClean="0"/>
-                  <a:t>, é intuitivamente</a:t>
+                  <a:t>, é </a:t>
                 </a:r>
                 <a:r>
                   <a:rPr lang="pt-BR" dirty="0"/>
-                  <a:t>, a métrica mais direta para se avaliar o desempenho de um </a:t>
+                  <a:t>a métrica mais direta para se avaliar o desempenho de um </a:t>
                 </a:r>
                 <a:r>
                   <a:rPr lang="pt-BR" dirty="0" smtClean="0"/>
@@ -9158,10 +10227,14 @@
                 </a:r>
                 <a:r>
                   <a:rPr lang="pt-BR" dirty="0"/>
-                  <a:t>à porcentagem de </a:t>
-                </a:r>
-                <a:r>
-                  <a:rPr lang="pt-BR" dirty="0" smtClean="0"/>
+                  <a:t>à </a:t>
+                </a:r>
+                <a:r>
+                  <a:rPr lang="pt-BR" b="1" dirty="0"/>
+                  <a:t>porcentagem de </a:t>
+                </a:r>
+                <a:r>
+                  <a:rPr lang="pt-BR" b="1" dirty="0" smtClean="0"/>
                   <a:t>exemplos classificados incorretamente </a:t>
                 </a:r>
                 <a:r>
@@ -9672,7 +10745,15 @@
                 </a14:m>
                 <a:r>
                   <a:rPr lang="pt-BR" dirty="0" smtClean="0"/>
-                  <a:t> é o delta de Kronecker. Observe que </a:t>
+                  <a:t> é o </a:t>
+                </a:r>
+                <a:r>
+                  <a:rPr lang="pt-BR" b="1" dirty="0" smtClean="0"/>
+                  <a:t>delta de Kronecker</a:t>
+                </a:r>
+                <a:r>
+                  <a:rPr lang="pt-BR" dirty="0" smtClean="0"/>
+                  <a:t>. Observe que </a:t>
                 </a:r>
                 <a14:m>
                   <m:oMath xmlns:m="http://schemas.openxmlformats.org/officeDocument/2006/math">
@@ -9955,9 +11036,6 @@
                   <a:t>.</a:t>
                 </a:r>
               </a:p>
-              <a:p>
-                <a:endParaRPr lang="pt-BR" b="1" dirty="0"/>
-              </a:p>
             </p:txBody>
           </p:sp>
         </mc:Choice>
@@ -9980,7 +11058,7 @@
               <a:blipFill rotWithShape="0">
                 <a:blip r:embed="rId2"/>
                 <a:stretch>
-                  <a:fillRect l="-1249" t="-3148" r="-815"/>
+                  <a:fillRect l="-1249" t="-3874"/>
                 </a:stretch>
               </a:blipFill>
             </p:spPr>
@@ -10115,19 +11193,23 @@
                 </a:r>
                 <a:r>
                   <a:rPr lang="pt-BR" sz="3200" dirty="0"/>
-                  <a:t>fácil verificar se o classificador está confundindo </a:t>
+                  <a:t>fácil verificar se o classificador está </a:t>
                 </a:r>
                 <a:r>
                   <a:rPr lang="pt-BR" sz="3200" dirty="0" smtClean="0"/>
-                  <a:t>classes </a:t>
+                  <a:t>se confundindo (</a:t>
                 </a:r>
                 <a:r>
                   <a:rPr lang="pt-BR" sz="3200" dirty="0"/>
-                  <a:t>(ou seja, geralmente rotulando incorretamente uma como a outra</a:t>
+                  <a:t>ou seja, </a:t>
+                </a:r>
+                <a:r>
+                  <a:rPr lang="pt-BR" sz="3200" b="1" i="1" dirty="0" smtClean="0"/>
+                  <a:t>rotulando incorretamente</a:t>
                 </a:r>
                 <a:r>
                   <a:rPr lang="pt-BR" sz="3200" dirty="0" smtClean="0"/>
-                  <a:t>).</a:t>
+                  <a:t> as classes).</a:t>
                 </a:r>
               </a:p>
               <a:p>
@@ -10141,70 +11223,15 @@
                 </a:r>
                 <a:r>
                   <a:rPr lang="pt-BR" sz="3200" b="1" i="1" dirty="0" smtClean="0"/>
-                  <a:t>confusão </a:t>
-                </a:r>
-                <a14:m>
-                  <m:oMath xmlns:m="http://schemas.openxmlformats.org/officeDocument/2006/math">
-                    <m:r>
-                      <a:rPr lang="pt-BR" sz="3200" b="1" i="1" smtClean="0">
-                        <a:latin typeface="Cambria Math" panose="02040503050406030204" pitchFamily="18" charset="0"/>
-                      </a:rPr>
-                      <m:t>𝑪</m:t>
-                    </m:r>
-                    <m:r>
-                      <a:rPr lang="pt-BR" sz="3200" b="0" i="1" smtClean="0">
-                        <a:latin typeface="Cambria Math" panose="02040503050406030204" pitchFamily="18" charset="0"/>
-                        <a:ea typeface="Cambria Math" panose="02040503050406030204" pitchFamily="18" charset="0"/>
-                      </a:rPr>
-                      <m:t>∈</m:t>
-                    </m:r>
-                    <m:sSup>
-                      <m:sSupPr>
-                        <m:ctrlPr>
-                          <a:rPr lang="pt-BR" sz="3200" b="0" i="1" smtClean="0">
-                            <a:latin typeface="Cambria Math" panose="02040503050406030204" pitchFamily="18" charset="0"/>
-                            <a:ea typeface="Cambria Math" panose="02040503050406030204" pitchFamily="18" charset="0"/>
-                          </a:rPr>
-                        </m:ctrlPr>
-                      </m:sSupPr>
-                      <m:e>
-                        <m:r>
-                          <a:rPr lang="pt-BR" sz="3200" i="1">
-                            <a:latin typeface="Cambria Math" panose="02040503050406030204" pitchFamily="18" charset="0"/>
-                            <a:ea typeface="Cambria Math" panose="02040503050406030204" pitchFamily="18" charset="0"/>
-                          </a:rPr>
-                          <m:t>ℝ</m:t>
-                        </m:r>
-                      </m:e>
-                      <m:sup>
-                        <m:r>
-                          <a:rPr lang="pt-BR" sz="3200" b="0" i="1" smtClean="0">
-                            <a:latin typeface="Cambria Math" panose="02040503050406030204" pitchFamily="18" charset="0"/>
-                            <a:ea typeface="Cambria Math" panose="02040503050406030204" pitchFamily="18" charset="0"/>
-                          </a:rPr>
-                          <m:t>𝑄</m:t>
-                        </m:r>
-                        <m:r>
-                          <a:rPr lang="pt-BR" sz="3200" b="0" i="1" smtClean="0">
-                            <a:latin typeface="Cambria Math" panose="02040503050406030204" pitchFamily="18" charset="0"/>
-                            <a:ea typeface="Cambria Math" panose="02040503050406030204" pitchFamily="18" charset="0"/>
-                          </a:rPr>
-                          <m:t>×</m:t>
-                        </m:r>
-                        <m:r>
-                          <a:rPr lang="pt-BR" sz="3200" b="0" i="1" smtClean="0">
-                            <a:latin typeface="Cambria Math" panose="02040503050406030204" pitchFamily="18" charset="0"/>
-                            <a:ea typeface="Cambria Math" panose="02040503050406030204" pitchFamily="18" charset="0"/>
-                          </a:rPr>
-                          <m:t>𝑄</m:t>
-                        </m:r>
-                      </m:sup>
-                    </m:sSup>
-                  </m:oMath>
-                </a14:m>
+                  <a:t>confusão</a:t>
+                </a:r>
+                <a:r>
+                  <a:rPr lang="pt-BR" sz="3200" dirty="0"/>
+                  <a:t> </a:t>
+                </a:r>
                 <a:r>
                   <a:rPr lang="pt-BR" sz="3200" dirty="0" smtClean="0"/>
-                  <a:t> contabiliza </a:t>
+                  <a:t>contabiliza </a:t>
                 </a:r>
                 <a:r>
                   <a:rPr lang="pt-BR" sz="3200" dirty="0"/>
@@ -10259,6 +11286,55 @@
                       </a:rPr>
                       <m:t>𝑪</m:t>
                     </m:r>
+                    <m:r>
+                      <a:rPr lang="pt-BR" sz="3200" i="1">
+                        <a:latin typeface="Cambria Math" panose="02040503050406030204" pitchFamily="18" charset="0"/>
+                        <a:ea typeface="Cambria Math" panose="02040503050406030204" pitchFamily="18" charset="0"/>
+                      </a:rPr>
+                      <m:t>∈</m:t>
+                    </m:r>
+                    <m:sSup>
+                      <m:sSupPr>
+                        <m:ctrlPr>
+                          <a:rPr lang="pt-BR" sz="3200" i="1">
+                            <a:latin typeface="Cambria Math" panose="02040503050406030204" pitchFamily="18" charset="0"/>
+                            <a:ea typeface="Cambria Math" panose="02040503050406030204" pitchFamily="18" charset="0"/>
+                          </a:rPr>
+                        </m:ctrlPr>
+                      </m:sSupPr>
+                      <m:e>
+                        <m:r>
+                          <a:rPr lang="pt-BR" sz="3200" i="1">
+                            <a:latin typeface="Cambria Math" panose="02040503050406030204" pitchFamily="18" charset="0"/>
+                            <a:ea typeface="Cambria Math" panose="02040503050406030204" pitchFamily="18" charset="0"/>
+                          </a:rPr>
+                          <m:t>ℝ</m:t>
+                        </m:r>
+                      </m:e>
+                      <m:sup>
+                        <m:r>
+                          <a:rPr lang="pt-BR" sz="3200" i="1">
+                            <a:latin typeface="Cambria Math" panose="02040503050406030204" pitchFamily="18" charset="0"/>
+                            <a:ea typeface="Cambria Math" panose="02040503050406030204" pitchFamily="18" charset="0"/>
+                          </a:rPr>
+                          <m:t>𝑄</m:t>
+                        </m:r>
+                        <m:r>
+                          <a:rPr lang="pt-BR" sz="3200" i="1">
+                            <a:latin typeface="Cambria Math" panose="02040503050406030204" pitchFamily="18" charset="0"/>
+                            <a:ea typeface="Cambria Math" panose="02040503050406030204" pitchFamily="18" charset="0"/>
+                          </a:rPr>
+                          <m:t>×</m:t>
+                        </m:r>
+                        <m:r>
+                          <a:rPr lang="pt-BR" sz="3200" i="1">
+                            <a:latin typeface="Cambria Math" panose="02040503050406030204" pitchFamily="18" charset="0"/>
+                            <a:ea typeface="Cambria Math" panose="02040503050406030204" pitchFamily="18" charset="0"/>
+                          </a:rPr>
+                          <m:t>𝑄</m:t>
+                        </m:r>
+                      </m:sup>
+                    </m:sSup>
                   </m:oMath>
                 </a14:m>
                 <a:r>
@@ -10829,11 +11905,11 @@
               <a:p>
                 <a:r>
                   <a:rPr lang="pt-BR" sz="3200" dirty="0"/>
-                  <a:t>A informação apresentada nesta </a:t>
+                  <a:t>A informação apresentada </a:t>
                 </a:r>
                 <a:r>
                   <a:rPr lang="pt-BR" sz="3200" dirty="0" smtClean="0"/>
-                  <a:t>matriz </a:t>
+                  <a:t>na matriz </a:t>
                 </a:r>
                 <a:r>
                   <a:rPr lang="pt-BR" sz="3200" dirty="0"/>
@@ -14957,8 +16033,8 @@
           </a:p>
         </p:txBody>
       </p:sp>
-      <mc:AlternateContent xmlns:mc="http://schemas.openxmlformats.org/markup-compatibility/2006" xmlns:a14="http://schemas.microsoft.com/office/drawing/2010/main">
-        <mc:Choice Requires="a14">
+      <mc:AlternateContent xmlns:mc="http://schemas.openxmlformats.org/markup-compatibility/2006">
+        <mc:Choice xmlns:a14="http://schemas.microsoft.com/office/drawing/2010/main" Requires="a14">
           <p:sp>
             <p:nvSpPr>
               <p:cNvPr id="3" name="Content Placeholder 2"/>
@@ -14977,7 +16053,7 @@
             </p:spPr>
             <p:txBody>
               <a:bodyPr>
-                <a:normAutofit fontScale="92500" lnSpcReduction="20000"/>
+                <a:normAutofit fontScale="92500" lnSpcReduction="10000"/>
               </a:bodyPr>
               <a:lstStyle/>
               <a:p>
@@ -15003,16 +16079,12 @@
                   <a:t>: </a:t>
                 </a:r>
                 <a:r>
+                  <a:rPr lang="pt-BR" dirty="0" smtClean="0"/>
+                  <a:t>é a </a:t>
+                </a:r>
+                <a:r>
                   <a:rPr lang="pt-BR" dirty="0"/>
-                  <a:t>c</a:t>
-                </a:r>
-                <a:r>
-                  <a:rPr lang="pt-BR" dirty="0" smtClean="0"/>
-                  <a:t>orresponde </a:t>
-                </a:r>
-                <a:r>
-                  <a:rPr lang="pt-BR" dirty="0"/>
-                  <a:t>à proporção de </a:t>
+                  <a:t>proporção de </a:t>
                 </a:r>
                 <a:r>
                   <a:rPr lang="pt-BR" dirty="0" smtClean="0"/>
@@ -15028,11 +16100,19 @@
                 </a:r>
                 <a:r>
                   <a:rPr lang="pt-BR" dirty="0"/>
-                  <a:t>corretamente classificados em relação a todos os exemplos atribuídos à classe positiva </a:t>
+                  <a:t>corretamente classificados em relação a </a:t>
+                </a:r>
+                <a:r>
+                  <a:rPr lang="pt-BR" b="1" dirty="0"/>
+                  <a:t>todos os exemplos atribuídos à classe positiva </a:t>
+                </a:r>
+                <a:r>
+                  <a:rPr lang="pt-BR" b="1" dirty="0" smtClean="0"/>
+                  <a:t>(+)</a:t>
                 </a:r>
                 <a:r>
                   <a:rPr lang="pt-BR" dirty="0" smtClean="0"/>
-                  <a:t>(+).</a:t>
+                  <a:t>.</a:t>
                 </a:r>
               </a:p>
               <a:p>
@@ -15213,11 +16293,15 @@
                 </a:r>
                 <a:r>
                   <a:rPr lang="pt-BR" dirty="0" smtClean="0"/>
-                  <a:t>. Corresponde </a:t>
+                  <a:t>. </a:t>
+                </a:r>
+                <a:r>
+                  <a:rPr lang="pt-BR" dirty="0" smtClean="0"/>
+                  <a:t>É a </a:t>
                 </a:r>
                 <a:r>
                   <a:rPr lang="pt-BR" dirty="0"/>
-                  <a:t>à proporção de </a:t>
+                  <a:t>proporção de </a:t>
                 </a:r>
                 <a:r>
                   <a:rPr lang="pt-BR" dirty="0" smtClean="0"/>
@@ -15460,7 +16544,15 @@
                 </a:r>
                 <a:r>
                   <a:rPr lang="pt-BR" dirty="0" smtClean="0"/>
-                  <a:t>. Corresponde à proporção </a:t>
+                  <a:t>. </a:t>
+                </a:r>
+                <a:r>
+                  <a:rPr lang="pt-BR" dirty="0" smtClean="0"/>
+                  <a:t>É a </a:t>
+                </a:r>
+                <a:r>
+                  <a:rPr lang="pt-BR" dirty="0" smtClean="0"/>
+                  <a:t>proporção </a:t>
                 </a:r>
                 <a:r>
                   <a:rPr lang="pt-BR" dirty="0"/>
@@ -15714,7 +16806,7 @@
             </p:txBody>
           </p:sp>
         </mc:Choice>
-        <mc:Fallback xmlns="">
+        <mc:Fallback>
           <p:sp>
             <p:nvSpPr>
               <p:cNvPr id="3" name="Content Placeholder 2"/>
@@ -15731,9 +16823,9 @@
                 <a:ext cx="11193379" cy="5263564"/>
               </a:xfrm>
               <a:blipFill rotWithShape="0">
-                <a:blip r:embed="rId2"/>
+                <a:blip r:embed="rId3"/>
                 <a:stretch>
-                  <a:fillRect l="-1089" t="-3244"/>
+                  <a:fillRect l="-1089" t="-2665"/>
                 </a:stretch>
               </a:blipFill>
             </p:spPr>

--- a/slides/T320_Classificação (Parte V).pptx
+++ b/slides/T320_Classificação (Parte V).pptx
@@ -292,7 +292,7 @@
           <a:p>
             <a:fld id="{144F1436-6906-4D93-B7A2-786C327BFA14}" type="datetimeFigureOut">
               <a:rPr lang="nl-BE" smtClean="0"/>
-              <a:t>17/09/2021</a:t>
+              <a:t>7/10/2021</a:t>
             </a:fld>
             <a:endParaRPr lang="nl-BE"/>
           </a:p>
@@ -457,7 +457,7 @@
           <a:p>
             <a:fld id="{AA8CD09E-2914-4F47-B6C1-51B2C31814C9}" type="datetimeFigureOut">
               <a:rPr lang="pt-BR" smtClean="0"/>
-              <a:t>17/09/2021</a:t>
+              <a:t>07/10/2021</a:t>
             </a:fld>
             <a:endParaRPr lang="pt-BR"/>
           </a:p>
@@ -1631,13 +1631,7 @@
               <a:rPr lang="pt-BR" dirty="0" smtClean="0">
                 <a:hlinkClick r:id="rId3"/>
               </a:rPr>
-              <a:t>https://joparga3.github.io/standford_logistic_regression/#</a:t>
-            </a:r>
-            <a:r>
-              <a:rPr lang="pt-BR" dirty="0" smtClean="0">
-                <a:hlinkClick r:id="rId3"/>
-              </a:rPr>
-              <a:t>what-is-logistic-regression</a:t>
+              <a:t>https://joparga3.github.io/standford_logistic_regression/#what-is-logistic-regression</a:t>
             </a:r>
             <a:endParaRPr lang="pt-BR" dirty="0" smtClean="0"/>
           </a:p>
@@ -1785,11 +1779,7 @@
           <a:p>
             <a:r>
               <a:rPr lang="pt-BR" dirty="0" smtClean="0"/>
-              <a:t>A área sob a curva ROC é uma medida da qualidade do classificador</a:t>
-            </a:r>
-            <a:r>
-              <a:rPr lang="pt-BR" dirty="0" smtClean="0"/>
-              <a:t>.</a:t>
+              <a:t>A área sob a curva ROC é uma medida da qualidade do classificador.</a:t>
             </a:r>
           </a:p>
           <a:p>
@@ -1964,7 +1954,7 @@
           <p:cNvPr id="2" name="Título 1">
             <a:extLst>
               <a:ext uri="{FF2B5EF4-FFF2-40B4-BE49-F238E27FC236}">
-                <a16:creationId xmlns="" xmlns:a16="http://schemas.microsoft.com/office/drawing/2014/main" id="{1DB9B4FF-B06E-403C-A326-BDC64D8FF94E}"/>
+                <a16:creationId xmlns:a16="http://schemas.microsoft.com/office/drawing/2014/main" xmlns="" id="{1DB9B4FF-B06E-403C-A326-BDC64D8FF94E}"/>
               </a:ext>
             </a:extLst>
           </p:cNvPr>
@@ -2001,7 +1991,7 @@
           <p:cNvPr id="3" name="Subtítulo 2">
             <a:extLst>
               <a:ext uri="{FF2B5EF4-FFF2-40B4-BE49-F238E27FC236}">
-                <a16:creationId xmlns="" xmlns:a16="http://schemas.microsoft.com/office/drawing/2014/main" id="{247BDFCE-746E-45BF-A319-4733D58D1632}"/>
+                <a16:creationId xmlns:a16="http://schemas.microsoft.com/office/drawing/2014/main" xmlns="" id="{247BDFCE-746E-45BF-A319-4733D58D1632}"/>
               </a:ext>
             </a:extLst>
           </p:cNvPr>
@@ -2071,7 +2061,7 @@
           <p:cNvPr id="4" name="Espaço Reservado para Data 3">
             <a:extLst>
               <a:ext uri="{FF2B5EF4-FFF2-40B4-BE49-F238E27FC236}">
-                <a16:creationId xmlns="" xmlns:a16="http://schemas.microsoft.com/office/drawing/2014/main" id="{9EDE2778-5372-4104-B96D-968184DA8288}"/>
+                <a16:creationId xmlns:a16="http://schemas.microsoft.com/office/drawing/2014/main" xmlns="" id="{9EDE2778-5372-4104-B96D-968184DA8288}"/>
               </a:ext>
             </a:extLst>
           </p:cNvPr>
@@ -2089,7 +2079,7 @@
           <a:p>
             <a:fld id="{63289F7E-B80B-496E-81B4-D396C37C9454}" type="datetimeFigureOut">
               <a:rPr lang="pt-BR" smtClean="0"/>
-              <a:t>17/09/2021</a:t>
+              <a:t>07/10/2021</a:t>
             </a:fld>
             <a:endParaRPr lang="pt-BR"/>
           </a:p>
@@ -2100,7 +2090,7 @@
           <p:cNvPr id="5" name="Espaço Reservado para Rodapé 4">
             <a:extLst>
               <a:ext uri="{FF2B5EF4-FFF2-40B4-BE49-F238E27FC236}">
-                <a16:creationId xmlns="" xmlns:a16="http://schemas.microsoft.com/office/drawing/2014/main" id="{C1DD0F41-C861-4051-988D-3024A37A4B93}"/>
+                <a16:creationId xmlns:a16="http://schemas.microsoft.com/office/drawing/2014/main" xmlns="" id="{C1DD0F41-C861-4051-988D-3024A37A4B93}"/>
               </a:ext>
             </a:extLst>
           </p:cNvPr>
@@ -2125,7 +2115,7 @@
           <p:cNvPr id="6" name="Espaço Reservado para Número de Slide 5">
             <a:extLst>
               <a:ext uri="{FF2B5EF4-FFF2-40B4-BE49-F238E27FC236}">
-                <a16:creationId xmlns="" xmlns:a16="http://schemas.microsoft.com/office/drawing/2014/main" id="{07E5967E-D980-431A-A5DB-3F0C5030A81E}"/>
+                <a16:creationId xmlns:a16="http://schemas.microsoft.com/office/drawing/2014/main" xmlns="" id="{07E5967E-D980-431A-A5DB-3F0C5030A81E}"/>
               </a:ext>
             </a:extLst>
           </p:cNvPr>
@@ -2184,7 +2174,7 @@
           <p:cNvPr id="2" name="Título 1">
             <a:extLst>
               <a:ext uri="{FF2B5EF4-FFF2-40B4-BE49-F238E27FC236}">
-                <a16:creationId xmlns="" xmlns:a16="http://schemas.microsoft.com/office/drawing/2014/main" id="{9036C49F-3E68-4175-81BA-3C3FEE44308A}"/>
+                <a16:creationId xmlns:a16="http://schemas.microsoft.com/office/drawing/2014/main" xmlns="" id="{9036C49F-3E68-4175-81BA-3C3FEE44308A}"/>
               </a:ext>
             </a:extLst>
           </p:cNvPr>
@@ -2212,7 +2202,7 @@
           <p:cNvPr id="3" name="Espaço Reservado para Texto Vertical 2">
             <a:extLst>
               <a:ext uri="{FF2B5EF4-FFF2-40B4-BE49-F238E27FC236}">
-                <a16:creationId xmlns="" xmlns:a16="http://schemas.microsoft.com/office/drawing/2014/main" id="{426FA736-3DD3-4D4E-B57B-BBE1D8F7D424}"/>
+                <a16:creationId xmlns:a16="http://schemas.microsoft.com/office/drawing/2014/main" xmlns="" id="{426FA736-3DD3-4D4E-B57B-BBE1D8F7D424}"/>
               </a:ext>
             </a:extLst>
           </p:cNvPr>
@@ -2269,7 +2259,7 @@
           <p:cNvPr id="4" name="Espaço Reservado para Data 3">
             <a:extLst>
               <a:ext uri="{FF2B5EF4-FFF2-40B4-BE49-F238E27FC236}">
-                <a16:creationId xmlns="" xmlns:a16="http://schemas.microsoft.com/office/drawing/2014/main" id="{99E8855C-D8FD-48F6-B14E-861E0DE4D915}"/>
+                <a16:creationId xmlns:a16="http://schemas.microsoft.com/office/drawing/2014/main" xmlns="" id="{99E8855C-D8FD-48F6-B14E-861E0DE4D915}"/>
               </a:ext>
             </a:extLst>
           </p:cNvPr>
@@ -2287,7 +2277,7 @@
           <a:p>
             <a:fld id="{63289F7E-B80B-496E-81B4-D396C37C9454}" type="datetimeFigureOut">
               <a:rPr lang="pt-BR" smtClean="0"/>
-              <a:t>17/09/2021</a:t>
+              <a:t>07/10/2021</a:t>
             </a:fld>
             <a:endParaRPr lang="pt-BR"/>
           </a:p>
@@ -2298,7 +2288,7 @@
           <p:cNvPr id="5" name="Espaço Reservado para Rodapé 4">
             <a:extLst>
               <a:ext uri="{FF2B5EF4-FFF2-40B4-BE49-F238E27FC236}">
-                <a16:creationId xmlns="" xmlns:a16="http://schemas.microsoft.com/office/drawing/2014/main" id="{97C0BB88-2F21-42A5-ACFF-83DA47F2D340}"/>
+                <a16:creationId xmlns:a16="http://schemas.microsoft.com/office/drawing/2014/main" xmlns="" id="{97C0BB88-2F21-42A5-ACFF-83DA47F2D340}"/>
               </a:ext>
             </a:extLst>
           </p:cNvPr>
@@ -2323,7 +2313,7 @@
           <p:cNvPr id="6" name="Espaço Reservado para Número de Slide 5">
             <a:extLst>
               <a:ext uri="{FF2B5EF4-FFF2-40B4-BE49-F238E27FC236}">
-                <a16:creationId xmlns="" xmlns:a16="http://schemas.microsoft.com/office/drawing/2014/main" id="{6CB462B3-1F22-4C05-B4B8-7A279FB7D5E9}"/>
+                <a16:creationId xmlns:a16="http://schemas.microsoft.com/office/drawing/2014/main" xmlns="" id="{6CB462B3-1F22-4C05-B4B8-7A279FB7D5E9}"/>
               </a:ext>
             </a:extLst>
           </p:cNvPr>
@@ -2382,7 +2372,7 @@
           <p:cNvPr id="2" name="Título Vertical 1">
             <a:extLst>
               <a:ext uri="{FF2B5EF4-FFF2-40B4-BE49-F238E27FC236}">
-                <a16:creationId xmlns="" xmlns:a16="http://schemas.microsoft.com/office/drawing/2014/main" id="{EAEAB728-701C-4207-A9D5-23FF45C60502}"/>
+                <a16:creationId xmlns:a16="http://schemas.microsoft.com/office/drawing/2014/main" xmlns="" id="{EAEAB728-701C-4207-A9D5-23FF45C60502}"/>
               </a:ext>
             </a:extLst>
           </p:cNvPr>
@@ -2415,7 +2405,7 @@
           <p:cNvPr id="3" name="Espaço Reservado para Texto Vertical 2">
             <a:extLst>
               <a:ext uri="{FF2B5EF4-FFF2-40B4-BE49-F238E27FC236}">
-                <a16:creationId xmlns="" xmlns:a16="http://schemas.microsoft.com/office/drawing/2014/main" id="{BA8C8CCF-7823-480A-9A19-0F664DD17E3B}"/>
+                <a16:creationId xmlns:a16="http://schemas.microsoft.com/office/drawing/2014/main" xmlns="" id="{BA8C8CCF-7823-480A-9A19-0F664DD17E3B}"/>
               </a:ext>
             </a:extLst>
           </p:cNvPr>
@@ -2477,7 +2467,7 @@
           <p:cNvPr id="4" name="Espaço Reservado para Data 3">
             <a:extLst>
               <a:ext uri="{FF2B5EF4-FFF2-40B4-BE49-F238E27FC236}">
-                <a16:creationId xmlns="" xmlns:a16="http://schemas.microsoft.com/office/drawing/2014/main" id="{721D5734-7B1F-425D-942F-6EB73344027C}"/>
+                <a16:creationId xmlns:a16="http://schemas.microsoft.com/office/drawing/2014/main" xmlns="" id="{721D5734-7B1F-425D-942F-6EB73344027C}"/>
               </a:ext>
             </a:extLst>
           </p:cNvPr>
@@ -2495,7 +2485,7 @@
           <a:p>
             <a:fld id="{63289F7E-B80B-496E-81B4-D396C37C9454}" type="datetimeFigureOut">
               <a:rPr lang="pt-BR" smtClean="0"/>
-              <a:t>17/09/2021</a:t>
+              <a:t>07/10/2021</a:t>
             </a:fld>
             <a:endParaRPr lang="pt-BR"/>
           </a:p>
@@ -2506,7 +2496,7 @@
           <p:cNvPr id="5" name="Espaço Reservado para Rodapé 4">
             <a:extLst>
               <a:ext uri="{FF2B5EF4-FFF2-40B4-BE49-F238E27FC236}">
-                <a16:creationId xmlns="" xmlns:a16="http://schemas.microsoft.com/office/drawing/2014/main" id="{1E1AAEAC-F08D-45FE-89EC-B1B349A868C9}"/>
+                <a16:creationId xmlns:a16="http://schemas.microsoft.com/office/drawing/2014/main" xmlns="" id="{1E1AAEAC-F08D-45FE-89EC-B1B349A868C9}"/>
               </a:ext>
             </a:extLst>
           </p:cNvPr>
@@ -2531,7 +2521,7 @@
           <p:cNvPr id="6" name="Espaço Reservado para Número de Slide 5">
             <a:extLst>
               <a:ext uri="{FF2B5EF4-FFF2-40B4-BE49-F238E27FC236}">
-                <a16:creationId xmlns="" xmlns:a16="http://schemas.microsoft.com/office/drawing/2014/main" id="{BAA44493-9911-47B2-87A6-C2141A972BC8}"/>
+                <a16:creationId xmlns:a16="http://schemas.microsoft.com/office/drawing/2014/main" xmlns="" id="{BAA44493-9911-47B2-87A6-C2141A972BC8}"/>
               </a:ext>
             </a:extLst>
           </p:cNvPr>
@@ -2590,7 +2580,7 @@
           <p:cNvPr id="2" name="Título 1">
             <a:extLst>
               <a:ext uri="{FF2B5EF4-FFF2-40B4-BE49-F238E27FC236}">
-                <a16:creationId xmlns="" xmlns:a16="http://schemas.microsoft.com/office/drawing/2014/main" id="{71BD44A5-8F21-4626-A01D-48A1C874B1D5}"/>
+                <a16:creationId xmlns:a16="http://schemas.microsoft.com/office/drawing/2014/main" xmlns="" id="{71BD44A5-8F21-4626-A01D-48A1C874B1D5}"/>
               </a:ext>
             </a:extLst>
           </p:cNvPr>
@@ -2618,7 +2608,7 @@
           <p:cNvPr id="3" name="Espaço Reservado para Conteúdo 2">
             <a:extLst>
               <a:ext uri="{FF2B5EF4-FFF2-40B4-BE49-F238E27FC236}">
-                <a16:creationId xmlns="" xmlns:a16="http://schemas.microsoft.com/office/drawing/2014/main" id="{B79E8085-65A9-48AA-951D-71D978BFF4ED}"/>
+                <a16:creationId xmlns:a16="http://schemas.microsoft.com/office/drawing/2014/main" xmlns="" id="{B79E8085-65A9-48AA-951D-71D978BFF4ED}"/>
               </a:ext>
             </a:extLst>
           </p:cNvPr>
@@ -2675,7 +2665,7 @@
           <p:cNvPr id="4" name="Espaço Reservado para Data 3">
             <a:extLst>
               <a:ext uri="{FF2B5EF4-FFF2-40B4-BE49-F238E27FC236}">
-                <a16:creationId xmlns="" xmlns:a16="http://schemas.microsoft.com/office/drawing/2014/main" id="{F05BE1AF-51EA-425D-B188-DE7BD675009F}"/>
+                <a16:creationId xmlns:a16="http://schemas.microsoft.com/office/drawing/2014/main" xmlns="" id="{F05BE1AF-51EA-425D-B188-DE7BD675009F}"/>
               </a:ext>
             </a:extLst>
           </p:cNvPr>
@@ -2693,7 +2683,7 @@
           <a:p>
             <a:fld id="{63289F7E-B80B-496E-81B4-D396C37C9454}" type="datetimeFigureOut">
               <a:rPr lang="pt-BR" smtClean="0"/>
-              <a:t>17/09/2021</a:t>
+              <a:t>07/10/2021</a:t>
             </a:fld>
             <a:endParaRPr lang="pt-BR"/>
           </a:p>
@@ -2704,7 +2694,7 @@
           <p:cNvPr id="5" name="Espaço Reservado para Rodapé 4">
             <a:extLst>
               <a:ext uri="{FF2B5EF4-FFF2-40B4-BE49-F238E27FC236}">
-                <a16:creationId xmlns="" xmlns:a16="http://schemas.microsoft.com/office/drawing/2014/main" id="{121BE632-29CF-4CB9-B365-C9EF38F89BE6}"/>
+                <a16:creationId xmlns:a16="http://schemas.microsoft.com/office/drawing/2014/main" xmlns="" id="{121BE632-29CF-4CB9-B365-C9EF38F89BE6}"/>
               </a:ext>
             </a:extLst>
           </p:cNvPr>
@@ -2729,7 +2719,7 @@
           <p:cNvPr id="6" name="Espaço Reservado para Número de Slide 5">
             <a:extLst>
               <a:ext uri="{FF2B5EF4-FFF2-40B4-BE49-F238E27FC236}">
-                <a16:creationId xmlns="" xmlns:a16="http://schemas.microsoft.com/office/drawing/2014/main" id="{60CF3DD1-9AEC-4A57-B461-4E4DD86FAC18}"/>
+                <a16:creationId xmlns:a16="http://schemas.microsoft.com/office/drawing/2014/main" xmlns="" id="{60CF3DD1-9AEC-4A57-B461-4E4DD86FAC18}"/>
               </a:ext>
             </a:extLst>
           </p:cNvPr>
@@ -2788,7 +2778,7 @@
           <p:cNvPr id="2" name="Título 1">
             <a:extLst>
               <a:ext uri="{FF2B5EF4-FFF2-40B4-BE49-F238E27FC236}">
-                <a16:creationId xmlns="" xmlns:a16="http://schemas.microsoft.com/office/drawing/2014/main" id="{34AB2FF0-A4D7-4E28-991D-FF26140D5988}"/>
+                <a16:creationId xmlns:a16="http://schemas.microsoft.com/office/drawing/2014/main" xmlns="" id="{34AB2FF0-A4D7-4E28-991D-FF26140D5988}"/>
               </a:ext>
             </a:extLst>
           </p:cNvPr>
@@ -2825,7 +2815,7 @@
           <p:cNvPr id="3" name="Espaço Reservado para Texto 2">
             <a:extLst>
               <a:ext uri="{FF2B5EF4-FFF2-40B4-BE49-F238E27FC236}">
-                <a16:creationId xmlns="" xmlns:a16="http://schemas.microsoft.com/office/drawing/2014/main" id="{E2AC45B0-4145-40DB-8E61-105461170604}"/>
+                <a16:creationId xmlns:a16="http://schemas.microsoft.com/office/drawing/2014/main" xmlns="" id="{E2AC45B0-4145-40DB-8E61-105461170604}"/>
               </a:ext>
             </a:extLst>
           </p:cNvPr>
@@ -2950,7 +2940,7 @@
           <p:cNvPr id="4" name="Espaço Reservado para Data 3">
             <a:extLst>
               <a:ext uri="{FF2B5EF4-FFF2-40B4-BE49-F238E27FC236}">
-                <a16:creationId xmlns="" xmlns:a16="http://schemas.microsoft.com/office/drawing/2014/main" id="{50F1D3FB-740A-4EBA-A309-2CE71D12ECFB}"/>
+                <a16:creationId xmlns:a16="http://schemas.microsoft.com/office/drawing/2014/main" xmlns="" id="{50F1D3FB-740A-4EBA-A309-2CE71D12ECFB}"/>
               </a:ext>
             </a:extLst>
           </p:cNvPr>
@@ -2968,7 +2958,7 @@
           <a:p>
             <a:fld id="{63289F7E-B80B-496E-81B4-D396C37C9454}" type="datetimeFigureOut">
               <a:rPr lang="pt-BR" smtClean="0"/>
-              <a:t>17/09/2021</a:t>
+              <a:t>07/10/2021</a:t>
             </a:fld>
             <a:endParaRPr lang="pt-BR"/>
           </a:p>
@@ -2979,7 +2969,7 @@
           <p:cNvPr id="5" name="Espaço Reservado para Rodapé 4">
             <a:extLst>
               <a:ext uri="{FF2B5EF4-FFF2-40B4-BE49-F238E27FC236}">
-                <a16:creationId xmlns="" xmlns:a16="http://schemas.microsoft.com/office/drawing/2014/main" id="{BDCAB18F-8715-4465-A940-F9C193A2ACE9}"/>
+                <a16:creationId xmlns:a16="http://schemas.microsoft.com/office/drawing/2014/main" xmlns="" id="{BDCAB18F-8715-4465-A940-F9C193A2ACE9}"/>
               </a:ext>
             </a:extLst>
           </p:cNvPr>
@@ -3004,7 +2994,7 @@
           <p:cNvPr id="6" name="Espaço Reservado para Número de Slide 5">
             <a:extLst>
               <a:ext uri="{FF2B5EF4-FFF2-40B4-BE49-F238E27FC236}">
-                <a16:creationId xmlns="" xmlns:a16="http://schemas.microsoft.com/office/drawing/2014/main" id="{353466C6-8248-429F-8056-FF040BF509EB}"/>
+                <a16:creationId xmlns:a16="http://schemas.microsoft.com/office/drawing/2014/main" xmlns="" id="{353466C6-8248-429F-8056-FF040BF509EB}"/>
               </a:ext>
             </a:extLst>
           </p:cNvPr>
@@ -3063,7 +3053,7 @@
           <p:cNvPr id="2" name="Título 1">
             <a:extLst>
               <a:ext uri="{FF2B5EF4-FFF2-40B4-BE49-F238E27FC236}">
-                <a16:creationId xmlns="" xmlns:a16="http://schemas.microsoft.com/office/drawing/2014/main" id="{BC7BB9F0-F14B-4A91-B2B7-35BC47FE4DE7}"/>
+                <a16:creationId xmlns:a16="http://schemas.microsoft.com/office/drawing/2014/main" xmlns="" id="{BC7BB9F0-F14B-4A91-B2B7-35BC47FE4DE7}"/>
               </a:ext>
             </a:extLst>
           </p:cNvPr>
@@ -3091,7 +3081,7 @@
           <p:cNvPr id="3" name="Espaço Reservado para Conteúdo 2">
             <a:extLst>
               <a:ext uri="{FF2B5EF4-FFF2-40B4-BE49-F238E27FC236}">
-                <a16:creationId xmlns="" xmlns:a16="http://schemas.microsoft.com/office/drawing/2014/main" id="{EC1FC1C4-73DA-47A6-8496-B0B457F7D39A}"/>
+                <a16:creationId xmlns:a16="http://schemas.microsoft.com/office/drawing/2014/main" xmlns="" id="{EC1FC1C4-73DA-47A6-8496-B0B457F7D39A}"/>
               </a:ext>
             </a:extLst>
           </p:cNvPr>
@@ -3153,7 +3143,7 @@
           <p:cNvPr id="4" name="Espaço Reservado para Conteúdo 3">
             <a:extLst>
               <a:ext uri="{FF2B5EF4-FFF2-40B4-BE49-F238E27FC236}">
-                <a16:creationId xmlns="" xmlns:a16="http://schemas.microsoft.com/office/drawing/2014/main" id="{E92F06A8-A449-4D92-9912-76873E529B38}"/>
+                <a16:creationId xmlns:a16="http://schemas.microsoft.com/office/drawing/2014/main" xmlns="" id="{E92F06A8-A449-4D92-9912-76873E529B38}"/>
               </a:ext>
             </a:extLst>
           </p:cNvPr>
@@ -3215,7 +3205,7 @@
           <p:cNvPr id="5" name="Espaço Reservado para Data 4">
             <a:extLst>
               <a:ext uri="{FF2B5EF4-FFF2-40B4-BE49-F238E27FC236}">
-                <a16:creationId xmlns="" xmlns:a16="http://schemas.microsoft.com/office/drawing/2014/main" id="{938070A4-BC2F-4D55-BD8D-DEAF11BB9EE9}"/>
+                <a16:creationId xmlns:a16="http://schemas.microsoft.com/office/drawing/2014/main" xmlns="" id="{938070A4-BC2F-4D55-BD8D-DEAF11BB9EE9}"/>
               </a:ext>
             </a:extLst>
           </p:cNvPr>
@@ -3233,7 +3223,7 @@
           <a:p>
             <a:fld id="{63289F7E-B80B-496E-81B4-D396C37C9454}" type="datetimeFigureOut">
               <a:rPr lang="pt-BR" smtClean="0"/>
-              <a:t>17/09/2021</a:t>
+              <a:t>07/10/2021</a:t>
             </a:fld>
             <a:endParaRPr lang="pt-BR"/>
           </a:p>
@@ -3244,7 +3234,7 @@
           <p:cNvPr id="6" name="Espaço Reservado para Rodapé 5">
             <a:extLst>
               <a:ext uri="{FF2B5EF4-FFF2-40B4-BE49-F238E27FC236}">
-                <a16:creationId xmlns="" xmlns:a16="http://schemas.microsoft.com/office/drawing/2014/main" id="{45CC2DB8-844A-465F-BA9A-7734C80C7F43}"/>
+                <a16:creationId xmlns:a16="http://schemas.microsoft.com/office/drawing/2014/main" xmlns="" id="{45CC2DB8-844A-465F-BA9A-7734C80C7F43}"/>
               </a:ext>
             </a:extLst>
           </p:cNvPr>
@@ -3269,7 +3259,7 @@
           <p:cNvPr id="7" name="Espaço Reservado para Número de Slide 6">
             <a:extLst>
               <a:ext uri="{FF2B5EF4-FFF2-40B4-BE49-F238E27FC236}">
-                <a16:creationId xmlns="" xmlns:a16="http://schemas.microsoft.com/office/drawing/2014/main" id="{4CC606A8-097B-4040-94E0-CD8C88280D8F}"/>
+                <a16:creationId xmlns:a16="http://schemas.microsoft.com/office/drawing/2014/main" xmlns="" id="{4CC606A8-097B-4040-94E0-CD8C88280D8F}"/>
               </a:ext>
             </a:extLst>
           </p:cNvPr>
@@ -3328,7 +3318,7 @@
           <p:cNvPr id="2" name="Título 1">
             <a:extLst>
               <a:ext uri="{FF2B5EF4-FFF2-40B4-BE49-F238E27FC236}">
-                <a16:creationId xmlns="" xmlns:a16="http://schemas.microsoft.com/office/drawing/2014/main" id="{76D66686-0143-4CB6-8C09-BA326F1E7ACA}"/>
+                <a16:creationId xmlns:a16="http://schemas.microsoft.com/office/drawing/2014/main" xmlns="" id="{76D66686-0143-4CB6-8C09-BA326F1E7ACA}"/>
               </a:ext>
             </a:extLst>
           </p:cNvPr>
@@ -3361,7 +3351,7 @@
           <p:cNvPr id="3" name="Espaço Reservado para Texto 2">
             <a:extLst>
               <a:ext uri="{FF2B5EF4-FFF2-40B4-BE49-F238E27FC236}">
-                <a16:creationId xmlns="" xmlns:a16="http://schemas.microsoft.com/office/drawing/2014/main" id="{0227AB85-F59E-4BCE-B846-4FA0992C2F23}"/>
+                <a16:creationId xmlns:a16="http://schemas.microsoft.com/office/drawing/2014/main" xmlns="" id="{0227AB85-F59E-4BCE-B846-4FA0992C2F23}"/>
               </a:ext>
             </a:extLst>
           </p:cNvPr>
@@ -3432,7 +3422,7 @@
           <p:cNvPr id="4" name="Espaço Reservado para Conteúdo 3">
             <a:extLst>
               <a:ext uri="{FF2B5EF4-FFF2-40B4-BE49-F238E27FC236}">
-                <a16:creationId xmlns="" xmlns:a16="http://schemas.microsoft.com/office/drawing/2014/main" id="{3373456C-7319-4D0A-827D-D29F6B083F5D}"/>
+                <a16:creationId xmlns:a16="http://schemas.microsoft.com/office/drawing/2014/main" xmlns="" id="{3373456C-7319-4D0A-827D-D29F6B083F5D}"/>
               </a:ext>
             </a:extLst>
           </p:cNvPr>
@@ -3494,7 +3484,7 @@
           <p:cNvPr id="5" name="Espaço Reservado para Texto 4">
             <a:extLst>
               <a:ext uri="{FF2B5EF4-FFF2-40B4-BE49-F238E27FC236}">
-                <a16:creationId xmlns="" xmlns:a16="http://schemas.microsoft.com/office/drawing/2014/main" id="{4CD109D0-2E83-4262-8029-A871CEC47406}"/>
+                <a16:creationId xmlns:a16="http://schemas.microsoft.com/office/drawing/2014/main" xmlns="" id="{4CD109D0-2E83-4262-8029-A871CEC47406}"/>
               </a:ext>
             </a:extLst>
           </p:cNvPr>
@@ -3565,7 +3555,7 @@
           <p:cNvPr id="6" name="Espaço Reservado para Conteúdo 5">
             <a:extLst>
               <a:ext uri="{FF2B5EF4-FFF2-40B4-BE49-F238E27FC236}">
-                <a16:creationId xmlns="" xmlns:a16="http://schemas.microsoft.com/office/drawing/2014/main" id="{AD706E3A-CFBB-4A6C-A65F-D0360A9E74FE}"/>
+                <a16:creationId xmlns:a16="http://schemas.microsoft.com/office/drawing/2014/main" xmlns="" id="{AD706E3A-CFBB-4A6C-A65F-D0360A9E74FE}"/>
               </a:ext>
             </a:extLst>
           </p:cNvPr>
@@ -3627,7 +3617,7 @@
           <p:cNvPr id="7" name="Espaço Reservado para Data 6">
             <a:extLst>
               <a:ext uri="{FF2B5EF4-FFF2-40B4-BE49-F238E27FC236}">
-                <a16:creationId xmlns="" xmlns:a16="http://schemas.microsoft.com/office/drawing/2014/main" id="{4172C0E5-5AF0-4805-BB51-443733CD2BD5}"/>
+                <a16:creationId xmlns:a16="http://schemas.microsoft.com/office/drawing/2014/main" xmlns="" id="{4172C0E5-5AF0-4805-BB51-443733CD2BD5}"/>
               </a:ext>
             </a:extLst>
           </p:cNvPr>
@@ -3645,7 +3635,7 @@
           <a:p>
             <a:fld id="{63289F7E-B80B-496E-81B4-D396C37C9454}" type="datetimeFigureOut">
               <a:rPr lang="pt-BR" smtClean="0"/>
-              <a:t>17/09/2021</a:t>
+              <a:t>07/10/2021</a:t>
             </a:fld>
             <a:endParaRPr lang="pt-BR"/>
           </a:p>
@@ -3656,7 +3646,7 @@
           <p:cNvPr id="8" name="Espaço Reservado para Rodapé 7">
             <a:extLst>
               <a:ext uri="{FF2B5EF4-FFF2-40B4-BE49-F238E27FC236}">
-                <a16:creationId xmlns="" xmlns:a16="http://schemas.microsoft.com/office/drawing/2014/main" id="{0E801648-156F-497E-99CF-797DF48051E1}"/>
+                <a16:creationId xmlns:a16="http://schemas.microsoft.com/office/drawing/2014/main" xmlns="" id="{0E801648-156F-497E-99CF-797DF48051E1}"/>
               </a:ext>
             </a:extLst>
           </p:cNvPr>
@@ -3681,7 +3671,7 @@
           <p:cNvPr id="9" name="Espaço Reservado para Número de Slide 8">
             <a:extLst>
               <a:ext uri="{FF2B5EF4-FFF2-40B4-BE49-F238E27FC236}">
-                <a16:creationId xmlns="" xmlns:a16="http://schemas.microsoft.com/office/drawing/2014/main" id="{EEE23D32-80E7-4796-A137-66BF842E4B53}"/>
+                <a16:creationId xmlns:a16="http://schemas.microsoft.com/office/drawing/2014/main" xmlns="" id="{EEE23D32-80E7-4796-A137-66BF842E4B53}"/>
               </a:ext>
             </a:extLst>
           </p:cNvPr>
@@ -3740,7 +3730,7 @@
           <p:cNvPr id="2" name="Título 1">
             <a:extLst>
               <a:ext uri="{FF2B5EF4-FFF2-40B4-BE49-F238E27FC236}">
-                <a16:creationId xmlns="" xmlns:a16="http://schemas.microsoft.com/office/drawing/2014/main" id="{2BCE2379-C78F-47E1-8CFC-B846E7AF148D}"/>
+                <a16:creationId xmlns:a16="http://schemas.microsoft.com/office/drawing/2014/main" xmlns="" id="{2BCE2379-C78F-47E1-8CFC-B846E7AF148D}"/>
               </a:ext>
             </a:extLst>
           </p:cNvPr>
@@ -3768,7 +3758,7 @@
           <p:cNvPr id="3" name="Espaço Reservado para Data 2">
             <a:extLst>
               <a:ext uri="{FF2B5EF4-FFF2-40B4-BE49-F238E27FC236}">
-                <a16:creationId xmlns="" xmlns:a16="http://schemas.microsoft.com/office/drawing/2014/main" id="{342600A9-7F92-4E22-9D94-E4717252A817}"/>
+                <a16:creationId xmlns:a16="http://schemas.microsoft.com/office/drawing/2014/main" xmlns="" id="{342600A9-7F92-4E22-9D94-E4717252A817}"/>
               </a:ext>
             </a:extLst>
           </p:cNvPr>
@@ -3786,7 +3776,7 @@
           <a:p>
             <a:fld id="{63289F7E-B80B-496E-81B4-D396C37C9454}" type="datetimeFigureOut">
               <a:rPr lang="pt-BR" smtClean="0"/>
-              <a:t>17/09/2021</a:t>
+              <a:t>07/10/2021</a:t>
             </a:fld>
             <a:endParaRPr lang="pt-BR"/>
           </a:p>
@@ -3797,7 +3787,7 @@
           <p:cNvPr id="4" name="Espaço Reservado para Rodapé 3">
             <a:extLst>
               <a:ext uri="{FF2B5EF4-FFF2-40B4-BE49-F238E27FC236}">
-                <a16:creationId xmlns="" xmlns:a16="http://schemas.microsoft.com/office/drawing/2014/main" id="{192E6BED-F546-40CC-A2DF-99CBA853654E}"/>
+                <a16:creationId xmlns:a16="http://schemas.microsoft.com/office/drawing/2014/main" xmlns="" id="{192E6BED-F546-40CC-A2DF-99CBA853654E}"/>
               </a:ext>
             </a:extLst>
           </p:cNvPr>
@@ -3822,7 +3812,7 @@
           <p:cNvPr id="5" name="Espaço Reservado para Número de Slide 4">
             <a:extLst>
               <a:ext uri="{FF2B5EF4-FFF2-40B4-BE49-F238E27FC236}">
-                <a16:creationId xmlns="" xmlns:a16="http://schemas.microsoft.com/office/drawing/2014/main" id="{6091CC40-A8C4-4063-80EB-CC5099621678}"/>
+                <a16:creationId xmlns:a16="http://schemas.microsoft.com/office/drawing/2014/main" xmlns="" id="{6091CC40-A8C4-4063-80EB-CC5099621678}"/>
               </a:ext>
             </a:extLst>
           </p:cNvPr>
@@ -3881,7 +3871,7 @@
           <p:cNvPr id="2" name="Espaço Reservado para Data 1">
             <a:extLst>
               <a:ext uri="{FF2B5EF4-FFF2-40B4-BE49-F238E27FC236}">
-                <a16:creationId xmlns="" xmlns:a16="http://schemas.microsoft.com/office/drawing/2014/main" id="{DD19515C-212C-4EAE-84A3-8FF4BC844F1B}"/>
+                <a16:creationId xmlns:a16="http://schemas.microsoft.com/office/drawing/2014/main" xmlns="" id="{DD19515C-212C-4EAE-84A3-8FF4BC844F1B}"/>
               </a:ext>
             </a:extLst>
           </p:cNvPr>
@@ -3899,7 +3889,7 @@
           <a:p>
             <a:fld id="{63289F7E-B80B-496E-81B4-D396C37C9454}" type="datetimeFigureOut">
               <a:rPr lang="pt-BR" smtClean="0"/>
-              <a:t>17/09/2021</a:t>
+              <a:t>07/10/2021</a:t>
             </a:fld>
             <a:endParaRPr lang="pt-BR"/>
           </a:p>
@@ -3910,7 +3900,7 @@
           <p:cNvPr id="3" name="Espaço Reservado para Rodapé 2">
             <a:extLst>
               <a:ext uri="{FF2B5EF4-FFF2-40B4-BE49-F238E27FC236}">
-                <a16:creationId xmlns="" xmlns:a16="http://schemas.microsoft.com/office/drawing/2014/main" id="{94D3D120-B3E8-4C96-861D-7A4F12F49B3A}"/>
+                <a16:creationId xmlns:a16="http://schemas.microsoft.com/office/drawing/2014/main" xmlns="" id="{94D3D120-B3E8-4C96-861D-7A4F12F49B3A}"/>
               </a:ext>
             </a:extLst>
           </p:cNvPr>
@@ -3935,7 +3925,7 @@
           <p:cNvPr id="4" name="Espaço Reservado para Número de Slide 3">
             <a:extLst>
               <a:ext uri="{FF2B5EF4-FFF2-40B4-BE49-F238E27FC236}">
-                <a16:creationId xmlns="" xmlns:a16="http://schemas.microsoft.com/office/drawing/2014/main" id="{42E49B68-FA1B-468B-9F17-D5C09243D454}"/>
+                <a16:creationId xmlns:a16="http://schemas.microsoft.com/office/drawing/2014/main" xmlns="" id="{42E49B68-FA1B-468B-9F17-D5C09243D454}"/>
               </a:ext>
             </a:extLst>
           </p:cNvPr>
@@ -3994,7 +3984,7 @@
           <p:cNvPr id="2" name="Título 1">
             <a:extLst>
               <a:ext uri="{FF2B5EF4-FFF2-40B4-BE49-F238E27FC236}">
-                <a16:creationId xmlns="" xmlns:a16="http://schemas.microsoft.com/office/drawing/2014/main" id="{1C17BCBE-A897-4319-85EC-D87909C24980}"/>
+                <a16:creationId xmlns:a16="http://schemas.microsoft.com/office/drawing/2014/main" xmlns="" id="{1C17BCBE-A897-4319-85EC-D87909C24980}"/>
               </a:ext>
             </a:extLst>
           </p:cNvPr>
@@ -4031,7 +4021,7 @@
           <p:cNvPr id="3" name="Espaço Reservado para Conteúdo 2">
             <a:extLst>
               <a:ext uri="{FF2B5EF4-FFF2-40B4-BE49-F238E27FC236}">
-                <a16:creationId xmlns="" xmlns:a16="http://schemas.microsoft.com/office/drawing/2014/main" id="{4226F885-0204-4913-868B-4B8B82576F17}"/>
+                <a16:creationId xmlns:a16="http://schemas.microsoft.com/office/drawing/2014/main" xmlns="" id="{4226F885-0204-4913-868B-4B8B82576F17}"/>
               </a:ext>
             </a:extLst>
           </p:cNvPr>
@@ -4121,7 +4111,7 @@
           <p:cNvPr id="4" name="Espaço Reservado para Texto 3">
             <a:extLst>
               <a:ext uri="{FF2B5EF4-FFF2-40B4-BE49-F238E27FC236}">
-                <a16:creationId xmlns="" xmlns:a16="http://schemas.microsoft.com/office/drawing/2014/main" id="{00F9F784-A858-441B-8AB5-697098141751}"/>
+                <a16:creationId xmlns:a16="http://schemas.microsoft.com/office/drawing/2014/main" xmlns="" id="{00F9F784-A858-441B-8AB5-697098141751}"/>
               </a:ext>
             </a:extLst>
           </p:cNvPr>
@@ -4192,7 +4182,7 @@
           <p:cNvPr id="5" name="Espaço Reservado para Data 4">
             <a:extLst>
               <a:ext uri="{FF2B5EF4-FFF2-40B4-BE49-F238E27FC236}">
-                <a16:creationId xmlns="" xmlns:a16="http://schemas.microsoft.com/office/drawing/2014/main" id="{A4DC363A-5000-472E-8B17-02E7DCB8840A}"/>
+                <a16:creationId xmlns:a16="http://schemas.microsoft.com/office/drawing/2014/main" xmlns="" id="{A4DC363A-5000-472E-8B17-02E7DCB8840A}"/>
               </a:ext>
             </a:extLst>
           </p:cNvPr>
@@ -4210,7 +4200,7 @@
           <a:p>
             <a:fld id="{63289F7E-B80B-496E-81B4-D396C37C9454}" type="datetimeFigureOut">
               <a:rPr lang="pt-BR" smtClean="0"/>
-              <a:t>17/09/2021</a:t>
+              <a:t>07/10/2021</a:t>
             </a:fld>
             <a:endParaRPr lang="pt-BR"/>
           </a:p>
@@ -4221,7 +4211,7 @@
           <p:cNvPr id="6" name="Espaço Reservado para Rodapé 5">
             <a:extLst>
               <a:ext uri="{FF2B5EF4-FFF2-40B4-BE49-F238E27FC236}">
-                <a16:creationId xmlns="" xmlns:a16="http://schemas.microsoft.com/office/drawing/2014/main" id="{5548425D-2C21-4C56-BAD4-662978775C28}"/>
+                <a16:creationId xmlns:a16="http://schemas.microsoft.com/office/drawing/2014/main" xmlns="" id="{5548425D-2C21-4C56-BAD4-662978775C28}"/>
               </a:ext>
             </a:extLst>
           </p:cNvPr>
@@ -4246,7 +4236,7 @@
           <p:cNvPr id="7" name="Espaço Reservado para Número de Slide 6">
             <a:extLst>
               <a:ext uri="{FF2B5EF4-FFF2-40B4-BE49-F238E27FC236}">
-                <a16:creationId xmlns="" xmlns:a16="http://schemas.microsoft.com/office/drawing/2014/main" id="{C63E9726-E64C-42B2-AE8A-8C235A956B48}"/>
+                <a16:creationId xmlns:a16="http://schemas.microsoft.com/office/drawing/2014/main" xmlns="" id="{C63E9726-E64C-42B2-AE8A-8C235A956B48}"/>
               </a:ext>
             </a:extLst>
           </p:cNvPr>
@@ -4305,7 +4295,7 @@
           <p:cNvPr id="2" name="Título 1">
             <a:extLst>
               <a:ext uri="{FF2B5EF4-FFF2-40B4-BE49-F238E27FC236}">
-                <a16:creationId xmlns="" xmlns:a16="http://schemas.microsoft.com/office/drawing/2014/main" id="{11086A78-3E74-450C-96A6-CA8AC37AF772}"/>
+                <a16:creationId xmlns:a16="http://schemas.microsoft.com/office/drawing/2014/main" xmlns="" id="{11086A78-3E74-450C-96A6-CA8AC37AF772}"/>
               </a:ext>
             </a:extLst>
           </p:cNvPr>
@@ -4342,7 +4332,7 @@
           <p:cNvPr id="3" name="Espaço Reservado para Imagem 2">
             <a:extLst>
               <a:ext uri="{FF2B5EF4-FFF2-40B4-BE49-F238E27FC236}">
-                <a16:creationId xmlns="" xmlns:a16="http://schemas.microsoft.com/office/drawing/2014/main" id="{5F5B7312-975A-4DBC-9B2F-3652ADA006FD}"/>
+                <a16:creationId xmlns:a16="http://schemas.microsoft.com/office/drawing/2014/main" xmlns="" id="{5F5B7312-975A-4DBC-9B2F-3652ADA006FD}"/>
               </a:ext>
             </a:extLst>
           </p:cNvPr>
@@ -4409,7 +4399,7 @@
           <p:cNvPr id="4" name="Espaço Reservado para Texto 3">
             <a:extLst>
               <a:ext uri="{FF2B5EF4-FFF2-40B4-BE49-F238E27FC236}">
-                <a16:creationId xmlns="" xmlns:a16="http://schemas.microsoft.com/office/drawing/2014/main" id="{AAF805F5-1DFF-41C6-944C-7D79FE0D0963}"/>
+                <a16:creationId xmlns:a16="http://schemas.microsoft.com/office/drawing/2014/main" xmlns="" id="{AAF805F5-1DFF-41C6-944C-7D79FE0D0963}"/>
               </a:ext>
             </a:extLst>
           </p:cNvPr>
@@ -4480,7 +4470,7 @@
           <p:cNvPr id="5" name="Espaço Reservado para Data 4">
             <a:extLst>
               <a:ext uri="{FF2B5EF4-FFF2-40B4-BE49-F238E27FC236}">
-                <a16:creationId xmlns="" xmlns:a16="http://schemas.microsoft.com/office/drawing/2014/main" id="{02113D81-8665-4516-BD81-C6A1F254EECD}"/>
+                <a16:creationId xmlns:a16="http://schemas.microsoft.com/office/drawing/2014/main" xmlns="" id="{02113D81-8665-4516-BD81-C6A1F254EECD}"/>
               </a:ext>
             </a:extLst>
           </p:cNvPr>
@@ -4498,7 +4488,7 @@
           <a:p>
             <a:fld id="{63289F7E-B80B-496E-81B4-D396C37C9454}" type="datetimeFigureOut">
               <a:rPr lang="pt-BR" smtClean="0"/>
-              <a:t>17/09/2021</a:t>
+              <a:t>07/10/2021</a:t>
             </a:fld>
             <a:endParaRPr lang="pt-BR"/>
           </a:p>
@@ -4509,7 +4499,7 @@
           <p:cNvPr id="6" name="Espaço Reservado para Rodapé 5">
             <a:extLst>
               <a:ext uri="{FF2B5EF4-FFF2-40B4-BE49-F238E27FC236}">
-                <a16:creationId xmlns="" xmlns:a16="http://schemas.microsoft.com/office/drawing/2014/main" id="{2B00C88B-FF32-40AA-A187-727D96FD7862}"/>
+                <a16:creationId xmlns:a16="http://schemas.microsoft.com/office/drawing/2014/main" xmlns="" id="{2B00C88B-FF32-40AA-A187-727D96FD7862}"/>
               </a:ext>
             </a:extLst>
           </p:cNvPr>
@@ -4534,7 +4524,7 @@
           <p:cNvPr id="7" name="Espaço Reservado para Número de Slide 6">
             <a:extLst>
               <a:ext uri="{FF2B5EF4-FFF2-40B4-BE49-F238E27FC236}">
-                <a16:creationId xmlns="" xmlns:a16="http://schemas.microsoft.com/office/drawing/2014/main" id="{A04D1A2D-69F7-4B8F-A730-BC26DC340BA6}"/>
+                <a16:creationId xmlns:a16="http://schemas.microsoft.com/office/drawing/2014/main" xmlns="" id="{A04D1A2D-69F7-4B8F-A730-BC26DC340BA6}"/>
               </a:ext>
             </a:extLst>
           </p:cNvPr>
@@ -4598,7 +4588,7 @@
           <p:cNvPr id="2" name="Espaço Reservado para Título 1">
             <a:extLst>
               <a:ext uri="{FF2B5EF4-FFF2-40B4-BE49-F238E27FC236}">
-                <a16:creationId xmlns="" xmlns:a16="http://schemas.microsoft.com/office/drawing/2014/main" id="{E69A0273-1966-4A1B-9370-4C1CE5036371}"/>
+                <a16:creationId xmlns:a16="http://schemas.microsoft.com/office/drawing/2014/main" xmlns="" id="{E69A0273-1966-4A1B-9370-4C1CE5036371}"/>
               </a:ext>
             </a:extLst>
           </p:cNvPr>
@@ -4636,7 +4626,7 @@
           <p:cNvPr id="3" name="Espaço Reservado para Texto 2">
             <a:extLst>
               <a:ext uri="{FF2B5EF4-FFF2-40B4-BE49-F238E27FC236}">
-                <a16:creationId xmlns="" xmlns:a16="http://schemas.microsoft.com/office/drawing/2014/main" id="{3B9CF87A-0448-49A7-AB25-EBC1D56A40EF}"/>
+                <a16:creationId xmlns:a16="http://schemas.microsoft.com/office/drawing/2014/main" xmlns="" id="{3B9CF87A-0448-49A7-AB25-EBC1D56A40EF}"/>
               </a:ext>
             </a:extLst>
           </p:cNvPr>
@@ -4703,7 +4693,7 @@
           <p:cNvPr id="4" name="Espaço Reservado para Data 3">
             <a:extLst>
               <a:ext uri="{FF2B5EF4-FFF2-40B4-BE49-F238E27FC236}">
-                <a16:creationId xmlns="" xmlns:a16="http://schemas.microsoft.com/office/drawing/2014/main" id="{2EF7B1F2-BB5A-44D0-816D-16AD2C71430E}"/>
+                <a16:creationId xmlns:a16="http://schemas.microsoft.com/office/drawing/2014/main" xmlns="" id="{2EF7B1F2-BB5A-44D0-816D-16AD2C71430E}"/>
               </a:ext>
             </a:extLst>
           </p:cNvPr>
@@ -4739,7 +4729,7 @@
           <a:p>
             <a:fld id="{63289F7E-B80B-496E-81B4-D396C37C9454}" type="datetimeFigureOut">
               <a:rPr lang="pt-BR" smtClean="0"/>
-              <a:t>17/09/2021</a:t>
+              <a:t>07/10/2021</a:t>
             </a:fld>
             <a:endParaRPr lang="pt-BR"/>
           </a:p>
@@ -4750,7 +4740,7 @@
           <p:cNvPr id="5" name="Espaço Reservado para Rodapé 4">
             <a:extLst>
               <a:ext uri="{FF2B5EF4-FFF2-40B4-BE49-F238E27FC236}">
-                <a16:creationId xmlns="" xmlns:a16="http://schemas.microsoft.com/office/drawing/2014/main" id="{C703F94C-2CC8-4DAA-BC35-14FC3E841DCD}"/>
+                <a16:creationId xmlns:a16="http://schemas.microsoft.com/office/drawing/2014/main" xmlns="" id="{C703F94C-2CC8-4DAA-BC35-14FC3E841DCD}"/>
               </a:ext>
             </a:extLst>
           </p:cNvPr>
@@ -4793,7 +4783,7 @@
           <p:cNvPr id="6" name="Espaço Reservado para Número de Slide 5">
             <a:extLst>
               <a:ext uri="{FF2B5EF4-FFF2-40B4-BE49-F238E27FC236}">
-                <a16:creationId xmlns="" xmlns:a16="http://schemas.microsoft.com/office/drawing/2014/main" id="{64051336-7048-457A-8B61-D94291D71648}"/>
+                <a16:creationId xmlns:a16="http://schemas.microsoft.com/office/drawing/2014/main" xmlns="" id="{64051336-7048-457A-8B61-D94291D71648}"/>
               </a:ext>
             </a:extLst>
           </p:cNvPr>
@@ -5161,7 +5151,7 @@
           <p:cNvPr id="2" name="Título 1">
             <a:extLst>
               <a:ext uri="{FF2B5EF4-FFF2-40B4-BE49-F238E27FC236}">
-                <a16:creationId xmlns="" xmlns:a16="http://schemas.microsoft.com/office/drawing/2014/main" id="{32666AC8-2E17-4DB4-B0F5-60C640CCFD2E}"/>
+                <a16:creationId xmlns:a16="http://schemas.microsoft.com/office/drawing/2014/main" xmlns="" id="{32666AC8-2E17-4DB4-B0F5-60C640CCFD2E}"/>
               </a:ext>
             </a:extLst>
           </p:cNvPr>
@@ -5208,7 +5198,7 @@
           <p:cNvPr id="4" name="CaixaDeTexto 3">
             <a:extLst>
               <a:ext uri="{FF2B5EF4-FFF2-40B4-BE49-F238E27FC236}">
-                <a16:creationId xmlns="" xmlns:a16="http://schemas.microsoft.com/office/drawing/2014/main" id="{430EB894-B7D4-434C-9D1A-A14094D9BEEC}"/>
+                <a16:creationId xmlns:a16="http://schemas.microsoft.com/office/drawing/2014/main" xmlns="" id="{430EB894-B7D4-434C-9D1A-A14094D9BEEC}"/>
               </a:ext>
             </a:extLst>
           </p:cNvPr>
@@ -5249,7 +5239,7 @@
           <p:cNvPr id="1026" name="Picture 2" descr="Logo">
             <a:extLst>
               <a:ext uri="{FF2B5EF4-FFF2-40B4-BE49-F238E27FC236}">
-                <a16:creationId xmlns="" xmlns:a16="http://schemas.microsoft.com/office/drawing/2014/main" id="{3F2642E0-4F6A-4196-8F58-E77D36E9A33F}"/>
+                <a16:creationId xmlns:a16="http://schemas.microsoft.com/office/drawing/2014/main" xmlns="" id="{3F2642E0-4F6A-4196-8F58-E77D36E9A33F}"/>
               </a:ext>
             </a:extLst>
           </p:cNvPr>
@@ -5294,7 +5284,7 @@
           <p:cNvPr id="5122" name="Picture 2" descr="Image result for machine learning">
             <a:extLst>
               <a:ext uri="{FF2B5EF4-FFF2-40B4-BE49-F238E27FC236}">
-                <a16:creationId xmlns="" xmlns:a16="http://schemas.microsoft.com/office/drawing/2014/main" id="{810CE0A2-4102-44A6-A370-175E7896CDCB}"/>
+                <a16:creationId xmlns:a16="http://schemas.microsoft.com/office/drawing/2014/main" xmlns="" id="{810CE0A2-4102-44A6-A370-175E7896CDCB}"/>
               </a:ext>
             </a:extLst>
           </p:cNvPr>
@@ -5391,8 +5381,8 @@
           </a:p>
         </p:txBody>
       </p:sp>
-      <mc:AlternateContent xmlns:mc="http://schemas.openxmlformats.org/markup-compatibility/2006">
-        <mc:Choice xmlns:a14="http://schemas.microsoft.com/office/drawing/2010/main" Requires="a14">
+      <mc:AlternateContent xmlns:mc="http://schemas.openxmlformats.org/markup-compatibility/2006" xmlns:a14="http://schemas.microsoft.com/office/drawing/2010/main">
+        <mc:Choice Requires="a14">
           <p:sp>
             <p:nvSpPr>
               <p:cNvPr id="3" name="Content Placeholder 2"/>
@@ -5841,7 +5831,7 @@
             </p:txBody>
           </p:sp>
         </mc:Choice>
-        <mc:Fallback>
+        <mc:Fallback xmlns="">
           <p:sp>
             <p:nvSpPr>
               <p:cNvPr id="3" name="Content Placeholder 2"/>
@@ -6259,18 +6249,13 @@
           <a:p>
             <a:r>
               <a:rPr lang="pt-BR" dirty="0" smtClean="0"/>
-              <a:t>Portanto, para analisarmos melhor o desempenho de um classificador, precisamos usar uma métrica que combine </a:t>
-            </a:r>
-            <a:r>
-              <a:rPr lang="pt-BR" dirty="0" smtClean="0"/>
-              <a:t>as duas.</a:t>
-            </a:r>
-            <a:endParaRPr lang="pt-BR" dirty="0" smtClean="0"/>
+              <a:t>Portanto, para analisarmos melhor o desempenho de um classificador, precisamos usar uma métrica que combine as duas.</a:t>
+            </a:r>
           </a:p>
         </p:txBody>
       </p:sp>
-      <mc:AlternateContent xmlns:mc="http://schemas.openxmlformats.org/markup-compatibility/2006">
-        <mc:Choice xmlns:a14="http://schemas.microsoft.com/office/drawing/2010/main" Requires="a14">
+      <mc:AlternateContent xmlns:mc="http://schemas.openxmlformats.org/markup-compatibility/2006" xmlns:a14="http://schemas.microsoft.com/office/drawing/2010/main">
+        <mc:Choice Requires="a14">
           <p:sp>
             <p:nvSpPr>
               <p:cNvPr id="4" name="Rectangle 3"/>
@@ -6292,6 +6277,7 @@
               </a:bodyPr>
               <a:lstStyle/>
               <a:p>
+                <a:pPr/>
                 <a14:m>
                   <m:oMathPara xmlns:m="http://schemas.openxmlformats.org/officeDocument/2006/math">
                     <m:oMathParaPr>
@@ -6385,7 +6371,7 @@
             </p:txBody>
           </p:sp>
         </mc:Choice>
-        <mc:Fallback>
+        <mc:Fallback xmlns="">
           <p:sp>
             <p:nvSpPr>
               <p:cNvPr id="4" name="Rectangle 3"/>
@@ -6424,8 +6410,8 @@
           </p:sp>
         </mc:Fallback>
       </mc:AlternateContent>
-      <mc:AlternateContent xmlns:mc="http://schemas.openxmlformats.org/markup-compatibility/2006">
-        <mc:Choice xmlns:a14="http://schemas.microsoft.com/office/drawing/2010/main" Requires="a14">
+      <mc:AlternateContent xmlns:mc="http://schemas.openxmlformats.org/markup-compatibility/2006" xmlns:a14="http://schemas.microsoft.com/office/drawing/2010/main">
+        <mc:Choice Requires="a14">
           <p:sp>
             <p:nvSpPr>
               <p:cNvPr id="5" name="Rectangle 4"/>
@@ -6447,6 +6433,7 @@
               </a:bodyPr>
               <a:lstStyle/>
               <a:p>
+                <a:pPr/>
                 <a14:m>
                   <m:oMathPara xmlns:m="http://schemas.openxmlformats.org/officeDocument/2006/math">
                     <m:oMathParaPr>
@@ -6519,7 +6506,7 @@
             </p:txBody>
           </p:sp>
         </mc:Choice>
-        <mc:Fallback>
+        <mc:Fallback xmlns="">
           <p:sp>
             <p:nvSpPr>
               <p:cNvPr id="5" name="Rectangle 4"/>
@@ -6558,8 +6545,8 @@
           </p:sp>
         </mc:Fallback>
       </mc:AlternateContent>
-      <mc:AlternateContent xmlns:mc="http://schemas.openxmlformats.org/markup-compatibility/2006">
-        <mc:Choice xmlns:a14="http://schemas.microsoft.com/office/drawing/2010/main" Requires="a14">
+      <mc:AlternateContent xmlns:mc="http://schemas.openxmlformats.org/markup-compatibility/2006" xmlns:a14="http://schemas.microsoft.com/office/drawing/2010/main">
+        <mc:Choice Requires="a14">
           <p:sp>
             <p:nvSpPr>
               <p:cNvPr id="6" name="Rectangle 5"/>
@@ -6581,6 +6568,7 @@
               </a:bodyPr>
               <a:lstStyle/>
               <a:p>
+                <a:pPr/>
                 <a14:m>
                   <m:oMathPara xmlns:m="http://schemas.openxmlformats.org/officeDocument/2006/math">
                     <m:oMathParaPr>
@@ -6623,7 +6611,13 @@
                                   <a:rPr lang="pt-BR" b="0" i="1" smtClean="0">
                                     <a:latin typeface="Cambria Math" panose="02040503050406030204" pitchFamily="18" charset="0"/>
                                   </a:rPr>
-                                  <m:t>𝑇𝑃</m:t>
+                                  <m:t>𝑇</m:t>
+                                </m:r>
+                                <m:r>
+                                  <a:rPr lang="pt-BR" b="0" i="1" smtClean="0">
+                                    <a:latin typeface="Cambria Math" panose="02040503050406030204" pitchFamily="18" charset="0"/>
+                                  </a:rPr>
+                                  <m:t>𝑃</m:t>
                                 </m:r>
                               </m:e>
                               <m:e>
@@ -6664,7 +6658,7 @@
             </p:txBody>
           </p:sp>
         </mc:Choice>
-        <mc:Fallback>
+        <mc:Fallback xmlns="">
           <p:sp>
             <p:nvSpPr>
               <p:cNvPr id="6" name="Rectangle 5"/>
@@ -7022,8 +7016,9 @@
           <a:p>
             <a:r>
               <a:rPr lang="pt-BR" dirty="0"/>
-              <a:t>Métricas de avaliação de classificadores</a:t>
-            </a:r>
+              <a:t>Métricas para avaliação de classificadores</a:t>
+            </a:r>
+            <a:endParaRPr lang="pt-BR" dirty="0"/>
           </a:p>
         </p:txBody>
       </p:sp>
@@ -8215,8 +8210,9 @@
           <a:p>
             <a:r>
               <a:rPr lang="pt-BR" dirty="0"/>
-              <a:t>Métricas de avaliação de classificadores</a:t>
-            </a:r>
+              <a:t>Métricas para avaliação de classificadores</a:t>
+            </a:r>
+            <a:endParaRPr lang="pt-BR" dirty="0"/>
           </a:p>
         </p:txBody>
       </p:sp>
@@ -8244,23 +8240,7 @@
           <a:p>
             <a:r>
               <a:rPr lang="pt-BR" dirty="0" smtClean="0"/>
-              <a:t>G</a:t>
-            </a:r>
-            <a:r>
-              <a:rPr lang="pt-BR" dirty="0" smtClean="0"/>
-              <a:t>ráfico </a:t>
-            </a:r>
-            <a:r>
-              <a:rPr lang="pt-BR" dirty="0" smtClean="0"/>
-              <a:t>que </a:t>
-            </a:r>
-            <a:r>
-              <a:rPr lang="pt-BR" dirty="0" smtClean="0"/>
-              <a:t>mostra a </a:t>
-            </a:r>
-            <a:r>
-              <a:rPr lang="pt-BR" dirty="0" smtClean="0"/>
-              <a:t>performance de um </a:t>
+              <a:t>Gráfico que mostra a performance de um </a:t>
             </a:r>
             <a:r>
               <a:rPr lang="pt-BR" b="1" i="1" dirty="0"/>
@@ -8376,11 +8356,7 @@
             </a:r>
             <a:r>
               <a:rPr lang="pt-BR" dirty="0" smtClean="0"/>
-              <a:t>em </a:t>
-            </a:r>
-            <a:r>
-              <a:rPr lang="pt-BR" dirty="0" smtClean="0"/>
-              <a:t>vermelho, </a:t>
+              <a:t>em vermelho, </a:t>
             </a:r>
             <a:r>
               <a:rPr lang="pt-BR" dirty="0"/>
@@ -8583,13 +8559,14 @@
           <a:p>
             <a:r>
               <a:rPr lang="pt-BR" dirty="0"/>
-              <a:t>Métricas de avaliação de classificadores</a:t>
-            </a:r>
+              <a:t>Métricas para avaliação de classificadores</a:t>
+            </a:r>
+            <a:endParaRPr lang="pt-BR" dirty="0"/>
           </a:p>
         </p:txBody>
       </p:sp>
-      <mc:AlternateContent xmlns:mc="http://schemas.openxmlformats.org/markup-compatibility/2006">
-        <mc:Choice xmlns:a14="http://schemas.microsoft.com/office/drawing/2010/main" Requires="a14">
+      <mc:AlternateContent xmlns:mc="http://schemas.openxmlformats.org/markup-compatibility/2006" xmlns:a14="http://schemas.microsoft.com/office/drawing/2010/main">
+        <mc:Choice Requires="a14">
           <p:sp>
             <p:nvSpPr>
               <p:cNvPr id="3" name="Content Placeholder 2"/>
@@ -8949,7 +8926,7 @@
             </p:txBody>
           </p:sp>
         </mc:Choice>
-        <mc:Fallback>
+        <mc:Fallback xmlns="">
           <p:sp>
             <p:nvSpPr>
               <p:cNvPr id="3" name="Content Placeholder 2"/>
@@ -9082,8 +9059,9 @@
           <a:p>
             <a:r>
               <a:rPr lang="pt-BR" dirty="0"/>
-              <a:t>Métricas de avaliação de classificadores</a:t>
-            </a:r>
+              <a:t>Métricas para avaliação de classificadores</a:t>
+            </a:r>
+            <a:endParaRPr lang="pt-BR" dirty="0"/>
           </a:p>
         </p:txBody>
       </p:sp>
@@ -9179,19 +9157,7 @@
             </a:r>
             <a:r>
               <a:rPr lang="pt-BR" dirty="0" smtClean="0"/>
-              <a:t> </a:t>
-            </a:r>
-            <a:r>
-              <a:rPr lang="pt-BR" dirty="0" smtClean="0"/>
-              <a:t>é outra métrica da qualidade de um </a:t>
-            </a:r>
-            <a:r>
-              <a:rPr lang="pt-BR" dirty="0" smtClean="0"/>
-              <a:t>classificador. É </a:t>
-            </a:r>
-            <a:r>
-              <a:rPr lang="pt-BR" dirty="0" smtClean="0"/>
-              <a:t>um </a:t>
+              <a:t> é outra métrica da qualidade de um classificador. É um </a:t>
             </a:r>
             <a:r>
               <a:rPr lang="pt-BR" dirty="0"/>
@@ -9682,7 +9648,7 @@
           <p:cNvPr id="4" name="Título 1">
             <a:extLst>
               <a:ext uri="{FF2B5EF4-FFF2-40B4-BE49-F238E27FC236}">
-                <a16:creationId xmlns="" xmlns:a16="http://schemas.microsoft.com/office/drawing/2014/main" id="{32666AC8-2E17-4DB4-B0F5-60C640CCFD2E}"/>
+                <a16:creationId xmlns:a16="http://schemas.microsoft.com/office/drawing/2014/main" xmlns="" id="{32666AC8-2E17-4DB4-B0F5-60C640CCFD2E}"/>
               </a:ext>
             </a:extLst>
           </p:cNvPr>
@@ -9988,11 +9954,7 @@
           <a:p>
             <a:r>
               <a:rPr lang="pt-BR" dirty="0"/>
-              <a:t>Métricas de avaliação </a:t>
-            </a:r>
-            <a:r>
-              <a:rPr lang="pt-BR" dirty="0" smtClean="0"/>
-              <a:t>de classificadores</a:t>
+              <a:t>Métricas para avaliação de classificadores</a:t>
             </a:r>
             <a:endParaRPr lang="pt-BR" dirty="0"/>
           </a:p>
@@ -10156,13 +10118,14 @@
           <a:p>
             <a:r>
               <a:rPr lang="pt-BR" dirty="0"/>
-              <a:t>Métricas de avaliação de classificadores</a:t>
-            </a:r>
+              <a:t>Métricas para avaliação de classificadores</a:t>
+            </a:r>
+            <a:endParaRPr lang="pt-BR" dirty="0"/>
           </a:p>
         </p:txBody>
       </p:sp>
-      <mc:AlternateContent xmlns:mc="http://schemas.openxmlformats.org/markup-compatibility/2006" xmlns:a14="http://schemas.microsoft.com/office/drawing/2010/main">
-        <mc:Choice Requires="a14">
+      <mc:AlternateContent xmlns:mc="http://schemas.openxmlformats.org/markup-compatibility/2006">
+        <mc:Choice xmlns:a14="http://schemas.microsoft.com/office/drawing/2010/main" Requires="a14">
           <p:sp>
             <p:nvSpPr>
               <p:cNvPr id="3" name="Content Placeholder 2"/>
@@ -10883,7 +10846,15 @@
                 </a:r>
                 <a:r>
                   <a:rPr lang="pt-BR" dirty="0" smtClean="0"/>
-                  <a:t>, e é definida por</a:t>
+                  <a:t>, e é </a:t>
+                </a:r>
+                <a:r>
+                  <a:rPr lang="pt-BR" dirty="0" smtClean="0"/>
+                  <a:t>definido </a:t>
+                </a:r>
+                <a:r>
+                  <a:rPr lang="pt-BR" dirty="0" smtClean="0"/>
+                  <a:t>por</a:t>
                 </a:r>
               </a:p>
               <a:p>
@@ -11039,7 +11010,7 @@
             </p:txBody>
           </p:sp>
         </mc:Choice>
-        <mc:Fallback xmlns="">
+        <mc:Fallback>
           <p:sp>
             <p:nvSpPr>
               <p:cNvPr id="3" name="Content Placeholder 2"/>
@@ -11136,8 +11107,9 @@
           <a:p>
             <a:r>
               <a:rPr lang="pt-BR" dirty="0"/>
-              <a:t>Métricas de avaliação de classificadores</a:t>
-            </a:r>
+              <a:t>Métricas para avaliação de classificadores</a:t>
+            </a:r>
+            <a:endParaRPr lang="pt-BR" dirty="0"/>
           </a:p>
         </p:txBody>
       </p:sp>
@@ -12543,8 +12515,9 @@
           <a:p>
             <a:r>
               <a:rPr lang="pt-BR" dirty="0"/>
-              <a:t>Métricas de avaliação de classificadores</a:t>
-            </a:r>
+              <a:t>Métricas para avaliação de classificadores</a:t>
+            </a:r>
+            <a:endParaRPr lang="pt-BR" dirty="0"/>
           </a:p>
         </p:txBody>
       </p:sp>
@@ -14788,8 +14761,8 @@
           </a:p>
         </p:txBody>
       </p:sp>
-      <mc:AlternateContent xmlns:mc="http://schemas.openxmlformats.org/markup-compatibility/2006" xmlns:a14="http://schemas.microsoft.com/office/drawing/2010/main">
-        <mc:Choice Requires="a14">
+      <mc:AlternateContent xmlns:mc="http://schemas.openxmlformats.org/markup-compatibility/2006">
+        <mc:Choice xmlns:a14="http://schemas.microsoft.com/office/drawing/2010/main" Requires="a14">
           <p:sp>
             <p:nvSpPr>
               <p:cNvPr id="6" name="TextBox 5"/>
@@ -14798,7 +14771,7 @@
             </p:nvSpPr>
             <p:spPr>
               <a:xfrm>
-                <a:off x="2244968" y="2105667"/>
+                <a:off x="1957853" y="2105667"/>
                 <a:ext cx="2355167" cy="369332"/>
               </a:xfrm>
               <a:prstGeom prst="rect">
@@ -14841,7 +14814,7 @@
             </p:txBody>
           </p:sp>
         </mc:Choice>
-        <mc:Fallback xmlns="">
+        <mc:Fallback>
           <p:sp>
             <p:nvSpPr>
               <p:cNvPr id="6" name="TextBox 5"/>
@@ -14852,7 +14825,7 @@
             </p:nvSpPr>
             <p:spPr>
               <a:xfrm>
-                <a:off x="2244968" y="2105667"/>
+                <a:off x="1957853" y="2105667"/>
                 <a:ext cx="2355167" cy="369332"/>
               </a:xfrm>
               <a:prstGeom prst="rect">
@@ -14939,8 +14912,9 @@
           <a:p>
             <a:r>
               <a:rPr lang="pt-BR" dirty="0"/>
-              <a:t>Métricas de avaliação de classificadores</a:t>
-            </a:r>
+              <a:t>Métricas para avaliação de classificadores</a:t>
+            </a:r>
+            <a:endParaRPr lang="pt-BR" dirty="0"/>
           </a:p>
         </p:txBody>
       </p:sp>
@@ -16028,13 +16002,14 @@
           <a:p>
             <a:r>
               <a:rPr lang="pt-BR" dirty="0"/>
-              <a:t>Métricas de avaliação de classificadores</a:t>
-            </a:r>
+              <a:t>Métricas para avaliação de classificadores</a:t>
+            </a:r>
+            <a:endParaRPr lang="pt-BR" dirty="0"/>
           </a:p>
         </p:txBody>
       </p:sp>
-      <mc:AlternateContent xmlns:mc="http://schemas.openxmlformats.org/markup-compatibility/2006">
-        <mc:Choice xmlns:a14="http://schemas.microsoft.com/office/drawing/2010/main" Requires="a14">
+      <mc:AlternateContent xmlns:mc="http://schemas.openxmlformats.org/markup-compatibility/2006" xmlns:a14="http://schemas.microsoft.com/office/drawing/2010/main">
+        <mc:Choice Requires="a14">
           <p:sp>
             <p:nvSpPr>
               <p:cNvPr id="3" name="Content Placeholder 2"/>
@@ -16076,11 +16051,7 @@
                 </a:r>
                 <a:r>
                   <a:rPr lang="pt-BR" dirty="0" smtClean="0"/>
-                  <a:t>: </a:t>
-                </a:r>
-                <a:r>
-                  <a:rPr lang="pt-BR" dirty="0" smtClean="0"/>
-                  <a:t>é a </a:t>
+                  <a:t>: é a </a:t>
                 </a:r>
                 <a:r>
                   <a:rPr lang="pt-BR" dirty="0"/>
@@ -16293,11 +16264,7 @@
                 </a:r>
                 <a:r>
                   <a:rPr lang="pt-BR" dirty="0" smtClean="0"/>
-                  <a:t>. </a:t>
-                </a:r>
-                <a:r>
-                  <a:rPr lang="pt-BR" dirty="0" smtClean="0"/>
-                  <a:t>É a </a:t>
+                  <a:t>. É a </a:t>
                 </a:r>
                 <a:r>
                   <a:rPr lang="pt-BR" dirty="0"/>
@@ -16544,15 +16511,7 @@
                 </a:r>
                 <a:r>
                   <a:rPr lang="pt-BR" dirty="0" smtClean="0"/>
-                  <a:t>. </a:t>
-                </a:r>
-                <a:r>
-                  <a:rPr lang="pt-BR" dirty="0" smtClean="0"/>
-                  <a:t>É a </a:t>
-                </a:r>
-                <a:r>
-                  <a:rPr lang="pt-BR" dirty="0" smtClean="0"/>
-                  <a:t>proporção </a:t>
+                  <a:t>. É a proporção </a:t>
                 </a:r>
                 <a:r>
                   <a:rPr lang="pt-BR" dirty="0"/>
@@ -16806,7 +16765,7 @@
             </p:txBody>
           </p:sp>
         </mc:Choice>
-        <mc:Fallback>
+        <mc:Fallback xmlns="">
           <p:sp>
             <p:nvSpPr>
               <p:cNvPr id="3" name="Content Placeholder 2"/>

--- a/slides/T320_Classificação (Parte V).pptx
+++ b/slides/T320_Classificação (Parte V).pptx
@@ -292,7 +292,7 @@
           <a:p>
             <a:fld id="{144F1436-6906-4D93-B7A2-786C327BFA14}" type="datetimeFigureOut">
               <a:rPr lang="nl-BE" smtClean="0"/>
-              <a:t>7/10/2021</a:t>
+              <a:t>8/04/2022</a:t>
             </a:fld>
             <a:endParaRPr lang="nl-BE"/>
           </a:p>
@@ -358,7 +358,7 @@
           <a:p>
             <a:fld id="{F7E56D9B-79AD-444A-AFED-DEC23408F8B4}" type="slidenum">
               <a:rPr lang="nl-BE" smtClean="0"/>
-              <a:t>‹#›</a:t>
+              <a:t>‹nº›</a:t>
             </a:fld>
             <a:endParaRPr lang="nl-BE"/>
           </a:p>
@@ -457,7 +457,7 @@
           <a:p>
             <a:fld id="{AA8CD09E-2914-4F47-B6C1-51B2C31814C9}" type="datetimeFigureOut">
               <a:rPr lang="pt-BR" smtClean="0"/>
-              <a:t>07/10/2021</a:t>
+              <a:t>08/04/2022</a:t>
             </a:fld>
             <a:endParaRPr lang="pt-BR"/>
           </a:p>
@@ -615,7 +615,7 @@
           <a:p>
             <a:fld id="{6FC8D850-966F-45A6-8DE7-15B891E7D40D}" type="slidenum">
               <a:rPr lang="pt-BR" smtClean="0"/>
-              <a:t>‹#›</a:t>
+              <a:t>‹nº›</a:t>
             </a:fld>
             <a:endParaRPr lang="pt-BR"/>
           </a:p>
@@ -1793,7 +1793,7 @@
           </a:p>
           <a:p>
             <a:r>
-              <a:rPr lang="pt-BR" smtClean="0"/>
+              <a:rPr lang="pt-BR" dirty="0" smtClean="0"/>
               <a:t>[1] https://datascience.stackexchange.com/questions/65839/macro-average-and-weighted-average-meaning-in-classification-report</a:t>
             </a:r>
           </a:p>
@@ -1888,8 +1888,26 @@
             </a:r>
             <a:r>
               <a:rPr lang="pt-BR" sz="1200" dirty="0" smtClean="0"/>
-              <a:t> https://mybinder.org/v2/gh/zz4fap/t320_aprendizado_de_maquina/main?filepath=labs%2FLaboratorio5.ipynb</a:t>
-            </a:r>
+              <a:t> https://</a:t>
+            </a:r>
+            <a:r>
+              <a:rPr lang="pt-BR" sz="1200" dirty="0" smtClean="0"/>
+              <a:t>mybinder.org/v2/gh/zz4fap/t320_aprendizado_de_maquina/main?filepath=labs%2FLaboratorio5.ipynb</a:t>
+            </a:r>
+          </a:p>
+          <a:p>
+            <a:endParaRPr lang="pt-BR" sz="1200" dirty="0" smtClean="0"/>
+          </a:p>
+          <a:p>
+            <a:r>
+              <a:rPr lang="pt-BR" sz="1200" b="1" dirty="0" smtClean="0"/>
+              <a:t>Laboratório #5:</a:t>
+            </a:r>
+            <a:r>
+              <a:rPr lang="pt-BR" sz="1200" dirty="0" smtClean="0"/>
+              <a:t> https://colab.research.google.com/github/zz4fap/t320_aprendizado_de_maquina/blob/main/labs/Laboratorio5.ipynb</a:t>
+            </a:r>
+            <a:endParaRPr lang="pt-BR" sz="1200" dirty="0" smtClean="0"/>
           </a:p>
           <a:p>
             <a:endParaRPr lang="pt-BR" sz="1200" dirty="0"/>
@@ -1954,7 +1972,7 @@
           <p:cNvPr id="2" name="Título 1">
             <a:extLst>
               <a:ext uri="{FF2B5EF4-FFF2-40B4-BE49-F238E27FC236}">
-                <a16:creationId xmlns:a16="http://schemas.microsoft.com/office/drawing/2014/main" xmlns="" id="{1DB9B4FF-B06E-403C-A326-BDC64D8FF94E}"/>
+                <a16:creationId xmlns="" xmlns:a16="http://schemas.microsoft.com/office/drawing/2014/main" id="{1DB9B4FF-B06E-403C-A326-BDC64D8FF94E}"/>
               </a:ext>
             </a:extLst>
           </p:cNvPr>
@@ -1991,7 +2009,7 @@
           <p:cNvPr id="3" name="Subtítulo 2">
             <a:extLst>
               <a:ext uri="{FF2B5EF4-FFF2-40B4-BE49-F238E27FC236}">
-                <a16:creationId xmlns:a16="http://schemas.microsoft.com/office/drawing/2014/main" xmlns="" id="{247BDFCE-746E-45BF-A319-4733D58D1632}"/>
+                <a16:creationId xmlns="" xmlns:a16="http://schemas.microsoft.com/office/drawing/2014/main" id="{247BDFCE-746E-45BF-A319-4733D58D1632}"/>
               </a:ext>
             </a:extLst>
           </p:cNvPr>
@@ -2061,7 +2079,7 @@
           <p:cNvPr id="4" name="Espaço Reservado para Data 3">
             <a:extLst>
               <a:ext uri="{FF2B5EF4-FFF2-40B4-BE49-F238E27FC236}">
-                <a16:creationId xmlns:a16="http://schemas.microsoft.com/office/drawing/2014/main" xmlns="" id="{9EDE2778-5372-4104-B96D-968184DA8288}"/>
+                <a16:creationId xmlns="" xmlns:a16="http://schemas.microsoft.com/office/drawing/2014/main" id="{9EDE2778-5372-4104-B96D-968184DA8288}"/>
               </a:ext>
             </a:extLst>
           </p:cNvPr>
@@ -2079,7 +2097,7 @@
           <a:p>
             <a:fld id="{63289F7E-B80B-496E-81B4-D396C37C9454}" type="datetimeFigureOut">
               <a:rPr lang="pt-BR" smtClean="0"/>
-              <a:t>07/10/2021</a:t>
+              <a:t>08/04/2022</a:t>
             </a:fld>
             <a:endParaRPr lang="pt-BR"/>
           </a:p>
@@ -2090,7 +2108,7 @@
           <p:cNvPr id="5" name="Espaço Reservado para Rodapé 4">
             <a:extLst>
               <a:ext uri="{FF2B5EF4-FFF2-40B4-BE49-F238E27FC236}">
-                <a16:creationId xmlns:a16="http://schemas.microsoft.com/office/drawing/2014/main" xmlns="" id="{C1DD0F41-C861-4051-988D-3024A37A4B93}"/>
+                <a16:creationId xmlns="" xmlns:a16="http://schemas.microsoft.com/office/drawing/2014/main" id="{C1DD0F41-C861-4051-988D-3024A37A4B93}"/>
               </a:ext>
             </a:extLst>
           </p:cNvPr>
@@ -2115,7 +2133,7 @@
           <p:cNvPr id="6" name="Espaço Reservado para Número de Slide 5">
             <a:extLst>
               <a:ext uri="{FF2B5EF4-FFF2-40B4-BE49-F238E27FC236}">
-                <a16:creationId xmlns:a16="http://schemas.microsoft.com/office/drawing/2014/main" xmlns="" id="{07E5967E-D980-431A-A5DB-3F0C5030A81E}"/>
+                <a16:creationId xmlns="" xmlns:a16="http://schemas.microsoft.com/office/drawing/2014/main" id="{07E5967E-D980-431A-A5DB-3F0C5030A81E}"/>
               </a:ext>
             </a:extLst>
           </p:cNvPr>
@@ -2133,7 +2151,7 @@
           <a:p>
             <a:fld id="{1A7E88B7-70CE-4035-AE73-13FA6FB985D4}" type="slidenum">
               <a:rPr lang="pt-BR" smtClean="0"/>
-              <a:t>‹#›</a:t>
+              <a:t>‹nº›</a:t>
             </a:fld>
             <a:endParaRPr lang="pt-BR"/>
           </a:p>
@@ -2174,7 +2192,7 @@
           <p:cNvPr id="2" name="Título 1">
             <a:extLst>
               <a:ext uri="{FF2B5EF4-FFF2-40B4-BE49-F238E27FC236}">
-                <a16:creationId xmlns:a16="http://schemas.microsoft.com/office/drawing/2014/main" xmlns="" id="{9036C49F-3E68-4175-81BA-3C3FEE44308A}"/>
+                <a16:creationId xmlns="" xmlns:a16="http://schemas.microsoft.com/office/drawing/2014/main" id="{9036C49F-3E68-4175-81BA-3C3FEE44308A}"/>
               </a:ext>
             </a:extLst>
           </p:cNvPr>
@@ -2202,7 +2220,7 @@
           <p:cNvPr id="3" name="Espaço Reservado para Texto Vertical 2">
             <a:extLst>
               <a:ext uri="{FF2B5EF4-FFF2-40B4-BE49-F238E27FC236}">
-                <a16:creationId xmlns:a16="http://schemas.microsoft.com/office/drawing/2014/main" xmlns="" id="{426FA736-3DD3-4D4E-B57B-BBE1D8F7D424}"/>
+                <a16:creationId xmlns="" xmlns:a16="http://schemas.microsoft.com/office/drawing/2014/main" id="{426FA736-3DD3-4D4E-B57B-BBE1D8F7D424}"/>
               </a:ext>
             </a:extLst>
           </p:cNvPr>
@@ -2259,7 +2277,7 @@
           <p:cNvPr id="4" name="Espaço Reservado para Data 3">
             <a:extLst>
               <a:ext uri="{FF2B5EF4-FFF2-40B4-BE49-F238E27FC236}">
-                <a16:creationId xmlns:a16="http://schemas.microsoft.com/office/drawing/2014/main" xmlns="" id="{99E8855C-D8FD-48F6-B14E-861E0DE4D915}"/>
+                <a16:creationId xmlns="" xmlns:a16="http://schemas.microsoft.com/office/drawing/2014/main" id="{99E8855C-D8FD-48F6-B14E-861E0DE4D915}"/>
               </a:ext>
             </a:extLst>
           </p:cNvPr>
@@ -2277,7 +2295,7 @@
           <a:p>
             <a:fld id="{63289F7E-B80B-496E-81B4-D396C37C9454}" type="datetimeFigureOut">
               <a:rPr lang="pt-BR" smtClean="0"/>
-              <a:t>07/10/2021</a:t>
+              <a:t>08/04/2022</a:t>
             </a:fld>
             <a:endParaRPr lang="pt-BR"/>
           </a:p>
@@ -2288,7 +2306,7 @@
           <p:cNvPr id="5" name="Espaço Reservado para Rodapé 4">
             <a:extLst>
               <a:ext uri="{FF2B5EF4-FFF2-40B4-BE49-F238E27FC236}">
-                <a16:creationId xmlns:a16="http://schemas.microsoft.com/office/drawing/2014/main" xmlns="" id="{97C0BB88-2F21-42A5-ACFF-83DA47F2D340}"/>
+                <a16:creationId xmlns="" xmlns:a16="http://schemas.microsoft.com/office/drawing/2014/main" id="{97C0BB88-2F21-42A5-ACFF-83DA47F2D340}"/>
               </a:ext>
             </a:extLst>
           </p:cNvPr>
@@ -2313,7 +2331,7 @@
           <p:cNvPr id="6" name="Espaço Reservado para Número de Slide 5">
             <a:extLst>
               <a:ext uri="{FF2B5EF4-FFF2-40B4-BE49-F238E27FC236}">
-                <a16:creationId xmlns:a16="http://schemas.microsoft.com/office/drawing/2014/main" xmlns="" id="{6CB462B3-1F22-4C05-B4B8-7A279FB7D5E9}"/>
+                <a16:creationId xmlns="" xmlns:a16="http://schemas.microsoft.com/office/drawing/2014/main" id="{6CB462B3-1F22-4C05-B4B8-7A279FB7D5E9}"/>
               </a:ext>
             </a:extLst>
           </p:cNvPr>
@@ -2331,7 +2349,7 @@
           <a:p>
             <a:fld id="{1A7E88B7-70CE-4035-AE73-13FA6FB985D4}" type="slidenum">
               <a:rPr lang="pt-BR" smtClean="0"/>
-              <a:t>‹#›</a:t>
+              <a:t>‹nº›</a:t>
             </a:fld>
             <a:endParaRPr lang="pt-BR"/>
           </a:p>
@@ -2372,7 +2390,7 @@
           <p:cNvPr id="2" name="Título Vertical 1">
             <a:extLst>
               <a:ext uri="{FF2B5EF4-FFF2-40B4-BE49-F238E27FC236}">
-                <a16:creationId xmlns:a16="http://schemas.microsoft.com/office/drawing/2014/main" xmlns="" id="{EAEAB728-701C-4207-A9D5-23FF45C60502}"/>
+                <a16:creationId xmlns="" xmlns:a16="http://schemas.microsoft.com/office/drawing/2014/main" id="{EAEAB728-701C-4207-A9D5-23FF45C60502}"/>
               </a:ext>
             </a:extLst>
           </p:cNvPr>
@@ -2405,7 +2423,7 @@
           <p:cNvPr id="3" name="Espaço Reservado para Texto Vertical 2">
             <a:extLst>
               <a:ext uri="{FF2B5EF4-FFF2-40B4-BE49-F238E27FC236}">
-                <a16:creationId xmlns:a16="http://schemas.microsoft.com/office/drawing/2014/main" xmlns="" id="{BA8C8CCF-7823-480A-9A19-0F664DD17E3B}"/>
+                <a16:creationId xmlns="" xmlns:a16="http://schemas.microsoft.com/office/drawing/2014/main" id="{BA8C8CCF-7823-480A-9A19-0F664DD17E3B}"/>
               </a:ext>
             </a:extLst>
           </p:cNvPr>
@@ -2467,7 +2485,7 @@
           <p:cNvPr id="4" name="Espaço Reservado para Data 3">
             <a:extLst>
               <a:ext uri="{FF2B5EF4-FFF2-40B4-BE49-F238E27FC236}">
-                <a16:creationId xmlns:a16="http://schemas.microsoft.com/office/drawing/2014/main" xmlns="" id="{721D5734-7B1F-425D-942F-6EB73344027C}"/>
+                <a16:creationId xmlns="" xmlns:a16="http://schemas.microsoft.com/office/drawing/2014/main" id="{721D5734-7B1F-425D-942F-6EB73344027C}"/>
               </a:ext>
             </a:extLst>
           </p:cNvPr>
@@ -2485,7 +2503,7 @@
           <a:p>
             <a:fld id="{63289F7E-B80B-496E-81B4-D396C37C9454}" type="datetimeFigureOut">
               <a:rPr lang="pt-BR" smtClean="0"/>
-              <a:t>07/10/2021</a:t>
+              <a:t>08/04/2022</a:t>
             </a:fld>
             <a:endParaRPr lang="pt-BR"/>
           </a:p>
@@ -2496,7 +2514,7 @@
           <p:cNvPr id="5" name="Espaço Reservado para Rodapé 4">
             <a:extLst>
               <a:ext uri="{FF2B5EF4-FFF2-40B4-BE49-F238E27FC236}">
-                <a16:creationId xmlns:a16="http://schemas.microsoft.com/office/drawing/2014/main" xmlns="" id="{1E1AAEAC-F08D-45FE-89EC-B1B349A868C9}"/>
+                <a16:creationId xmlns="" xmlns:a16="http://schemas.microsoft.com/office/drawing/2014/main" id="{1E1AAEAC-F08D-45FE-89EC-B1B349A868C9}"/>
               </a:ext>
             </a:extLst>
           </p:cNvPr>
@@ -2521,7 +2539,7 @@
           <p:cNvPr id="6" name="Espaço Reservado para Número de Slide 5">
             <a:extLst>
               <a:ext uri="{FF2B5EF4-FFF2-40B4-BE49-F238E27FC236}">
-                <a16:creationId xmlns:a16="http://schemas.microsoft.com/office/drawing/2014/main" xmlns="" id="{BAA44493-9911-47B2-87A6-C2141A972BC8}"/>
+                <a16:creationId xmlns="" xmlns:a16="http://schemas.microsoft.com/office/drawing/2014/main" id="{BAA44493-9911-47B2-87A6-C2141A972BC8}"/>
               </a:ext>
             </a:extLst>
           </p:cNvPr>
@@ -2539,7 +2557,7 @@
           <a:p>
             <a:fld id="{1A7E88B7-70CE-4035-AE73-13FA6FB985D4}" type="slidenum">
               <a:rPr lang="pt-BR" smtClean="0"/>
-              <a:t>‹#›</a:t>
+              <a:t>‹nº›</a:t>
             </a:fld>
             <a:endParaRPr lang="pt-BR"/>
           </a:p>
@@ -2580,7 +2598,7 @@
           <p:cNvPr id="2" name="Título 1">
             <a:extLst>
               <a:ext uri="{FF2B5EF4-FFF2-40B4-BE49-F238E27FC236}">
-                <a16:creationId xmlns:a16="http://schemas.microsoft.com/office/drawing/2014/main" xmlns="" id="{71BD44A5-8F21-4626-A01D-48A1C874B1D5}"/>
+                <a16:creationId xmlns="" xmlns:a16="http://schemas.microsoft.com/office/drawing/2014/main" id="{71BD44A5-8F21-4626-A01D-48A1C874B1D5}"/>
               </a:ext>
             </a:extLst>
           </p:cNvPr>
@@ -2608,7 +2626,7 @@
           <p:cNvPr id="3" name="Espaço Reservado para Conteúdo 2">
             <a:extLst>
               <a:ext uri="{FF2B5EF4-FFF2-40B4-BE49-F238E27FC236}">
-                <a16:creationId xmlns:a16="http://schemas.microsoft.com/office/drawing/2014/main" xmlns="" id="{B79E8085-65A9-48AA-951D-71D978BFF4ED}"/>
+                <a16:creationId xmlns="" xmlns:a16="http://schemas.microsoft.com/office/drawing/2014/main" id="{B79E8085-65A9-48AA-951D-71D978BFF4ED}"/>
               </a:ext>
             </a:extLst>
           </p:cNvPr>
@@ -2665,7 +2683,7 @@
           <p:cNvPr id="4" name="Espaço Reservado para Data 3">
             <a:extLst>
               <a:ext uri="{FF2B5EF4-FFF2-40B4-BE49-F238E27FC236}">
-                <a16:creationId xmlns:a16="http://schemas.microsoft.com/office/drawing/2014/main" xmlns="" id="{F05BE1AF-51EA-425D-B188-DE7BD675009F}"/>
+                <a16:creationId xmlns="" xmlns:a16="http://schemas.microsoft.com/office/drawing/2014/main" id="{F05BE1AF-51EA-425D-B188-DE7BD675009F}"/>
               </a:ext>
             </a:extLst>
           </p:cNvPr>
@@ -2683,7 +2701,7 @@
           <a:p>
             <a:fld id="{63289F7E-B80B-496E-81B4-D396C37C9454}" type="datetimeFigureOut">
               <a:rPr lang="pt-BR" smtClean="0"/>
-              <a:t>07/10/2021</a:t>
+              <a:t>08/04/2022</a:t>
             </a:fld>
             <a:endParaRPr lang="pt-BR"/>
           </a:p>
@@ -2694,7 +2712,7 @@
           <p:cNvPr id="5" name="Espaço Reservado para Rodapé 4">
             <a:extLst>
               <a:ext uri="{FF2B5EF4-FFF2-40B4-BE49-F238E27FC236}">
-                <a16:creationId xmlns:a16="http://schemas.microsoft.com/office/drawing/2014/main" xmlns="" id="{121BE632-29CF-4CB9-B365-C9EF38F89BE6}"/>
+                <a16:creationId xmlns="" xmlns:a16="http://schemas.microsoft.com/office/drawing/2014/main" id="{121BE632-29CF-4CB9-B365-C9EF38F89BE6}"/>
               </a:ext>
             </a:extLst>
           </p:cNvPr>
@@ -2719,7 +2737,7 @@
           <p:cNvPr id="6" name="Espaço Reservado para Número de Slide 5">
             <a:extLst>
               <a:ext uri="{FF2B5EF4-FFF2-40B4-BE49-F238E27FC236}">
-                <a16:creationId xmlns:a16="http://schemas.microsoft.com/office/drawing/2014/main" xmlns="" id="{60CF3DD1-9AEC-4A57-B461-4E4DD86FAC18}"/>
+                <a16:creationId xmlns="" xmlns:a16="http://schemas.microsoft.com/office/drawing/2014/main" id="{60CF3DD1-9AEC-4A57-B461-4E4DD86FAC18}"/>
               </a:ext>
             </a:extLst>
           </p:cNvPr>
@@ -2737,7 +2755,7 @@
           <a:p>
             <a:fld id="{1A7E88B7-70CE-4035-AE73-13FA6FB985D4}" type="slidenum">
               <a:rPr lang="pt-BR" smtClean="0"/>
-              <a:t>‹#›</a:t>
+              <a:t>‹nº›</a:t>
             </a:fld>
             <a:endParaRPr lang="pt-BR"/>
           </a:p>
@@ -2778,7 +2796,7 @@
           <p:cNvPr id="2" name="Título 1">
             <a:extLst>
               <a:ext uri="{FF2B5EF4-FFF2-40B4-BE49-F238E27FC236}">
-                <a16:creationId xmlns:a16="http://schemas.microsoft.com/office/drawing/2014/main" xmlns="" id="{34AB2FF0-A4D7-4E28-991D-FF26140D5988}"/>
+                <a16:creationId xmlns="" xmlns:a16="http://schemas.microsoft.com/office/drawing/2014/main" id="{34AB2FF0-A4D7-4E28-991D-FF26140D5988}"/>
               </a:ext>
             </a:extLst>
           </p:cNvPr>
@@ -2815,7 +2833,7 @@
           <p:cNvPr id="3" name="Espaço Reservado para Texto 2">
             <a:extLst>
               <a:ext uri="{FF2B5EF4-FFF2-40B4-BE49-F238E27FC236}">
-                <a16:creationId xmlns:a16="http://schemas.microsoft.com/office/drawing/2014/main" xmlns="" id="{E2AC45B0-4145-40DB-8E61-105461170604}"/>
+                <a16:creationId xmlns="" xmlns:a16="http://schemas.microsoft.com/office/drawing/2014/main" id="{E2AC45B0-4145-40DB-8E61-105461170604}"/>
               </a:ext>
             </a:extLst>
           </p:cNvPr>
@@ -2940,7 +2958,7 @@
           <p:cNvPr id="4" name="Espaço Reservado para Data 3">
             <a:extLst>
               <a:ext uri="{FF2B5EF4-FFF2-40B4-BE49-F238E27FC236}">
-                <a16:creationId xmlns:a16="http://schemas.microsoft.com/office/drawing/2014/main" xmlns="" id="{50F1D3FB-740A-4EBA-A309-2CE71D12ECFB}"/>
+                <a16:creationId xmlns="" xmlns:a16="http://schemas.microsoft.com/office/drawing/2014/main" id="{50F1D3FB-740A-4EBA-A309-2CE71D12ECFB}"/>
               </a:ext>
             </a:extLst>
           </p:cNvPr>
@@ -2958,7 +2976,7 @@
           <a:p>
             <a:fld id="{63289F7E-B80B-496E-81B4-D396C37C9454}" type="datetimeFigureOut">
               <a:rPr lang="pt-BR" smtClean="0"/>
-              <a:t>07/10/2021</a:t>
+              <a:t>08/04/2022</a:t>
             </a:fld>
             <a:endParaRPr lang="pt-BR"/>
           </a:p>
@@ -2969,7 +2987,7 @@
           <p:cNvPr id="5" name="Espaço Reservado para Rodapé 4">
             <a:extLst>
               <a:ext uri="{FF2B5EF4-FFF2-40B4-BE49-F238E27FC236}">
-                <a16:creationId xmlns:a16="http://schemas.microsoft.com/office/drawing/2014/main" xmlns="" id="{BDCAB18F-8715-4465-A940-F9C193A2ACE9}"/>
+                <a16:creationId xmlns="" xmlns:a16="http://schemas.microsoft.com/office/drawing/2014/main" id="{BDCAB18F-8715-4465-A940-F9C193A2ACE9}"/>
               </a:ext>
             </a:extLst>
           </p:cNvPr>
@@ -2994,7 +3012,7 @@
           <p:cNvPr id="6" name="Espaço Reservado para Número de Slide 5">
             <a:extLst>
               <a:ext uri="{FF2B5EF4-FFF2-40B4-BE49-F238E27FC236}">
-                <a16:creationId xmlns:a16="http://schemas.microsoft.com/office/drawing/2014/main" xmlns="" id="{353466C6-8248-429F-8056-FF040BF509EB}"/>
+                <a16:creationId xmlns="" xmlns:a16="http://schemas.microsoft.com/office/drawing/2014/main" id="{353466C6-8248-429F-8056-FF040BF509EB}"/>
               </a:ext>
             </a:extLst>
           </p:cNvPr>
@@ -3012,7 +3030,7 @@
           <a:p>
             <a:fld id="{1A7E88B7-70CE-4035-AE73-13FA6FB985D4}" type="slidenum">
               <a:rPr lang="pt-BR" smtClean="0"/>
-              <a:t>‹#›</a:t>
+              <a:t>‹nº›</a:t>
             </a:fld>
             <a:endParaRPr lang="pt-BR"/>
           </a:p>
@@ -3053,7 +3071,7 @@
           <p:cNvPr id="2" name="Título 1">
             <a:extLst>
               <a:ext uri="{FF2B5EF4-FFF2-40B4-BE49-F238E27FC236}">
-                <a16:creationId xmlns:a16="http://schemas.microsoft.com/office/drawing/2014/main" xmlns="" id="{BC7BB9F0-F14B-4A91-B2B7-35BC47FE4DE7}"/>
+                <a16:creationId xmlns="" xmlns:a16="http://schemas.microsoft.com/office/drawing/2014/main" id="{BC7BB9F0-F14B-4A91-B2B7-35BC47FE4DE7}"/>
               </a:ext>
             </a:extLst>
           </p:cNvPr>
@@ -3081,7 +3099,7 @@
           <p:cNvPr id="3" name="Espaço Reservado para Conteúdo 2">
             <a:extLst>
               <a:ext uri="{FF2B5EF4-FFF2-40B4-BE49-F238E27FC236}">
-                <a16:creationId xmlns:a16="http://schemas.microsoft.com/office/drawing/2014/main" xmlns="" id="{EC1FC1C4-73DA-47A6-8496-B0B457F7D39A}"/>
+                <a16:creationId xmlns="" xmlns:a16="http://schemas.microsoft.com/office/drawing/2014/main" id="{EC1FC1C4-73DA-47A6-8496-B0B457F7D39A}"/>
               </a:ext>
             </a:extLst>
           </p:cNvPr>
@@ -3143,7 +3161,7 @@
           <p:cNvPr id="4" name="Espaço Reservado para Conteúdo 3">
             <a:extLst>
               <a:ext uri="{FF2B5EF4-FFF2-40B4-BE49-F238E27FC236}">
-                <a16:creationId xmlns:a16="http://schemas.microsoft.com/office/drawing/2014/main" xmlns="" id="{E92F06A8-A449-4D92-9912-76873E529B38}"/>
+                <a16:creationId xmlns="" xmlns:a16="http://schemas.microsoft.com/office/drawing/2014/main" id="{E92F06A8-A449-4D92-9912-76873E529B38}"/>
               </a:ext>
             </a:extLst>
           </p:cNvPr>
@@ -3205,7 +3223,7 @@
           <p:cNvPr id="5" name="Espaço Reservado para Data 4">
             <a:extLst>
               <a:ext uri="{FF2B5EF4-FFF2-40B4-BE49-F238E27FC236}">
-                <a16:creationId xmlns:a16="http://schemas.microsoft.com/office/drawing/2014/main" xmlns="" id="{938070A4-BC2F-4D55-BD8D-DEAF11BB9EE9}"/>
+                <a16:creationId xmlns="" xmlns:a16="http://schemas.microsoft.com/office/drawing/2014/main" id="{938070A4-BC2F-4D55-BD8D-DEAF11BB9EE9}"/>
               </a:ext>
             </a:extLst>
           </p:cNvPr>
@@ -3223,7 +3241,7 @@
           <a:p>
             <a:fld id="{63289F7E-B80B-496E-81B4-D396C37C9454}" type="datetimeFigureOut">
               <a:rPr lang="pt-BR" smtClean="0"/>
-              <a:t>07/10/2021</a:t>
+              <a:t>08/04/2022</a:t>
             </a:fld>
             <a:endParaRPr lang="pt-BR"/>
           </a:p>
@@ -3234,7 +3252,7 @@
           <p:cNvPr id="6" name="Espaço Reservado para Rodapé 5">
             <a:extLst>
               <a:ext uri="{FF2B5EF4-FFF2-40B4-BE49-F238E27FC236}">
-                <a16:creationId xmlns:a16="http://schemas.microsoft.com/office/drawing/2014/main" xmlns="" id="{45CC2DB8-844A-465F-BA9A-7734C80C7F43}"/>
+                <a16:creationId xmlns="" xmlns:a16="http://schemas.microsoft.com/office/drawing/2014/main" id="{45CC2DB8-844A-465F-BA9A-7734C80C7F43}"/>
               </a:ext>
             </a:extLst>
           </p:cNvPr>
@@ -3259,7 +3277,7 @@
           <p:cNvPr id="7" name="Espaço Reservado para Número de Slide 6">
             <a:extLst>
               <a:ext uri="{FF2B5EF4-FFF2-40B4-BE49-F238E27FC236}">
-                <a16:creationId xmlns:a16="http://schemas.microsoft.com/office/drawing/2014/main" xmlns="" id="{4CC606A8-097B-4040-94E0-CD8C88280D8F}"/>
+                <a16:creationId xmlns="" xmlns:a16="http://schemas.microsoft.com/office/drawing/2014/main" id="{4CC606A8-097B-4040-94E0-CD8C88280D8F}"/>
               </a:ext>
             </a:extLst>
           </p:cNvPr>
@@ -3277,7 +3295,7 @@
           <a:p>
             <a:fld id="{1A7E88B7-70CE-4035-AE73-13FA6FB985D4}" type="slidenum">
               <a:rPr lang="pt-BR" smtClean="0"/>
-              <a:t>‹#›</a:t>
+              <a:t>‹nº›</a:t>
             </a:fld>
             <a:endParaRPr lang="pt-BR"/>
           </a:p>
@@ -3318,7 +3336,7 @@
           <p:cNvPr id="2" name="Título 1">
             <a:extLst>
               <a:ext uri="{FF2B5EF4-FFF2-40B4-BE49-F238E27FC236}">
-                <a16:creationId xmlns:a16="http://schemas.microsoft.com/office/drawing/2014/main" xmlns="" id="{76D66686-0143-4CB6-8C09-BA326F1E7ACA}"/>
+                <a16:creationId xmlns="" xmlns:a16="http://schemas.microsoft.com/office/drawing/2014/main" id="{76D66686-0143-4CB6-8C09-BA326F1E7ACA}"/>
               </a:ext>
             </a:extLst>
           </p:cNvPr>
@@ -3351,7 +3369,7 @@
           <p:cNvPr id="3" name="Espaço Reservado para Texto 2">
             <a:extLst>
               <a:ext uri="{FF2B5EF4-FFF2-40B4-BE49-F238E27FC236}">
-                <a16:creationId xmlns:a16="http://schemas.microsoft.com/office/drawing/2014/main" xmlns="" id="{0227AB85-F59E-4BCE-B846-4FA0992C2F23}"/>
+                <a16:creationId xmlns="" xmlns:a16="http://schemas.microsoft.com/office/drawing/2014/main" id="{0227AB85-F59E-4BCE-B846-4FA0992C2F23}"/>
               </a:ext>
             </a:extLst>
           </p:cNvPr>
@@ -3422,7 +3440,7 @@
           <p:cNvPr id="4" name="Espaço Reservado para Conteúdo 3">
             <a:extLst>
               <a:ext uri="{FF2B5EF4-FFF2-40B4-BE49-F238E27FC236}">
-                <a16:creationId xmlns:a16="http://schemas.microsoft.com/office/drawing/2014/main" xmlns="" id="{3373456C-7319-4D0A-827D-D29F6B083F5D}"/>
+                <a16:creationId xmlns="" xmlns:a16="http://schemas.microsoft.com/office/drawing/2014/main" id="{3373456C-7319-4D0A-827D-D29F6B083F5D}"/>
               </a:ext>
             </a:extLst>
           </p:cNvPr>
@@ -3484,7 +3502,7 @@
           <p:cNvPr id="5" name="Espaço Reservado para Texto 4">
             <a:extLst>
               <a:ext uri="{FF2B5EF4-FFF2-40B4-BE49-F238E27FC236}">
-                <a16:creationId xmlns:a16="http://schemas.microsoft.com/office/drawing/2014/main" xmlns="" id="{4CD109D0-2E83-4262-8029-A871CEC47406}"/>
+                <a16:creationId xmlns="" xmlns:a16="http://schemas.microsoft.com/office/drawing/2014/main" id="{4CD109D0-2E83-4262-8029-A871CEC47406}"/>
               </a:ext>
             </a:extLst>
           </p:cNvPr>
@@ -3555,7 +3573,7 @@
           <p:cNvPr id="6" name="Espaço Reservado para Conteúdo 5">
             <a:extLst>
               <a:ext uri="{FF2B5EF4-FFF2-40B4-BE49-F238E27FC236}">
-                <a16:creationId xmlns:a16="http://schemas.microsoft.com/office/drawing/2014/main" xmlns="" id="{AD706E3A-CFBB-4A6C-A65F-D0360A9E74FE}"/>
+                <a16:creationId xmlns="" xmlns:a16="http://schemas.microsoft.com/office/drawing/2014/main" id="{AD706E3A-CFBB-4A6C-A65F-D0360A9E74FE}"/>
               </a:ext>
             </a:extLst>
           </p:cNvPr>
@@ -3617,7 +3635,7 @@
           <p:cNvPr id="7" name="Espaço Reservado para Data 6">
             <a:extLst>
               <a:ext uri="{FF2B5EF4-FFF2-40B4-BE49-F238E27FC236}">
-                <a16:creationId xmlns:a16="http://schemas.microsoft.com/office/drawing/2014/main" xmlns="" id="{4172C0E5-5AF0-4805-BB51-443733CD2BD5}"/>
+                <a16:creationId xmlns="" xmlns:a16="http://schemas.microsoft.com/office/drawing/2014/main" id="{4172C0E5-5AF0-4805-BB51-443733CD2BD5}"/>
               </a:ext>
             </a:extLst>
           </p:cNvPr>
@@ -3635,7 +3653,7 @@
           <a:p>
             <a:fld id="{63289F7E-B80B-496E-81B4-D396C37C9454}" type="datetimeFigureOut">
               <a:rPr lang="pt-BR" smtClean="0"/>
-              <a:t>07/10/2021</a:t>
+              <a:t>08/04/2022</a:t>
             </a:fld>
             <a:endParaRPr lang="pt-BR"/>
           </a:p>
@@ -3646,7 +3664,7 @@
           <p:cNvPr id="8" name="Espaço Reservado para Rodapé 7">
             <a:extLst>
               <a:ext uri="{FF2B5EF4-FFF2-40B4-BE49-F238E27FC236}">
-                <a16:creationId xmlns:a16="http://schemas.microsoft.com/office/drawing/2014/main" xmlns="" id="{0E801648-156F-497E-99CF-797DF48051E1}"/>
+                <a16:creationId xmlns="" xmlns:a16="http://schemas.microsoft.com/office/drawing/2014/main" id="{0E801648-156F-497E-99CF-797DF48051E1}"/>
               </a:ext>
             </a:extLst>
           </p:cNvPr>
@@ -3671,7 +3689,7 @@
           <p:cNvPr id="9" name="Espaço Reservado para Número de Slide 8">
             <a:extLst>
               <a:ext uri="{FF2B5EF4-FFF2-40B4-BE49-F238E27FC236}">
-                <a16:creationId xmlns:a16="http://schemas.microsoft.com/office/drawing/2014/main" xmlns="" id="{EEE23D32-80E7-4796-A137-66BF842E4B53}"/>
+                <a16:creationId xmlns="" xmlns:a16="http://schemas.microsoft.com/office/drawing/2014/main" id="{EEE23D32-80E7-4796-A137-66BF842E4B53}"/>
               </a:ext>
             </a:extLst>
           </p:cNvPr>
@@ -3689,7 +3707,7 @@
           <a:p>
             <a:fld id="{1A7E88B7-70CE-4035-AE73-13FA6FB985D4}" type="slidenum">
               <a:rPr lang="pt-BR" smtClean="0"/>
-              <a:t>‹#›</a:t>
+              <a:t>‹nº›</a:t>
             </a:fld>
             <a:endParaRPr lang="pt-BR"/>
           </a:p>
@@ -3730,7 +3748,7 @@
           <p:cNvPr id="2" name="Título 1">
             <a:extLst>
               <a:ext uri="{FF2B5EF4-FFF2-40B4-BE49-F238E27FC236}">
-                <a16:creationId xmlns:a16="http://schemas.microsoft.com/office/drawing/2014/main" xmlns="" id="{2BCE2379-C78F-47E1-8CFC-B846E7AF148D}"/>
+                <a16:creationId xmlns="" xmlns:a16="http://schemas.microsoft.com/office/drawing/2014/main" id="{2BCE2379-C78F-47E1-8CFC-B846E7AF148D}"/>
               </a:ext>
             </a:extLst>
           </p:cNvPr>
@@ -3758,7 +3776,7 @@
           <p:cNvPr id="3" name="Espaço Reservado para Data 2">
             <a:extLst>
               <a:ext uri="{FF2B5EF4-FFF2-40B4-BE49-F238E27FC236}">
-                <a16:creationId xmlns:a16="http://schemas.microsoft.com/office/drawing/2014/main" xmlns="" id="{342600A9-7F92-4E22-9D94-E4717252A817}"/>
+                <a16:creationId xmlns="" xmlns:a16="http://schemas.microsoft.com/office/drawing/2014/main" id="{342600A9-7F92-4E22-9D94-E4717252A817}"/>
               </a:ext>
             </a:extLst>
           </p:cNvPr>
@@ -3776,7 +3794,7 @@
           <a:p>
             <a:fld id="{63289F7E-B80B-496E-81B4-D396C37C9454}" type="datetimeFigureOut">
               <a:rPr lang="pt-BR" smtClean="0"/>
-              <a:t>07/10/2021</a:t>
+              <a:t>08/04/2022</a:t>
             </a:fld>
             <a:endParaRPr lang="pt-BR"/>
           </a:p>
@@ -3787,7 +3805,7 @@
           <p:cNvPr id="4" name="Espaço Reservado para Rodapé 3">
             <a:extLst>
               <a:ext uri="{FF2B5EF4-FFF2-40B4-BE49-F238E27FC236}">
-                <a16:creationId xmlns:a16="http://schemas.microsoft.com/office/drawing/2014/main" xmlns="" id="{192E6BED-F546-40CC-A2DF-99CBA853654E}"/>
+                <a16:creationId xmlns="" xmlns:a16="http://schemas.microsoft.com/office/drawing/2014/main" id="{192E6BED-F546-40CC-A2DF-99CBA853654E}"/>
               </a:ext>
             </a:extLst>
           </p:cNvPr>
@@ -3812,7 +3830,7 @@
           <p:cNvPr id="5" name="Espaço Reservado para Número de Slide 4">
             <a:extLst>
               <a:ext uri="{FF2B5EF4-FFF2-40B4-BE49-F238E27FC236}">
-                <a16:creationId xmlns:a16="http://schemas.microsoft.com/office/drawing/2014/main" xmlns="" id="{6091CC40-A8C4-4063-80EB-CC5099621678}"/>
+                <a16:creationId xmlns="" xmlns:a16="http://schemas.microsoft.com/office/drawing/2014/main" id="{6091CC40-A8C4-4063-80EB-CC5099621678}"/>
               </a:ext>
             </a:extLst>
           </p:cNvPr>
@@ -3830,7 +3848,7 @@
           <a:p>
             <a:fld id="{1A7E88B7-70CE-4035-AE73-13FA6FB985D4}" type="slidenum">
               <a:rPr lang="pt-BR" smtClean="0"/>
-              <a:t>‹#›</a:t>
+              <a:t>‹nº›</a:t>
             </a:fld>
             <a:endParaRPr lang="pt-BR"/>
           </a:p>
@@ -3871,7 +3889,7 @@
           <p:cNvPr id="2" name="Espaço Reservado para Data 1">
             <a:extLst>
               <a:ext uri="{FF2B5EF4-FFF2-40B4-BE49-F238E27FC236}">
-                <a16:creationId xmlns:a16="http://schemas.microsoft.com/office/drawing/2014/main" xmlns="" id="{DD19515C-212C-4EAE-84A3-8FF4BC844F1B}"/>
+                <a16:creationId xmlns="" xmlns:a16="http://schemas.microsoft.com/office/drawing/2014/main" id="{DD19515C-212C-4EAE-84A3-8FF4BC844F1B}"/>
               </a:ext>
             </a:extLst>
           </p:cNvPr>
@@ -3889,7 +3907,7 @@
           <a:p>
             <a:fld id="{63289F7E-B80B-496E-81B4-D396C37C9454}" type="datetimeFigureOut">
               <a:rPr lang="pt-BR" smtClean="0"/>
-              <a:t>07/10/2021</a:t>
+              <a:t>08/04/2022</a:t>
             </a:fld>
             <a:endParaRPr lang="pt-BR"/>
           </a:p>
@@ -3900,7 +3918,7 @@
           <p:cNvPr id="3" name="Espaço Reservado para Rodapé 2">
             <a:extLst>
               <a:ext uri="{FF2B5EF4-FFF2-40B4-BE49-F238E27FC236}">
-                <a16:creationId xmlns:a16="http://schemas.microsoft.com/office/drawing/2014/main" xmlns="" id="{94D3D120-B3E8-4C96-861D-7A4F12F49B3A}"/>
+                <a16:creationId xmlns="" xmlns:a16="http://schemas.microsoft.com/office/drawing/2014/main" id="{94D3D120-B3E8-4C96-861D-7A4F12F49B3A}"/>
               </a:ext>
             </a:extLst>
           </p:cNvPr>
@@ -3925,7 +3943,7 @@
           <p:cNvPr id="4" name="Espaço Reservado para Número de Slide 3">
             <a:extLst>
               <a:ext uri="{FF2B5EF4-FFF2-40B4-BE49-F238E27FC236}">
-                <a16:creationId xmlns:a16="http://schemas.microsoft.com/office/drawing/2014/main" xmlns="" id="{42E49B68-FA1B-468B-9F17-D5C09243D454}"/>
+                <a16:creationId xmlns="" xmlns:a16="http://schemas.microsoft.com/office/drawing/2014/main" id="{42E49B68-FA1B-468B-9F17-D5C09243D454}"/>
               </a:ext>
             </a:extLst>
           </p:cNvPr>
@@ -3943,7 +3961,7 @@
           <a:p>
             <a:fld id="{1A7E88B7-70CE-4035-AE73-13FA6FB985D4}" type="slidenum">
               <a:rPr lang="pt-BR" smtClean="0"/>
-              <a:t>‹#›</a:t>
+              <a:t>‹nº›</a:t>
             </a:fld>
             <a:endParaRPr lang="pt-BR"/>
           </a:p>
@@ -3984,7 +4002,7 @@
           <p:cNvPr id="2" name="Título 1">
             <a:extLst>
               <a:ext uri="{FF2B5EF4-FFF2-40B4-BE49-F238E27FC236}">
-                <a16:creationId xmlns:a16="http://schemas.microsoft.com/office/drawing/2014/main" xmlns="" id="{1C17BCBE-A897-4319-85EC-D87909C24980}"/>
+                <a16:creationId xmlns="" xmlns:a16="http://schemas.microsoft.com/office/drawing/2014/main" id="{1C17BCBE-A897-4319-85EC-D87909C24980}"/>
               </a:ext>
             </a:extLst>
           </p:cNvPr>
@@ -4021,7 +4039,7 @@
           <p:cNvPr id="3" name="Espaço Reservado para Conteúdo 2">
             <a:extLst>
               <a:ext uri="{FF2B5EF4-FFF2-40B4-BE49-F238E27FC236}">
-                <a16:creationId xmlns:a16="http://schemas.microsoft.com/office/drawing/2014/main" xmlns="" id="{4226F885-0204-4913-868B-4B8B82576F17}"/>
+                <a16:creationId xmlns="" xmlns:a16="http://schemas.microsoft.com/office/drawing/2014/main" id="{4226F885-0204-4913-868B-4B8B82576F17}"/>
               </a:ext>
             </a:extLst>
           </p:cNvPr>
@@ -4111,7 +4129,7 @@
           <p:cNvPr id="4" name="Espaço Reservado para Texto 3">
             <a:extLst>
               <a:ext uri="{FF2B5EF4-FFF2-40B4-BE49-F238E27FC236}">
-                <a16:creationId xmlns:a16="http://schemas.microsoft.com/office/drawing/2014/main" xmlns="" id="{00F9F784-A858-441B-8AB5-697098141751}"/>
+                <a16:creationId xmlns="" xmlns:a16="http://schemas.microsoft.com/office/drawing/2014/main" id="{00F9F784-A858-441B-8AB5-697098141751}"/>
               </a:ext>
             </a:extLst>
           </p:cNvPr>
@@ -4182,7 +4200,7 @@
           <p:cNvPr id="5" name="Espaço Reservado para Data 4">
             <a:extLst>
               <a:ext uri="{FF2B5EF4-FFF2-40B4-BE49-F238E27FC236}">
-                <a16:creationId xmlns:a16="http://schemas.microsoft.com/office/drawing/2014/main" xmlns="" id="{A4DC363A-5000-472E-8B17-02E7DCB8840A}"/>
+                <a16:creationId xmlns="" xmlns:a16="http://schemas.microsoft.com/office/drawing/2014/main" id="{A4DC363A-5000-472E-8B17-02E7DCB8840A}"/>
               </a:ext>
             </a:extLst>
           </p:cNvPr>
@@ -4200,7 +4218,7 @@
           <a:p>
             <a:fld id="{63289F7E-B80B-496E-81B4-D396C37C9454}" type="datetimeFigureOut">
               <a:rPr lang="pt-BR" smtClean="0"/>
-              <a:t>07/10/2021</a:t>
+              <a:t>08/04/2022</a:t>
             </a:fld>
             <a:endParaRPr lang="pt-BR"/>
           </a:p>
@@ -4211,7 +4229,7 @@
           <p:cNvPr id="6" name="Espaço Reservado para Rodapé 5">
             <a:extLst>
               <a:ext uri="{FF2B5EF4-FFF2-40B4-BE49-F238E27FC236}">
-                <a16:creationId xmlns:a16="http://schemas.microsoft.com/office/drawing/2014/main" xmlns="" id="{5548425D-2C21-4C56-BAD4-662978775C28}"/>
+                <a16:creationId xmlns="" xmlns:a16="http://schemas.microsoft.com/office/drawing/2014/main" id="{5548425D-2C21-4C56-BAD4-662978775C28}"/>
               </a:ext>
             </a:extLst>
           </p:cNvPr>
@@ -4236,7 +4254,7 @@
           <p:cNvPr id="7" name="Espaço Reservado para Número de Slide 6">
             <a:extLst>
               <a:ext uri="{FF2B5EF4-FFF2-40B4-BE49-F238E27FC236}">
-                <a16:creationId xmlns:a16="http://schemas.microsoft.com/office/drawing/2014/main" xmlns="" id="{C63E9726-E64C-42B2-AE8A-8C235A956B48}"/>
+                <a16:creationId xmlns="" xmlns:a16="http://schemas.microsoft.com/office/drawing/2014/main" id="{C63E9726-E64C-42B2-AE8A-8C235A956B48}"/>
               </a:ext>
             </a:extLst>
           </p:cNvPr>
@@ -4254,7 +4272,7 @@
           <a:p>
             <a:fld id="{1A7E88B7-70CE-4035-AE73-13FA6FB985D4}" type="slidenum">
               <a:rPr lang="pt-BR" smtClean="0"/>
-              <a:t>‹#›</a:t>
+              <a:t>‹nº›</a:t>
             </a:fld>
             <a:endParaRPr lang="pt-BR"/>
           </a:p>
@@ -4295,7 +4313,7 @@
           <p:cNvPr id="2" name="Título 1">
             <a:extLst>
               <a:ext uri="{FF2B5EF4-FFF2-40B4-BE49-F238E27FC236}">
-                <a16:creationId xmlns:a16="http://schemas.microsoft.com/office/drawing/2014/main" xmlns="" id="{11086A78-3E74-450C-96A6-CA8AC37AF772}"/>
+                <a16:creationId xmlns="" xmlns:a16="http://schemas.microsoft.com/office/drawing/2014/main" id="{11086A78-3E74-450C-96A6-CA8AC37AF772}"/>
               </a:ext>
             </a:extLst>
           </p:cNvPr>
@@ -4332,7 +4350,7 @@
           <p:cNvPr id="3" name="Espaço Reservado para Imagem 2">
             <a:extLst>
               <a:ext uri="{FF2B5EF4-FFF2-40B4-BE49-F238E27FC236}">
-                <a16:creationId xmlns:a16="http://schemas.microsoft.com/office/drawing/2014/main" xmlns="" id="{5F5B7312-975A-4DBC-9B2F-3652ADA006FD}"/>
+                <a16:creationId xmlns="" xmlns:a16="http://schemas.microsoft.com/office/drawing/2014/main" id="{5F5B7312-975A-4DBC-9B2F-3652ADA006FD}"/>
               </a:ext>
             </a:extLst>
           </p:cNvPr>
@@ -4399,7 +4417,7 @@
           <p:cNvPr id="4" name="Espaço Reservado para Texto 3">
             <a:extLst>
               <a:ext uri="{FF2B5EF4-FFF2-40B4-BE49-F238E27FC236}">
-                <a16:creationId xmlns:a16="http://schemas.microsoft.com/office/drawing/2014/main" xmlns="" id="{AAF805F5-1DFF-41C6-944C-7D79FE0D0963}"/>
+                <a16:creationId xmlns="" xmlns:a16="http://schemas.microsoft.com/office/drawing/2014/main" id="{AAF805F5-1DFF-41C6-944C-7D79FE0D0963}"/>
               </a:ext>
             </a:extLst>
           </p:cNvPr>
@@ -4470,7 +4488,7 @@
           <p:cNvPr id="5" name="Espaço Reservado para Data 4">
             <a:extLst>
               <a:ext uri="{FF2B5EF4-FFF2-40B4-BE49-F238E27FC236}">
-                <a16:creationId xmlns:a16="http://schemas.microsoft.com/office/drawing/2014/main" xmlns="" id="{02113D81-8665-4516-BD81-C6A1F254EECD}"/>
+                <a16:creationId xmlns="" xmlns:a16="http://schemas.microsoft.com/office/drawing/2014/main" id="{02113D81-8665-4516-BD81-C6A1F254EECD}"/>
               </a:ext>
             </a:extLst>
           </p:cNvPr>
@@ -4488,7 +4506,7 @@
           <a:p>
             <a:fld id="{63289F7E-B80B-496E-81B4-D396C37C9454}" type="datetimeFigureOut">
               <a:rPr lang="pt-BR" smtClean="0"/>
-              <a:t>07/10/2021</a:t>
+              <a:t>08/04/2022</a:t>
             </a:fld>
             <a:endParaRPr lang="pt-BR"/>
           </a:p>
@@ -4499,7 +4517,7 @@
           <p:cNvPr id="6" name="Espaço Reservado para Rodapé 5">
             <a:extLst>
               <a:ext uri="{FF2B5EF4-FFF2-40B4-BE49-F238E27FC236}">
-                <a16:creationId xmlns:a16="http://schemas.microsoft.com/office/drawing/2014/main" xmlns="" id="{2B00C88B-FF32-40AA-A187-727D96FD7862}"/>
+                <a16:creationId xmlns="" xmlns:a16="http://schemas.microsoft.com/office/drawing/2014/main" id="{2B00C88B-FF32-40AA-A187-727D96FD7862}"/>
               </a:ext>
             </a:extLst>
           </p:cNvPr>
@@ -4524,7 +4542,7 @@
           <p:cNvPr id="7" name="Espaço Reservado para Número de Slide 6">
             <a:extLst>
               <a:ext uri="{FF2B5EF4-FFF2-40B4-BE49-F238E27FC236}">
-                <a16:creationId xmlns:a16="http://schemas.microsoft.com/office/drawing/2014/main" xmlns="" id="{A04D1A2D-69F7-4B8F-A730-BC26DC340BA6}"/>
+                <a16:creationId xmlns="" xmlns:a16="http://schemas.microsoft.com/office/drawing/2014/main" id="{A04D1A2D-69F7-4B8F-A730-BC26DC340BA6}"/>
               </a:ext>
             </a:extLst>
           </p:cNvPr>
@@ -4542,7 +4560,7 @@
           <a:p>
             <a:fld id="{1A7E88B7-70CE-4035-AE73-13FA6FB985D4}" type="slidenum">
               <a:rPr lang="pt-BR" smtClean="0"/>
-              <a:t>‹#›</a:t>
+              <a:t>‹nº›</a:t>
             </a:fld>
             <a:endParaRPr lang="pt-BR"/>
           </a:p>
@@ -4588,7 +4606,7 @@
           <p:cNvPr id="2" name="Espaço Reservado para Título 1">
             <a:extLst>
               <a:ext uri="{FF2B5EF4-FFF2-40B4-BE49-F238E27FC236}">
-                <a16:creationId xmlns:a16="http://schemas.microsoft.com/office/drawing/2014/main" xmlns="" id="{E69A0273-1966-4A1B-9370-4C1CE5036371}"/>
+                <a16:creationId xmlns="" xmlns:a16="http://schemas.microsoft.com/office/drawing/2014/main" id="{E69A0273-1966-4A1B-9370-4C1CE5036371}"/>
               </a:ext>
             </a:extLst>
           </p:cNvPr>
@@ -4626,7 +4644,7 @@
           <p:cNvPr id="3" name="Espaço Reservado para Texto 2">
             <a:extLst>
               <a:ext uri="{FF2B5EF4-FFF2-40B4-BE49-F238E27FC236}">
-                <a16:creationId xmlns:a16="http://schemas.microsoft.com/office/drawing/2014/main" xmlns="" id="{3B9CF87A-0448-49A7-AB25-EBC1D56A40EF}"/>
+                <a16:creationId xmlns="" xmlns:a16="http://schemas.microsoft.com/office/drawing/2014/main" id="{3B9CF87A-0448-49A7-AB25-EBC1D56A40EF}"/>
               </a:ext>
             </a:extLst>
           </p:cNvPr>
@@ -4693,7 +4711,7 @@
           <p:cNvPr id="4" name="Espaço Reservado para Data 3">
             <a:extLst>
               <a:ext uri="{FF2B5EF4-FFF2-40B4-BE49-F238E27FC236}">
-                <a16:creationId xmlns:a16="http://schemas.microsoft.com/office/drawing/2014/main" xmlns="" id="{2EF7B1F2-BB5A-44D0-816D-16AD2C71430E}"/>
+                <a16:creationId xmlns="" xmlns:a16="http://schemas.microsoft.com/office/drawing/2014/main" id="{2EF7B1F2-BB5A-44D0-816D-16AD2C71430E}"/>
               </a:ext>
             </a:extLst>
           </p:cNvPr>
@@ -4729,7 +4747,7 @@
           <a:p>
             <a:fld id="{63289F7E-B80B-496E-81B4-D396C37C9454}" type="datetimeFigureOut">
               <a:rPr lang="pt-BR" smtClean="0"/>
-              <a:t>07/10/2021</a:t>
+              <a:t>08/04/2022</a:t>
             </a:fld>
             <a:endParaRPr lang="pt-BR"/>
           </a:p>
@@ -4740,7 +4758,7 @@
           <p:cNvPr id="5" name="Espaço Reservado para Rodapé 4">
             <a:extLst>
               <a:ext uri="{FF2B5EF4-FFF2-40B4-BE49-F238E27FC236}">
-                <a16:creationId xmlns:a16="http://schemas.microsoft.com/office/drawing/2014/main" xmlns="" id="{C703F94C-2CC8-4DAA-BC35-14FC3E841DCD}"/>
+                <a16:creationId xmlns="" xmlns:a16="http://schemas.microsoft.com/office/drawing/2014/main" id="{C703F94C-2CC8-4DAA-BC35-14FC3E841DCD}"/>
               </a:ext>
             </a:extLst>
           </p:cNvPr>
@@ -4783,7 +4801,7 @@
           <p:cNvPr id="6" name="Espaço Reservado para Número de Slide 5">
             <a:extLst>
               <a:ext uri="{FF2B5EF4-FFF2-40B4-BE49-F238E27FC236}">
-                <a16:creationId xmlns:a16="http://schemas.microsoft.com/office/drawing/2014/main" xmlns="" id="{64051336-7048-457A-8B61-D94291D71648}"/>
+                <a16:creationId xmlns="" xmlns:a16="http://schemas.microsoft.com/office/drawing/2014/main" id="{64051336-7048-457A-8B61-D94291D71648}"/>
               </a:ext>
             </a:extLst>
           </p:cNvPr>
@@ -4819,7 +4837,7 @@
           <a:p>
             <a:fld id="{1A7E88B7-70CE-4035-AE73-13FA6FB985D4}" type="slidenum">
               <a:rPr lang="pt-BR" smtClean="0"/>
-              <a:t>‹#›</a:t>
+              <a:t>‹nº›</a:t>
             </a:fld>
             <a:endParaRPr lang="pt-BR"/>
           </a:p>
@@ -5151,7 +5169,7 @@
           <p:cNvPr id="2" name="Título 1">
             <a:extLst>
               <a:ext uri="{FF2B5EF4-FFF2-40B4-BE49-F238E27FC236}">
-                <a16:creationId xmlns:a16="http://schemas.microsoft.com/office/drawing/2014/main" xmlns="" id="{32666AC8-2E17-4DB4-B0F5-60C640CCFD2E}"/>
+                <a16:creationId xmlns="" xmlns:a16="http://schemas.microsoft.com/office/drawing/2014/main" id="{32666AC8-2E17-4DB4-B0F5-60C640CCFD2E}"/>
               </a:ext>
             </a:extLst>
           </p:cNvPr>
@@ -5198,7 +5216,7 @@
           <p:cNvPr id="4" name="CaixaDeTexto 3">
             <a:extLst>
               <a:ext uri="{FF2B5EF4-FFF2-40B4-BE49-F238E27FC236}">
-                <a16:creationId xmlns:a16="http://schemas.microsoft.com/office/drawing/2014/main" xmlns="" id="{430EB894-B7D4-434C-9D1A-A14094D9BEEC}"/>
+                <a16:creationId xmlns="" xmlns:a16="http://schemas.microsoft.com/office/drawing/2014/main" id="{430EB894-B7D4-434C-9D1A-A14094D9BEEC}"/>
               </a:ext>
             </a:extLst>
           </p:cNvPr>
@@ -5239,7 +5257,7 @@
           <p:cNvPr id="1026" name="Picture 2" descr="Logo">
             <a:extLst>
               <a:ext uri="{FF2B5EF4-FFF2-40B4-BE49-F238E27FC236}">
-                <a16:creationId xmlns:a16="http://schemas.microsoft.com/office/drawing/2014/main" xmlns="" id="{3F2642E0-4F6A-4196-8F58-E77D36E9A33F}"/>
+                <a16:creationId xmlns="" xmlns:a16="http://schemas.microsoft.com/office/drawing/2014/main" id="{3F2642E0-4F6A-4196-8F58-E77D36E9A33F}"/>
               </a:ext>
             </a:extLst>
           </p:cNvPr>
@@ -5284,7 +5302,7 @@
           <p:cNvPr id="5122" name="Picture 2" descr="Image result for machine learning">
             <a:extLst>
               <a:ext uri="{FF2B5EF4-FFF2-40B4-BE49-F238E27FC236}">
-                <a16:creationId xmlns:a16="http://schemas.microsoft.com/office/drawing/2014/main" xmlns="" id="{810CE0A2-4102-44A6-A370-175E7896CDCB}"/>
+                <a16:creationId xmlns="" xmlns:a16="http://schemas.microsoft.com/office/drawing/2014/main" id="{810CE0A2-4102-44A6-A370-175E7896CDCB}"/>
               </a:ext>
             </a:extLst>
           </p:cNvPr>
@@ -5381,8 +5399,8 @@
           </a:p>
         </p:txBody>
       </p:sp>
-      <mc:AlternateContent xmlns:mc="http://schemas.openxmlformats.org/markup-compatibility/2006" xmlns:a14="http://schemas.microsoft.com/office/drawing/2010/main">
-        <mc:Choice Requires="a14">
+      <mc:AlternateContent xmlns:mc="http://schemas.openxmlformats.org/markup-compatibility/2006">
+        <mc:Choice xmlns:a14="http://schemas.microsoft.com/office/drawing/2010/main" Requires="a14">
           <p:sp>
             <p:nvSpPr>
               <p:cNvPr id="3" name="Content Placeholder 2"/>
@@ -5423,7 +5441,15 @@
                 </a:r>
                 <a:r>
                   <a:rPr lang="pt-BR" dirty="0"/>
-                  <a:t>, quantos deles são realmente positivos.</a:t>
+                  <a:t>, </a:t>
+                </a:r>
+                <a:r>
+                  <a:rPr lang="pt-BR" dirty="0" smtClean="0"/>
+                  <a:t>ou seja, quantos </a:t>
+                </a:r>
+                <a:r>
+                  <a:rPr lang="pt-BR" dirty="0"/>
+                  <a:t>deles são realmente positivos.</a:t>
                 </a:r>
               </a:p>
               <a:p>
@@ -5625,8 +5651,13 @@
                 </a:r>
                 <a:r>
                   <a:rPr lang="pt-BR" dirty="0"/>
-                  <a:t> não for alta.</a:t>
-                </a:r>
+                  <a:t> </a:t>
+                </a:r>
+                <a:r>
+                  <a:rPr lang="pt-BR" dirty="0" smtClean="0"/>
+                  <a:t>for baixa.</a:t>
+                </a:r>
+                <a:endParaRPr lang="pt-BR" dirty="0"/>
               </a:p>
               <a:p>
                 <a:r>
@@ -5831,7 +5862,7 @@
             </p:txBody>
           </p:sp>
         </mc:Choice>
-        <mc:Fallback xmlns="">
+        <mc:Fallback>
           <p:sp>
             <p:nvSpPr>
               <p:cNvPr id="3" name="Content Placeholder 2"/>
@@ -7018,7 +7049,6 @@
               <a:rPr lang="pt-BR" dirty="0"/>
               <a:t>Métricas para avaliação de classificadores</a:t>
             </a:r>
-            <a:endParaRPr lang="pt-BR" dirty="0"/>
           </a:p>
         </p:txBody>
       </p:sp>
@@ -8212,7 +8242,6 @@
               <a:rPr lang="pt-BR" dirty="0"/>
               <a:t>Métricas para avaliação de classificadores</a:t>
             </a:r>
-            <a:endParaRPr lang="pt-BR" dirty="0"/>
           </a:p>
         </p:txBody>
       </p:sp>
@@ -8401,8 +8430,12 @@
               <a:t>teria um </a:t>
             </a:r>
             <a:r>
+              <a:rPr lang="pt-BR" b="1" dirty="0"/>
+              <a:t>ponto</a:t>
+            </a:r>
+            <a:r>
               <a:rPr lang="pt-BR" dirty="0"/>
-              <a:t>ponto no canto superior esquerdo </a:t>
+              <a:t> no canto superior esquerdo </a:t>
             </a:r>
             <a:r>
               <a:rPr lang="pt-BR" dirty="0" smtClean="0"/>
@@ -8561,12 +8594,11 @@
               <a:rPr lang="pt-BR" dirty="0"/>
               <a:t>Métricas para avaliação de classificadores</a:t>
             </a:r>
-            <a:endParaRPr lang="pt-BR" dirty="0"/>
           </a:p>
         </p:txBody>
       </p:sp>
-      <mc:AlternateContent xmlns:mc="http://schemas.openxmlformats.org/markup-compatibility/2006" xmlns:a14="http://schemas.microsoft.com/office/drawing/2010/main">
-        <mc:Choice Requires="a14">
+      <mc:AlternateContent xmlns:mc="http://schemas.openxmlformats.org/markup-compatibility/2006">
+        <mc:Choice xmlns:a14="http://schemas.microsoft.com/office/drawing/2010/main" Requires="a14">
           <p:sp>
             <p:nvSpPr>
               <p:cNvPr id="3" name="Content Placeholder 2"/>
@@ -8628,47 +8660,60 @@
                 </a:r>
                 <a:r>
                   <a:rPr lang="pt-BR" dirty="0" smtClean="0"/>
-                  <a:t> para cada um. </a:t>
-                </a:r>
-              </a:p>
-              <a:p>
+                  <a:t> para cada </a:t>
+                </a:r>
                 <a:r>
                   <a:rPr lang="pt-BR" dirty="0" smtClean="0"/>
-                  <a:t>Em geral, </a:t>
-                </a:r>
-                <a:r>
-                  <a:rPr lang="pt-BR" b="1" i="1" dirty="0" smtClean="0"/>
-                  <a:t>classificadores</a:t>
-                </a:r>
-                <a:r>
-                  <a:rPr lang="pt-BR" dirty="0" smtClean="0"/>
-                  <a:t> </a:t>
-                </a:r>
-                <a:r>
-                  <a:rPr lang="pt-BR" dirty="0"/>
-                  <a:t>produzem uma saída </a:t>
-                </a:r>
-                <a:r>
-                  <a:rPr lang="pt-BR" dirty="0" smtClean="0"/>
-                  <a:t>real (i.e, uma probabilidade) </a:t>
-                </a:r>
-                <a:r>
-                  <a:rPr lang="pt-BR" dirty="0"/>
-                  <a:t>para cada </a:t>
-                </a:r>
-                <a:r>
-                  <a:rPr lang="pt-BR" dirty="0" smtClean="0"/>
-                  <a:t>exemplo de </a:t>
-                </a:r>
-                <a:r>
-                  <a:rPr lang="pt-BR" dirty="0"/>
-                  <a:t>entrada. </a:t>
+                  <a:t>um deles. </a:t>
                 </a:r>
                 <a:endParaRPr lang="pt-BR" dirty="0" smtClean="0"/>
               </a:p>
               <a:p>
                 <a:r>
                   <a:rPr lang="pt-BR" dirty="0" smtClean="0"/>
+                  <a:t>Em geral, </a:t>
+                </a:r>
+                <a:r>
+                  <a:rPr lang="pt-BR" b="1" i="1" dirty="0" smtClean="0"/>
+                  <a:t>classificadores</a:t>
+                </a:r>
+                <a:r>
+                  <a:rPr lang="pt-BR" dirty="0" smtClean="0"/>
+                  <a:t> </a:t>
+                </a:r>
+                <a:r>
+                  <a:rPr lang="pt-BR" dirty="0"/>
+                  <a:t>produzem uma </a:t>
+                </a:r>
+                <a:r>
+                  <a:rPr lang="pt-BR" dirty="0" smtClean="0"/>
+                  <a:t>saída </a:t>
+                </a:r>
+                <a:r>
+                  <a:rPr lang="pt-BR" dirty="0" smtClean="0"/>
+                  <a:t>uma </a:t>
+                </a:r>
+                <a:r>
+                  <a:rPr lang="pt-BR" dirty="0" smtClean="0"/>
+                  <a:t>probabilidade </a:t>
+                </a:r>
+                <a:r>
+                  <a:rPr lang="pt-BR" dirty="0"/>
+                  <a:t>para cada </a:t>
+                </a:r>
+                <a:r>
+                  <a:rPr lang="pt-BR" dirty="0" smtClean="0"/>
+                  <a:t>exemplo de </a:t>
+                </a:r>
+                <a:r>
+                  <a:rPr lang="pt-BR" dirty="0"/>
+                  <a:t>entrada. </a:t>
+                </a:r>
+                <a:endParaRPr lang="pt-BR" dirty="0" smtClean="0"/>
+              </a:p>
+              <a:p>
+                <a:r>
+                  <a:rPr lang="pt-BR" dirty="0" smtClean="0"/>
                   <a:t>Normalmente</a:t>
                 </a:r>
                 <a:r>
@@ -8677,7 +8722,7 @@
                 </a:r>
                 <a:r>
                   <a:rPr lang="pt-BR" dirty="0" smtClean="0"/>
-                  <a:t>se </a:t>
+                  <a:t>se o valor de </a:t>
                 </a:r>
                 <a14:m>
                   <m:oMath xmlns:m="http://schemas.openxmlformats.org/officeDocument/2006/math">
@@ -8768,11 +8813,23 @@
                 </a:r>
                 <a:r>
                   <a:rPr lang="pt-BR" dirty="0" smtClean="0"/>
-                  <a:t>, ela </a:t>
+                  <a:t>, </a:t>
+                </a:r>
+                <a:r>
+                  <a:rPr lang="pt-BR" dirty="0" smtClean="0"/>
+                  <a:t>ele </a:t>
                 </a:r>
                 <a:r>
                   <a:rPr lang="pt-BR" dirty="0"/>
-                  <a:t>é mapeada no valor 1 (classe </a:t>
+                  <a:t>é </a:t>
+                </a:r>
+                <a:r>
+                  <a:rPr lang="pt-BR" dirty="0" smtClean="0"/>
+                  <a:t>mapeado </a:t>
+                </a:r>
+                <a:r>
+                  <a:rPr lang="pt-BR" dirty="0"/>
+                  <a:t>no valor 1 (classe </a:t>
                 </a:r>
                 <a:r>
                   <a:rPr lang="pt-BR" dirty="0" smtClean="0"/>
@@ -8813,7 +8870,23 @@
                 </a:r>
                 <a:r>
                   <a:rPr lang="pt-BR" dirty="0"/>
-                  <a:t>caso contrário, ela é mapeada no valor 0 (classe </a:t>
+                  <a:t>caso contrário, </a:t>
+                </a:r>
+                <a:r>
+                  <a:rPr lang="pt-BR" dirty="0" smtClean="0"/>
+                  <a:t>ele </a:t>
+                </a:r>
+                <a:r>
+                  <a:rPr lang="pt-BR" dirty="0"/>
+                  <a:t>é </a:t>
+                </a:r>
+                <a:r>
+                  <a:rPr lang="pt-BR" dirty="0" smtClean="0"/>
+                  <a:t>mapeado </a:t>
+                </a:r>
+                <a:r>
+                  <a:rPr lang="pt-BR" dirty="0"/>
+                  <a:t>no valor 0 (classe </a:t>
                 </a:r>
                 <a:r>
                   <a:rPr lang="pt-BR" dirty="0" smtClean="0"/>
@@ -8860,7 +8933,15 @@
                 </a:r>
                 <a:r>
                   <a:rPr lang="pt-BR" dirty="0"/>
-                  <a:t>assim, ao plotar a </a:t>
+                  <a:t>assim, ao </a:t>
+                </a:r>
+                <a:r>
+                  <a:rPr lang="pt-BR" dirty="0" smtClean="0"/>
+                  <a:t>plotarmos </a:t>
+                </a:r>
+                <a:r>
+                  <a:rPr lang="pt-BR" dirty="0"/>
+                  <a:t>a </a:t>
                 </a:r>
                 <a:r>
                   <a:rPr lang="pt-BR" b="1" i="1" dirty="0"/>
@@ -8926,7 +9007,7 @@
             </p:txBody>
           </p:sp>
         </mc:Choice>
-        <mc:Fallback xmlns="">
+        <mc:Fallback>
           <p:sp>
             <p:nvSpPr>
               <p:cNvPr id="3" name="Content Placeholder 2"/>
@@ -8945,7 +9026,7 @@
               <a:blipFill rotWithShape="0">
                 <a:blip r:embed="rId2"/>
                 <a:stretch>
-                  <a:fillRect l="-1400" t="-3027" r="-1166"/>
+                  <a:fillRect l="-1400" t="-3027" r="-1322"/>
                 </a:stretch>
               </a:blipFill>
             </p:spPr>
@@ -9061,7 +9142,6 @@
               <a:rPr lang="pt-BR" dirty="0"/>
               <a:t>Métricas para avaliação de classificadores</a:t>
             </a:r>
-            <a:endParaRPr lang="pt-BR" dirty="0"/>
           </a:p>
         </p:txBody>
       </p:sp>
@@ -9648,7 +9728,7 @@
           <p:cNvPr id="4" name="Título 1">
             <a:extLst>
               <a:ext uri="{FF2B5EF4-FFF2-40B4-BE49-F238E27FC236}">
-                <a16:creationId xmlns:a16="http://schemas.microsoft.com/office/drawing/2014/main" xmlns="" id="{32666AC8-2E17-4DB4-B0F5-60C640CCFD2E}"/>
+                <a16:creationId xmlns="" xmlns:a16="http://schemas.microsoft.com/office/drawing/2014/main" id="{32666AC8-2E17-4DB4-B0F5-60C640CCFD2E}"/>
               </a:ext>
             </a:extLst>
           </p:cNvPr>
@@ -9876,7 +9956,11 @@
           <a:p>
             <a:r>
               <a:rPr lang="pt-BR" dirty="0" smtClean="0"/>
-              <a:t>Nesta aula, veremos várias </a:t>
+              <a:t>Nesta aula, veremos </a:t>
+            </a:r>
+            <a:r>
+              <a:rPr lang="pt-BR" dirty="0" smtClean="0"/>
+              <a:t>as </a:t>
             </a:r>
             <a:r>
               <a:rPr lang="pt-BR" b="1" dirty="0" smtClean="0"/>
@@ -9884,7 +9968,11 @@
             </a:r>
             <a:r>
               <a:rPr lang="pt-BR" dirty="0" smtClean="0"/>
-              <a:t> utilizadas para medir o </a:t>
+              <a:t> mais utilizadas </a:t>
+            </a:r>
+            <a:r>
+              <a:rPr lang="pt-BR" dirty="0" smtClean="0"/>
+              <a:t>para medir o </a:t>
             </a:r>
             <a:r>
               <a:rPr lang="pt-BR" b="1" dirty="0" smtClean="0"/>
@@ -9956,7 +10044,6 @@
               <a:rPr lang="pt-BR" dirty="0"/>
               <a:t>Métricas para avaliação de classificadores</a:t>
             </a:r>
-            <a:endParaRPr lang="pt-BR" dirty="0"/>
           </a:p>
         </p:txBody>
       </p:sp>
@@ -10120,12 +10207,11 @@
               <a:rPr lang="pt-BR" dirty="0"/>
               <a:t>Métricas para avaliação de classificadores</a:t>
             </a:r>
-            <a:endParaRPr lang="pt-BR" dirty="0"/>
           </a:p>
         </p:txBody>
       </p:sp>
-      <mc:AlternateContent xmlns:mc="http://schemas.openxmlformats.org/markup-compatibility/2006">
-        <mc:Choice xmlns:a14="http://schemas.microsoft.com/office/drawing/2010/main" Requires="a14">
+      <mc:AlternateContent xmlns:mc="http://schemas.openxmlformats.org/markup-compatibility/2006" xmlns:a14="http://schemas.microsoft.com/office/drawing/2010/main">
+        <mc:Choice Requires="a14">
           <p:sp>
             <p:nvSpPr>
               <p:cNvPr id="3" name="Content Placeholder 2"/>
@@ -10846,15 +10932,7 @@
                 </a:r>
                 <a:r>
                   <a:rPr lang="pt-BR" dirty="0" smtClean="0"/>
-                  <a:t>, e é </a:t>
-                </a:r>
-                <a:r>
-                  <a:rPr lang="pt-BR" dirty="0" smtClean="0"/>
-                  <a:t>definido </a:t>
-                </a:r>
-                <a:r>
-                  <a:rPr lang="pt-BR" dirty="0" smtClean="0"/>
-                  <a:t>por</a:t>
+                  <a:t>, e é definido por</a:t>
                 </a:r>
               </a:p>
               <a:p>
@@ -11010,7 +11088,7 @@
             </p:txBody>
           </p:sp>
         </mc:Choice>
-        <mc:Fallback>
+        <mc:Fallback xmlns="">
           <p:sp>
             <p:nvSpPr>
               <p:cNvPr id="3" name="Content Placeholder 2"/>
@@ -11109,12 +11187,11 @@
               <a:rPr lang="pt-BR" dirty="0"/>
               <a:t>Métricas para avaliação de classificadores</a:t>
             </a:r>
-            <a:endParaRPr lang="pt-BR" dirty="0"/>
           </a:p>
         </p:txBody>
       </p:sp>
-      <mc:AlternateContent xmlns:mc="http://schemas.openxmlformats.org/markup-compatibility/2006" xmlns:a14="http://schemas.microsoft.com/office/drawing/2010/main">
-        <mc:Choice Requires="a14">
+      <mc:AlternateContent xmlns:mc="http://schemas.openxmlformats.org/markup-compatibility/2006">
+        <mc:Choice xmlns:a14="http://schemas.microsoft.com/office/drawing/2010/main" Requires="a14">
           <p:sp>
             <p:nvSpPr>
               <p:cNvPr id="3" name="Content Placeholder 2"/>
@@ -11181,8 +11258,17 @@
                 </a:r>
                 <a:r>
                   <a:rPr lang="pt-BR" sz="3200" dirty="0" smtClean="0"/>
-                  <a:t> as classes).</a:t>
-                </a:r>
+                  <a:t> </a:t>
+                </a:r>
+                <a:r>
+                  <a:rPr lang="pt-BR" sz="3200" dirty="0" smtClean="0"/>
+                  <a:t>os exemplos</a:t>
+                </a:r>
+                <a:r>
+                  <a:rPr lang="pt-BR" sz="3200" dirty="0" smtClean="0"/>
+                  <a:t>).</a:t>
+                </a:r>
+                <a:endParaRPr lang="pt-BR" sz="3200" dirty="0" smtClean="0"/>
               </a:p>
               <a:p>
                 <a:r>
@@ -11920,7 +12006,7 @@
             </p:txBody>
           </p:sp>
         </mc:Choice>
-        <mc:Fallback xmlns="">
+        <mc:Fallback>
           <p:sp>
             <p:nvSpPr>
               <p:cNvPr id="3" name="Content Placeholder 2"/>
@@ -12517,7 +12603,6 @@
               <a:rPr lang="pt-BR" dirty="0"/>
               <a:t>Métricas para avaliação de classificadores</a:t>
             </a:r>
-            <a:endParaRPr lang="pt-BR" dirty="0"/>
           </a:p>
         </p:txBody>
       </p:sp>
@@ -14761,8 +14846,8 @@
           </a:p>
         </p:txBody>
       </p:sp>
-      <mc:AlternateContent xmlns:mc="http://schemas.openxmlformats.org/markup-compatibility/2006">
-        <mc:Choice xmlns:a14="http://schemas.microsoft.com/office/drawing/2010/main" Requires="a14">
+      <mc:AlternateContent xmlns:mc="http://schemas.openxmlformats.org/markup-compatibility/2006" xmlns:a14="http://schemas.microsoft.com/office/drawing/2010/main">
+        <mc:Choice Requires="a14">
           <p:sp>
             <p:nvSpPr>
               <p:cNvPr id="6" name="TextBox 5"/>
@@ -14814,7 +14899,7 @@
             </p:txBody>
           </p:sp>
         </mc:Choice>
-        <mc:Fallback>
+        <mc:Fallback xmlns="">
           <p:sp>
             <p:nvSpPr>
               <p:cNvPr id="6" name="TextBox 5"/>
@@ -14914,7 +14999,6 @@
               <a:rPr lang="pt-BR" dirty="0"/>
               <a:t>Métricas para avaliação de classificadores</a:t>
             </a:r>
-            <a:endParaRPr lang="pt-BR" dirty="0"/>
           </a:p>
         </p:txBody>
       </p:sp>
@@ -16004,7 +16088,6 @@
               <a:rPr lang="pt-BR" dirty="0"/>
               <a:t>Métricas para avaliação de classificadores</a:t>
             </a:r>
-            <a:endParaRPr lang="pt-BR" dirty="0"/>
           </a:p>
         </p:txBody>
       </p:sp>
@@ -16872,8 +16955,8 @@
           </a:p>
         </p:txBody>
       </p:sp>
-      <mc:AlternateContent xmlns:mc="http://schemas.openxmlformats.org/markup-compatibility/2006" xmlns:a14="http://schemas.microsoft.com/office/drawing/2010/main">
-        <mc:Choice Requires="a14">
+      <mc:AlternateContent xmlns:mc="http://schemas.openxmlformats.org/markup-compatibility/2006">
+        <mc:Choice xmlns:a14="http://schemas.microsoft.com/office/drawing/2010/main" Requires="a14">
           <p:sp>
             <p:nvSpPr>
               <p:cNvPr id="3" name="Content Placeholder 2"/>
@@ -17017,11 +17100,23 @@
                 </a:r>
                 <a:r>
                   <a:rPr lang="pt-BR" dirty="0"/>
-                  <a:t>sendo a classe positiva, enquanto todas as demais classes formam a classe </a:t>
+                  <a:t>sendo a classe </a:t>
                 </a:r>
                 <a:r>
                   <a:rPr lang="pt-BR" dirty="0" smtClean="0"/>
-                  <a:t>negativa. Assim</a:t>
+                  <a:t>positiva (+), </a:t>
+                </a:r>
+                <a:r>
+                  <a:rPr lang="pt-BR" dirty="0"/>
+                  <a:t>enquanto todas as demais classes formam a classe </a:t>
+                </a:r>
+                <a:r>
+                  <a:rPr lang="pt-BR" dirty="0" smtClean="0"/>
+                  <a:t>negativa (-). </a:t>
+                </a:r>
+                <a:r>
+                  <a:rPr lang="pt-BR" dirty="0" smtClean="0"/>
+                  <a:t>Assim</a:t>
                 </a:r>
                 <a:r>
                   <a:rPr lang="pt-BR" dirty="0"/>
@@ -17069,7 +17164,7 @@
             </p:txBody>
           </p:sp>
         </mc:Choice>
-        <mc:Fallback xmlns="">
+        <mc:Fallback>
           <p:sp>
             <p:nvSpPr>
               <p:cNvPr id="3" name="Content Placeholder 2"/>
@@ -17088,7 +17183,7 @@
               <a:blipFill rotWithShape="0">
                 <a:blip r:embed="rId2"/>
                 <a:stretch>
-                  <a:fillRect l="-980" t="-3532" r="-327"/>
+                  <a:fillRect l="-980" t="-3532"/>
                 </a:stretch>
               </a:blipFill>
             </p:spPr>
@@ -17116,13 +17211,13 @@
           <p:nvPr>
             <p:extLst>
               <p:ext uri="{D42A27DB-BD31-4B8C-83A1-F6EECF244321}">
-                <p14:modId xmlns:p14="http://schemas.microsoft.com/office/powerpoint/2010/main" val="4011069007"/>
+                <p14:modId xmlns:p14="http://schemas.microsoft.com/office/powerpoint/2010/main" val="1951765769"/>
               </p:ext>
             </p:extLst>
           </p:nvPr>
         </p:nvGraphicFramePr>
         <p:xfrm>
-          <a:off x="56269" y="4439654"/>
+          <a:off x="56269" y="4573216"/>
           <a:ext cx="3877409" cy="2164854"/>
         </p:xfrm>
         <a:graphic>
@@ -18410,13 +18505,13 @@
           <p:nvPr>
             <p:extLst>
               <p:ext uri="{D42A27DB-BD31-4B8C-83A1-F6EECF244321}">
-                <p14:modId xmlns:p14="http://schemas.microsoft.com/office/powerpoint/2010/main" val="151157646"/>
+                <p14:modId xmlns:p14="http://schemas.microsoft.com/office/powerpoint/2010/main" val="3589037146"/>
               </p:ext>
             </p:extLst>
           </p:nvPr>
         </p:nvGraphicFramePr>
         <p:xfrm>
-          <a:off x="4098536" y="4439653"/>
+          <a:off x="4098536" y="4573215"/>
           <a:ext cx="3919612" cy="2164854"/>
         </p:xfrm>
         <a:graphic>
@@ -19839,13 +19934,13 @@
           <p:nvPr>
             <p:extLst>
               <p:ext uri="{D42A27DB-BD31-4B8C-83A1-F6EECF244321}">
-                <p14:modId xmlns:p14="http://schemas.microsoft.com/office/powerpoint/2010/main" val="666691108"/>
+                <p14:modId xmlns:p14="http://schemas.microsoft.com/office/powerpoint/2010/main" val="1375671223"/>
               </p:ext>
             </p:extLst>
           </p:nvPr>
         </p:nvGraphicFramePr>
         <p:xfrm>
-          <a:off x="8183008" y="4439653"/>
+          <a:off x="8183008" y="4573215"/>
           <a:ext cx="3919612" cy="2164854"/>
         </p:xfrm>
         <a:graphic>
@@ -21325,6 +21420,330 @@
           </a:graphicData>
         </a:graphic>
       </p:graphicFrame>
+      <mc:AlternateContent xmlns:mc="http://schemas.openxmlformats.org/markup-compatibility/2006">
+        <mc:Choice xmlns:a14="http://schemas.microsoft.com/office/drawing/2010/main" Requires="a14">
+          <p:sp>
+            <p:nvSpPr>
+              <p:cNvPr id="7" name="CaixaDeTexto 6"/>
+              <p:cNvSpPr txBox="1"/>
+              <p:nvPr/>
+            </p:nvSpPr>
+            <p:spPr>
+              <a:xfrm>
+                <a:off x="1294544" y="4234661"/>
+                <a:ext cx="2639132" cy="338554"/>
+              </a:xfrm>
+              <a:prstGeom prst="rect">
+                <a:avLst/>
+              </a:prstGeom>
+              <a:noFill/>
+            </p:spPr>
+            <p:txBody>
+              <a:bodyPr wrap="square" rtlCol="0">
+                <a:spAutoFit/>
+              </a:bodyPr>
+              <a:lstStyle/>
+              <a:p>
+                <a:pPr algn="ctr"/>
+                <a:r>
+                  <a:rPr lang="pt-BR" sz="1600" dirty="0" smtClean="0"/>
+                  <a:t>Class </a:t>
+                </a:r>
+                <a14:m>
+                  <m:oMath xmlns:m="http://schemas.openxmlformats.org/officeDocument/2006/math">
+                    <m:sSub>
+                      <m:sSubPr>
+                        <m:ctrlPr>
+                          <a:rPr lang="pt-BR" sz="1600" i="1">
+                            <a:latin typeface="Cambria Math" panose="02040503050406030204" pitchFamily="18" charset="0"/>
+                          </a:rPr>
+                        </m:ctrlPr>
+                      </m:sSubPr>
+                      <m:e>
+                        <m:r>
+                          <a:rPr lang="pt-BR" sz="1600" i="1">
+                            <a:latin typeface="Cambria Math" panose="02040503050406030204" pitchFamily="18" charset="0"/>
+                          </a:rPr>
+                          <m:t>𝐶</m:t>
+                        </m:r>
+                      </m:e>
+                      <m:sub>
+                        <m:r>
+                          <a:rPr lang="pt-BR" sz="1600" b="0" i="1" smtClean="0">
+                            <a:latin typeface="Cambria Math" panose="02040503050406030204" pitchFamily="18" charset="0"/>
+                          </a:rPr>
+                          <m:t>1</m:t>
+                        </m:r>
+                      </m:sub>
+                    </m:sSub>
+                  </m:oMath>
+                </a14:m>
+                <a:r>
+                  <a:rPr lang="pt-BR" sz="1600" dirty="0" smtClean="0"/>
+                  <a:t>é a positiva.</a:t>
+                </a:r>
+                <a:endParaRPr lang="pt-BR" sz="1600" dirty="0"/>
+              </a:p>
+            </p:txBody>
+          </p:sp>
+        </mc:Choice>
+        <mc:Fallback>
+          <p:sp>
+            <p:nvSpPr>
+              <p:cNvPr id="7" name="CaixaDeTexto 6"/>
+              <p:cNvSpPr txBox="1">
+                <a:spLocks noRot="1" noChangeAspect="1" noMove="1" noResize="1" noEditPoints="1" noAdjustHandles="1" noChangeArrowheads="1" noChangeShapeType="1" noTextEdit="1"/>
+              </p:cNvSpPr>
+              <p:nvPr/>
+            </p:nvSpPr>
+            <p:spPr>
+              <a:xfrm>
+                <a:off x="1294544" y="4234661"/>
+                <a:ext cx="2639132" cy="338554"/>
+              </a:xfrm>
+              <a:prstGeom prst="rect">
+                <a:avLst/>
+              </a:prstGeom>
+              <a:blipFill rotWithShape="0">
+                <a:blip r:embed="rId3"/>
+                <a:stretch>
+                  <a:fillRect t="-5455" b="-23636"/>
+                </a:stretch>
+              </a:blipFill>
+            </p:spPr>
+            <p:txBody>
+              <a:bodyPr/>
+              <a:lstStyle/>
+              <a:p>
+                <a:r>
+                  <a:rPr lang="pt-BR">
+                    <a:noFill/>
+                  </a:rPr>
+                  <a:t> </a:t>
+                </a:r>
+              </a:p>
+            </p:txBody>
+          </p:sp>
+        </mc:Fallback>
+      </mc:AlternateContent>
+      <mc:AlternateContent xmlns:mc="http://schemas.openxmlformats.org/markup-compatibility/2006">
+        <mc:Choice xmlns:a14="http://schemas.microsoft.com/office/drawing/2010/main" Requires="a14">
+          <p:sp>
+            <p:nvSpPr>
+              <p:cNvPr id="8" name="CaixaDeTexto 7"/>
+              <p:cNvSpPr txBox="1"/>
+              <p:nvPr/>
+            </p:nvSpPr>
+            <p:spPr>
+              <a:xfrm>
+                <a:off x="5383658" y="4234661"/>
+                <a:ext cx="2634490" cy="338554"/>
+              </a:xfrm>
+              <a:prstGeom prst="rect">
+                <a:avLst/>
+              </a:prstGeom>
+              <a:noFill/>
+            </p:spPr>
+            <p:txBody>
+              <a:bodyPr wrap="square" rtlCol="0">
+                <a:spAutoFit/>
+              </a:bodyPr>
+              <a:lstStyle/>
+              <a:p>
+                <a:pPr algn="ctr"/>
+                <a:r>
+                  <a:rPr lang="pt-BR" sz="1600" dirty="0" smtClean="0"/>
+                  <a:t>Class </a:t>
+                </a:r>
+                <a14:m>
+                  <m:oMath xmlns:m="http://schemas.openxmlformats.org/officeDocument/2006/math">
+                    <m:sSub>
+                      <m:sSubPr>
+                        <m:ctrlPr>
+                          <a:rPr lang="pt-BR" sz="1600" i="1">
+                            <a:latin typeface="Cambria Math" panose="02040503050406030204" pitchFamily="18" charset="0"/>
+                          </a:rPr>
+                        </m:ctrlPr>
+                      </m:sSubPr>
+                      <m:e>
+                        <m:r>
+                          <a:rPr lang="pt-BR" sz="1600" i="1">
+                            <a:latin typeface="Cambria Math" panose="02040503050406030204" pitchFamily="18" charset="0"/>
+                          </a:rPr>
+                          <m:t>𝐶</m:t>
+                        </m:r>
+                      </m:e>
+                      <m:sub>
+                        <m:r>
+                          <a:rPr lang="pt-BR" sz="1600" b="0" i="1" smtClean="0">
+                            <a:latin typeface="Cambria Math" panose="02040503050406030204" pitchFamily="18" charset="0"/>
+                          </a:rPr>
+                          <m:t>2</m:t>
+                        </m:r>
+                      </m:sub>
+                    </m:sSub>
+                  </m:oMath>
+                </a14:m>
+                <a:r>
+                  <a:rPr lang="pt-BR" sz="1600" dirty="0" smtClean="0"/>
+                  <a:t> é a positiva.</a:t>
+                </a:r>
+                <a:endParaRPr lang="pt-BR" sz="1600" dirty="0"/>
+              </a:p>
+            </p:txBody>
+          </p:sp>
+        </mc:Choice>
+        <mc:Fallback>
+          <p:sp>
+            <p:nvSpPr>
+              <p:cNvPr id="8" name="CaixaDeTexto 7"/>
+              <p:cNvSpPr txBox="1">
+                <a:spLocks noRot="1" noChangeAspect="1" noMove="1" noResize="1" noEditPoints="1" noAdjustHandles="1" noChangeArrowheads="1" noChangeShapeType="1" noTextEdit="1"/>
+              </p:cNvSpPr>
+              <p:nvPr/>
+            </p:nvSpPr>
+            <p:spPr>
+              <a:xfrm>
+                <a:off x="5383658" y="4234661"/>
+                <a:ext cx="2634490" cy="338554"/>
+              </a:xfrm>
+              <a:prstGeom prst="rect">
+                <a:avLst/>
+              </a:prstGeom>
+              <a:blipFill rotWithShape="0">
+                <a:blip r:embed="rId4"/>
+                <a:stretch>
+                  <a:fillRect t="-5455" b="-23636"/>
+                </a:stretch>
+              </a:blipFill>
+            </p:spPr>
+            <p:txBody>
+              <a:bodyPr/>
+              <a:lstStyle/>
+              <a:p>
+                <a:r>
+                  <a:rPr lang="pt-BR">
+                    <a:noFill/>
+                  </a:rPr>
+                  <a:t> </a:t>
+                </a:r>
+              </a:p>
+            </p:txBody>
+          </p:sp>
+        </mc:Fallback>
+      </mc:AlternateContent>
+      <mc:AlternateContent xmlns:mc="http://schemas.openxmlformats.org/markup-compatibility/2006">
+        <mc:Choice xmlns:a14="http://schemas.microsoft.com/office/drawing/2010/main" Requires="a14">
+          <p:sp>
+            <p:nvSpPr>
+              <p:cNvPr id="9" name="CaixaDeTexto 8"/>
+              <p:cNvSpPr txBox="1"/>
+              <p:nvPr/>
+            </p:nvSpPr>
+            <p:spPr>
+              <a:xfrm>
+                <a:off x="9468128" y="4234661"/>
+                <a:ext cx="2613389" cy="338554"/>
+              </a:xfrm>
+              <a:prstGeom prst="rect">
+                <a:avLst/>
+              </a:prstGeom>
+              <a:noFill/>
+            </p:spPr>
+            <p:txBody>
+              <a:bodyPr wrap="square" rtlCol="0">
+                <a:spAutoFit/>
+              </a:bodyPr>
+              <a:lstStyle/>
+              <a:p>
+                <a:pPr algn="ctr"/>
+                <a:r>
+                  <a:rPr lang="pt-BR" sz="1600" dirty="0" smtClean="0"/>
+                  <a:t>Class </a:t>
+                </a:r>
+                <a14:m>
+                  <m:oMath xmlns:m="http://schemas.openxmlformats.org/officeDocument/2006/math">
+                    <m:sSub>
+                      <m:sSubPr>
+                        <m:ctrlPr>
+                          <a:rPr lang="pt-BR" sz="1600" i="1">
+                            <a:latin typeface="Cambria Math" panose="02040503050406030204" pitchFamily="18" charset="0"/>
+                          </a:rPr>
+                        </m:ctrlPr>
+                      </m:sSubPr>
+                      <m:e>
+                        <m:r>
+                          <a:rPr lang="pt-BR" sz="1600" i="1">
+                            <a:latin typeface="Cambria Math" panose="02040503050406030204" pitchFamily="18" charset="0"/>
+                          </a:rPr>
+                          <m:t>𝐶</m:t>
+                        </m:r>
+                      </m:e>
+                      <m:sub>
+                        <m:r>
+                          <a:rPr lang="pt-BR" sz="1600" b="0" i="1" smtClean="0">
+                            <a:latin typeface="Cambria Math" panose="02040503050406030204" pitchFamily="18" charset="0"/>
+                          </a:rPr>
+                          <m:t>3</m:t>
+                        </m:r>
+                      </m:sub>
+                    </m:sSub>
+                    <m:r>
+                      <a:rPr lang="pt-BR" sz="1600" b="0" i="1" smtClean="0">
+                        <a:latin typeface="Cambria Math" panose="02040503050406030204" pitchFamily="18" charset="0"/>
+                      </a:rPr>
+                      <m:t> </m:t>
+                    </m:r>
+                  </m:oMath>
+                </a14:m>
+                <a:r>
+                  <a:rPr lang="pt-BR" sz="1600" dirty="0" smtClean="0"/>
+                  <a:t>é a positiva.</a:t>
+                </a:r>
+                <a:endParaRPr lang="pt-BR" sz="1600" dirty="0"/>
+              </a:p>
+            </p:txBody>
+          </p:sp>
+        </mc:Choice>
+        <mc:Fallback>
+          <p:sp>
+            <p:nvSpPr>
+              <p:cNvPr id="9" name="CaixaDeTexto 8"/>
+              <p:cNvSpPr txBox="1">
+                <a:spLocks noRot="1" noChangeAspect="1" noMove="1" noResize="1" noEditPoints="1" noAdjustHandles="1" noChangeArrowheads="1" noChangeShapeType="1" noTextEdit="1"/>
+              </p:cNvSpPr>
+              <p:nvPr/>
+            </p:nvSpPr>
+            <p:spPr>
+              <a:xfrm>
+                <a:off x="9468128" y="4234661"/>
+                <a:ext cx="2613389" cy="338554"/>
+              </a:xfrm>
+              <a:prstGeom prst="rect">
+                <a:avLst/>
+              </a:prstGeom>
+              <a:blipFill rotWithShape="0">
+                <a:blip r:embed="rId5"/>
+                <a:stretch>
+                  <a:fillRect t="-5455" b="-23636"/>
+                </a:stretch>
+              </a:blipFill>
+            </p:spPr>
+            <p:txBody>
+              <a:bodyPr/>
+              <a:lstStyle/>
+              <a:p>
+                <a:r>
+                  <a:rPr lang="pt-BR">
+                    <a:noFill/>
+                  </a:rPr>
+                  <a:t> </a:t>
+                </a:r>
+              </a:p>
+            </p:txBody>
+          </p:sp>
+        </mc:Fallback>
+      </mc:AlternateContent>
     </p:spTree>
     <p:extLst>
       <p:ext uri="{BB962C8B-B14F-4D97-AF65-F5344CB8AC3E}">

--- a/slides/T320_Classificação (Parte V).pptx
+++ b/slides/T320_Classificação (Parte V).pptx
@@ -292,7 +292,7 @@
           <a:p>
             <a:fld id="{144F1436-6906-4D93-B7A2-786C327BFA14}" type="datetimeFigureOut">
               <a:rPr lang="nl-BE" smtClean="0"/>
-              <a:t>23/09/2022</a:t>
+              <a:t>7/10/2022</a:t>
             </a:fld>
             <a:endParaRPr lang="nl-BE"/>
           </a:p>
@@ -457,7 +457,7 @@
           <a:p>
             <a:fld id="{AA8CD09E-2914-4F47-B6C1-51B2C31814C9}" type="datetimeFigureOut">
               <a:rPr lang="pt-BR" smtClean="0"/>
-              <a:t>23/09/2022</a:t>
+              <a:t>07/10/2022</a:t>
             </a:fld>
             <a:endParaRPr lang="pt-BR"/>
           </a:p>
@@ -2092,7 +2092,7 @@
           <a:p>
             <a:fld id="{63289F7E-B80B-496E-81B4-D396C37C9454}" type="datetimeFigureOut">
               <a:rPr lang="pt-BR" smtClean="0"/>
-              <a:t>23/09/2022</a:t>
+              <a:t>07/10/2022</a:t>
             </a:fld>
             <a:endParaRPr lang="pt-BR"/>
           </a:p>
@@ -2290,7 +2290,7 @@
           <a:p>
             <a:fld id="{63289F7E-B80B-496E-81B4-D396C37C9454}" type="datetimeFigureOut">
               <a:rPr lang="pt-BR" smtClean="0"/>
-              <a:t>23/09/2022</a:t>
+              <a:t>07/10/2022</a:t>
             </a:fld>
             <a:endParaRPr lang="pt-BR"/>
           </a:p>
@@ -2498,7 +2498,7 @@
           <a:p>
             <a:fld id="{63289F7E-B80B-496E-81B4-D396C37C9454}" type="datetimeFigureOut">
               <a:rPr lang="pt-BR" smtClean="0"/>
-              <a:t>23/09/2022</a:t>
+              <a:t>07/10/2022</a:t>
             </a:fld>
             <a:endParaRPr lang="pt-BR"/>
           </a:p>
@@ -2696,7 +2696,7 @@
           <a:p>
             <a:fld id="{63289F7E-B80B-496E-81B4-D396C37C9454}" type="datetimeFigureOut">
               <a:rPr lang="pt-BR" smtClean="0"/>
-              <a:t>23/09/2022</a:t>
+              <a:t>07/10/2022</a:t>
             </a:fld>
             <a:endParaRPr lang="pt-BR"/>
           </a:p>
@@ -2971,7 +2971,7 @@
           <a:p>
             <a:fld id="{63289F7E-B80B-496E-81B4-D396C37C9454}" type="datetimeFigureOut">
               <a:rPr lang="pt-BR" smtClean="0"/>
-              <a:t>23/09/2022</a:t>
+              <a:t>07/10/2022</a:t>
             </a:fld>
             <a:endParaRPr lang="pt-BR"/>
           </a:p>
@@ -3236,7 +3236,7 @@
           <a:p>
             <a:fld id="{63289F7E-B80B-496E-81B4-D396C37C9454}" type="datetimeFigureOut">
               <a:rPr lang="pt-BR" smtClean="0"/>
-              <a:t>23/09/2022</a:t>
+              <a:t>07/10/2022</a:t>
             </a:fld>
             <a:endParaRPr lang="pt-BR"/>
           </a:p>
@@ -3648,7 +3648,7 @@
           <a:p>
             <a:fld id="{63289F7E-B80B-496E-81B4-D396C37C9454}" type="datetimeFigureOut">
               <a:rPr lang="pt-BR" smtClean="0"/>
-              <a:t>23/09/2022</a:t>
+              <a:t>07/10/2022</a:t>
             </a:fld>
             <a:endParaRPr lang="pt-BR"/>
           </a:p>
@@ -3789,7 +3789,7 @@
           <a:p>
             <a:fld id="{63289F7E-B80B-496E-81B4-D396C37C9454}" type="datetimeFigureOut">
               <a:rPr lang="pt-BR" smtClean="0"/>
-              <a:t>23/09/2022</a:t>
+              <a:t>07/10/2022</a:t>
             </a:fld>
             <a:endParaRPr lang="pt-BR"/>
           </a:p>
@@ -3902,7 +3902,7 @@
           <a:p>
             <a:fld id="{63289F7E-B80B-496E-81B4-D396C37C9454}" type="datetimeFigureOut">
               <a:rPr lang="pt-BR" smtClean="0"/>
-              <a:t>23/09/2022</a:t>
+              <a:t>07/10/2022</a:t>
             </a:fld>
             <a:endParaRPr lang="pt-BR"/>
           </a:p>
@@ -4213,7 +4213,7 @@
           <a:p>
             <a:fld id="{63289F7E-B80B-496E-81B4-D396C37C9454}" type="datetimeFigureOut">
               <a:rPr lang="pt-BR" smtClean="0"/>
-              <a:t>23/09/2022</a:t>
+              <a:t>07/10/2022</a:t>
             </a:fld>
             <a:endParaRPr lang="pt-BR"/>
           </a:p>
@@ -4501,7 +4501,7 @@
           <a:p>
             <a:fld id="{63289F7E-B80B-496E-81B4-D396C37C9454}" type="datetimeFigureOut">
               <a:rPr lang="pt-BR" smtClean="0"/>
-              <a:t>23/09/2022</a:t>
+              <a:t>07/10/2022</a:t>
             </a:fld>
             <a:endParaRPr lang="pt-BR"/>
           </a:p>
@@ -4742,7 +4742,7 @@
           <a:p>
             <a:fld id="{63289F7E-B80B-496E-81B4-D396C37C9454}" type="datetimeFigureOut">
               <a:rPr lang="pt-BR" smtClean="0"/>
-              <a:t>23/09/2022</a:t>
+              <a:t>07/10/2022</a:t>
             </a:fld>
             <a:endParaRPr lang="pt-BR"/>
           </a:p>
@@ -5394,8 +5394,8 @@
           </a:p>
         </p:txBody>
       </p:sp>
-      <mc:AlternateContent xmlns:mc="http://schemas.openxmlformats.org/markup-compatibility/2006">
-        <mc:Choice xmlns:a14="http://schemas.microsoft.com/office/drawing/2010/main" Requires="a14">
+      <mc:AlternateContent xmlns:mc="http://schemas.openxmlformats.org/markup-compatibility/2006" xmlns:a14="http://schemas.microsoft.com/office/drawing/2010/main">
+        <mc:Choice Requires="a14">
           <p:sp>
             <p:nvSpPr>
               <p:cNvPr id="3" name="Content Placeholder 2"/>
@@ -5901,7 +5901,7 @@
             </p:txBody>
           </p:sp>
         </mc:Choice>
-        <mc:Fallback>
+        <mc:Fallback xmlns="">
           <p:sp>
             <p:nvSpPr>
               <p:cNvPr id="3" name="Content Placeholder 2"/>
@@ -6031,8 +6031,8 @@
           </a:p>
         </p:txBody>
       </p:sp>
-      <mc:AlternateContent xmlns:mc="http://schemas.openxmlformats.org/markup-compatibility/2006">
-        <mc:Choice xmlns:a14="http://schemas.microsoft.com/office/drawing/2010/main" Requires="a14">
+      <mc:AlternateContent xmlns:mc="http://schemas.openxmlformats.org/markup-compatibility/2006" xmlns:a14="http://schemas.microsoft.com/office/drawing/2010/main">
+        <mc:Choice Requires="a14">
           <p:sp>
             <p:nvSpPr>
               <p:cNvPr id="6" name="Rectangle 5"/>
@@ -6144,7 +6144,7 @@
             </p:txBody>
           </p:sp>
         </mc:Choice>
-        <mc:Fallback>
+        <mc:Fallback xmlns="">
           <p:sp>
             <p:nvSpPr>
               <p:cNvPr id="6" name="Rectangle 5"/>
@@ -6229,8 +6229,8 @@
           </a:p>
         </p:txBody>
       </p:sp>
-      <mc:AlternateContent xmlns:mc="http://schemas.openxmlformats.org/markup-compatibility/2006">
-        <mc:Choice xmlns:a14="http://schemas.microsoft.com/office/drawing/2010/main" Requires="a14">
+      <mc:AlternateContent xmlns:mc="http://schemas.openxmlformats.org/markup-compatibility/2006" xmlns:a14="http://schemas.microsoft.com/office/drawing/2010/main">
+        <mc:Choice Requires="a14">
           <p:sp>
             <p:nvSpPr>
               <p:cNvPr id="8" name="Rectangle 5"/>
@@ -6342,7 +6342,7 @@
             </p:txBody>
           </p:sp>
         </mc:Choice>
-        <mc:Fallback>
+        <mc:Fallback xmlns="">
           <p:sp>
             <p:nvSpPr>
               <p:cNvPr id="8" name="Rectangle 5"/>
@@ -8680,242 +8680,335 @@
           </a:p>
         </p:txBody>
       </p:sp>
-      <p:sp>
-        <p:nvSpPr>
-          <p:cNvPr id="3" name="Content Placeholder 2"/>
-          <p:cNvSpPr>
-            <a:spLocks noGrp="1"/>
-          </p:cNvSpPr>
-          <p:nvPr>
-            <p:ph idx="1"/>
-          </p:nvPr>
-        </p:nvSpPr>
-        <p:spPr>
-          <a:xfrm>
-            <a:off x="838199" y="1547446"/>
-            <a:ext cx="6695667" cy="5310554"/>
-          </a:xfrm>
-        </p:spPr>
-        <p:txBody>
-          <a:bodyPr>
-            <a:normAutofit fontScale="85000" lnSpcReduction="20000"/>
-          </a:bodyPr>
-          <a:lstStyle/>
-          <a:p>
-            <a:r>
-              <a:rPr lang="pt-BR" dirty="0" smtClean="0"/>
-              <a:t>Gráfico que mostra a performance de um </a:t>
-            </a:r>
-            <a:r>
-              <a:rPr lang="pt-BR" b="1" i="1" dirty="0"/>
-              <a:t>classificador binário </a:t>
-            </a:r>
-            <a:r>
-              <a:rPr lang="pt-BR" dirty="0"/>
-              <a:t>conforme </a:t>
-            </a:r>
-            <a:r>
-              <a:rPr lang="pt-BR" dirty="0" smtClean="0"/>
-              <a:t>seu </a:t>
-            </a:r>
-            <a:r>
-              <a:rPr lang="pt-BR" b="1" i="1" dirty="0" smtClean="0"/>
-              <a:t>limiar de </a:t>
-            </a:r>
-            <a:r>
-              <a:rPr lang="pt-BR" b="1" i="1" dirty="0"/>
-              <a:t>discriminação </a:t>
-            </a:r>
-            <a:r>
-              <a:rPr lang="pt-BR" dirty="0"/>
-              <a:t>é </a:t>
-            </a:r>
-            <a:r>
-              <a:rPr lang="pt-BR" dirty="0" smtClean="0"/>
-              <a:t>variado.</a:t>
-            </a:r>
-            <a:endParaRPr lang="pt-BR" dirty="0"/>
-          </a:p>
-          <a:p>
-            <a:r>
-              <a:rPr lang="pt-BR" dirty="0" smtClean="0"/>
-              <a:t>A curva é criada plotando-se o </a:t>
-            </a:r>
-            <a:r>
-              <a:rPr lang="pt-BR" b="1" i="1" dirty="0" smtClean="0"/>
-              <a:t>recall</a:t>
-            </a:r>
-            <a:r>
-              <a:rPr lang="pt-BR" dirty="0" smtClean="0"/>
-              <a:t> em </a:t>
-            </a:r>
-            <a:r>
-              <a:rPr lang="pt-BR" dirty="0"/>
-              <a:t>função da </a:t>
-            </a:r>
-            <a:r>
-              <a:rPr lang="pt-BR" b="1" i="1" dirty="0"/>
-              <a:t>taxa de </a:t>
-            </a:r>
-            <a:r>
-              <a:rPr lang="pt-BR" b="1" i="1" dirty="0" smtClean="0"/>
-              <a:t>falsos positivos </a:t>
-            </a:r>
-            <a:r>
-              <a:rPr lang="pt-BR" dirty="0" smtClean="0"/>
-              <a:t>para vários valores de </a:t>
-            </a:r>
-            <a:r>
-              <a:rPr lang="pt-BR" b="1" i="1" dirty="0" smtClean="0"/>
-              <a:t>limiar de discriminação</a:t>
-            </a:r>
-            <a:r>
-              <a:rPr lang="pt-BR" dirty="0" smtClean="0"/>
-              <a:t>.</a:t>
-            </a:r>
-          </a:p>
-          <a:p>
-            <a:r>
-              <a:rPr lang="pt-BR" dirty="0" smtClean="0"/>
-              <a:t>Quanto </a:t>
-            </a:r>
-            <a:r>
-              <a:rPr lang="pt-BR" dirty="0"/>
-              <a:t>mais à esquerda e para cima </a:t>
-            </a:r>
-            <a:r>
-              <a:rPr lang="pt-BR" dirty="0" smtClean="0"/>
-              <a:t>estiver a </a:t>
-            </a:r>
-            <a:r>
-              <a:rPr lang="pt-BR" b="1" i="1" dirty="0" smtClean="0"/>
-              <a:t>curva ROC </a:t>
-            </a:r>
-            <a:r>
-              <a:rPr lang="pt-BR" dirty="0" smtClean="0"/>
-              <a:t>de </a:t>
-            </a:r>
-            <a:r>
-              <a:rPr lang="pt-BR" dirty="0"/>
-              <a:t>um </a:t>
-            </a:r>
-            <a:r>
-              <a:rPr lang="pt-BR" b="1" i="1" dirty="0"/>
-              <a:t>classificador</a:t>
-            </a:r>
-            <a:r>
-              <a:rPr lang="pt-BR" dirty="0"/>
-              <a:t>, melhor será o seu desempenho. </a:t>
-            </a:r>
-            <a:endParaRPr lang="pt-BR" dirty="0" smtClean="0"/>
-          </a:p>
-          <a:p>
-            <a:r>
-              <a:rPr lang="pt-BR" dirty="0" smtClean="0"/>
-              <a:t>A </a:t>
-            </a:r>
-            <a:r>
-              <a:rPr lang="pt-BR" dirty="0"/>
-              <a:t>linha </a:t>
-            </a:r>
-            <a:r>
-              <a:rPr lang="pt-BR" dirty="0" smtClean="0"/>
-              <a:t>em vermelho, </a:t>
-            </a:r>
-            <a:r>
-              <a:rPr lang="pt-BR" dirty="0"/>
-              <a:t>está associada a um </a:t>
-            </a:r>
-            <a:r>
-              <a:rPr lang="pt-BR" b="1" i="1" dirty="0" smtClean="0"/>
-              <a:t>classificador puramente aleatório</a:t>
-            </a:r>
-            <a:r>
-              <a:rPr lang="pt-BR" dirty="0" smtClean="0"/>
-              <a:t>. Um </a:t>
-            </a:r>
-            <a:r>
-              <a:rPr lang="pt-BR" dirty="0"/>
-              <a:t>bom </a:t>
-            </a:r>
-            <a:r>
-              <a:rPr lang="pt-BR" b="1" i="1" dirty="0"/>
-              <a:t>classificador</a:t>
-            </a:r>
-            <a:r>
-              <a:rPr lang="pt-BR" dirty="0"/>
-              <a:t> fica o mais longe possível dessa linha (em direção ao canto superior esquerdo</a:t>
-            </a:r>
-            <a:r>
-              <a:rPr lang="pt-BR" dirty="0" smtClean="0"/>
-              <a:t>).</a:t>
-            </a:r>
-          </a:p>
-          <a:p>
-            <a:r>
-              <a:rPr lang="pt-BR" dirty="0"/>
-              <a:t>Um </a:t>
-            </a:r>
-            <a:r>
-              <a:rPr lang="pt-BR" b="1" i="1" dirty="0"/>
-              <a:t>classificador perfeito </a:t>
-            </a:r>
-            <a:r>
-              <a:rPr lang="pt-BR" dirty="0" smtClean="0"/>
-              <a:t>teria um </a:t>
-            </a:r>
-            <a:r>
-              <a:rPr lang="pt-BR" b="1" dirty="0"/>
-              <a:t>ponto</a:t>
-            </a:r>
-            <a:r>
-              <a:rPr lang="pt-BR" dirty="0"/>
-              <a:t> no canto superior esquerdo </a:t>
-            </a:r>
-            <a:r>
-              <a:rPr lang="pt-BR" dirty="0" smtClean="0"/>
-              <a:t>da </a:t>
-            </a:r>
-            <a:r>
-              <a:rPr lang="pt-BR" dirty="0"/>
-              <a:t>curva ROC, representando 100% de </a:t>
-            </a:r>
-            <a:r>
-              <a:rPr lang="pt-BR" b="1" i="1" dirty="0" smtClean="0"/>
-              <a:t>recall</a:t>
-            </a:r>
-            <a:r>
-              <a:rPr lang="pt-BR" dirty="0" smtClean="0"/>
-              <a:t> (ou seja, sem </a:t>
-            </a:r>
-            <a:r>
-              <a:rPr lang="pt-BR" dirty="0"/>
-              <a:t>falsos negativos) e 100% de </a:t>
-            </a:r>
-            <a:r>
-              <a:rPr lang="pt-BR" b="1" i="1" dirty="0"/>
-              <a:t>especificidade</a:t>
-            </a:r>
-            <a:r>
-              <a:rPr lang="pt-BR" dirty="0"/>
-              <a:t> </a:t>
-            </a:r>
-            <a:r>
-              <a:rPr lang="pt-BR" dirty="0" smtClean="0"/>
-              <a:t>(ou seja, sem </a:t>
-            </a:r>
-            <a:r>
-              <a:rPr lang="pt-BR" dirty="0"/>
-              <a:t>falsos positivos</a:t>
-            </a:r>
-            <a:r>
-              <a:rPr lang="pt-BR" dirty="0" smtClean="0"/>
-              <a:t>).</a:t>
-            </a:r>
-            <a:endParaRPr lang="pt-BR" dirty="0"/>
-          </a:p>
-        </p:txBody>
-      </p:sp>
+      <mc:AlternateContent xmlns:mc="http://schemas.openxmlformats.org/markup-compatibility/2006" xmlns:a14="http://schemas.microsoft.com/office/drawing/2010/main">
+        <mc:Choice Requires="a14">
+          <p:sp>
+            <p:nvSpPr>
+              <p:cNvPr id="3" name="Content Placeholder 2"/>
+              <p:cNvSpPr>
+                <a:spLocks noGrp="1"/>
+              </p:cNvSpPr>
+              <p:nvPr>
+                <p:ph idx="1"/>
+              </p:nvPr>
+            </p:nvSpPr>
+            <p:spPr>
+              <a:xfrm>
+                <a:off x="838199" y="1547446"/>
+                <a:ext cx="6695667" cy="5310554"/>
+              </a:xfrm>
+            </p:spPr>
+            <p:txBody>
+              <a:bodyPr>
+                <a:normAutofit fontScale="85000" lnSpcReduction="20000"/>
+              </a:bodyPr>
+              <a:lstStyle/>
+              <a:p>
+                <a:r>
+                  <a:rPr lang="pt-BR" dirty="0" smtClean="0"/>
+                  <a:t>Gráfico que mostra a performance de um </a:t>
+                </a:r>
+                <a:r>
+                  <a:rPr lang="pt-BR" b="1" i="1" dirty="0"/>
+                  <a:t>classificador binário </a:t>
+                </a:r>
+                <a:r>
+                  <a:rPr lang="pt-BR" dirty="0"/>
+                  <a:t>conforme </a:t>
+                </a:r>
+                <a:r>
+                  <a:rPr lang="pt-BR" dirty="0" smtClean="0"/>
+                  <a:t>seu </a:t>
+                </a:r>
+                <a:r>
+                  <a:rPr lang="pt-BR" b="1" i="1" dirty="0" smtClean="0"/>
+                  <a:t>limiar de discriminação</a:t>
+                </a:r>
+                <a:r>
+                  <a:rPr lang="pt-BR" dirty="0" smtClean="0"/>
+                  <a:t>, </a:t>
+                </a:r>
+                <a:r>
+                  <a:rPr lang="pt-BR" b="1" i="1" dirty="0" smtClean="0"/>
+                  <a:t>T</a:t>
+                </a:r>
+                <a:r>
+                  <a:rPr lang="pt-BR" dirty="0" smtClean="0"/>
+                  <a:t>,</a:t>
+                </a:r>
+                <a:r>
+                  <a:rPr lang="pt-BR" b="1" i="1" dirty="0" smtClean="0"/>
+                  <a:t> </a:t>
+                </a:r>
+                <a:r>
+                  <a:rPr lang="pt-BR" dirty="0"/>
+                  <a:t>é </a:t>
+                </a:r>
+                <a:r>
+                  <a:rPr lang="pt-BR" dirty="0" smtClean="0"/>
+                  <a:t>variado.</a:t>
+                </a:r>
+                <a:endParaRPr lang="pt-BR" dirty="0"/>
+              </a:p>
+              <a:p>
+                <a:r>
+                  <a:rPr lang="pt-BR" dirty="0" smtClean="0"/>
+                  <a:t>A curva é criada plotando-se o </a:t>
+                </a:r>
+                <a:r>
+                  <a:rPr lang="pt-BR" b="1" i="1" dirty="0" smtClean="0"/>
+                  <a:t>recall</a:t>
+                </a:r>
+                <a:r>
+                  <a:rPr lang="pt-BR" dirty="0" smtClean="0"/>
+                  <a:t> em </a:t>
+                </a:r>
+                <a:r>
+                  <a:rPr lang="pt-BR" dirty="0"/>
+                  <a:t>função da </a:t>
+                </a:r>
+                <a:r>
+                  <a:rPr lang="pt-BR" b="1" i="1" dirty="0"/>
+                  <a:t>taxa de </a:t>
+                </a:r>
+                <a:r>
+                  <a:rPr lang="pt-BR" b="1" i="1" dirty="0" smtClean="0"/>
+                  <a:t>falsos positivos </a:t>
+                </a:r>
+                <a:r>
+                  <a:rPr lang="pt-BR" dirty="0" smtClean="0"/>
+                  <a:t>para vários valores de </a:t>
+                </a:r>
+                <a:r>
+                  <a:rPr lang="pt-BR" b="1" i="1" dirty="0" smtClean="0"/>
+                  <a:t>limiar de discriminação</a:t>
+                </a:r>
+                <a:r>
+                  <a:rPr lang="pt-BR" dirty="0" smtClean="0"/>
+                  <a:t>, </a:t>
+                </a:r>
+                <a:r>
+                  <a:rPr lang="pt-BR" b="1" i="1" dirty="0" smtClean="0"/>
+                  <a:t>T</a:t>
+                </a:r>
+                <a:r>
+                  <a:rPr lang="pt-BR" dirty="0" smtClean="0"/>
+                  <a:t>.</a:t>
+                </a:r>
+              </a:p>
+              <a:p>
+                <a:r>
+                  <a:rPr lang="pt-BR" dirty="0" smtClean="0"/>
+                  <a:t>Quanto </a:t>
+                </a:r>
+                <a:r>
+                  <a:rPr lang="pt-BR" dirty="0"/>
+                  <a:t>mais à esquerda e para cima </a:t>
+                </a:r>
+                <a:r>
+                  <a:rPr lang="pt-BR" dirty="0" smtClean="0"/>
+                  <a:t>estiver a </a:t>
+                </a:r>
+                <a:r>
+                  <a:rPr lang="pt-BR" b="1" i="1" dirty="0" smtClean="0"/>
+                  <a:t>curva ROC </a:t>
+                </a:r>
+                <a:r>
+                  <a:rPr lang="pt-BR" dirty="0" smtClean="0"/>
+                  <a:t>de </a:t>
+                </a:r>
+                <a:r>
+                  <a:rPr lang="pt-BR" dirty="0"/>
+                  <a:t>um </a:t>
+                </a:r>
+                <a:r>
+                  <a:rPr lang="pt-BR" b="1" i="1" dirty="0"/>
+                  <a:t>classificador</a:t>
+                </a:r>
+                <a:r>
+                  <a:rPr lang="pt-BR" dirty="0"/>
+                  <a:t>, melhor será o seu desempenho. </a:t>
+                </a:r>
+                <a:endParaRPr lang="pt-BR" dirty="0" smtClean="0"/>
+              </a:p>
+              <a:p>
+                <a:r>
+                  <a:rPr lang="pt-BR" dirty="0" smtClean="0"/>
+                  <a:t>A </a:t>
+                </a:r>
+                <a:r>
+                  <a:rPr lang="pt-BR" dirty="0"/>
+                  <a:t>linha </a:t>
+                </a:r>
+                <a:r>
+                  <a:rPr lang="pt-BR" dirty="0" smtClean="0"/>
+                  <a:t>em vermelho, </a:t>
+                </a:r>
+                <a:r>
+                  <a:rPr lang="pt-BR" dirty="0"/>
+                  <a:t>está associada a um </a:t>
+                </a:r>
+                <a:r>
+                  <a:rPr lang="pt-BR" b="1" i="1" dirty="0" smtClean="0"/>
+                  <a:t>classificador puramente aleatório</a:t>
+                </a:r>
+                <a:r>
+                  <a:rPr lang="pt-BR" dirty="0" smtClean="0"/>
+                  <a:t>. Um </a:t>
+                </a:r>
+                <a:r>
+                  <a:rPr lang="pt-BR" dirty="0"/>
+                  <a:t>bom </a:t>
+                </a:r>
+                <a:r>
+                  <a:rPr lang="pt-BR" b="1" i="1" dirty="0"/>
+                  <a:t>classificador</a:t>
+                </a:r>
+                <a:r>
+                  <a:rPr lang="pt-BR" dirty="0"/>
+                  <a:t> fica o mais longe possível dessa linha (em direção ao canto superior esquerdo</a:t>
+                </a:r>
+                <a:r>
+                  <a:rPr lang="pt-BR" dirty="0" smtClean="0"/>
+                  <a:t>).</a:t>
+                </a:r>
+              </a:p>
+              <a:p>
+                <a:r>
+                  <a:rPr lang="pt-BR" dirty="0"/>
+                  <a:t>Um </a:t>
+                </a:r>
+                <a:r>
+                  <a:rPr lang="pt-BR" b="1" i="1" dirty="0"/>
+                  <a:t>classificador </a:t>
+                </a:r>
+                <a:r>
+                  <a:rPr lang="pt-BR" b="1" i="1" dirty="0" smtClean="0"/>
+                  <a:t>perfeito</a:t>
+                </a:r>
+                <a:r>
+                  <a:rPr lang="pt-BR" dirty="0" smtClean="0"/>
+                  <a:t> para</a:t>
+                </a:r>
+                <a:r>
+                  <a:rPr lang="pt-BR" b="1" i="1" dirty="0" smtClean="0"/>
+                  <a:t> </a:t>
+                </a:r>
+                <a14:m>
+                  <m:oMath xmlns:m="http://schemas.openxmlformats.org/officeDocument/2006/math">
+                    <m:r>
+                      <a:rPr lang="pt-BR" i="1">
+                        <a:latin typeface="Cambria Math" panose="02040503050406030204" pitchFamily="18" charset="0"/>
+                      </a:rPr>
+                      <m:t>𝑇</m:t>
+                    </m:r>
+                    <m:r>
+                      <a:rPr lang="pt-BR" i="1">
+                        <a:latin typeface="Cambria Math" panose="02040503050406030204" pitchFamily="18" charset="0"/>
+                      </a:rPr>
+                      <m:t>=0.5</m:t>
+                    </m:r>
+                  </m:oMath>
+                </a14:m>
+                <a:r>
+                  <a:rPr lang="pt-BR" dirty="0"/>
+                  <a:t> </a:t>
+                </a:r>
+                <a:r>
+                  <a:rPr lang="pt-BR" dirty="0" smtClean="0"/>
+                  <a:t>apresenta um </a:t>
+                </a:r>
+                <a:r>
+                  <a:rPr lang="pt-BR" b="1" dirty="0"/>
+                  <a:t>ponto</a:t>
+                </a:r>
+                <a:r>
+                  <a:rPr lang="pt-BR" dirty="0"/>
+                  <a:t> no canto superior esquerdo </a:t>
+                </a:r>
+                <a:r>
+                  <a:rPr lang="pt-BR" dirty="0" smtClean="0"/>
+                  <a:t>da </a:t>
+                </a:r>
+                <a:r>
+                  <a:rPr lang="pt-BR" dirty="0"/>
+                  <a:t>curva ROC, representando 100% de </a:t>
+                </a:r>
+                <a:r>
+                  <a:rPr lang="pt-BR" b="1" i="1" dirty="0" smtClean="0"/>
+                  <a:t>recall</a:t>
+                </a:r>
+                <a:r>
+                  <a:rPr lang="pt-BR" dirty="0" smtClean="0"/>
+                  <a:t> (ou seja, sem </a:t>
+                </a:r>
+                <a:r>
+                  <a:rPr lang="pt-BR" dirty="0"/>
+                  <a:t>falsos negativos) e 100% de </a:t>
+                </a:r>
+                <a:r>
+                  <a:rPr lang="pt-BR" b="1" i="1" dirty="0"/>
+                  <a:t>especificidade</a:t>
+                </a:r>
+                <a:r>
+                  <a:rPr lang="pt-BR" dirty="0"/>
+                  <a:t> </a:t>
+                </a:r>
+                <a:r>
+                  <a:rPr lang="pt-BR" dirty="0" smtClean="0"/>
+                  <a:t>(ou seja, sem </a:t>
+                </a:r>
+                <a:r>
+                  <a:rPr lang="pt-BR" dirty="0"/>
+                  <a:t>falsos positivos</a:t>
+                </a:r>
+                <a:r>
+                  <a:rPr lang="pt-BR" dirty="0" smtClean="0"/>
+                  <a:t>).</a:t>
+                </a:r>
+                <a:endParaRPr lang="pt-BR" dirty="0"/>
+              </a:p>
+            </p:txBody>
+          </p:sp>
+        </mc:Choice>
+        <mc:Fallback xmlns="">
+          <p:sp>
+            <p:nvSpPr>
+              <p:cNvPr id="3" name="Content Placeholder 2"/>
+              <p:cNvSpPr>
+                <a:spLocks noGrp="1" noRot="1" noChangeAspect="1" noMove="1" noResize="1" noEditPoints="1" noAdjustHandles="1" noChangeArrowheads="1" noChangeShapeType="1" noTextEdit="1"/>
+              </p:cNvSpPr>
+              <p:nvPr>
+                <p:ph idx="1"/>
+              </p:nvPr>
+            </p:nvSpPr>
+            <p:spPr>
+              <a:xfrm>
+                <a:off x="838199" y="1547446"/>
+                <a:ext cx="6695667" cy="5310554"/>
+              </a:xfrm>
+              <a:blipFill rotWithShape="0">
+                <a:blip r:embed="rId3"/>
+                <a:stretch>
+                  <a:fillRect l="-1183" t="-2641" r="-2093" b="-1033"/>
+                </a:stretch>
+              </a:blipFill>
+            </p:spPr>
+            <p:txBody>
+              <a:bodyPr/>
+              <a:lstStyle/>
+              <a:p>
+                <a:r>
+                  <a:rPr lang="pt-BR">
+                    <a:noFill/>
+                  </a:rPr>
+                  <a:t> </a:t>
+                </a:r>
+              </a:p>
+            </p:txBody>
+          </p:sp>
+        </mc:Fallback>
+      </mc:AlternateContent>
       <p:pic>
         <p:nvPicPr>
           <p:cNvPr id="6" name="Picture 5"/>
@@ -8925,7 +9018,7 @@
           <p:nvPr/>
         </p:nvPicPr>
         <p:blipFill rotWithShape="1">
-          <a:blip r:embed="rId3">
+          <a:blip r:embed="rId4">
             <a:extLst>
               <a:ext uri="{28A0092B-C50C-407E-A947-70E740481C1C}">
                 <a14:useLocalDpi xmlns:a14="http://schemas.microsoft.com/office/drawing/2010/main" val="0"/>
@@ -8989,8 +9082,8 @@
           </a:p>
         </p:txBody>
       </p:sp>
-      <mc:AlternateContent xmlns:mc="http://schemas.openxmlformats.org/markup-compatibility/2006">
-        <mc:Choice xmlns:a14="http://schemas.microsoft.com/office/drawing/2010/main" Requires="a14">
+      <mc:AlternateContent xmlns:mc="http://schemas.openxmlformats.org/markup-compatibility/2006" xmlns:a14="http://schemas.microsoft.com/office/drawing/2010/main">
+        <mc:Choice Requires="a14">
           <p:sp>
             <p:nvSpPr>
               <p:cNvPr id="5" name="Retângulo 4"/>
@@ -9012,6 +9105,7 @@
               </a:bodyPr>
               <a:lstStyle/>
               <a:p>
+                <a:pPr/>
                 <a14:m>
                   <m:oMathPara xmlns:m="http://schemas.openxmlformats.org/officeDocument/2006/math">
                     <m:oMathParaPr>
@@ -9021,7 +9115,7 @@
                       <m:f>
                         <m:fPr>
                           <m:ctrlPr>
-                            <a:rPr lang="pt-BR" smtClean="0">
+                            <a:rPr lang="pt-BR" i="1" smtClean="0">
                               <a:latin typeface="Cambria Math" panose="02040503050406030204" pitchFamily="18" charset="0"/>
                             </a:rPr>
                           </m:ctrlPr>
@@ -9072,7 +9166,7 @@
             </p:txBody>
           </p:sp>
         </mc:Choice>
-        <mc:Fallback>
+        <mc:Fallback xmlns="">
           <p:sp>
             <p:nvSpPr>
               <p:cNvPr id="5" name="Retângulo 4"/>
@@ -9090,7 +9184,7 @@
                 <a:avLst/>
               </a:prstGeom>
               <a:blipFill rotWithShape="0">
-                <a:blip r:embed="rId4"/>
+                <a:blip r:embed="rId5"/>
                 <a:stretch>
                   <a:fillRect/>
                 </a:stretch>
@@ -9111,8 +9205,8 @@
           </p:sp>
         </mc:Fallback>
       </mc:AlternateContent>
-      <mc:AlternateContent xmlns:mc="http://schemas.openxmlformats.org/markup-compatibility/2006">
-        <mc:Choice xmlns:a14="http://schemas.microsoft.com/office/drawing/2010/main" Requires="a14">
+      <mc:AlternateContent xmlns:mc="http://schemas.openxmlformats.org/markup-compatibility/2006" xmlns:a14="http://schemas.microsoft.com/office/drawing/2010/main">
+        <mc:Choice Requires="a14">
           <p:sp>
             <p:nvSpPr>
               <p:cNvPr id="7" name="Retângulo 6"/>
@@ -9134,6 +9228,7 @@
               </a:bodyPr>
               <a:lstStyle/>
               <a:p>
+                <a:pPr/>
                 <a14:m>
                   <m:oMathPara xmlns:m="http://schemas.openxmlformats.org/officeDocument/2006/math">
                     <m:oMathParaPr>
@@ -9156,16 +9251,7 @@
                             <a:rPr lang="pt-BR">
                               <a:latin typeface="Cambria Math" panose="02040503050406030204" pitchFamily="18" charset="0"/>
                             </a:rPr>
-                            <m:t>F</m:t>
-                          </m:r>
-                          <m:r>
-                            <m:rPr>
-                              <m:sty m:val="p"/>
-                            </m:rPr>
-                            <a:rPr lang="pt-BR">
-                              <a:latin typeface="Cambria Math" panose="02040503050406030204" pitchFamily="18" charset="0"/>
-                            </a:rPr>
-                            <m:t>P</m:t>
+                            <m:t>FP</m:t>
                           </m:r>
                         </m:num>
                         <m:den>
@@ -9176,16 +9262,7 @@
                             <a:rPr lang="pt-BR">
                               <a:latin typeface="Cambria Math" panose="02040503050406030204" pitchFamily="18" charset="0"/>
                             </a:rPr>
-                            <m:t>T</m:t>
-                          </m:r>
-                          <m:r>
-                            <m:rPr>
-                              <m:sty m:val="p"/>
-                            </m:rPr>
-                            <a:rPr lang="pt-BR">
-                              <a:latin typeface="Cambria Math" panose="02040503050406030204" pitchFamily="18" charset="0"/>
-                            </a:rPr>
-                            <m:t>N</m:t>
+                            <m:t>TN</m:t>
                           </m:r>
                           <m:r>
                             <a:rPr lang="pt-BR">
@@ -9212,7 +9289,7 @@
             </p:txBody>
           </p:sp>
         </mc:Choice>
-        <mc:Fallback>
+        <mc:Fallback xmlns="">
           <p:sp>
             <p:nvSpPr>
               <p:cNvPr id="7" name="Retângulo 6"/>
@@ -9230,7 +9307,7 @@
                 <a:avLst/>
               </a:prstGeom>
               <a:blipFill rotWithShape="0">
-                <a:blip r:embed="rId5"/>
+                <a:blip r:embed="rId6"/>
                 <a:stretch>
                   <a:fillRect/>
                 </a:stretch>
@@ -9339,7 +9416,11 @@
                 </a:pPr>
                 <a:r>
                   <a:rPr lang="pt-BR" b="1" dirty="0" smtClean="0"/>
-                  <a:t>Curva Característica de Operação do Receptor (Curva ROC)</a:t>
+                  <a:t>Curva Característica de Operação do </a:t>
+                </a:r>
+                <a:r>
+                  <a:rPr lang="pt-BR" b="1" dirty="0" smtClean="0"/>
+                  <a:t>Receptor</a:t>
                 </a:r>
               </a:p>
               <a:p>
@@ -9379,15 +9460,7 @@
                 </a:r>
                 <a:r>
                   <a:rPr lang="pt-BR" dirty="0" smtClean="0"/>
-                  <a:t> </a:t>
-                </a:r>
-                <a:r>
-                  <a:rPr lang="pt-BR" dirty="0" smtClean="0"/>
-                  <a:t>apresentam em sua </a:t>
-                </a:r>
-                <a:r>
-                  <a:rPr lang="pt-BR" dirty="0" smtClean="0"/>
-                  <a:t>saída uma probabilidade </a:t>
+                  <a:t> apresentam em sua saída uma probabilidade </a:t>
                 </a:r>
                 <a:r>
                   <a:rPr lang="pt-BR" dirty="0"/>
@@ -9418,11 +9491,7 @@
                 </a:r>
                 <a:r>
                   <a:rPr lang="pt-BR" dirty="0"/>
-                  <a:t>são</a:t>
-                </a:r>
-                <a:r>
-                  <a:rPr lang="pt-BR" dirty="0"/>
-                  <a:t>, então, discretizadas para que se tenha a decisão final: por exemplo, </a:t>
+                  <a:t>são, então, discretizadas para que se tenha a decisão final: por exemplo, </a:t>
                 </a:r>
                 <a:r>
                   <a:rPr lang="pt-BR" dirty="0" smtClean="0"/>
@@ -9870,15 +9939,11 @@
             </a:pPr>
             <a:r>
               <a:rPr lang="pt-BR" sz="3400" b="1" dirty="0" smtClean="0"/>
-              <a:t>Curva Característica </a:t>
+              <a:t>Curva Característica de Operação do </a:t>
             </a:r>
             <a:r>
               <a:rPr lang="pt-BR" sz="3400" b="1" dirty="0" smtClean="0"/>
-              <a:t>de Operação </a:t>
-            </a:r>
-            <a:r>
-              <a:rPr lang="pt-BR" sz="3400" b="1" dirty="0" smtClean="0"/>
-              <a:t>do Receptor (Curva ROC)</a:t>
+              <a:t>Receptor</a:t>
             </a:r>
             <a:endParaRPr lang="pt-BR" sz="3400" dirty="0" smtClean="0"/>
           </a:p>
@@ -10019,7 +10084,7 @@
             </a:r>
             <a:r>
               <a:rPr lang="pt-BR" b="1" i="1" dirty="0" smtClean="0"/>
-              <a:t>limiar</a:t>
+              <a:t>limiar de quantização</a:t>
             </a:r>
             <a:r>
               <a:rPr lang="pt-BR" dirty="0" smtClean="0"/>
@@ -10652,11 +10717,7 @@
             </a:r>
             <a:r>
               <a:rPr lang="pt-BR" b="1" i="1" dirty="0" smtClean="0"/>
-              <a:t>classificação </a:t>
-            </a:r>
-            <a:r>
-              <a:rPr lang="pt-BR" b="1" i="1" dirty="0" smtClean="0"/>
-              <a:t>multi-classes</a:t>
+              <a:t>classificação multi-classes</a:t>
             </a:r>
             <a:r>
               <a:rPr lang="pt-BR" dirty="0"/>
@@ -10696,7 +10757,6 @@
               <a:rPr lang="pt-BR" dirty="0" smtClean="0"/>
               <a:t>Regressão Softmax</a:t>
             </a:r>
-            <a:endParaRPr lang="pt-BR" dirty="0" smtClean="0"/>
           </a:p>
           <a:p>
             <a:r>
@@ -10848,7 +10908,6 @@
               <a:rPr lang="pt-BR" dirty="0" smtClean="0"/>
               <a:t>Várias métricas podem ser extraídas da matriz.</a:t>
             </a:r>
-            <a:endParaRPr lang="pt-BR" dirty="0" smtClean="0"/>
           </a:p>
           <a:p>
             <a:pPr lvl="1">
@@ -10966,8 +11025,8 @@
           </a:p>
         </p:txBody>
       </p:sp>
-      <mc:AlternateContent xmlns:mc="http://schemas.openxmlformats.org/markup-compatibility/2006">
-        <mc:Choice xmlns:a14="http://schemas.microsoft.com/office/drawing/2010/main" Requires="a14">
+      <mc:AlternateContent xmlns:mc="http://schemas.openxmlformats.org/markup-compatibility/2006" xmlns:a14="http://schemas.microsoft.com/office/drawing/2010/main">
+        <mc:Choice Requires="a14">
           <p:sp>
             <p:nvSpPr>
               <p:cNvPr id="3" name="Content Placeholder 2"/>
@@ -11651,11 +11710,7 @@
                 </a14:m>
                 <a:r>
                   <a:rPr lang="pt-BR" dirty="0" smtClean="0"/>
-                  <a:t> é a saída do classificador. Observe </a:t>
-                </a:r>
-                <a:r>
-                  <a:rPr lang="pt-BR" dirty="0" smtClean="0"/>
-                  <a:t>que </a:t>
+                  <a:t> é a saída do classificador. Observe que </a:t>
                 </a:r>
                 <a14:m>
                   <m:oMath xmlns:m="http://schemas.openxmlformats.org/officeDocument/2006/math">
@@ -11941,7 +11996,7 @@
             </p:txBody>
           </p:sp>
         </mc:Choice>
-        <mc:Fallback>
+        <mc:Fallback xmlns="">
           <p:sp>
             <p:nvSpPr>
               <p:cNvPr id="3" name="Content Placeholder 2"/>
@@ -12043,8 +12098,8 @@
           </a:p>
         </p:txBody>
       </p:sp>
-      <mc:AlternateContent xmlns:mc="http://schemas.openxmlformats.org/markup-compatibility/2006">
-        <mc:Choice xmlns:a14="http://schemas.microsoft.com/office/drawing/2010/main" Requires="a14">
+      <mc:AlternateContent xmlns:mc="http://schemas.openxmlformats.org/markup-compatibility/2006" xmlns:a14="http://schemas.microsoft.com/office/drawing/2010/main">
+        <mc:Choice Requires="a14">
           <p:sp>
             <p:nvSpPr>
               <p:cNvPr id="3" name="Content Placeholder 2"/>
@@ -12261,11 +12316,7 @@
                 </a14:m>
                 <a:r>
                   <a:rPr lang="pt-BR" sz="3200" dirty="0" smtClean="0"/>
-                  <a:t>, </a:t>
-                </a:r>
-                <a:r>
-                  <a:rPr lang="pt-BR" sz="3200" dirty="0" smtClean="0"/>
-                  <a:t>é definida como</a:t>
+                  <a:t>, é definida como</a:t>
                 </a:r>
               </a:p>
               <a:p>
@@ -12846,11 +12897,7 @@
                 </a:r>
                 <a:r>
                   <a:rPr lang="pt-BR" sz="3200" dirty="0" smtClean="0"/>
-                  <a:t>classe</a:t>
-                </a:r>
-                <a:r>
-                  <a:rPr lang="pt-BR" sz="3200" dirty="0" smtClean="0"/>
-                  <a:t>.</a:t>
+                  <a:t>classe.</a:t>
                 </a:r>
               </a:p>
               <a:p>
@@ -12974,7 +13021,7 @@
             </p:txBody>
           </p:sp>
         </mc:Choice>
-        <mc:Fallback>
+        <mc:Fallback xmlns="">
           <p:sp>
             <p:nvSpPr>
               <p:cNvPr id="3" name="Content Placeholder 2"/>
@@ -13244,15 +13291,7 @@
             <a:pPr algn="ctr"/>
             <a:r>
               <a:rPr lang="pt-BR" sz="1400" dirty="0" smtClean="0"/>
-              <a:t>Quantidade de </a:t>
-            </a:r>
-            <a:r>
-              <a:rPr lang="pt-BR" sz="1400" dirty="0" smtClean="0"/>
-              <a:t>exemplos realmente </a:t>
-            </a:r>
-            <a:r>
-              <a:rPr lang="pt-BR" sz="1400" dirty="0" smtClean="0"/>
-              <a:t>pertencentes à classe 1.</a:t>
+              <a:t>Quantidade de exemplos realmente pertencentes à classe 1.</a:t>
             </a:r>
             <a:endParaRPr lang="pt-BR" sz="1400" dirty="0"/>
           </a:p>
@@ -13332,8 +13371,8 @@
           </a:p>
         </p:txBody>
       </p:sp>
-      <mc:AlternateContent xmlns:mc="http://schemas.openxmlformats.org/markup-compatibility/2006">
-        <mc:Choice xmlns:a14="http://schemas.microsoft.com/office/drawing/2010/main" Requires="a14">
+      <mc:AlternateContent xmlns:mc="http://schemas.openxmlformats.org/markup-compatibility/2006" xmlns:a14="http://schemas.microsoft.com/office/drawing/2010/main">
+        <mc:Choice Requires="a14">
           <p:sp>
             <p:nvSpPr>
               <p:cNvPr id="10" name="Rectangle 9"/>
@@ -13495,7 +13534,7 @@
             </p:txBody>
           </p:sp>
         </mc:Choice>
-        <mc:Fallback>
+        <mc:Fallback xmlns="">
           <p:sp>
             <p:nvSpPr>
               <p:cNvPr id="10" name="Rectangle 9"/>
@@ -13598,8 +13637,8 @@
           </a:p>
         </p:txBody>
       </p:sp>
-      <mc:AlternateContent xmlns:mc="http://schemas.openxmlformats.org/markup-compatibility/2006">
-        <mc:Choice xmlns:a14="http://schemas.microsoft.com/office/drawing/2010/main" Requires="a14">
+      <mc:AlternateContent xmlns:mc="http://schemas.openxmlformats.org/markup-compatibility/2006" xmlns:a14="http://schemas.microsoft.com/office/drawing/2010/main">
+        <mc:Choice Requires="a14">
           <p:sp>
             <p:nvSpPr>
               <p:cNvPr id="3" name="Content Placeholder 2"/>
@@ -13769,7 +13808,6 @@
                   <a:rPr lang="pt-BR" dirty="0" smtClean="0"/>
                   <a:t>negativa.</a:t>
                 </a:r>
-                <a:endParaRPr lang="pt-BR" dirty="0" smtClean="0"/>
               </a:p>
               <a:p>
                 <a:r>
@@ -13804,7 +13842,6 @@
                   <a:rPr lang="pt-BR" dirty="0" smtClean="0"/>
                   <a:t>positiva.</a:t>
                 </a:r>
-                <a:endParaRPr lang="pt-BR" dirty="0" smtClean="0"/>
               </a:p>
               <a:p>
                 <a:pPr>
@@ -13821,11 +13858,7 @@
                 </a:r>
                 <a:r>
                   <a:rPr lang="pt-BR" dirty="0" smtClean="0"/>
-                  <a:t>: Algumas </a:t>
-                </a:r>
-                <a:r>
-                  <a:rPr lang="pt-BR" dirty="0" smtClean="0"/>
-                  <a:t>definições que vamos precisar a seguir: </a:t>
+                  <a:t>: Algumas definições que vamos precisar a seguir: </a:t>
                 </a:r>
               </a:p>
               <a:p>
@@ -14027,7 +14060,7 @@
             </p:txBody>
           </p:sp>
         </mc:Choice>
-        <mc:Fallback>
+        <mc:Fallback xmlns="">
           <p:sp>
             <p:nvSpPr>
               <p:cNvPr id="3" name="Content Placeholder 2"/>
@@ -16024,8 +16057,8 @@
           </a:p>
         </p:txBody>
       </p:sp>
-      <mc:AlternateContent xmlns:mc="http://schemas.openxmlformats.org/markup-compatibility/2006">
-        <mc:Choice xmlns:a14="http://schemas.microsoft.com/office/drawing/2010/main" Requires="a14">
+      <mc:AlternateContent xmlns:mc="http://schemas.openxmlformats.org/markup-compatibility/2006" xmlns:a14="http://schemas.microsoft.com/office/drawing/2010/main">
+        <mc:Choice Requires="a14">
           <p:sp>
             <p:nvSpPr>
               <p:cNvPr id="3" name="Content Placeholder 2"/>
@@ -16909,7 +16942,7 @@
                     <m:d>
                       <m:dPr>
                         <m:ctrlPr>
-                          <a:rPr lang="pt-BR">
+                          <a:rPr lang="pt-BR" i="1">
                             <a:latin typeface="Cambria Math" panose="02040503050406030204" pitchFamily="18" charset="0"/>
                           </a:rPr>
                         </m:ctrlPr>
@@ -16919,7 +16952,7 @@
                           <m:accPr>
                             <m:chr m:val="̂"/>
                             <m:ctrlPr>
-                              <a:rPr lang="pt-BR">
+                              <a:rPr lang="pt-BR" i="1">
                                 <a:latin typeface="Cambria Math" panose="02040503050406030204" pitchFamily="18" charset="0"/>
                               </a:rPr>
                             </m:ctrlPr>
@@ -16936,7 +16969,7 @@
                         <m:d>
                           <m:dPr>
                             <m:ctrlPr>
-                              <a:rPr lang="pt-BR">
+                              <a:rPr lang="pt-BR" i="1">
                                 <a:latin typeface="Cambria Math" panose="02040503050406030204" pitchFamily="18" charset="0"/>
                               </a:rPr>
                             </m:ctrlPr>
@@ -16961,7 +16994,7 @@
                     <m:f>
                       <m:fPr>
                         <m:ctrlPr>
-                          <a:rPr lang="pt-BR">
+                          <a:rPr lang="pt-BR" i="1">
                             <a:latin typeface="Cambria Math" panose="02040503050406030204" pitchFamily="18" charset="0"/>
                           </a:rPr>
                         </m:ctrlPr>
@@ -17018,7 +17051,7 @@
             </p:txBody>
           </p:sp>
         </mc:Choice>
-        <mc:Fallback>
+        <mc:Fallback xmlns="">
           <p:sp>
             <p:nvSpPr>
               <p:cNvPr id="3" name="Content Placeholder 2"/>
@@ -17056,8 +17089,8 @@
           </p:sp>
         </mc:Fallback>
       </mc:AlternateContent>
-      <mc:AlternateContent xmlns:mc="http://schemas.openxmlformats.org/markup-compatibility/2006">
-        <mc:Choice xmlns:a14="http://schemas.microsoft.com/office/drawing/2010/main" Requires="a14">
+      <mc:AlternateContent xmlns:mc="http://schemas.openxmlformats.org/markup-compatibility/2006" xmlns:a14="http://schemas.microsoft.com/office/drawing/2010/main">
+        <mc:Choice Requires="a14">
           <p:sp>
             <p:nvSpPr>
               <p:cNvPr id="4" name="Rectangle 5"/>
@@ -17169,7 +17202,7 @@
             </p:txBody>
           </p:sp>
         </mc:Choice>
-        <mc:Fallback>
+        <mc:Fallback xmlns="">
           <p:sp>
             <p:nvSpPr>
               <p:cNvPr id="4" name="Rectangle 5"/>
@@ -17254,8 +17287,8 @@
           </a:p>
         </p:txBody>
       </p:sp>
-      <mc:AlternateContent xmlns:mc="http://schemas.openxmlformats.org/markup-compatibility/2006">
-        <mc:Choice xmlns:a14="http://schemas.microsoft.com/office/drawing/2010/main" Requires="a14">
+      <mc:AlternateContent xmlns:mc="http://schemas.openxmlformats.org/markup-compatibility/2006" xmlns:a14="http://schemas.microsoft.com/office/drawing/2010/main">
+        <mc:Choice Requires="a14">
           <p:sp>
             <p:nvSpPr>
               <p:cNvPr id="7" name="Rectangle 5"/>
@@ -17367,7 +17400,7 @@
             </p:txBody>
           </p:sp>
         </mc:Choice>
-        <mc:Fallback>
+        <mc:Fallback xmlns="">
           <p:sp>
             <p:nvSpPr>
               <p:cNvPr id="7" name="Rectangle 5"/>
@@ -17511,8 +17544,8 @@
           </a:p>
         </p:txBody>
       </p:sp>
-      <mc:AlternateContent xmlns:mc="http://schemas.openxmlformats.org/markup-compatibility/2006">
-        <mc:Choice xmlns:a14="http://schemas.microsoft.com/office/drawing/2010/main" Requires="a14">
+      <mc:AlternateContent xmlns:mc="http://schemas.openxmlformats.org/markup-compatibility/2006" xmlns:a14="http://schemas.microsoft.com/office/drawing/2010/main">
+        <mc:Choice Requires="a14">
           <p:sp>
             <p:nvSpPr>
               <p:cNvPr id="3" name="Content Placeholder 2"/>
@@ -17574,19 +17607,11 @@
                 </a:r>
                 <a:r>
                   <a:rPr lang="pt-BR" dirty="0"/>
-                  <a:t>corretamente </a:t>
-                </a:r>
-                <a:r>
-                  <a:rPr lang="pt-BR" dirty="0"/>
-                  <a:t>classificados </a:t>
+                  <a:t>corretamente classificados </a:t>
                 </a:r>
                 <a:r>
                   <a:rPr lang="pt-BR" dirty="0" smtClean="0"/>
-                  <a:t>(TP) </a:t>
-                </a:r>
-                <a:r>
-                  <a:rPr lang="pt-BR" dirty="0" smtClean="0"/>
-                  <a:t>em </a:t>
+                  <a:t>(TP) em </a:t>
                 </a:r>
                 <a:r>
                   <a:rPr lang="pt-BR" dirty="0"/>
@@ -17596,7 +17621,6 @@
                   <a:rPr lang="pt-BR" dirty="0" smtClean="0"/>
                   <a:t>positiva (TP+FP).</a:t>
                 </a:r>
-                <a:endParaRPr lang="pt-BR" dirty="0" smtClean="0"/>
               </a:p>
               <a:p>
                 <a:pPr marL="0" indent="0" algn="ctr">
@@ -17792,11 +17816,7 @@
                 </a:r>
                 <a:r>
                   <a:rPr lang="pt-BR" dirty="0" smtClean="0"/>
-                  <a:t>corretamente </a:t>
-                </a:r>
-                <a:r>
-                  <a:rPr lang="pt-BR" dirty="0" smtClean="0"/>
-                  <a:t>classificados.</a:t>
+                  <a:t>corretamente classificados.</a:t>
                 </a:r>
               </a:p>
               <a:p>
@@ -18281,7 +18301,7 @@
             </p:txBody>
           </p:sp>
         </mc:Choice>
-        <mc:Fallback>
+        <mc:Fallback xmlns="">
           <p:sp>
             <p:nvSpPr>
               <p:cNvPr id="3" name="Content Placeholder 2"/>
@@ -18365,8 +18385,8 @@
           </a:p>
         </p:txBody>
       </p:sp>
-      <mc:AlternateContent xmlns:mc="http://schemas.openxmlformats.org/markup-compatibility/2006">
-        <mc:Choice xmlns:a14="http://schemas.microsoft.com/office/drawing/2010/main" Requires="a14">
+      <mc:AlternateContent xmlns:mc="http://schemas.openxmlformats.org/markup-compatibility/2006" xmlns:a14="http://schemas.microsoft.com/office/drawing/2010/main">
+        <mc:Choice Requires="a14">
           <p:sp>
             <p:nvSpPr>
               <p:cNvPr id="19" name="Rectangle 5"/>
@@ -18478,7 +18498,7 @@
             </p:txBody>
           </p:sp>
         </mc:Choice>
-        <mc:Fallback>
+        <mc:Fallback xmlns="">
           <p:sp>
             <p:nvSpPr>
               <p:cNvPr id="19" name="Rectangle 5"/>
@@ -18517,8 +18537,8 @@
           </p:sp>
         </mc:Fallback>
       </mc:AlternateContent>
-      <mc:AlternateContent xmlns:mc="http://schemas.openxmlformats.org/markup-compatibility/2006">
-        <mc:Choice xmlns:a14="http://schemas.microsoft.com/office/drawing/2010/main" Requires="a14">
+      <mc:AlternateContent xmlns:mc="http://schemas.openxmlformats.org/markup-compatibility/2006" xmlns:a14="http://schemas.microsoft.com/office/drawing/2010/main">
+        <mc:Choice Requires="a14">
           <p:sp>
             <p:nvSpPr>
               <p:cNvPr id="20" name="Rectangle 5"/>
@@ -18630,7 +18650,7 @@
             </p:txBody>
           </p:sp>
         </mc:Choice>
-        <mc:Fallback>
+        <mc:Fallback xmlns="">
           <p:sp>
             <p:nvSpPr>
               <p:cNvPr id="20" name="Rectangle 5"/>
@@ -18715,8 +18735,8 @@
           </a:p>
         </p:txBody>
       </p:sp>
-      <mc:AlternateContent xmlns:mc="http://schemas.openxmlformats.org/markup-compatibility/2006">
-        <mc:Choice xmlns:a14="http://schemas.microsoft.com/office/drawing/2010/main" Requires="a14">
+      <mc:AlternateContent xmlns:mc="http://schemas.openxmlformats.org/markup-compatibility/2006" xmlns:a14="http://schemas.microsoft.com/office/drawing/2010/main">
+        <mc:Choice Requires="a14">
           <p:sp>
             <p:nvSpPr>
               <p:cNvPr id="23" name="Rectangle 5"/>
@@ -18828,7 +18848,7 @@
             </p:txBody>
           </p:sp>
         </mc:Choice>
-        <mc:Fallback>
+        <mc:Fallback xmlns="">
           <p:sp>
             <p:nvSpPr>
               <p:cNvPr id="23" name="Rectangle 5"/>
@@ -18982,8 +19002,8 @@
           </a:p>
         </p:txBody>
       </p:sp>
-      <mc:AlternateContent xmlns:mc="http://schemas.openxmlformats.org/markup-compatibility/2006">
-        <mc:Choice xmlns:a14="http://schemas.microsoft.com/office/drawing/2010/main" Requires="a14">
+      <mc:AlternateContent xmlns:mc="http://schemas.openxmlformats.org/markup-compatibility/2006" xmlns:a14="http://schemas.microsoft.com/office/drawing/2010/main">
+        <mc:Choice Requires="a14">
           <p:sp>
             <p:nvSpPr>
               <p:cNvPr id="3" name="Content Placeholder 2"/>
@@ -19139,11 +19159,7 @@
                 </a:r>
                 <a:r>
                   <a:rPr lang="pt-BR" dirty="0" smtClean="0"/>
-                  <a:t>negativa. </a:t>
-                </a:r>
-                <a:r>
-                  <a:rPr lang="pt-BR" dirty="0" smtClean="0"/>
-                  <a:t>Assim</a:t>
+                  <a:t>negativa. Assim</a:t>
                 </a:r>
                 <a:r>
                   <a:rPr lang="pt-BR" dirty="0"/>
@@ -19175,7 +19191,6 @@
                   <a:rPr lang="pt-BR" dirty="0" smtClean="0"/>
                   <a:t> classes.</a:t>
                 </a:r>
-                <a:endParaRPr lang="pt-BR" dirty="0" smtClean="0"/>
               </a:p>
               <a:p>
                 <a:r>
@@ -19301,12 +19316,11 @@
                   <a:rPr lang="pt-BR" dirty="0" smtClean="0"/>
                   <a:t>.</a:t>
                 </a:r>
-                <a:endParaRPr lang="pt-BR" dirty="0" smtClean="0"/>
               </a:p>
             </p:txBody>
           </p:sp>
         </mc:Choice>
-        <mc:Fallback>
+        <mc:Fallback xmlns="">
           <p:sp>
             <p:nvSpPr>
               <p:cNvPr id="3" name="Content Placeholder 2"/>
@@ -19344,8 +19358,8 @@
           </p:sp>
         </mc:Fallback>
       </mc:AlternateContent>
-      <mc:AlternateContent xmlns:mc="http://schemas.openxmlformats.org/markup-compatibility/2006">
-        <mc:Choice xmlns:a14="http://schemas.microsoft.com/office/drawing/2010/main" Requires="a14">
+      <mc:AlternateContent xmlns:mc="http://schemas.openxmlformats.org/markup-compatibility/2006" xmlns:a14="http://schemas.microsoft.com/office/drawing/2010/main">
+        <mc:Choice Requires="a14">
           <p:graphicFrame>
             <p:nvGraphicFramePr>
               <p:cNvPr id="4" name="Table 3"/>
@@ -20905,7 +20919,7 @@
             </a:graphic>
           </p:graphicFrame>
         </mc:Choice>
-        <mc:Fallback>
+        <mc:Fallback xmlns="">
           <p:graphicFrame>
             <p:nvGraphicFramePr>
               <p:cNvPr id="4" name="Table 3"/>
@@ -22202,8 +22216,8 @@
           </p:graphicFrame>
         </mc:Fallback>
       </mc:AlternateContent>
-      <mc:AlternateContent xmlns:mc="http://schemas.openxmlformats.org/markup-compatibility/2006">
-        <mc:Choice xmlns:a14="http://schemas.microsoft.com/office/drawing/2010/main" Requires="a14">
+      <mc:AlternateContent xmlns:mc="http://schemas.openxmlformats.org/markup-compatibility/2006" xmlns:a14="http://schemas.microsoft.com/office/drawing/2010/main">
+        <mc:Choice Requires="a14">
           <p:graphicFrame>
             <p:nvGraphicFramePr>
               <p:cNvPr id="5" name="Table 4"/>
@@ -23921,7 +23935,7 @@
             </a:graphic>
           </p:graphicFrame>
         </mc:Choice>
-        <mc:Fallback>
+        <mc:Fallback xmlns="">
           <p:graphicFrame>
             <p:nvGraphicFramePr>
               <p:cNvPr id="5" name="Table 4"/>
@@ -25328,8 +25342,8 @@
           </p:graphicFrame>
         </mc:Fallback>
       </mc:AlternateContent>
-      <mc:AlternateContent xmlns:mc="http://schemas.openxmlformats.org/markup-compatibility/2006">
-        <mc:Choice xmlns:a14="http://schemas.microsoft.com/office/drawing/2010/main" Requires="a14">
+      <mc:AlternateContent xmlns:mc="http://schemas.openxmlformats.org/markup-compatibility/2006" xmlns:a14="http://schemas.microsoft.com/office/drawing/2010/main">
+        <mc:Choice Requires="a14">
           <p:graphicFrame>
             <p:nvGraphicFramePr>
               <p:cNvPr id="6" name="Table 5"/>
@@ -27097,7 +27111,7 @@
             </a:graphic>
           </p:graphicFrame>
         </mc:Choice>
-        <mc:Fallback>
+        <mc:Fallback xmlns="">
           <p:graphicFrame>
             <p:nvGraphicFramePr>
               <p:cNvPr id="6" name="Table 5"/>
@@ -28538,8 +28552,8 @@
           </p:graphicFrame>
         </mc:Fallback>
       </mc:AlternateContent>
-      <mc:AlternateContent xmlns:mc="http://schemas.openxmlformats.org/markup-compatibility/2006">
-        <mc:Choice xmlns:a14="http://schemas.microsoft.com/office/drawing/2010/main" Requires="a14">
+      <mc:AlternateContent xmlns:mc="http://schemas.openxmlformats.org/markup-compatibility/2006" xmlns:a14="http://schemas.microsoft.com/office/drawing/2010/main">
+        <mc:Choice Requires="a14">
           <p:sp>
             <p:nvSpPr>
               <p:cNvPr id="7" name="CaixaDeTexto 6"/>
@@ -28598,18 +28612,14 @@
                 </a14:m>
                 <a:r>
                   <a:rPr lang="pt-BR" sz="1600" dirty="0" smtClean="0"/>
-                  <a:t> é </a:t>
-                </a:r>
-                <a:r>
-                  <a:rPr lang="pt-BR" sz="1600" dirty="0" smtClean="0"/>
-                  <a:t>a positiva.</a:t>
+                  <a:t> é a positiva.</a:t>
                 </a:r>
                 <a:endParaRPr lang="pt-BR" sz="1600" dirty="0"/>
               </a:p>
             </p:txBody>
           </p:sp>
         </mc:Choice>
-        <mc:Fallback>
+        <mc:Fallback xmlns="">
           <p:sp>
             <p:nvSpPr>
               <p:cNvPr id="7" name="CaixaDeTexto 6"/>
@@ -28648,8 +28658,8 @@
           </p:sp>
         </mc:Fallback>
       </mc:AlternateContent>
-      <mc:AlternateContent xmlns:mc="http://schemas.openxmlformats.org/markup-compatibility/2006">
-        <mc:Choice xmlns:a14="http://schemas.microsoft.com/office/drawing/2010/main" Requires="a14">
+      <mc:AlternateContent xmlns:mc="http://schemas.openxmlformats.org/markup-compatibility/2006" xmlns:a14="http://schemas.microsoft.com/office/drawing/2010/main">
+        <mc:Choice Requires="a14">
           <p:sp>
             <p:nvSpPr>
               <p:cNvPr id="8" name="CaixaDeTexto 7"/>
@@ -28715,7 +28725,7 @@
             </p:txBody>
           </p:sp>
         </mc:Choice>
-        <mc:Fallback>
+        <mc:Fallback xmlns="">
           <p:sp>
             <p:nvSpPr>
               <p:cNvPr id="8" name="CaixaDeTexto 7"/>
@@ -28754,8 +28764,8 @@
           </p:sp>
         </mc:Fallback>
       </mc:AlternateContent>
-      <mc:AlternateContent xmlns:mc="http://schemas.openxmlformats.org/markup-compatibility/2006">
-        <mc:Choice xmlns:a14="http://schemas.microsoft.com/office/drawing/2010/main" Requires="a14">
+      <mc:AlternateContent xmlns:mc="http://schemas.openxmlformats.org/markup-compatibility/2006" xmlns:a14="http://schemas.microsoft.com/office/drawing/2010/main">
+        <mc:Choice Requires="a14">
           <p:sp>
             <p:nvSpPr>
               <p:cNvPr id="9" name="CaixaDeTexto 8"/>
@@ -28827,7 +28837,7 @@
             </p:txBody>
           </p:sp>
         </mc:Choice>
-        <mc:Fallback>
+        <mc:Fallback xmlns="">
           <p:sp>
             <p:nvSpPr>
               <p:cNvPr id="9" name="CaixaDeTexto 8"/>
